--- a/PPTX/Card-Feb2024.pptx
+++ b/PPTX/Card-Feb2024.pptx
@@ -5,13 +5,20 @@
     <p:sldMasterId id="2147483648" r:id="rId1"/>
   </p:sldMasterIdLst>
   <p:notesMasterIdLst>
-    <p:notesMasterId r:id="rId6"/>
+    <p:notesMasterId r:id="rId13"/>
   </p:notesMasterIdLst>
   <p:sldIdLst>
     <p:sldId id="256" r:id="rId2"/>
-    <p:sldId id="258" r:id="rId3"/>
-    <p:sldId id="259" r:id="rId4"/>
-    <p:sldId id="257" r:id="rId5"/>
+    <p:sldId id="265" r:id="rId3"/>
+    <p:sldId id="266" r:id="rId4"/>
+    <p:sldId id="262" r:id="rId5"/>
+    <p:sldId id="263" r:id="rId6"/>
+    <p:sldId id="264" r:id="rId7"/>
+    <p:sldId id="260" r:id="rId8"/>
+    <p:sldId id="261" r:id="rId9"/>
+    <p:sldId id="258" r:id="rId10"/>
+    <p:sldId id="259" r:id="rId11"/>
+    <p:sldId id="257" r:id="rId12"/>
   </p:sldIdLst>
   <p:sldSz cx="12192000" cy="6858000"/>
   <p:notesSz cx="6858000" cy="9144000"/>
@@ -200,7 +207,7 @@
           <a:p>
             <a:fld id="{2C4A46CC-D59D-4339-8BB1-A9F9ED2A9232}" type="datetimeFigureOut">
               <a:rPr kumimoji="1" lang="ja-JP" altLang="en-US" smtClean="0"/>
-              <a:t>2024/2/21</a:t>
+              <a:t>2024/4/15</a:t>
             </a:fld>
             <a:endParaRPr kumimoji="1" lang="ja-JP" altLang="en-US"/>
           </a:p>
@@ -513,59 +520,50 @@
           <a:lstStyle/>
           <a:p>
             <a:r>
-              <a:rPr kumimoji="1" lang="en-US" altLang="ja-JP" b="1" dirty="0">
-                <a:solidFill>
-                  <a:schemeClr val="accent5"/>
-                </a:solidFill>
-              </a:rPr>
-              <a:t>Geometry of domains versus geometry of manifolds:</a:t>
-            </a:r>
-          </a:p>
-          <a:p>
-            <a:endParaRPr kumimoji="1" lang="en-US" altLang="ja-JP" b="1" dirty="0">
-              <a:solidFill>
-                <a:schemeClr val="accent5"/>
-              </a:solidFill>
-            </a:endParaRPr>
-          </a:p>
-          <a:p>
-            <a:r>
-              <a:rPr kumimoji="1" lang="en-US" altLang="ja-JP" b="1" dirty="0">
-                <a:solidFill>
-                  <a:schemeClr val="accent5"/>
-                </a:solidFill>
-              </a:rPr>
-              <a:t>Consider a domain as a *global chart of an underlying manifold* vs consider a general manifold covered by several local charts forming an atlas.</a:t>
-            </a:r>
-          </a:p>
-          <a:p>
-            <a:endParaRPr kumimoji="1" lang="en-US" altLang="ja-JP" b="1" dirty="0">
-              <a:solidFill>
-                <a:schemeClr val="accent5"/>
-              </a:solidFill>
-            </a:endParaRPr>
-          </a:p>
-          <a:p>
-            <a:r>
-              <a:rPr kumimoji="1" lang="en-US" altLang="ja-JP" b="1" dirty="0">
-                <a:solidFill>
-                  <a:schemeClr val="accent5"/>
-                </a:solidFill>
-              </a:rPr>
-              <a:t>Examples: Dually flat spaces (information geometry of domains) versus Hessian manifolds (several charts)</a:t>
-            </a:r>
-          </a:p>
-          <a:p>
-            <a:endParaRPr kumimoji="1" lang="en-US" altLang="ja-JP" b="1" dirty="0">
-              <a:solidFill>
-                <a:schemeClr val="accent5"/>
-              </a:solidFill>
-            </a:endParaRPr>
-          </a:p>
-          <a:p>
-            <a:r>
               <a:rPr kumimoji="1" lang="en-US" altLang="ja-JP" dirty="0"/>
-              <a:t>https://arxiv.org/abs/1910.03935</a:t>
+              <a:t>Dual of Maximum Likelihood Estimator (MLE) is Maximum Entropy (</a:t>
+            </a:r>
+            <a:r>
+              <a:rPr kumimoji="1" lang="en-US" altLang="ja-JP" dirty="0" err="1"/>
+              <a:t>MaxEnt</a:t>
+            </a:r>
+            <a:r>
+              <a:rPr kumimoji="1" lang="en-US" altLang="ja-JP" dirty="0"/>
+              <a:t>).</a:t>
+            </a:r>
+          </a:p>
+          <a:p>
+            <a:r>
+              <a:rPr kumimoji="1" lang="en-US" altLang="ja-JP" dirty="0"/>
+              <a:t>Both interpreted as information projections with respect to the </a:t>
+            </a:r>
+            <a:r>
+              <a:rPr kumimoji="1" lang="en-US" altLang="ja-JP" dirty="0" err="1"/>
+              <a:t>Kullback-Leibler</a:t>
+            </a:r>
+            <a:r>
+              <a:rPr kumimoji="1" lang="en-US" altLang="ja-JP" dirty="0"/>
+              <a:t> divergence and dual the </a:t>
+            </a:r>
+            <a:r>
+              <a:rPr kumimoji="1" lang="en-US" altLang="ja-JP" dirty="0" err="1"/>
+              <a:t>Kullback-Leibler</a:t>
+            </a:r>
+            <a:r>
+              <a:rPr kumimoji="1" lang="en-US" altLang="ja-JP" dirty="0"/>
+              <a:t> divergence (=reverse KLD)</a:t>
+            </a:r>
+          </a:p>
+          <a:p>
+            <a:r>
+              <a:rPr kumimoji="1" lang="en-US" altLang="ja-JP" dirty="0"/>
+              <a:t>https://www.ams.org//journals/notices/201803/rnoti-p321.pdf</a:t>
+            </a:r>
+          </a:p>
+          <a:p>
+            <a:r>
+              <a:rPr kumimoji="1" lang="en-US" altLang="ja-JP" dirty="0"/>
+              <a:t>https://www.mdpi.com/1099-4300/22/10/1100</a:t>
             </a:r>
             <a:endParaRPr kumimoji="1" lang="ja-JP" altLang="en-US" dirty="0"/>
           </a:p>
@@ -588,7 +586,7 @@
           <a:p>
             <a:fld id="{8D0AD1A2-6D34-4C18-B181-8DCE8D94BD54}" type="slidenum">
               <a:rPr kumimoji="1" lang="ja-JP" altLang="en-US" smtClean="0"/>
-              <a:t>2</a:t>
+              <a:t>3</a:t>
             </a:fld>
             <a:endParaRPr kumimoji="1" lang="ja-JP" altLang="en-US"/>
           </a:p>
@@ -597,7 +595,7 @@
     </p:spTree>
     <p:extLst>
       <p:ext uri="{BB962C8B-B14F-4D97-AF65-F5344CB8AC3E}">
-        <p14:creationId xmlns:p14="http://schemas.microsoft.com/office/powerpoint/2010/main" val="1946551916"/>
+        <p14:creationId xmlns:p14="http://schemas.microsoft.com/office/powerpoint/2010/main" val="2216287432"/>
       </p:ext>
     </p:extLst>
   </p:cSld>
@@ -651,6 +649,545 @@
           <a:bodyPr/>
           <a:lstStyle/>
           <a:p>
+            <a:br>
+              <a:rPr lang="en-US" altLang="ja-JP" dirty="0"/>
+            </a:br>
+            <a:r>
+              <a:rPr lang="en-US" altLang="ja-JP" b="1" dirty="0"/>
+              <a:t>Introduction to HPC with MPI for Data Science (ISBN 978-3-319-21902-8 in English)</a:t>
+            </a:r>
+            <a:br>
+              <a:rPr lang="en-US" altLang="ja-JP" dirty="0"/>
+            </a:br>
+            <a:r>
+              <a:rPr lang="ja-JP" altLang="en-US" dirty="0"/>
+              <a:t>基于</a:t>
+            </a:r>
+            <a:r>
+              <a:rPr lang="en-US" altLang="ja-JP" dirty="0"/>
+              <a:t>MPI</a:t>
+            </a:r>
+            <a:r>
+              <a:rPr lang="ja-JP" altLang="en-US" dirty="0"/>
+              <a:t>的大数据高性能计算导论</a:t>
+            </a:r>
+            <a:r>
+              <a:rPr lang="en-US" altLang="ja-JP" dirty="0"/>
+              <a:t> (ISBN 978-7111602149, in Chinese)</a:t>
+            </a:r>
+          </a:p>
+          <a:p>
+            <a:r>
+              <a:rPr lang="en-US" altLang="ja-JP" b="0" i="0" u="none" strike="noStrike" dirty="0">
+                <a:solidFill>
+                  <a:srgbClr val="0F1419"/>
+                </a:solidFill>
+                <a:effectLst/>
+                <a:latin typeface="TwitterChirp"/>
+              </a:rPr>
+              <a:t>- simulate on PC/laptop clusters of machines using Message Passing Interface (MPI) + job scheduler SLURM</a:t>
+            </a:r>
+          </a:p>
+          <a:p>
+            <a:r>
+              <a:rPr lang="en-US" altLang="ja-JP" b="0" i="0" u="none" strike="noStrike" dirty="0">
+                <a:solidFill>
+                  <a:srgbClr val="0F1419"/>
+                </a:solidFill>
+                <a:effectLst/>
+                <a:latin typeface="TwitterChirp"/>
+              </a:rPr>
+              <a:t>- implement // linear algebra and // machine learning tasks on clusters. </a:t>
+            </a:r>
+          </a:p>
+          <a:p>
+            <a:r>
+              <a:rPr lang="en-US" altLang="ja-JP" b="0" i="0" u="none" strike="noStrike" dirty="0">
+                <a:solidFill>
+                  <a:srgbClr val="1D9BF0"/>
+                </a:solidFill>
+                <a:effectLst/>
+                <a:latin typeface="inherit"/>
+                <a:hlinkClick r:id="rId3"/>
+              </a:rPr>
+              <a:t>https://</a:t>
+            </a:r>
+            <a:r>
+              <a:rPr lang="en-US" altLang="ja-JP" b="0" i="0" u="none" strike="noStrike" dirty="0">
+                <a:solidFill>
+                  <a:srgbClr val="1D9BF0"/>
+                </a:solidFill>
+                <a:effectLst/>
+                <a:latin typeface="TwitterChirp"/>
+                <a:hlinkClick r:id="rId3"/>
+              </a:rPr>
+              <a:t>franknielsen.github.io/HPC4DS/</a:t>
+            </a:r>
+            <a:endParaRPr kumimoji="1" lang="ja-JP" altLang="en-US" dirty="0"/>
+          </a:p>
+        </p:txBody>
+      </p:sp>
+      <p:sp>
+        <p:nvSpPr>
+          <p:cNvPr id="4" name="Slide Number Placeholder 3"/>
+          <p:cNvSpPr>
+            <a:spLocks noGrp="1"/>
+          </p:cNvSpPr>
+          <p:nvPr>
+            <p:ph type="sldNum" sz="quarter" idx="5"/>
+          </p:nvPr>
+        </p:nvSpPr>
+        <p:spPr/>
+        <p:txBody>
+          <a:bodyPr/>
+          <a:lstStyle/>
+          <a:p>
+            <a:fld id="{8D0AD1A2-6D34-4C18-B181-8DCE8D94BD54}" type="slidenum">
+              <a:rPr kumimoji="1" lang="ja-JP" altLang="en-US" smtClean="0"/>
+              <a:t>7</a:t>
+            </a:fld>
+            <a:endParaRPr kumimoji="1" lang="ja-JP" altLang="en-US"/>
+          </a:p>
+        </p:txBody>
+      </p:sp>
+    </p:spTree>
+    <p:extLst>
+      <p:ext uri="{BB962C8B-B14F-4D97-AF65-F5344CB8AC3E}">
+        <p14:creationId xmlns:p14="http://schemas.microsoft.com/office/powerpoint/2010/main" val="1772722179"/>
+      </p:ext>
+    </p:extLst>
+  </p:cSld>
+  <p:clrMapOvr>
+    <a:masterClrMapping/>
+  </p:clrMapOvr>
+</p:notes>
+</file>
+
+<file path=ppt/notesSlides/notesSlide3.xml><?xml version="1.0" encoding="utf-8"?>
+<p:notes xmlns:a="http://schemas.openxmlformats.org/drawingml/2006/main" xmlns:r="http://schemas.openxmlformats.org/officeDocument/2006/relationships" xmlns:p="http://schemas.openxmlformats.org/presentationml/2006/main">
+  <p:cSld>
+    <p:spTree>
+      <p:nvGrpSpPr>
+        <p:cNvPr id="1" name=""/>
+        <p:cNvGrpSpPr/>
+        <p:nvPr/>
+      </p:nvGrpSpPr>
+      <p:grpSpPr>
+        <a:xfrm>
+          <a:off x="0" y="0"/>
+          <a:ext cx="0" cy="0"/>
+          <a:chOff x="0" y="0"/>
+          <a:chExt cx="0" cy="0"/>
+        </a:xfrm>
+      </p:grpSpPr>
+      <p:sp>
+        <p:nvSpPr>
+          <p:cNvPr id="2" name="Slide Image Placeholder 1"/>
+          <p:cNvSpPr>
+            <a:spLocks noGrp="1" noRot="1" noChangeAspect="1"/>
+          </p:cNvSpPr>
+          <p:nvPr>
+            <p:ph type="sldImg"/>
+          </p:nvPr>
+        </p:nvSpPr>
+        <p:spPr/>
+      </p:sp>
+      <p:sp>
+        <p:nvSpPr>
+          <p:cNvPr id="3" name="Notes Placeholder 2"/>
+          <p:cNvSpPr>
+            <a:spLocks noGrp="1"/>
+          </p:cNvSpPr>
+          <p:nvPr>
+            <p:ph type="body" idx="1"/>
+          </p:nvPr>
+        </p:nvSpPr>
+        <p:spPr/>
+        <p:txBody>
+          <a:bodyPr/>
+          <a:lstStyle/>
+          <a:p>
+            <a:pPr algn="l" rtl="0"/>
+            <a:r>
+              <a:rPr lang="en-US" altLang="ja-JP" b="0" i="0" dirty="0">
+                <a:solidFill>
+                  <a:srgbClr val="0F1419"/>
+                </a:solidFill>
+                <a:effectLst/>
+                <a:latin typeface="TwitterChirp"/>
+              </a:rPr>
+              <a:t>Getting non-trivial lower and upper bounds on the total variation between Gaussian mixtures (GMMs) is difficult because TV varies in the range [0,1].</a:t>
+            </a:r>
+          </a:p>
+          <a:p>
+            <a:pPr algn="l" rtl="0"/>
+            <a:r>
+              <a:rPr lang="en-US" altLang="ja-JP" b="0" i="0" dirty="0">
+                <a:solidFill>
+                  <a:srgbClr val="0F1419"/>
+                </a:solidFill>
+                <a:effectLst/>
+                <a:latin typeface="TwitterChirp"/>
+              </a:rPr>
+              <a:t>2 methods based on information monotonicity of TV and on geometric lower/upper envelopes of the PDFs</a:t>
+            </a:r>
+          </a:p>
+          <a:p>
+            <a:pPr algn="l" rtl="0"/>
+            <a:r>
+              <a:rPr lang="ja-JP" altLang="en-US" b="0" i="0" dirty="0">
+                <a:solidFill>
+                  <a:srgbClr val="0F1419"/>
+                </a:solidFill>
+                <a:effectLst/>
+                <a:latin typeface="TwitterChirp"/>
+              </a:rPr>
+              <a:t>👉 </a:t>
+            </a:r>
+            <a:r>
+              <a:rPr lang="en-US" altLang="ja-JP" b="0" i="0">
+                <a:solidFill>
+                  <a:srgbClr val="1D9BF0"/>
+                </a:solidFill>
+                <a:effectLst/>
+                <a:latin typeface="TwitterChirp"/>
+              </a:rPr>
+              <a:t>https://arxiv.org/abs/1806.11311</a:t>
+            </a:r>
+            <a:endParaRPr lang="en-US" altLang="ja-JP" b="0" i="0">
+              <a:solidFill>
+                <a:srgbClr val="0F1419"/>
+              </a:solidFill>
+              <a:effectLst/>
+              <a:latin typeface="TwitterChirp"/>
+            </a:endParaRPr>
+          </a:p>
+          <a:p>
+            <a:endParaRPr kumimoji="1" lang="en-US" altLang="ja-JP" dirty="0"/>
+          </a:p>
+          <a:p>
+            <a:endParaRPr kumimoji="1" lang="en-US" altLang="ja-JP" dirty="0"/>
+          </a:p>
+          <a:p>
+            <a:endParaRPr kumimoji="1" lang="en-US" altLang="ja-JP" dirty="0"/>
+          </a:p>
+          <a:p>
+            <a:r>
+              <a:rPr kumimoji="1" lang="en-US" altLang="ja-JP" dirty="0"/>
+              <a:t>----</a:t>
+            </a:r>
+          </a:p>
+          <a:p>
+            <a:r>
+              <a:rPr kumimoji="1" lang="en-US" altLang="ja-JP" dirty="0"/>
+              <a:t>Getting non-trivial lower and upper bounds on the total variation between Gaussian mixture models (GMMs) is difficult because TV varies in the range [0,1].</a:t>
+            </a:r>
+          </a:p>
+          <a:p>
+            <a:r>
+              <a:rPr kumimoji="1" lang="en-US" altLang="ja-JP" dirty="0"/>
+              <a:t>Proposed 2 methods: (1) based on information monotonicity of TV, (2) based on geometric lower and upper envelopes of the PDFs </a:t>
+            </a:r>
+          </a:p>
+          <a:p>
+            <a:r>
+              <a:rPr kumimoji="1" lang="en-US" altLang="ja-JP" dirty="0"/>
+              <a:t>https://arxiv.org/abs/1806.11311</a:t>
+            </a:r>
+          </a:p>
+          <a:p>
+            <a:endParaRPr kumimoji="1" lang="en-US" altLang="ja-JP" dirty="0"/>
+          </a:p>
+          <a:p>
+            <a:endParaRPr kumimoji="1" lang="en-US" altLang="ja-JP" dirty="0"/>
+          </a:p>
+          <a:p>
+            <a:r>
+              <a:rPr kumimoji="1" lang="en-US" altLang="ja-JP" dirty="0"/>
+              <a:t>based on the </a:t>
+            </a:r>
+            <a:r>
+              <a:rPr kumimoji="1" lang="en-US" altLang="ja-JP" dirty="0" err="1"/>
+              <a:t>informationmonotonicity</a:t>
+            </a:r>
+            <a:r>
+              <a:rPr kumimoji="1" lang="en-US" altLang="ja-JP" dirty="0"/>
+              <a:t> property of the total variation to design guaranteed nested deterministic lower </a:t>
+            </a:r>
+            <a:r>
+              <a:rPr kumimoji="1" lang="en-US" altLang="ja-JP" dirty="0" err="1"/>
+              <a:t>bounds.The</a:t>
+            </a:r>
+            <a:r>
+              <a:rPr kumimoji="1" lang="en-US" altLang="ja-JP" dirty="0"/>
+              <a:t> second method relies on computing the geometric lower and upper envelopes of weighted </a:t>
+            </a:r>
+            <a:r>
+              <a:rPr kumimoji="1" lang="en-US" altLang="ja-JP" dirty="0" err="1"/>
+              <a:t>mixturecomponents</a:t>
+            </a:r>
+            <a:r>
+              <a:rPr kumimoji="1" lang="en-US" altLang="ja-JP" dirty="0"/>
+              <a:t> to derive deterministic bounds based on density ratio.</a:t>
+            </a:r>
+          </a:p>
+          <a:p>
+            <a:endParaRPr kumimoji="1" lang="en-US" altLang="ja-JP" dirty="0"/>
+          </a:p>
+          <a:p>
+            <a:r>
+              <a:rPr lang="en-US" altLang="ja-JP" b="0" i="0" dirty="0">
+                <a:solidFill>
+                  <a:srgbClr val="222222"/>
+                </a:solidFill>
+                <a:effectLst/>
+                <a:latin typeface="Arial" panose="020B0604020202020204" pitchFamily="34" charset="0"/>
+              </a:rPr>
+              <a:t>Nielsen, Frank, and Ke Sun. "Guaranteed deterministic bounds on the total variation distance between univariate mixtures." </a:t>
+            </a:r>
+            <a:r>
+              <a:rPr lang="en-US" altLang="ja-JP" b="0" i="1" dirty="0">
+                <a:solidFill>
+                  <a:srgbClr val="222222"/>
+                </a:solidFill>
+                <a:effectLst/>
+                <a:latin typeface="Arial" panose="020B0604020202020204" pitchFamily="34" charset="0"/>
+              </a:rPr>
+              <a:t>2018 IEEE 28th International Workshop on Machine Learning for Signal Processing (MLSP)</a:t>
+            </a:r>
+            <a:r>
+              <a:rPr lang="en-US" altLang="ja-JP" b="0" i="0" dirty="0">
+                <a:solidFill>
+                  <a:srgbClr val="222222"/>
+                </a:solidFill>
+                <a:effectLst/>
+                <a:latin typeface="Arial" panose="020B0604020202020204" pitchFamily="34" charset="0"/>
+              </a:rPr>
+              <a:t>. IEEE, 2018.</a:t>
+            </a:r>
+            <a:endParaRPr kumimoji="1" lang="ja-JP" altLang="en-US" dirty="0"/>
+          </a:p>
+        </p:txBody>
+      </p:sp>
+      <p:sp>
+        <p:nvSpPr>
+          <p:cNvPr id="4" name="Slide Number Placeholder 3"/>
+          <p:cNvSpPr>
+            <a:spLocks noGrp="1"/>
+          </p:cNvSpPr>
+          <p:nvPr>
+            <p:ph type="sldNum" sz="quarter" idx="5"/>
+          </p:nvPr>
+        </p:nvSpPr>
+        <p:spPr/>
+        <p:txBody>
+          <a:bodyPr/>
+          <a:lstStyle/>
+          <a:p>
+            <a:fld id="{8D0AD1A2-6D34-4C18-B181-8DCE8D94BD54}" type="slidenum">
+              <a:rPr kumimoji="1" lang="ja-JP" altLang="en-US" smtClean="0"/>
+              <a:t>8</a:t>
+            </a:fld>
+            <a:endParaRPr kumimoji="1" lang="ja-JP" altLang="en-US"/>
+          </a:p>
+        </p:txBody>
+      </p:sp>
+    </p:spTree>
+    <p:extLst>
+      <p:ext uri="{BB962C8B-B14F-4D97-AF65-F5344CB8AC3E}">
+        <p14:creationId xmlns:p14="http://schemas.microsoft.com/office/powerpoint/2010/main" val="2200822006"/>
+      </p:ext>
+    </p:extLst>
+  </p:cSld>
+  <p:clrMapOvr>
+    <a:masterClrMapping/>
+  </p:clrMapOvr>
+</p:notes>
+</file>
+
+<file path=ppt/notesSlides/notesSlide4.xml><?xml version="1.0" encoding="utf-8"?>
+<p:notes xmlns:a="http://schemas.openxmlformats.org/drawingml/2006/main" xmlns:r="http://schemas.openxmlformats.org/officeDocument/2006/relationships" xmlns:p="http://schemas.openxmlformats.org/presentationml/2006/main">
+  <p:cSld>
+    <p:spTree>
+      <p:nvGrpSpPr>
+        <p:cNvPr id="1" name=""/>
+        <p:cNvGrpSpPr/>
+        <p:nvPr/>
+      </p:nvGrpSpPr>
+      <p:grpSpPr>
+        <a:xfrm>
+          <a:off x="0" y="0"/>
+          <a:ext cx="0" cy="0"/>
+          <a:chOff x="0" y="0"/>
+          <a:chExt cx="0" cy="0"/>
+        </a:xfrm>
+      </p:grpSpPr>
+      <p:sp>
+        <p:nvSpPr>
+          <p:cNvPr id="2" name="Slide Image Placeholder 1"/>
+          <p:cNvSpPr>
+            <a:spLocks noGrp="1" noRot="1" noChangeAspect="1"/>
+          </p:cNvSpPr>
+          <p:nvPr>
+            <p:ph type="sldImg"/>
+          </p:nvPr>
+        </p:nvSpPr>
+        <p:spPr/>
+      </p:sp>
+      <p:sp>
+        <p:nvSpPr>
+          <p:cNvPr id="3" name="Notes Placeholder 2"/>
+          <p:cNvSpPr>
+            <a:spLocks noGrp="1"/>
+          </p:cNvSpPr>
+          <p:nvPr>
+            <p:ph type="body" idx="1"/>
+          </p:nvPr>
+        </p:nvSpPr>
+        <p:spPr/>
+        <p:txBody>
+          <a:bodyPr/>
+          <a:lstStyle/>
+          <a:p>
+            <a:r>
+              <a:rPr kumimoji="1" lang="en-US" altLang="ja-JP" b="1" dirty="0">
+                <a:solidFill>
+                  <a:schemeClr val="accent5"/>
+                </a:solidFill>
+              </a:rPr>
+              <a:t>Geometry of domains versus geometry of manifolds:</a:t>
+            </a:r>
+          </a:p>
+          <a:p>
+            <a:endParaRPr kumimoji="1" lang="en-US" altLang="ja-JP" b="1" dirty="0">
+              <a:solidFill>
+                <a:schemeClr val="accent5"/>
+              </a:solidFill>
+            </a:endParaRPr>
+          </a:p>
+          <a:p>
+            <a:r>
+              <a:rPr kumimoji="1" lang="en-US" altLang="ja-JP" b="1" dirty="0">
+                <a:solidFill>
+                  <a:schemeClr val="accent5"/>
+                </a:solidFill>
+              </a:rPr>
+              <a:t>Consider a domain as a *global chart of an underlying manifold* vs consider a general manifold covered by several local charts forming an atlas.</a:t>
+            </a:r>
+          </a:p>
+          <a:p>
+            <a:endParaRPr kumimoji="1" lang="en-US" altLang="ja-JP" b="1" dirty="0">
+              <a:solidFill>
+                <a:schemeClr val="accent5"/>
+              </a:solidFill>
+            </a:endParaRPr>
+          </a:p>
+          <a:p>
+            <a:r>
+              <a:rPr kumimoji="1" lang="en-US" altLang="ja-JP" b="1" dirty="0">
+                <a:solidFill>
+                  <a:schemeClr val="accent5"/>
+                </a:solidFill>
+              </a:rPr>
+              <a:t>Examples: Dually flat spaces (information geometry of domains) versus Hessian manifolds (several charts)</a:t>
+            </a:r>
+          </a:p>
+          <a:p>
+            <a:endParaRPr kumimoji="1" lang="en-US" altLang="ja-JP" b="1" dirty="0">
+              <a:solidFill>
+                <a:schemeClr val="accent5"/>
+              </a:solidFill>
+            </a:endParaRPr>
+          </a:p>
+          <a:p>
+            <a:r>
+              <a:rPr kumimoji="1" lang="en-US" altLang="ja-JP" dirty="0"/>
+              <a:t>https://arxiv.org/abs/1910.03935</a:t>
+            </a:r>
+            <a:endParaRPr kumimoji="1" lang="ja-JP" altLang="en-US" dirty="0"/>
+          </a:p>
+        </p:txBody>
+      </p:sp>
+      <p:sp>
+        <p:nvSpPr>
+          <p:cNvPr id="4" name="Slide Number Placeholder 3"/>
+          <p:cNvSpPr>
+            <a:spLocks noGrp="1"/>
+          </p:cNvSpPr>
+          <p:nvPr>
+            <p:ph type="sldNum" sz="quarter" idx="5"/>
+          </p:nvPr>
+        </p:nvSpPr>
+        <p:spPr/>
+        <p:txBody>
+          <a:bodyPr/>
+          <a:lstStyle/>
+          <a:p>
+            <a:fld id="{8D0AD1A2-6D34-4C18-B181-8DCE8D94BD54}" type="slidenum">
+              <a:rPr kumimoji="1" lang="ja-JP" altLang="en-US" smtClean="0"/>
+              <a:t>9</a:t>
+            </a:fld>
+            <a:endParaRPr kumimoji="1" lang="ja-JP" altLang="en-US"/>
+          </a:p>
+        </p:txBody>
+      </p:sp>
+    </p:spTree>
+    <p:extLst>
+      <p:ext uri="{BB962C8B-B14F-4D97-AF65-F5344CB8AC3E}">
+        <p14:creationId xmlns:p14="http://schemas.microsoft.com/office/powerpoint/2010/main" val="1946551916"/>
+      </p:ext>
+    </p:extLst>
+  </p:cSld>
+  <p:clrMapOvr>
+    <a:masterClrMapping/>
+  </p:clrMapOvr>
+</p:notes>
+</file>
+
+<file path=ppt/notesSlides/notesSlide5.xml><?xml version="1.0" encoding="utf-8"?>
+<p:notes xmlns:a="http://schemas.openxmlformats.org/drawingml/2006/main" xmlns:r="http://schemas.openxmlformats.org/officeDocument/2006/relationships" xmlns:p="http://schemas.openxmlformats.org/presentationml/2006/main">
+  <p:cSld>
+    <p:spTree>
+      <p:nvGrpSpPr>
+        <p:cNvPr id="1" name=""/>
+        <p:cNvGrpSpPr/>
+        <p:nvPr/>
+      </p:nvGrpSpPr>
+      <p:grpSpPr>
+        <a:xfrm>
+          <a:off x="0" y="0"/>
+          <a:ext cx="0" cy="0"/>
+          <a:chOff x="0" y="0"/>
+          <a:chExt cx="0" cy="0"/>
+        </a:xfrm>
+      </p:grpSpPr>
+      <p:sp>
+        <p:nvSpPr>
+          <p:cNvPr id="2" name="Slide Image Placeholder 1"/>
+          <p:cNvSpPr>
+            <a:spLocks noGrp="1" noRot="1" noChangeAspect="1"/>
+          </p:cNvSpPr>
+          <p:nvPr>
+            <p:ph type="sldImg"/>
+          </p:nvPr>
+        </p:nvSpPr>
+        <p:spPr/>
+      </p:sp>
+      <p:sp>
+        <p:nvSpPr>
+          <p:cNvPr id="3" name="Notes Placeholder 2"/>
+          <p:cNvSpPr>
+            <a:spLocks noGrp="1"/>
+          </p:cNvSpPr>
+          <p:nvPr>
+            <p:ph type="body" idx="1"/>
+          </p:nvPr>
+        </p:nvSpPr>
+        <p:spPr/>
+        <p:txBody>
+          <a:bodyPr/>
+          <a:lstStyle/>
+          <a:p>
             <a:r>
               <a:rPr kumimoji="1" lang="en-US" altLang="ja-JP" dirty="0"/>
               <a:t>Stigler law of eponymy:  No scientific discovery is named after its original discover!</a:t>
@@ -692,7 +1229,7 @@
           <a:p>
             <a:fld id="{8D0AD1A2-6D34-4C18-B181-8DCE8D94BD54}" type="slidenum">
               <a:rPr kumimoji="1" lang="ja-JP" altLang="en-US" smtClean="0"/>
-              <a:t>4</a:t>
+              <a:t>11</a:t>
             </a:fld>
             <a:endParaRPr kumimoji="1" lang="ja-JP" altLang="en-US"/>
           </a:p>
@@ -860,7 +1397,7 @@
           <a:p>
             <a:fld id="{AA49592E-08D8-4034-BC65-AAA143CC77EA}" type="datetimeFigureOut">
               <a:rPr kumimoji="1" lang="ja-JP" altLang="en-US" smtClean="0"/>
-              <a:t>2024/2/21</a:t>
+              <a:t>2024/4/15</a:t>
             </a:fld>
             <a:endParaRPr kumimoji="1" lang="ja-JP" altLang="en-US"/>
           </a:p>
@@ -1060,7 +1597,7 @@
           <a:p>
             <a:fld id="{AA49592E-08D8-4034-BC65-AAA143CC77EA}" type="datetimeFigureOut">
               <a:rPr kumimoji="1" lang="ja-JP" altLang="en-US" smtClean="0"/>
-              <a:t>2024/2/21</a:t>
+              <a:t>2024/4/15</a:t>
             </a:fld>
             <a:endParaRPr kumimoji="1" lang="ja-JP" altLang="en-US"/>
           </a:p>
@@ -1270,7 +1807,7 @@
           <a:p>
             <a:fld id="{AA49592E-08D8-4034-BC65-AAA143CC77EA}" type="datetimeFigureOut">
               <a:rPr kumimoji="1" lang="ja-JP" altLang="en-US" smtClean="0"/>
-              <a:t>2024/2/21</a:t>
+              <a:t>2024/4/15</a:t>
             </a:fld>
             <a:endParaRPr kumimoji="1" lang="ja-JP" altLang="en-US"/>
           </a:p>
@@ -1470,7 +2007,7 @@
           <a:p>
             <a:fld id="{AA49592E-08D8-4034-BC65-AAA143CC77EA}" type="datetimeFigureOut">
               <a:rPr kumimoji="1" lang="ja-JP" altLang="en-US" smtClean="0"/>
-              <a:t>2024/2/21</a:t>
+              <a:t>2024/4/15</a:t>
             </a:fld>
             <a:endParaRPr kumimoji="1" lang="ja-JP" altLang="en-US"/>
           </a:p>
@@ -1746,7 +2283,7 @@
           <a:p>
             <a:fld id="{AA49592E-08D8-4034-BC65-AAA143CC77EA}" type="datetimeFigureOut">
               <a:rPr kumimoji="1" lang="ja-JP" altLang="en-US" smtClean="0"/>
-              <a:t>2024/2/21</a:t>
+              <a:t>2024/4/15</a:t>
             </a:fld>
             <a:endParaRPr kumimoji="1" lang="ja-JP" altLang="en-US"/>
           </a:p>
@@ -2014,7 +2551,7 @@
           <a:p>
             <a:fld id="{AA49592E-08D8-4034-BC65-AAA143CC77EA}" type="datetimeFigureOut">
               <a:rPr kumimoji="1" lang="ja-JP" altLang="en-US" smtClean="0"/>
-              <a:t>2024/2/21</a:t>
+              <a:t>2024/4/15</a:t>
             </a:fld>
             <a:endParaRPr kumimoji="1" lang="ja-JP" altLang="en-US"/>
           </a:p>
@@ -2429,7 +2966,7 @@
           <a:p>
             <a:fld id="{AA49592E-08D8-4034-BC65-AAA143CC77EA}" type="datetimeFigureOut">
               <a:rPr kumimoji="1" lang="ja-JP" altLang="en-US" smtClean="0"/>
-              <a:t>2024/2/21</a:t>
+              <a:t>2024/4/15</a:t>
             </a:fld>
             <a:endParaRPr kumimoji="1" lang="ja-JP" altLang="en-US"/>
           </a:p>
@@ -2571,7 +3108,7 @@
           <a:p>
             <a:fld id="{AA49592E-08D8-4034-BC65-AAA143CC77EA}" type="datetimeFigureOut">
               <a:rPr kumimoji="1" lang="ja-JP" altLang="en-US" smtClean="0"/>
-              <a:t>2024/2/21</a:t>
+              <a:t>2024/4/15</a:t>
             </a:fld>
             <a:endParaRPr kumimoji="1" lang="ja-JP" altLang="en-US"/>
           </a:p>
@@ -2684,7 +3221,7 @@
           <a:p>
             <a:fld id="{AA49592E-08D8-4034-BC65-AAA143CC77EA}" type="datetimeFigureOut">
               <a:rPr kumimoji="1" lang="ja-JP" altLang="en-US" smtClean="0"/>
-              <a:t>2024/2/21</a:t>
+              <a:t>2024/4/15</a:t>
             </a:fld>
             <a:endParaRPr kumimoji="1" lang="ja-JP" altLang="en-US"/>
           </a:p>
@@ -2997,7 +3534,7 @@
           <a:p>
             <a:fld id="{AA49592E-08D8-4034-BC65-AAA143CC77EA}" type="datetimeFigureOut">
               <a:rPr kumimoji="1" lang="ja-JP" altLang="en-US" smtClean="0"/>
-              <a:t>2024/2/21</a:t>
+              <a:t>2024/4/15</a:t>
             </a:fld>
             <a:endParaRPr kumimoji="1" lang="ja-JP" altLang="en-US"/>
           </a:p>
@@ -3286,7 +3823,7 @@
           <a:p>
             <a:fld id="{AA49592E-08D8-4034-BC65-AAA143CC77EA}" type="datetimeFigureOut">
               <a:rPr kumimoji="1" lang="ja-JP" altLang="en-US" smtClean="0"/>
-              <a:t>2024/2/21</a:t>
+              <a:t>2024/4/15</a:t>
             </a:fld>
             <a:endParaRPr kumimoji="1" lang="ja-JP" altLang="en-US"/>
           </a:p>
@@ -3529,7 +4066,7 @@
           <a:p>
             <a:fld id="{AA49592E-08D8-4034-BC65-AAA143CC77EA}" type="datetimeFigureOut">
               <a:rPr kumimoji="1" lang="ja-JP" altLang="en-US" smtClean="0"/>
-              <a:t>2024/2/21</a:t>
+              <a:t>2024/4/15</a:t>
             </a:fld>
             <a:endParaRPr kumimoji="1" lang="ja-JP" altLang="en-US"/>
           </a:p>
@@ -3996,6 +4533,66 @@
           </a:p>
         </p:txBody>
       </p:sp>
+      <p:pic>
+        <p:nvPicPr>
+          <p:cNvPr id="5" name="Picture 4">
+            <a:extLst>
+              <a:ext uri="{FF2B5EF4-FFF2-40B4-BE49-F238E27FC236}">
+                <a16:creationId xmlns:a16="http://schemas.microsoft.com/office/drawing/2014/main" id="{D499D7F7-40F3-3383-4A4C-689E507F4D2F}"/>
+              </a:ext>
+            </a:extLst>
+          </p:cNvPr>
+          <p:cNvPicPr>
+            <a:picLocks noChangeAspect="1"/>
+          </p:cNvPicPr>
+          <p:nvPr/>
+        </p:nvPicPr>
+        <p:blipFill>
+          <a:blip r:embed="rId2"/>
+          <a:stretch>
+            <a:fillRect/>
+          </a:stretch>
+        </p:blipFill>
+        <p:spPr>
+          <a:xfrm>
+            <a:off x="0" y="34942"/>
+            <a:ext cx="5453743" cy="4625687"/>
+          </a:xfrm>
+          <a:prstGeom prst="rect">
+            <a:avLst/>
+          </a:prstGeom>
+        </p:spPr>
+      </p:pic>
+      <p:pic>
+        <p:nvPicPr>
+          <p:cNvPr id="7" name="Picture 6">
+            <a:extLst>
+              <a:ext uri="{FF2B5EF4-FFF2-40B4-BE49-F238E27FC236}">
+                <a16:creationId xmlns:a16="http://schemas.microsoft.com/office/drawing/2014/main" id="{7932D120-533A-2D36-987D-436328FF1575}"/>
+              </a:ext>
+            </a:extLst>
+          </p:cNvPr>
+          <p:cNvPicPr>
+            <a:picLocks noChangeAspect="1"/>
+          </p:cNvPicPr>
+          <p:nvPr/>
+        </p:nvPicPr>
+        <p:blipFill>
+          <a:blip r:embed="rId3"/>
+          <a:stretch>
+            <a:fillRect/>
+          </a:stretch>
+        </p:blipFill>
+        <p:spPr>
+          <a:xfrm>
+            <a:off x="0" y="4752705"/>
+            <a:ext cx="5391545" cy="2070354"/>
+          </a:xfrm>
+          <a:prstGeom prst="rect">
+            <a:avLst/>
+          </a:prstGeom>
+        </p:spPr>
+      </p:pic>
     </p:spTree>
     <p:extLst>
       <p:ext uri="{BB962C8B-B14F-4D97-AF65-F5344CB8AC3E}">
@@ -4009,500 +4606,7 @@
 </p:sld>
 </file>
 
-<file path=ppt/slides/slide2.xml><?xml version="1.0" encoding="utf-8"?>
-<p:sld xmlns:a="http://schemas.openxmlformats.org/drawingml/2006/main" xmlns:r="http://schemas.openxmlformats.org/officeDocument/2006/relationships" xmlns:p="http://schemas.openxmlformats.org/presentationml/2006/main">
-  <p:cSld>
-    <p:spTree>
-      <p:nvGrpSpPr>
-        <p:cNvPr id="1" name=""/>
-        <p:cNvGrpSpPr/>
-        <p:nvPr/>
-      </p:nvGrpSpPr>
-      <p:grpSpPr>
-        <a:xfrm>
-          <a:off x="0" y="0"/>
-          <a:ext cx="0" cy="0"/>
-          <a:chOff x="0" y="0"/>
-          <a:chExt cx="0" cy="0"/>
-        </a:xfrm>
-      </p:grpSpPr>
-      <p:sp>
-        <p:nvSpPr>
-          <p:cNvPr id="2" name="Title 1">
-            <a:extLst>
-              <a:ext uri="{FF2B5EF4-FFF2-40B4-BE49-F238E27FC236}">
-                <a16:creationId xmlns:a16="http://schemas.microsoft.com/office/drawing/2014/main" id="{27BCE41B-8FF4-AC37-F828-5491E7C4EA78}"/>
-              </a:ext>
-            </a:extLst>
-          </p:cNvPr>
-          <p:cNvSpPr>
-            <a:spLocks noGrp="1"/>
-          </p:cNvSpPr>
-          <p:nvPr>
-            <p:ph type="title"/>
-          </p:nvPr>
-        </p:nvSpPr>
-        <p:spPr>
-          <a:xfrm>
-            <a:off x="32004" y="-110363"/>
-            <a:ext cx="11777472" cy="1325563"/>
-          </a:xfrm>
-        </p:spPr>
-        <p:txBody>
-          <a:bodyPr/>
-          <a:lstStyle/>
-          <a:p>
-            <a:r>
-              <a:rPr kumimoji="1" lang="en-US" altLang="ja-JP" b="1" dirty="0">
-                <a:solidFill>
-                  <a:schemeClr val="accent5"/>
-                </a:solidFill>
-              </a:rPr>
-              <a:t>Geometry of domains vs geometry of manifolds</a:t>
-            </a:r>
-            <a:endParaRPr kumimoji="1" lang="ja-JP" altLang="en-US" b="1" dirty="0">
-              <a:solidFill>
-                <a:schemeClr val="accent5"/>
-              </a:solidFill>
-            </a:endParaRPr>
-          </a:p>
-        </p:txBody>
-      </p:sp>
-      <p:sp>
-        <p:nvSpPr>
-          <p:cNvPr id="3" name="Content Placeholder 2">
-            <a:extLst>
-              <a:ext uri="{FF2B5EF4-FFF2-40B4-BE49-F238E27FC236}">
-                <a16:creationId xmlns:a16="http://schemas.microsoft.com/office/drawing/2014/main" id="{E42B9663-0716-B0DD-10BC-31106676E461}"/>
-              </a:ext>
-            </a:extLst>
-          </p:cNvPr>
-          <p:cNvSpPr>
-            <a:spLocks noGrp="1"/>
-          </p:cNvSpPr>
-          <p:nvPr>
-            <p:ph idx="1"/>
-          </p:nvPr>
-        </p:nvSpPr>
-        <p:spPr>
-          <a:xfrm>
-            <a:off x="0" y="943801"/>
-            <a:ext cx="12159996" cy="4351338"/>
-          </a:xfrm>
-        </p:spPr>
-        <p:txBody>
-          <a:bodyPr>
-            <a:normAutofit/>
-          </a:bodyPr>
-          <a:lstStyle/>
-          <a:p>
-            <a:r>
-              <a:rPr kumimoji="1" lang="en-US" altLang="ja-JP" sz="2400" dirty="0"/>
-              <a:t>A manifold M is covered by </a:t>
-            </a:r>
-            <a:r>
-              <a:rPr kumimoji="1" lang="en-US" altLang="ja-JP" sz="2400" b="1" dirty="0">
-                <a:solidFill>
-                  <a:srgbClr val="FF0000"/>
-                </a:solidFill>
-              </a:rPr>
-              <a:t>several local coordinate charts </a:t>
-            </a:r>
-            <a:r>
-              <a:rPr kumimoji="1" lang="en-US" altLang="ja-JP" sz="2400" dirty="0"/>
-              <a:t>forming an atlas</a:t>
-            </a:r>
-          </a:p>
-          <a:p>
-            <a:r>
-              <a:rPr kumimoji="1" lang="en-US" altLang="ja-JP" sz="2400" dirty="0"/>
-              <a:t>View a domain </a:t>
-            </a:r>
-            <a:r>
-              <a:rPr lang="el-GR" altLang="ja-JP" sz="2400" i="0" dirty="0">
-                <a:effectLst/>
-              </a:rPr>
-              <a:t>ϴ</a:t>
-            </a:r>
-            <a:r>
-              <a:rPr lang="en-US" altLang="ja-JP" sz="2400" i="0" dirty="0">
-                <a:effectLst/>
-              </a:rPr>
-              <a:t> as a </a:t>
-            </a:r>
-            <a:r>
-              <a:rPr lang="en-US" altLang="ja-JP" sz="2400" b="1" i="0" dirty="0">
-                <a:solidFill>
-                  <a:srgbClr val="FF0000"/>
-                </a:solidFill>
-                <a:effectLst/>
-              </a:rPr>
-              <a:t>single global chart with </a:t>
-            </a:r>
-            <a:r>
-              <a:rPr lang="en-US" altLang="ja-JP" sz="2400" b="1" dirty="0">
-                <a:solidFill>
-                  <a:srgbClr val="FF0000"/>
-                </a:solidFill>
-              </a:rPr>
-              <a:t>coordinate </a:t>
-            </a:r>
-            <a:r>
-              <a:rPr lang="el-GR" altLang="ja-JP" sz="2400" b="0" i="0" dirty="0">
-                <a:effectLst/>
-              </a:rPr>
-              <a:t>θ</a:t>
-            </a:r>
-            <a:r>
-              <a:rPr lang="en-US" altLang="ja-JP" sz="2400" b="0" dirty="0"/>
-              <a:t> in </a:t>
-            </a:r>
-            <a:r>
-              <a:rPr lang="el-GR" altLang="ja-JP" sz="2400" i="0" dirty="0">
-                <a:effectLst/>
-              </a:rPr>
-              <a:t>ϴ</a:t>
-            </a:r>
-            <a:r>
-              <a:rPr lang="en-US" altLang="ja-JP" sz="2400" b="0" dirty="0"/>
-              <a:t> </a:t>
-            </a:r>
-            <a:r>
-              <a:rPr lang="en-US" altLang="ja-JP" sz="2400" i="0" dirty="0">
-                <a:effectLst/>
-              </a:rPr>
-              <a:t>of a manifold: M</a:t>
-            </a:r>
-            <a:r>
-              <a:rPr lang="el-GR" altLang="ja-JP" sz="2400" i="0" baseline="-25000" dirty="0">
-                <a:effectLst/>
-              </a:rPr>
-              <a:t>ϴ</a:t>
-            </a:r>
-            <a:endParaRPr lang="en-US" altLang="ja-JP" sz="2400" i="0" baseline="-25000" dirty="0">
-              <a:effectLst/>
-            </a:endParaRPr>
-          </a:p>
-          <a:p>
-            <a:r>
-              <a:rPr kumimoji="1" lang="en-US" altLang="ja-JP" sz="2400" dirty="0"/>
-              <a:t>Dually flat spaces are single chart manifolds induced by a </a:t>
-            </a:r>
-            <a:r>
-              <a:rPr lang="en-US" altLang="ja-JP" sz="2400" dirty="0"/>
-              <a:t>Legendre-type strictly convex and smooth function defined on a convex domain </a:t>
-            </a:r>
-            <a:r>
-              <a:rPr lang="el-GR" altLang="ja-JP" sz="2400" i="0" dirty="0">
-                <a:effectLst/>
-              </a:rPr>
-              <a:t>ϴ</a:t>
-            </a:r>
-            <a:r>
-              <a:rPr lang="en-US" altLang="ja-JP" sz="2400" i="0" dirty="0">
-                <a:effectLst/>
-              </a:rPr>
-              <a:t>, the </a:t>
-            </a:r>
-            <a:r>
-              <a:rPr lang="en-US" altLang="ja-JP" sz="2400" b="1" i="0" dirty="0">
-                <a:solidFill>
-                  <a:srgbClr val="FF0000"/>
-                </a:solidFill>
-                <a:effectLst/>
-              </a:rPr>
-              <a:t>parameter spaces of statistical models: </a:t>
-            </a:r>
-            <a:r>
-              <a:rPr lang="en-US" altLang="ja-JP" sz="2400" i="0" dirty="0">
-                <a:effectLst/>
-              </a:rPr>
-              <a:t>They are global single chart examples of </a:t>
-            </a:r>
-            <a:r>
-              <a:rPr lang="en-US" altLang="ja-JP" sz="2400" b="1" i="0" dirty="0">
-                <a:solidFill>
-                  <a:srgbClr val="FF0000"/>
-                </a:solidFill>
-                <a:effectLst/>
-              </a:rPr>
-              <a:t>Hessian manifolds</a:t>
-            </a:r>
-            <a:endParaRPr kumimoji="1" lang="ja-JP" altLang="en-US" sz="2400" b="1" dirty="0">
-              <a:solidFill>
-                <a:srgbClr val="FF0000"/>
-              </a:solidFill>
-            </a:endParaRPr>
-          </a:p>
-        </p:txBody>
-      </p:sp>
-      <p:pic>
-        <p:nvPicPr>
-          <p:cNvPr id="1026" name="Picture 2" descr="Information Geometry and Its Applications (Applied Mathematical Sciences,  194): Amari, Shun-ichi: 9784431559771: Amazon.com: Books">
-            <a:extLst>
-              <a:ext uri="{FF2B5EF4-FFF2-40B4-BE49-F238E27FC236}">
-                <a16:creationId xmlns:a16="http://schemas.microsoft.com/office/drawing/2014/main" id="{CB300B17-09F9-3C55-3300-A309EF7784FF}"/>
-              </a:ext>
-            </a:extLst>
-          </p:cNvPr>
-          <p:cNvPicPr>
-            <a:picLocks noChangeAspect="1" noChangeArrowheads="1"/>
-          </p:cNvPicPr>
-          <p:nvPr/>
-        </p:nvPicPr>
-        <p:blipFill>
-          <a:blip r:embed="rId3">
-            <a:extLst>
-              <a:ext uri="{28A0092B-C50C-407E-A947-70E740481C1C}">
-                <a14:useLocalDpi xmlns:a14="http://schemas.microsoft.com/office/drawing/2010/main" val="0"/>
-              </a:ext>
-            </a:extLst>
-          </a:blip>
-          <a:srcRect/>
-          <a:stretch>
-            <a:fillRect/>
-          </a:stretch>
-        </p:blipFill>
-        <p:spPr bwMode="auto">
-          <a:xfrm>
-            <a:off x="1484041" y="3005892"/>
-            <a:ext cx="1960415" cy="2952925"/>
-          </a:xfrm>
-          <a:prstGeom prst="rect">
-            <a:avLst/>
-          </a:prstGeom>
-          <a:noFill/>
-          <a:extLst>
-            <a:ext uri="{909E8E84-426E-40DD-AFC4-6F175D3DCCD1}">
-              <a14:hiddenFill xmlns:a14="http://schemas.microsoft.com/office/drawing/2010/main">
-                <a:solidFill>
-                  <a:srgbClr val="FFFFFF"/>
-                </a:solidFill>
-              </a14:hiddenFill>
-            </a:ext>
-          </a:extLst>
-        </p:spPr>
-      </p:pic>
-      <p:pic>
-        <p:nvPicPr>
-          <p:cNvPr id="1028" name="Picture 4" descr="The Geometry of Hessian Structures : Shima, Hirohiko: Foreign Language  Books - Amazon.co.jp">
-            <a:extLst>
-              <a:ext uri="{FF2B5EF4-FFF2-40B4-BE49-F238E27FC236}">
-                <a16:creationId xmlns:a16="http://schemas.microsoft.com/office/drawing/2014/main" id="{651D9BF4-C3AB-63CA-C68B-0F0EA389D7DD}"/>
-              </a:ext>
-            </a:extLst>
-          </p:cNvPr>
-          <p:cNvPicPr>
-            <a:picLocks noChangeAspect="1" noChangeArrowheads="1"/>
-          </p:cNvPicPr>
-          <p:nvPr/>
-        </p:nvPicPr>
-        <p:blipFill>
-          <a:blip r:embed="rId4">
-            <a:extLst>
-              <a:ext uri="{28A0092B-C50C-407E-A947-70E740481C1C}">
-                <a14:useLocalDpi xmlns:a14="http://schemas.microsoft.com/office/drawing/2010/main" val="0"/>
-              </a:ext>
-            </a:extLst>
-          </a:blip>
-          <a:srcRect/>
-          <a:stretch>
-            <a:fillRect/>
-          </a:stretch>
-        </p:blipFill>
-        <p:spPr bwMode="auto">
-          <a:xfrm>
-            <a:off x="6483561" y="3005892"/>
-            <a:ext cx="1960414" cy="2908307"/>
-          </a:xfrm>
-          <a:prstGeom prst="rect">
-            <a:avLst/>
-          </a:prstGeom>
-          <a:noFill/>
-          <a:extLst>
-            <a:ext uri="{909E8E84-426E-40DD-AFC4-6F175D3DCCD1}">
-              <a14:hiddenFill xmlns:a14="http://schemas.microsoft.com/office/drawing/2010/main">
-                <a:solidFill>
-                  <a:srgbClr val="FFFFFF"/>
-                </a:solidFill>
-              </a14:hiddenFill>
-            </a:ext>
-          </a:extLst>
-        </p:spPr>
-      </p:pic>
-      <p:sp>
-        <p:nvSpPr>
-          <p:cNvPr id="4" name="TextBox 3">
-            <a:extLst>
-              <a:ext uri="{FF2B5EF4-FFF2-40B4-BE49-F238E27FC236}">
-                <a16:creationId xmlns:a16="http://schemas.microsoft.com/office/drawing/2014/main" id="{F855ECBE-A85B-3CEE-EB6C-8290036BBAD9}"/>
-              </a:ext>
-            </a:extLst>
-          </p:cNvPr>
-          <p:cNvSpPr txBox="1"/>
-          <p:nvPr/>
-        </p:nvSpPr>
-        <p:spPr>
-          <a:xfrm>
-            <a:off x="780288" y="5968279"/>
-            <a:ext cx="3490058" cy="830997"/>
-          </a:xfrm>
-          <a:prstGeom prst="rect">
-            <a:avLst/>
-          </a:prstGeom>
-          <a:noFill/>
-        </p:spPr>
-        <p:txBody>
-          <a:bodyPr wrap="none" rtlCol="0">
-            <a:spAutoFit/>
-          </a:bodyPr>
-          <a:lstStyle/>
-          <a:p>
-            <a:pPr algn="ctr"/>
-            <a:r>
-              <a:rPr kumimoji="1" lang="en-US" altLang="ja-JP" sz="2400" b="1" dirty="0">
-                <a:solidFill>
-                  <a:schemeClr val="accent6"/>
-                </a:solidFill>
-              </a:rPr>
-              <a:t>Geometry of domains:</a:t>
-            </a:r>
-          </a:p>
-          <a:p>
-            <a:pPr algn="ctr"/>
-            <a:r>
-              <a:rPr lang="en-US" altLang="ja-JP" sz="2400" b="1" dirty="0">
-                <a:solidFill>
-                  <a:schemeClr val="accent6"/>
-                </a:solidFill>
-              </a:rPr>
-              <a:t>Dually flat spaces</a:t>
-            </a:r>
-            <a:endParaRPr kumimoji="1" lang="ja-JP" altLang="en-US" sz="2400" b="1" dirty="0">
-              <a:solidFill>
-                <a:schemeClr val="accent6"/>
-              </a:solidFill>
-            </a:endParaRPr>
-          </a:p>
-        </p:txBody>
-      </p:sp>
-      <p:sp>
-        <p:nvSpPr>
-          <p:cNvPr id="5" name="TextBox 4">
-            <a:extLst>
-              <a:ext uri="{FF2B5EF4-FFF2-40B4-BE49-F238E27FC236}">
-                <a16:creationId xmlns:a16="http://schemas.microsoft.com/office/drawing/2014/main" id="{12F57D48-A58A-CA04-257B-E312AB2EC094}"/>
-              </a:ext>
-            </a:extLst>
-          </p:cNvPr>
-          <p:cNvSpPr txBox="1"/>
-          <p:nvPr/>
-        </p:nvSpPr>
-        <p:spPr>
-          <a:xfrm>
-            <a:off x="5504688" y="5975640"/>
-            <a:ext cx="3693640" cy="830997"/>
-          </a:xfrm>
-          <a:prstGeom prst="rect">
-            <a:avLst/>
-          </a:prstGeom>
-          <a:noFill/>
-        </p:spPr>
-        <p:txBody>
-          <a:bodyPr wrap="none" rtlCol="0">
-            <a:spAutoFit/>
-          </a:bodyPr>
-          <a:lstStyle/>
-          <a:p>
-            <a:pPr algn="ctr"/>
-            <a:r>
-              <a:rPr kumimoji="1" lang="en-US" altLang="ja-JP" sz="2400" b="1" dirty="0">
-                <a:solidFill>
-                  <a:schemeClr val="accent6"/>
-                </a:solidFill>
-              </a:rPr>
-              <a:t>Geometry of manifolds:</a:t>
-            </a:r>
-          </a:p>
-          <a:p>
-            <a:pPr algn="ctr"/>
-            <a:r>
-              <a:rPr lang="en-US" altLang="ja-JP" sz="2400" b="1" dirty="0">
-                <a:solidFill>
-                  <a:schemeClr val="accent6"/>
-                </a:solidFill>
-              </a:rPr>
-              <a:t>Hessian manifolds</a:t>
-            </a:r>
-            <a:endParaRPr kumimoji="1" lang="ja-JP" altLang="en-US" sz="2400" b="1" dirty="0">
-              <a:solidFill>
-                <a:schemeClr val="accent6"/>
-              </a:solidFill>
-            </a:endParaRPr>
-          </a:p>
-        </p:txBody>
-      </p:sp>
-      <p:pic>
-        <p:nvPicPr>
-          <p:cNvPr id="1030" name="Picture 6" descr="Amazon.co.jp: Progress in Information Geometry: Theory and Applications  (Signals and Communication Technology) : Nielsen, Frank: Foreign Language  Books">
-            <a:extLst>
-              <a:ext uri="{FF2B5EF4-FFF2-40B4-BE49-F238E27FC236}">
-                <a16:creationId xmlns:a16="http://schemas.microsoft.com/office/drawing/2014/main" id="{0F28A831-3FA3-F519-EC30-F87465681CD6}"/>
-              </a:ext>
-            </a:extLst>
-          </p:cNvPr>
-          <p:cNvPicPr>
-            <a:picLocks noChangeAspect="1" noChangeArrowheads="1"/>
-          </p:cNvPicPr>
-          <p:nvPr/>
-        </p:nvPicPr>
-        <p:blipFill>
-          <a:blip r:embed="rId5">
-            <a:extLst>
-              <a:ext uri="{28A0092B-C50C-407E-A947-70E740481C1C}">
-                <a14:useLocalDpi xmlns:a14="http://schemas.microsoft.com/office/drawing/2010/main" val="0"/>
-              </a:ext>
-            </a:extLst>
-          </a:blip>
-          <a:srcRect/>
-          <a:stretch>
-            <a:fillRect/>
-          </a:stretch>
-        </p:blipFill>
-        <p:spPr bwMode="auto">
-          <a:xfrm>
-            <a:off x="10507403" y="4624028"/>
-            <a:ext cx="1302073" cy="1961282"/>
-          </a:xfrm>
-          <a:prstGeom prst="rect">
-            <a:avLst/>
-          </a:prstGeom>
-          <a:noFill/>
-          <a:extLst>
-            <a:ext uri="{909E8E84-426E-40DD-AFC4-6F175D3DCCD1}">
-              <a14:hiddenFill xmlns:a14="http://schemas.microsoft.com/office/drawing/2010/main">
-                <a:solidFill>
-                  <a:srgbClr val="FFFFFF"/>
-                </a:solidFill>
-              </a14:hiddenFill>
-            </a:ext>
-          </a:extLst>
-        </p:spPr>
-      </p:pic>
-    </p:spTree>
-    <p:extLst>
-      <p:ext uri="{BB962C8B-B14F-4D97-AF65-F5344CB8AC3E}">
-        <p14:creationId xmlns:p14="http://schemas.microsoft.com/office/powerpoint/2010/main" val="36081684"/>
-      </p:ext>
-    </p:extLst>
-  </p:cSld>
-  <p:clrMapOvr>
-    <a:masterClrMapping/>
-  </p:clrMapOvr>
-</p:sld>
-</file>
-
-<file path=ppt/slides/slide3.xml><?xml version="1.0" encoding="utf-8"?>
+<file path=ppt/slides/slide10.xml><?xml version="1.0" encoding="utf-8"?>
 <p:sld xmlns:a="http://schemas.openxmlformats.org/drawingml/2006/main" xmlns:r="http://schemas.openxmlformats.org/officeDocument/2006/relationships" xmlns:p="http://schemas.openxmlformats.org/presentationml/2006/main">
   <p:cSld>
     <p:spTree>
@@ -4925,6 +5029,949 @@
 </p:sld>
 </file>
 
+<file path=ppt/slides/slide11.xml><?xml version="1.0" encoding="utf-8"?>
+<p:sld xmlns:a="http://schemas.openxmlformats.org/drawingml/2006/main" xmlns:r="http://schemas.openxmlformats.org/officeDocument/2006/relationships" xmlns:p="http://schemas.openxmlformats.org/presentationml/2006/main">
+  <p:cSld>
+    <p:spTree>
+      <p:nvGrpSpPr>
+        <p:cNvPr id="1" name=""/>
+        <p:cNvGrpSpPr/>
+        <p:nvPr/>
+      </p:nvGrpSpPr>
+      <p:grpSpPr>
+        <a:xfrm>
+          <a:off x="0" y="0"/>
+          <a:ext cx="0" cy="0"/>
+          <a:chOff x="0" y="0"/>
+          <a:chExt cx="0" cy="0"/>
+        </a:xfrm>
+      </p:grpSpPr>
+      <p:sp>
+        <p:nvSpPr>
+          <p:cNvPr id="2" name="Title 1">
+            <a:extLst>
+              <a:ext uri="{FF2B5EF4-FFF2-40B4-BE49-F238E27FC236}">
+                <a16:creationId xmlns:a16="http://schemas.microsoft.com/office/drawing/2014/main" id="{33353E46-0F50-409A-D44A-A5BF4E9EF8D0}"/>
+              </a:ext>
+            </a:extLst>
+          </p:cNvPr>
+          <p:cNvSpPr>
+            <a:spLocks noGrp="1"/>
+          </p:cNvSpPr>
+          <p:nvPr>
+            <p:ph type="title"/>
+          </p:nvPr>
+        </p:nvSpPr>
+        <p:spPr>
+          <a:xfrm>
+            <a:off x="194387" y="-148058"/>
+            <a:ext cx="10515600" cy="1325563"/>
+          </a:xfrm>
+        </p:spPr>
+        <p:txBody>
+          <a:bodyPr/>
+          <a:lstStyle/>
+          <a:p>
+            <a:r>
+              <a:rPr lang="en-US" altLang="ja-JP" b="1" dirty="0">
+                <a:solidFill>
+                  <a:schemeClr val="accent5"/>
+                </a:solidFill>
+              </a:rPr>
+              <a:t>Origin of the Wasserstein distance</a:t>
+            </a:r>
+            <a:endParaRPr kumimoji="1" lang="ja-JP" altLang="en-US" b="1" dirty="0">
+              <a:solidFill>
+                <a:schemeClr val="accent5"/>
+              </a:solidFill>
+            </a:endParaRPr>
+          </a:p>
+        </p:txBody>
+      </p:sp>
+      <p:pic>
+        <p:nvPicPr>
+          <p:cNvPr id="5" name="Picture 4">
+            <a:extLst>
+              <a:ext uri="{FF2B5EF4-FFF2-40B4-BE49-F238E27FC236}">
+                <a16:creationId xmlns:a16="http://schemas.microsoft.com/office/drawing/2014/main" id="{F7F857D8-F7EF-1233-BEFC-FEB68C4485C1}"/>
+              </a:ext>
+            </a:extLst>
+          </p:cNvPr>
+          <p:cNvPicPr>
+            <a:picLocks noChangeAspect="1"/>
+          </p:cNvPicPr>
+          <p:nvPr/>
+        </p:nvPicPr>
+        <p:blipFill>
+          <a:blip r:embed="rId3"/>
+          <a:stretch>
+            <a:fillRect/>
+          </a:stretch>
+        </p:blipFill>
+        <p:spPr>
+          <a:xfrm>
+            <a:off x="410547" y="3875698"/>
+            <a:ext cx="5061545" cy="1546418"/>
+          </a:xfrm>
+          <a:prstGeom prst="rect">
+            <a:avLst/>
+          </a:prstGeom>
+        </p:spPr>
+      </p:pic>
+      <p:pic>
+        <p:nvPicPr>
+          <p:cNvPr id="7" name="Picture 6">
+            <a:extLst>
+              <a:ext uri="{FF2B5EF4-FFF2-40B4-BE49-F238E27FC236}">
+                <a16:creationId xmlns:a16="http://schemas.microsoft.com/office/drawing/2014/main" id="{59FD0573-43AA-F431-890F-CEB5A4BE847F}"/>
+              </a:ext>
+            </a:extLst>
+          </p:cNvPr>
+          <p:cNvPicPr>
+            <a:picLocks noChangeAspect="1"/>
+          </p:cNvPicPr>
+          <p:nvPr/>
+        </p:nvPicPr>
+        <p:blipFill>
+          <a:blip r:embed="rId4"/>
+          <a:stretch>
+            <a:fillRect/>
+          </a:stretch>
+        </p:blipFill>
+        <p:spPr>
+          <a:xfrm>
+            <a:off x="391027" y="6094715"/>
+            <a:ext cx="5002067" cy="701836"/>
+          </a:xfrm>
+          <a:prstGeom prst="rect">
+            <a:avLst/>
+          </a:prstGeom>
+        </p:spPr>
+      </p:pic>
+      <p:pic>
+        <p:nvPicPr>
+          <p:cNvPr id="9" name="Picture 8">
+            <a:extLst>
+              <a:ext uri="{FF2B5EF4-FFF2-40B4-BE49-F238E27FC236}">
+                <a16:creationId xmlns:a16="http://schemas.microsoft.com/office/drawing/2014/main" id="{1A06CA0B-A010-9527-5928-B9E20BC89DD9}"/>
+              </a:ext>
+            </a:extLst>
+          </p:cNvPr>
+          <p:cNvPicPr>
+            <a:picLocks noChangeAspect="1"/>
+          </p:cNvPicPr>
+          <p:nvPr/>
+        </p:nvPicPr>
+        <p:blipFill>
+          <a:blip r:embed="rId5"/>
+          <a:stretch>
+            <a:fillRect/>
+          </a:stretch>
+        </p:blipFill>
+        <p:spPr>
+          <a:xfrm>
+            <a:off x="720453" y="2732047"/>
+            <a:ext cx="4484612" cy="1165762"/>
+          </a:xfrm>
+          <a:prstGeom prst="rect">
+            <a:avLst/>
+          </a:prstGeom>
+        </p:spPr>
+      </p:pic>
+      <p:sp>
+        <p:nvSpPr>
+          <p:cNvPr id="13" name="TextBox 12">
+            <a:extLst>
+              <a:ext uri="{FF2B5EF4-FFF2-40B4-BE49-F238E27FC236}">
+                <a16:creationId xmlns:a16="http://schemas.microsoft.com/office/drawing/2014/main" id="{4940428B-E06F-FCEE-74EC-DDDDE728578A}"/>
+              </a:ext>
+            </a:extLst>
+          </p:cNvPr>
+          <p:cNvSpPr txBox="1"/>
+          <p:nvPr/>
+        </p:nvSpPr>
+        <p:spPr>
+          <a:xfrm>
+            <a:off x="194387" y="1889726"/>
+            <a:ext cx="5787162" cy="923330"/>
+          </a:xfrm>
+          <a:prstGeom prst="rect">
+            <a:avLst/>
+          </a:prstGeom>
+          <a:noFill/>
+        </p:spPr>
+        <p:txBody>
+          <a:bodyPr wrap="none" rtlCol="0">
+            <a:spAutoFit/>
+          </a:bodyPr>
+          <a:lstStyle/>
+          <a:p>
+            <a:r>
+              <a:rPr lang="en-US" altLang="ja-JP" dirty="0" err="1"/>
+              <a:t>Dobrushin</a:t>
+            </a:r>
+            <a:r>
+              <a:rPr lang="en-US" altLang="ja-JP" dirty="0"/>
+              <a:t> termed the </a:t>
+            </a:r>
+            <a:r>
+              <a:rPr lang="en-US" altLang="ja-JP" b="1" dirty="0" err="1">
+                <a:solidFill>
+                  <a:schemeClr val="accent6"/>
+                </a:solidFill>
+              </a:rPr>
+              <a:t>Vasershtein</a:t>
+            </a:r>
+            <a:r>
+              <a:rPr lang="en-US" altLang="ja-JP" b="1" dirty="0">
+                <a:solidFill>
+                  <a:schemeClr val="accent6"/>
+                </a:solidFill>
+              </a:rPr>
+              <a:t> distance </a:t>
+            </a:r>
+            <a:r>
+              <a:rPr lang="en-US" altLang="ja-JP" dirty="0"/>
+              <a:t>in 1970</a:t>
+            </a:r>
+          </a:p>
+          <a:p>
+            <a:r>
+              <a:rPr lang="en-US" altLang="ja-JP" dirty="0"/>
+              <a:t>citing a paper of </a:t>
+            </a:r>
+            <a:r>
+              <a:rPr lang="en-US" altLang="ja-JP" dirty="0" err="1"/>
+              <a:t>Vasershtein</a:t>
+            </a:r>
+            <a:r>
+              <a:rPr lang="en-US" altLang="ja-JP" dirty="0"/>
+              <a:t> 1969:</a:t>
+            </a:r>
+          </a:p>
+          <a:p>
+            <a:endParaRPr kumimoji="1" lang="ja-JP" altLang="en-US" dirty="0"/>
+          </a:p>
+        </p:txBody>
+      </p:sp>
+      <p:sp>
+        <p:nvSpPr>
+          <p:cNvPr id="14" name="TextBox 13">
+            <a:extLst>
+              <a:ext uri="{FF2B5EF4-FFF2-40B4-BE49-F238E27FC236}">
+                <a16:creationId xmlns:a16="http://schemas.microsoft.com/office/drawing/2014/main" id="{F86AD0B0-8000-E650-55B6-AF0B32F20B31}"/>
+              </a:ext>
+            </a:extLst>
+          </p:cNvPr>
+          <p:cNvSpPr txBox="1"/>
+          <p:nvPr/>
+        </p:nvSpPr>
+        <p:spPr>
+          <a:xfrm>
+            <a:off x="6652880" y="1939089"/>
+            <a:ext cx="5344733" cy="369332"/>
+          </a:xfrm>
+          <a:prstGeom prst="rect">
+            <a:avLst/>
+          </a:prstGeom>
+          <a:noFill/>
+        </p:spPr>
+        <p:txBody>
+          <a:bodyPr wrap="none" rtlCol="0">
+            <a:spAutoFit/>
+          </a:bodyPr>
+          <a:lstStyle/>
+          <a:p>
+            <a:r>
+              <a:rPr lang="en-US" altLang="ja-JP" dirty="0"/>
+              <a:t>But first definition given by Kantorovich in 1939:</a:t>
+            </a:r>
+            <a:endParaRPr kumimoji="1" lang="ja-JP" altLang="en-US" dirty="0"/>
+          </a:p>
+        </p:txBody>
+      </p:sp>
+      <p:pic>
+        <p:nvPicPr>
+          <p:cNvPr id="18" name="Picture 17">
+            <a:extLst>
+              <a:ext uri="{FF2B5EF4-FFF2-40B4-BE49-F238E27FC236}">
+                <a16:creationId xmlns:a16="http://schemas.microsoft.com/office/drawing/2014/main" id="{109665C2-1084-135A-6717-9A40050A9CAB}"/>
+              </a:ext>
+            </a:extLst>
+          </p:cNvPr>
+          <p:cNvPicPr>
+            <a:picLocks noChangeAspect="1"/>
+          </p:cNvPicPr>
+          <p:nvPr/>
+        </p:nvPicPr>
+        <p:blipFill>
+          <a:blip r:embed="rId6"/>
+          <a:stretch>
+            <a:fillRect/>
+          </a:stretch>
+        </p:blipFill>
+        <p:spPr>
+          <a:xfrm>
+            <a:off x="6251821" y="2458897"/>
+            <a:ext cx="5276183" cy="4399103"/>
+          </a:xfrm>
+          <a:prstGeom prst="rect">
+            <a:avLst/>
+          </a:prstGeom>
+        </p:spPr>
+      </p:pic>
+      <p:sp>
+        <p:nvSpPr>
+          <p:cNvPr id="20" name="TextBox 19">
+            <a:extLst>
+              <a:ext uri="{FF2B5EF4-FFF2-40B4-BE49-F238E27FC236}">
+                <a16:creationId xmlns:a16="http://schemas.microsoft.com/office/drawing/2014/main" id="{3D4F3B7F-DA19-C75C-7677-9242A382D652}"/>
+              </a:ext>
+            </a:extLst>
+          </p:cNvPr>
+          <p:cNvSpPr txBox="1"/>
+          <p:nvPr/>
+        </p:nvSpPr>
+        <p:spPr>
+          <a:xfrm>
+            <a:off x="187730" y="1144472"/>
+            <a:ext cx="12004270" cy="523220"/>
+          </a:xfrm>
+          <a:prstGeom prst="rect">
+            <a:avLst/>
+          </a:prstGeom>
+          <a:noFill/>
+        </p:spPr>
+        <p:txBody>
+          <a:bodyPr wrap="square">
+            <a:spAutoFit/>
+          </a:bodyPr>
+          <a:lstStyle/>
+          <a:p>
+            <a:r>
+              <a:rPr kumimoji="1" lang="en-US" altLang="ja-JP" sz="2800" b="1" dirty="0">
+                <a:latin typeface="Arial Narrow" panose="020B0606020202030204" pitchFamily="34" charset="0"/>
+              </a:rPr>
+              <a:t>Stigler law of eponymy:  No scientific discovery is named after its original discover!</a:t>
+            </a:r>
+            <a:endParaRPr kumimoji="1" lang="ja-JP" altLang="en-US" sz="2800" b="1" dirty="0">
+              <a:latin typeface="Arial Narrow" panose="020B0606020202030204" pitchFamily="34" charset="0"/>
+            </a:endParaRPr>
+          </a:p>
+        </p:txBody>
+      </p:sp>
+    </p:spTree>
+    <p:extLst>
+      <p:ext uri="{BB962C8B-B14F-4D97-AF65-F5344CB8AC3E}">
+        <p14:creationId xmlns:p14="http://schemas.microsoft.com/office/powerpoint/2010/main" val="3400802647"/>
+      </p:ext>
+    </p:extLst>
+  </p:cSld>
+  <p:clrMapOvr>
+    <a:masterClrMapping/>
+  </p:clrMapOvr>
+</p:sld>
+</file>
+
+<file path=ppt/slides/slide2.xml><?xml version="1.0" encoding="utf-8"?>
+<p:sld xmlns:a="http://schemas.openxmlformats.org/drawingml/2006/main" xmlns:r="http://schemas.openxmlformats.org/officeDocument/2006/relationships" xmlns:p="http://schemas.openxmlformats.org/presentationml/2006/main">
+  <p:cSld>
+    <p:spTree>
+      <p:nvGrpSpPr>
+        <p:cNvPr id="1" name=""/>
+        <p:cNvGrpSpPr/>
+        <p:nvPr/>
+      </p:nvGrpSpPr>
+      <p:grpSpPr>
+        <a:xfrm>
+          <a:off x="0" y="0"/>
+          <a:ext cx="0" cy="0"/>
+          <a:chOff x="0" y="0"/>
+          <a:chExt cx="0" cy="0"/>
+        </a:xfrm>
+      </p:grpSpPr>
+      <p:sp>
+        <p:nvSpPr>
+          <p:cNvPr id="2" name="Title 1">
+            <a:extLst>
+              <a:ext uri="{FF2B5EF4-FFF2-40B4-BE49-F238E27FC236}">
+                <a16:creationId xmlns:a16="http://schemas.microsoft.com/office/drawing/2014/main" id="{2C35857C-4F3F-0123-197F-E73F86D13DF3}"/>
+              </a:ext>
+            </a:extLst>
+          </p:cNvPr>
+          <p:cNvSpPr>
+            <a:spLocks noGrp="1"/>
+          </p:cNvSpPr>
+          <p:nvPr>
+            <p:ph type="title"/>
+          </p:nvPr>
+        </p:nvSpPr>
+        <p:spPr/>
+        <p:txBody>
+          <a:bodyPr/>
+          <a:lstStyle/>
+          <a:p>
+            <a:endParaRPr kumimoji="1" lang="ja-JP" altLang="en-US"/>
+          </a:p>
+        </p:txBody>
+      </p:sp>
+      <p:pic>
+        <p:nvPicPr>
+          <p:cNvPr id="5" name="Picture 4">
+            <a:extLst>
+              <a:ext uri="{FF2B5EF4-FFF2-40B4-BE49-F238E27FC236}">
+                <a16:creationId xmlns:a16="http://schemas.microsoft.com/office/drawing/2014/main" id="{59AF1A07-E819-1EEE-C605-03092FA2B443}"/>
+              </a:ext>
+            </a:extLst>
+          </p:cNvPr>
+          <p:cNvPicPr>
+            <a:picLocks noChangeAspect="1"/>
+          </p:cNvPicPr>
+          <p:nvPr/>
+        </p:nvPicPr>
+        <p:blipFill>
+          <a:blip r:embed="rId2"/>
+          <a:stretch>
+            <a:fillRect/>
+          </a:stretch>
+        </p:blipFill>
+        <p:spPr>
+          <a:xfrm>
+            <a:off x="442912" y="3668486"/>
+            <a:ext cx="3838575" cy="904875"/>
+          </a:xfrm>
+          <a:prstGeom prst="rect">
+            <a:avLst/>
+          </a:prstGeom>
+        </p:spPr>
+      </p:pic>
+      <p:pic>
+        <p:nvPicPr>
+          <p:cNvPr id="7" name="Picture 6">
+            <a:extLst>
+              <a:ext uri="{FF2B5EF4-FFF2-40B4-BE49-F238E27FC236}">
+                <a16:creationId xmlns:a16="http://schemas.microsoft.com/office/drawing/2014/main" id="{60598F51-6D2D-0B62-C2AF-3425C3CCF6F3}"/>
+              </a:ext>
+            </a:extLst>
+          </p:cNvPr>
+          <p:cNvPicPr>
+            <a:picLocks noChangeAspect="1"/>
+          </p:cNvPicPr>
+          <p:nvPr/>
+        </p:nvPicPr>
+        <p:blipFill>
+          <a:blip r:embed="rId3"/>
+          <a:stretch>
+            <a:fillRect/>
+          </a:stretch>
+        </p:blipFill>
+        <p:spPr>
+          <a:xfrm>
+            <a:off x="4511448" y="3679372"/>
+            <a:ext cx="4714875" cy="933450"/>
+          </a:xfrm>
+          <a:prstGeom prst="rect">
+            <a:avLst/>
+          </a:prstGeom>
+        </p:spPr>
+      </p:pic>
+      <p:pic>
+        <p:nvPicPr>
+          <p:cNvPr id="9" name="Picture 8">
+            <a:extLst>
+              <a:ext uri="{FF2B5EF4-FFF2-40B4-BE49-F238E27FC236}">
+                <a16:creationId xmlns:a16="http://schemas.microsoft.com/office/drawing/2014/main" id="{72185F6E-FA61-9569-87AF-379C4C90755C}"/>
+              </a:ext>
+            </a:extLst>
+          </p:cNvPr>
+          <p:cNvPicPr>
+            <a:picLocks noChangeAspect="1"/>
+          </p:cNvPicPr>
+          <p:nvPr/>
+        </p:nvPicPr>
+        <p:blipFill>
+          <a:blip r:embed="rId4"/>
+          <a:stretch>
+            <a:fillRect/>
+          </a:stretch>
+        </p:blipFill>
+        <p:spPr>
+          <a:xfrm>
+            <a:off x="326572" y="4881562"/>
+            <a:ext cx="6400800" cy="733425"/>
+          </a:xfrm>
+          <a:prstGeom prst="rect">
+            <a:avLst/>
+          </a:prstGeom>
+        </p:spPr>
+      </p:pic>
+      <p:pic>
+        <p:nvPicPr>
+          <p:cNvPr id="11" name="Picture 10">
+            <a:extLst>
+              <a:ext uri="{FF2B5EF4-FFF2-40B4-BE49-F238E27FC236}">
+                <a16:creationId xmlns:a16="http://schemas.microsoft.com/office/drawing/2014/main" id="{D0EA9AE3-B8A6-DB7A-96CC-6A8CF2CB076C}"/>
+              </a:ext>
+            </a:extLst>
+          </p:cNvPr>
+          <p:cNvPicPr>
+            <a:picLocks noChangeAspect="1"/>
+          </p:cNvPicPr>
+          <p:nvPr/>
+        </p:nvPicPr>
+        <p:blipFill>
+          <a:blip r:embed="rId5"/>
+          <a:stretch>
+            <a:fillRect/>
+          </a:stretch>
+        </p:blipFill>
+        <p:spPr>
+          <a:xfrm>
+            <a:off x="7149193" y="4946876"/>
+            <a:ext cx="4533900" cy="790575"/>
+          </a:xfrm>
+          <a:prstGeom prst="rect">
+            <a:avLst/>
+          </a:prstGeom>
+        </p:spPr>
+      </p:pic>
+      <p:pic>
+        <p:nvPicPr>
+          <p:cNvPr id="13" name="Picture 12">
+            <a:extLst>
+              <a:ext uri="{FF2B5EF4-FFF2-40B4-BE49-F238E27FC236}">
+                <a16:creationId xmlns:a16="http://schemas.microsoft.com/office/drawing/2014/main" id="{A25A1B9F-66EE-0CA2-94DB-A34D63CA2629}"/>
+              </a:ext>
+            </a:extLst>
+          </p:cNvPr>
+          <p:cNvPicPr>
+            <a:picLocks noChangeAspect="1"/>
+          </p:cNvPicPr>
+          <p:nvPr/>
+        </p:nvPicPr>
+        <p:blipFill>
+          <a:blip r:embed="rId6"/>
+          <a:stretch>
+            <a:fillRect/>
+          </a:stretch>
+        </p:blipFill>
+        <p:spPr>
+          <a:xfrm>
+            <a:off x="326572" y="5874200"/>
+            <a:ext cx="2962275" cy="800100"/>
+          </a:xfrm>
+          <a:prstGeom prst="rect">
+            <a:avLst/>
+          </a:prstGeom>
+        </p:spPr>
+      </p:pic>
+      <p:pic>
+        <p:nvPicPr>
+          <p:cNvPr id="15" name="Picture 14">
+            <a:extLst>
+              <a:ext uri="{FF2B5EF4-FFF2-40B4-BE49-F238E27FC236}">
+                <a16:creationId xmlns:a16="http://schemas.microsoft.com/office/drawing/2014/main" id="{C8011F8C-C7E5-E133-F83D-D723CD061A77}"/>
+              </a:ext>
+            </a:extLst>
+          </p:cNvPr>
+          <p:cNvPicPr>
+            <a:picLocks noChangeAspect="1"/>
+          </p:cNvPicPr>
+          <p:nvPr/>
+        </p:nvPicPr>
+        <p:blipFill>
+          <a:blip r:embed="rId7"/>
+          <a:stretch>
+            <a:fillRect/>
+          </a:stretch>
+        </p:blipFill>
+        <p:spPr>
+          <a:xfrm>
+            <a:off x="4049485" y="5944054"/>
+            <a:ext cx="2819400" cy="771525"/>
+          </a:xfrm>
+          <a:prstGeom prst="rect">
+            <a:avLst/>
+          </a:prstGeom>
+        </p:spPr>
+      </p:pic>
+      <p:pic>
+        <p:nvPicPr>
+          <p:cNvPr id="17" name="Picture 16">
+            <a:extLst>
+              <a:ext uri="{FF2B5EF4-FFF2-40B4-BE49-F238E27FC236}">
+                <a16:creationId xmlns:a16="http://schemas.microsoft.com/office/drawing/2014/main" id="{8AB3A663-B6A7-34DD-E76B-320FAB098814}"/>
+              </a:ext>
+            </a:extLst>
+          </p:cNvPr>
+          <p:cNvPicPr>
+            <a:picLocks noChangeAspect="1"/>
+          </p:cNvPicPr>
+          <p:nvPr/>
+        </p:nvPicPr>
+        <p:blipFill>
+          <a:blip r:embed="rId8"/>
+          <a:stretch>
+            <a:fillRect/>
+          </a:stretch>
+        </p:blipFill>
+        <p:spPr>
+          <a:xfrm>
+            <a:off x="1023258" y="-174867"/>
+            <a:ext cx="9742714" cy="3731109"/>
+          </a:xfrm>
+          <a:prstGeom prst="rect">
+            <a:avLst/>
+          </a:prstGeom>
+        </p:spPr>
+      </p:pic>
+    </p:spTree>
+    <p:extLst>
+      <p:ext uri="{BB962C8B-B14F-4D97-AF65-F5344CB8AC3E}">
+        <p14:creationId xmlns:p14="http://schemas.microsoft.com/office/powerpoint/2010/main" val="4225878679"/>
+      </p:ext>
+    </p:extLst>
+  </p:cSld>
+  <p:clrMapOvr>
+    <a:masterClrMapping/>
+  </p:clrMapOvr>
+</p:sld>
+</file>
+
+<file path=ppt/slides/slide3.xml><?xml version="1.0" encoding="utf-8"?>
+<p:sld xmlns:a="http://schemas.openxmlformats.org/drawingml/2006/main" xmlns:r="http://schemas.openxmlformats.org/officeDocument/2006/relationships" xmlns:p="http://schemas.openxmlformats.org/presentationml/2006/main">
+  <p:cSld>
+    <p:spTree>
+      <p:nvGrpSpPr>
+        <p:cNvPr id="1" name=""/>
+        <p:cNvGrpSpPr/>
+        <p:nvPr/>
+      </p:nvGrpSpPr>
+      <p:grpSpPr>
+        <a:xfrm>
+          <a:off x="0" y="0"/>
+          <a:ext cx="0" cy="0"/>
+          <a:chOff x="0" y="0"/>
+          <a:chExt cx="0" cy="0"/>
+        </a:xfrm>
+      </p:grpSpPr>
+      <p:sp>
+        <p:nvSpPr>
+          <p:cNvPr id="2" name="Title 1">
+            <a:extLst>
+              <a:ext uri="{FF2B5EF4-FFF2-40B4-BE49-F238E27FC236}">
+                <a16:creationId xmlns:a16="http://schemas.microsoft.com/office/drawing/2014/main" id="{45108B1E-B675-CC06-87EF-8EA32EA7FF26}"/>
+              </a:ext>
+            </a:extLst>
+          </p:cNvPr>
+          <p:cNvSpPr>
+            <a:spLocks noGrp="1"/>
+          </p:cNvSpPr>
+          <p:nvPr>
+            <p:ph type="title"/>
+          </p:nvPr>
+        </p:nvSpPr>
+        <p:spPr>
+          <a:xfrm>
+            <a:off x="-1" y="-180975"/>
+            <a:ext cx="12932229" cy="1325563"/>
+          </a:xfrm>
+        </p:spPr>
+        <p:txBody>
+          <a:bodyPr>
+            <a:normAutofit/>
+          </a:bodyPr>
+          <a:lstStyle/>
+          <a:p>
+            <a:r>
+              <a:rPr kumimoji="1" lang="en-US" altLang="ja-JP" sz="4000" b="1" dirty="0">
+                <a:solidFill>
+                  <a:schemeClr val="accent5"/>
+                </a:solidFill>
+              </a:rPr>
+              <a:t>Dual MLE = MEP (</a:t>
+            </a:r>
+            <a:r>
+              <a:rPr kumimoji="1" lang="en-US" altLang="ja-JP" sz="4000" b="1" dirty="0" err="1">
+                <a:solidFill>
+                  <a:schemeClr val="accent5"/>
+                </a:solidFill>
+              </a:rPr>
+              <a:t>MaxEnt</a:t>
+            </a:r>
+            <a:r>
+              <a:rPr kumimoji="1" lang="en-US" altLang="ja-JP" sz="4000" b="1" dirty="0">
+                <a:solidFill>
+                  <a:schemeClr val="accent5"/>
+                </a:solidFill>
+              </a:rPr>
+              <a:t>  Maximum entropy principle)  </a:t>
+            </a:r>
+            <a:endParaRPr kumimoji="1" lang="ja-JP" altLang="en-US" sz="4000" b="1" dirty="0">
+              <a:solidFill>
+                <a:schemeClr val="accent5"/>
+              </a:solidFill>
+            </a:endParaRPr>
+          </a:p>
+        </p:txBody>
+      </p:sp>
+      <p:pic>
+        <p:nvPicPr>
+          <p:cNvPr id="5" name="Picture 4">
+            <a:extLst>
+              <a:ext uri="{FF2B5EF4-FFF2-40B4-BE49-F238E27FC236}">
+                <a16:creationId xmlns:a16="http://schemas.microsoft.com/office/drawing/2014/main" id="{721A33DD-0DC4-FB46-F4A8-6298D45FC5B2}"/>
+              </a:ext>
+            </a:extLst>
+          </p:cNvPr>
+          <p:cNvPicPr>
+            <a:picLocks noChangeAspect="1"/>
+          </p:cNvPicPr>
+          <p:nvPr/>
+        </p:nvPicPr>
+        <p:blipFill>
+          <a:blip r:embed="rId3"/>
+          <a:stretch>
+            <a:fillRect/>
+          </a:stretch>
+        </p:blipFill>
+        <p:spPr>
+          <a:xfrm>
+            <a:off x="0" y="2808515"/>
+            <a:ext cx="6727870" cy="4479584"/>
+          </a:xfrm>
+          <a:prstGeom prst="rect">
+            <a:avLst/>
+          </a:prstGeom>
+        </p:spPr>
+      </p:pic>
+      <p:sp>
+        <p:nvSpPr>
+          <p:cNvPr id="8" name="TextBox 7">
+            <a:extLst>
+              <a:ext uri="{FF2B5EF4-FFF2-40B4-BE49-F238E27FC236}">
+                <a16:creationId xmlns:a16="http://schemas.microsoft.com/office/drawing/2014/main" id="{496DDD51-6324-210D-0D62-2F07E0C16BF5}"/>
+              </a:ext>
+            </a:extLst>
+          </p:cNvPr>
+          <p:cNvSpPr txBox="1"/>
+          <p:nvPr/>
+        </p:nvSpPr>
+        <p:spPr>
+          <a:xfrm>
+            <a:off x="163285" y="784011"/>
+            <a:ext cx="8877751" cy="461665"/>
+          </a:xfrm>
+          <a:prstGeom prst="rect">
+            <a:avLst/>
+          </a:prstGeom>
+          <a:noFill/>
+        </p:spPr>
+        <p:txBody>
+          <a:bodyPr wrap="none" rtlCol="0">
+            <a:spAutoFit/>
+          </a:bodyPr>
+          <a:lstStyle/>
+          <a:p>
+            <a:r>
+              <a:rPr kumimoji="1" lang="en-US" altLang="ja-JP" sz="2400" b="1" dirty="0"/>
+              <a:t>MLE: Minimize right-side of </a:t>
+            </a:r>
+            <a:r>
+              <a:rPr kumimoji="1" lang="en-US" altLang="ja-JP" sz="2400" b="1" dirty="0" err="1"/>
+              <a:t>Kullback-Leibler</a:t>
+            </a:r>
+            <a:r>
+              <a:rPr kumimoji="1" lang="en-US" altLang="ja-JP" sz="2400" b="1" dirty="0"/>
+              <a:t> divergence</a:t>
+            </a:r>
+            <a:endParaRPr kumimoji="1" lang="ja-JP" altLang="en-US" sz="2400" b="1" dirty="0"/>
+          </a:p>
+        </p:txBody>
+      </p:sp>
+      <p:sp>
+        <p:nvSpPr>
+          <p:cNvPr id="9" name="TextBox 8">
+            <a:extLst>
+              <a:ext uri="{FF2B5EF4-FFF2-40B4-BE49-F238E27FC236}">
+                <a16:creationId xmlns:a16="http://schemas.microsoft.com/office/drawing/2014/main" id="{B1830CB3-C614-87F3-C646-A59FB3B6A23D}"/>
+              </a:ext>
+            </a:extLst>
+          </p:cNvPr>
+          <p:cNvSpPr txBox="1"/>
+          <p:nvPr/>
+        </p:nvSpPr>
+        <p:spPr>
+          <a:xfrm>
+            <a:off x="123432" y="1911675"/>
+            <a:ext cx="12171922" cy="461665"/>
+          </a:xfrm>
+          <a:prstGeom prst="rect">
+            <a:avLst/>
+          </a:prstGeom>
+          <a:noFill/>
+        </p:spPr>
+        <p:txBody>
+          <a:bodyPr wrap="none" rtlCol="0">
+            <a:spAutoFit/>
+          </a:bodyPr>
+          <a:lstStyle/>
+          <a:p>
+            <a:r>
+              <a:rPr kumimoji="1" lang="en-US" altLang="ja-JP" sz="2400" b="1" dirty="0"/>
+              <a:t>Maxent: Minimize left-side of </a:t>
+            </a:r>
+            <a:r>
+              <a:rPr kumimoji="1" lang="en-US" altLang="ja-JP" sz="2400" b="1" dirty="0" err="1"/>
+              <a:t>Kullback-Leibler</a:t>
+            </a:r>
+            <a:r>
+              <a:rPr kumimoji="1" lang="en-US" altLang="ja-JP" sz="2400" b="1" dirty="0"/>
+              <a:t> divergence (=right-side of KLD*)</a:t>
+            </a:r>
+            <a:endParaRPr kumimoji="1" lang="ja-JP" altLang="en-US" sz="2400" b="1" dirty="0"/>
+          </a:p>
+        </p:txBody>
+      </p:sp>
+      <p:sp>
+        <p:nvSpPr>
+          <p:cNvPr id="13" name="Arrow: Up-Down 12">
+            <a:extLst>
+              <a:ext uri="{FF2B5EF4-FFF2-40B4-BE49-F238E27FC236}">
+                <a16:creationId xmlns:a16="http://schemas.microsoft.com/office/drawing/2014/main" id="{97166BAA-E370-96E9-18F4-847C6D19CE00}"/>
+              </a:ext>
+            </a:extLst>
+          </p:cNvPr>
+          <p:cNvSpPr/>
+          <p:nvPr/>
+        </p:nvSpPr>
+        <p:spPr>
+          <a:xfrm>
+            <a:off x="4027715" y="1148570"/>
+            <a:ext cx="574446" cy="763105"/>
+          </a:xfrm>
+          <a:prstGeom prst="upDownArrow">
+            <a:avLst/>
+          </a:prstGeom>
+        </p:spPr>
+        <p:style>
+          <a:lnRef idx="2">
+            <a:schemeClr val="accent1">
+              <a:shade val="15000"/>
+            </a:schemeClr>
+          </a:lnRef>
+          <a:fillRef idx="1">
+            <a:schemeClr val="accent1"/>
+          </a:fillRef>
+          <a:effectRef idx="0">
+            <a:schemeClr val="accent1"/>
+          </a:effectRef>
+          <a:fontRef idx="minor">
+            <a:schemeClr val="lt1"/>
+          </a:fontRef>
+        </p:style>
+        <p:txBody>
+          <a:bodyPr rtlCol="0" anchor="ctr"/>
+          <a:lstStyle/>
+          <a:p>
+            <a:pPr algn="ctr"/>
+            <a:endParaRPr kumimoji="1" lang="ja-JP" altLang="en-US"/>
+          </a:p>
+        </p:txBody>
+      </p:sp>
+      <p:sp>
+        <p:nvSpPr>
+          <p:cNvPr id="14" name="TextBox 13">
+            <a:extLst>
+              <a:ext uri="{FF2B5EF4-FFF2-40B4-BE49-F238E27FC236}">
+                <a16:creationId xmlns:a16="http://schemas.microsoft.com/office/drawing/2014/main" id="{66F61641-B73C-2CAE-2353-D5ADAF45FE7A}"/>
+              </a:ext>
+            </a:extLst>
+          </p:cNvPr>
+          <p:cNvSpPr txBox="1"/>
+          <p:nvPr/>
+        </p:nvSpPr>
+        <p:spPr>
+          <a:xfrm>
+            <a:off x="4672061" y="1365756"/>
+            <a:ext cx="3847528" cy="369332"/>
+          </a:xfrm>
+          <a:prstGeom prst="rect">
+            <a:avLst/>
+          </a:prstGeom>
+          <a:noFill/>
+        </p:spPr>
+        <p:txBody>
+          <a:bodyPr wrap="none" rtlCol="0">
+            <a:spAutoFit/>
+          </a:bodyPr>
+          <a:lstStyle/>
+          <a:p>
+            <a:r>
+              <a:rPr kumimoji="1" lang="en-US" altLang="ja-JP" b="1" dirty="0"/>
+              <a:t>Divergence duality KLD </a:t>
+            </a:r>
+            <a:r>
+              <a:rPr lang="ja-JP" altLang="en-US" b="0" i="0" dirty="0">
+                <a:solidFill>
+                  <a:srgbClr val="DF000F"/>
+                </a:solidFill>
+                <a:effectLst/>
+                <a:latin typeface="Source Sans Pro" panose="020B0503030403020204" pitchFamily="34" charset="0"/>
+              </a:rPr>
+              <a:t>↔ </a:t>
+            </a:r>
+            <a:r>
+              <a:rPr kumimoji="1" lang="en-US" altLang="ja-JP" b="1" dirty="0"/>
+              <a:t>KLD* </a:t>
+            </a:r>
+            <a:endParaRPr kumimoji="1" lang="ja-JP" altLang="en-US" b="1" dirty="0"/>
+          </a:p>
+        </p:txBody>
+      </p:sp>
+      <p:pic>
+        <p:nvPicPr>
+          <p:cNvPr id="16" name="Picture 15">
+            <a:extLst>
+              <a:ext uri="{FF2B5EF4-FFF2-40B4-BE49-F238E27FC236}">
+                <a16:creationId xmlns:a16="http://schemas.microsoft.com/office/drawing/2014/main" id="{85B573BE-C4D2-BD72-5FF6-D5AC35D965C8}"/>
+              </a:ext>
+            </a:extLst>
+          </p:cNvPr>
+          <p:cNvPicPr>
+            <a:picLocks noChangeAspect="1"/>
+          </p:cNvPicPr>
+          <p:nvPr/>
+        </p:nvPicPr>
+        <p:blipFill>
+          <a:blip r:embed="rId4"/>
+          <a:stretch>
+            <a:fillRect/>
+          </a:stretch>
+        </p:blipFill>
+        <p:spPr>
+          <a:xfrm>
+            <a:off x="6398009" y="2634343"/>
+            <a:ext cx="5793991" cy="4223657"/>
+          </a:xfrm>
+          <a:prstGeom prst="rect">
+            <a:avLst/>
+          </a:prstGeom>
+        </p:spPr>
+      </p:pic>
+    </p:spTree>
+    <p:extLst>
+      <p:ext uri="{BB962C8B-B14F-4D97-AF65-F5344CB8AC3E}">
+        <p14:creationId xmlns:p14="http://schemas.microsoft.com/office/powerpoint/2010/main" val="2483399893"/>
+      </p:ext>
+    </p:extLst>
+  </p:cSld>
+  <p:clrMapOvr>
+    <a:masterClrMapping/>
+  </p:clrMapOvr>
+</p:sld>
+</file>
+
 <file path=ppt/slides/slide4.xml><?xml version="1.0" encoding="utf-8"?>
 <p:sld xmlns:a="http://schemas.openxmlformats.org/drawingml/2006/main" xmlns:r="http://schemas.openxmlformats.org/officeDocument/2006/relationships" xmlns:p="http://schemas.openxmlformats.org/presentationml/2006/main">
   <p:cSld>
@@ -4947,7 +5994,7 @@
           <p:cNvPr id="2" name="Title 1">
             <a:extLst>
               <a:ext uri="{FF2B5EF4-FFF2-40B4-BE49-F238E27FC236}">
-                <a16:creationId xmlns:a16="http://schemas.microsoft.com/office/drawing/2014/main" id="{33353E46-0F50-409A-D44A-A5BF4E9EF8D0}"/>
+                <a16:creationId xmlns:a16="http://schemas.microsoft.com/office/drawing/2014/main" id="{07D31788-4188-7C38-8A01-8707F5CF22BA}"/>
               </a:ext>
             </a:extLst>
           </p:cNvPr>
@@ -4958,29 +6005,12 @@
             <p:ph type="title"/>
           </p:nvPr>
         </p:nvSpPr>
-        <p:spPr>
-          <a:xfrm>
-            <a:off x="194387" y="-148058"/>
-            <a:ext cx="10515600" cy="1325563"/>
-          </a:xfrm>
-        </p:spPr>
+        <p:spPr/>
         <p:txBody>
           <a:bodyPr/>
           <a:lstStyle/>
           <a:p>
-            <a:r>
-              <a:rPr lang="en-US" altLang="ja-JP" b="1" dirty="0">
-                <a:solidFill>
-                  <a:schemeClr val="accent5"/>
-                </a:solidFill>
-              </a:rPr>
-              <a:t>Origin of the Wasserstein distance</a:t>
-            </a:r>
-            <a:endParaRPr kumimoji="1" lang="ja-JP" altLang="en-US" b="1" dirty="0">
-              <a:solidFill>
-                <a:schemeClr val="accent5"/>
-              </a:solidFill>
-            </a:endParaRPr>
+            <a:endParaRPr kumimoji="1" lang="ja-JP" altLang="en-US"/>
           </a:p>
         </p:txBody>
       </p:sp>
@@ -4989,7 +6019,37 @@
           <p:cNvPr id="5" name="Picture 4">
             <a:extLst>
               <a:ext uri="{FF2B5EF4-FFF2-40B4-BE49-F238E27FC236}">
-                <a16:creationId xmlns:a16="http://schemas.microsoft.com/office/drawing/2014/main" id="{F7F857D8-F7EF-1233-BEFC-FEB68C4485C1}"/>
+                <a16:creationId xmlns:a16="http://schemas.microsoft.com/office/drawing/2014/main" id="{43C1CE33-B82D-DEA0-FB65-DFB8FAAA54A7}"/>
+              </a:ext>
+            </a:extLst>
+          </p:cNvPr>
+          <p:cNvPicPr>
+            <a:picLocks noChangeAspect="1"/>
+          </p:cNvPicPr>
+          <p:nvPr/>
+        </p:nvPicPr>
+        <p:blipFill>
+          <a:blip r:embed="rId2"/>
+          <a:stretch>
+            <a:fillRect/>
+          </a:stretch>
+        </p:blipFill>
+        <p:spPr>
+          <a:xfrm>
+            <a:off x="0" y="0"/>
+            <a:ext cx="7978256" cy="3035902"/>
+          </a:xfrm>
+          <a:prstGeom prst="rect">
+            <a:avLst/>
+          </a:prstGeom>
+        </p:spPr>
+      </p:pic>
+      <p:pic>
+        <p:nvPicPr>
+          <p:cNvPr id="9" name="Picture 8">
+            <a:extLst>
+              <a:ext uri="{FF2B5EF4-FFF2-40B4-BE49-F238E27FC236}">
+                <a16:creationId xmlns:a16="http://schemas.microsoft.com/office/drawing/2014/main" id="{2FE8D837-0E49-02B4-7F6F-C16FB58E3E24}"/>
               </a:ext>
             </a:extLst>
           </p:cNvPr>
@@ -5006,8 +6066,8 @@
         </p:blipFill>
         <p:spPr>
           <a:xfrm>
-            <a:off x="410547" y="3875698"/>
-            <a:ext cx="5061545" cy="1546418"/>
+            <a:off x="-1" y="2651629"/>
+            <a:ext cx="7073091" cy="2739521"/>
           </a:xfrm>
           <a:prstGeom prst="rect">
             <a:avLst/>
@@ -5016,10 +6076,10 @@
       </p:pic>
       <p:pic>
         <p:nvPicPr>
-          <p:cNvPr id="7" name="Picture 6">
-            <a:extLst>
-              <a:ext uri="{FF2B5EF4-FFF2-40B4-BE49-F238E27FC236}">
-                <a16:creationId xmlns:a16="http://schemas.microsoft.com/office/drawing/2014/main" id="{59FD0573-43AA-F431-890F-CEB5A4BE847F}"/>
+          <p:cNvPr id="11" name="Picture 10">
+            <a:extLst>
+              <a:ext uri="{FF2B5EF4-FFF2-40B4-BE49-F238E27FC236}">
+                <a16:creationId xmlns:a16="http://schemas.microsoft.com/office/drawing/2014/main" id="{04C8C255-0A67-A0A9-1BBA-CBF0C9351A4F}"/>
               </a:ext>
             </a:extLst>
           </p:cNvPr>
@@ -5036,20 +6096,100 @@
         </p:blipFill>
         <p:spPr>
           <a:xfrm>
-            <a:off x="391027" y="6094715"/>
-            <a:ext cx="5002067" cy="701836"/>
+            <a:off x="92528" y="5391150"/>
+            <a:ext cx="7086600" cy="1466850"/>
           </a:xfrm>
           <a:prstGeom prst="rect">
             <a:avLst/>
           </a:prstGeom>
         </p:spPr>
       </p:pic>
+    </p:spTree>
+    <p:extLst>
+      <p:ext uri="{BB962C8B-B14F-4D97-AF65-F5344CB8AC3E}">
+        <p14:creationId xmlns:p14="http://schemas.microsoft.com/office/powerpoint/2010/main" val="3330682798"/>
+      </p:ext>
+    </p:extLst>
+  </p:cSld>
+  <p:clrMapOvr>
+    <a:masterClrMapping/>
+  </p:clrMapOvr>
+</p:sld>
+</file>
+
+<file path=ppt/slides/slide5.xml><?xml version="1.0" encoding="utf-8"?>
+<p:sld xmlns:a="http://schemas.openxmlformats.org/drawingml/2006/main" xmlns:r="http://schemas.openxmlformats.org/officeDocument/2006/relationships" xmlns:p="http://schemas.openxmlformats.org/presentationml/2006/main">
+  <p:cSld>
+    <p:spTree>
+      <p:nvGrpSpPr>
+        <p:cNvPr id="1" name=""/>
+        <p:cNvGrpSpPr/>
+        <p:nvPr/>
+      </p:nvGrpSpPr>
+      <p:grpSpPr>
+        <a:xfrm>
+          <a:off x="0" y="0"/>
+          <a:ext cx="0" cy="0"/>
+          <a:chOff x="0" y="0"/>
+          <a:chExt cx="0" cy="0"/>
+        </a:xfrm>
+      </p:grpSpPr>
+      <p:sp>
+        <p:nvSpPr>
+          <p:cNvPr id="2" name="Title 1">
+            <a:extLst>
+              <a:ext uri="{FF2B5EF4-FFF2-40B4-BE49-F238E27FC236}">
+                <a16:creationId xmlns:a16="http://schemas.microsoft.com/office/drawing/2014/main" id="{E85CC465-ACE6-5C07-620C-C302D5A9E7D9}"/>
+              </a:ext>
+            </a:extLst>
+          </p:cNvPr>
+          <p:cNvSpPr>
+            <a:spLocks noGrp="1"/>
+          </p:cNvSpPr>
+          <p:nvPr>
+            <p:ph type="title"/>
+          </p:nvPr>
+        </p:nvSpPr>
+        <p:spPr/>
+        <p:txBody>
+          <a:bodyPr/>
+          <a:lstStyle/>
+          <a:p>
+            <a:endParaRPr kumimoji="1" lang="ja-JP" altLang="en-US"/>
+          </a:p>
+        </p:txBody>
+      </p:sp>
+      <p:sp>
+        <p:nvSpPr>
+          <p:cNvPr id="3" name="Content Placeholder 2">
+            <a:extLst>
+              <a:ext uri="{FF2B5EF4-FFF2-40B4-BE49-F238E27FC236}">
+                <a16:creationId xmlns:a16="http://schemas.microsoft.com/office/drawing/2014/main" id="{21421416-AAF1-275D-ADF4-1AAD6BFDA703}"/>
+              </a:ext>
+            </a:extLst>
+          </p:cNvPr>
+          <p:cNvSpPr>
+            <a:spLocks noGrp="1"/>
+          </p:cNvSpPr>
+          <p:nvPr>
+            <p:ph idx="1"/>
+          </p:nvPr>
+        </p:nvSpPr>
+        <p:spPr/>
+        <p:txBody>
+          <a:bodyPr/>
+          <a:lstStyle/>
+          <a:p>
+            <a:endParaRPr kumimoji="1" lang="ja-JP" altLang="en-US"/>
+          </a:p>
+        </p:txBody>
+      </p:sp>
       <p:pic>
         <p:nvPicPr>
-          <p:cNvPr id="9" name="Picture 8">
-            <a:extLst>
-              <a:ext uri="{FF2B5EF4-FFF2-40B4-BE49-F238E27FC236}">
-                <a16:creationId xmlns:a16="http://schemas.microsoft.com/office/drawing/2014/main" id="{1A06CA0B-A010-9527-5928-B9E20BC89DD9}"/>
+          <p:cNvPr id="5" name="Picture 4">
+            <a:extLst>
+              <a:ext uri="{FF2B5EF4-FFF2-40B4-BE49-F238E27FC236}">
+                <a16:creationId xmlns:a16="http://schemas.microsoft.com/office/drawing/2014/main" id="{A96EB397-4A28-9113-97DD-9B25072F6C98}"/>
               </a:ext>
             </a:extLst>
           </p:cNvPr>
@@ -5059,139 +6199,107 @@
           <p:nvPr/>
         </p:nvPicPr>
         <p:blipFill>
-          <a:blip r:embed="rId5"/>
+          <a:blip r:embed="rId2"/>
           <a:stretch>
             <a:fillRect/>
           </a:stretch>
         </p:blipFill>
         <p:spPr>
           <a:xfrm>
-            <a:off x="720453" y="2732047"/>
-            <a:ext cx="4484612" cy="1165762"/>
+            <a:off x="227239" y="127907"/>
+            <a:ext cx="9429750" cy="5143500"/>
           </a:xfrm>
           <a:prstGeom prst="rect">
             <a:avLst/>
           </a:prstGeom>
         </p:spPr>
       </p:pic>
-      <p:sp>
-        <p:nvSpPr>
-          <p:cNvPr id="13" name="TextBox 12">
-            <a:extLst>
-              <a:ext uri="{FF2B5EF4-FFF2-40B4-BE49-F238E27FC236}">
-                <a16:creationId xmlns:a16="http://schemas.microsoft.com/office/drawing/2014/main" id="{4940428B-E06F-FCEE-74EC-DDDDE728578A}"/>
-              </a:ext>
-            </a:extLst>
-          </p:cNvPr>
-          <p:cNvSpPr txBox="1"/>
-          <p:nvPr/>
-        </p:nvSpPr>
-        <p:spPr>
-          <a:xfrm>
-            <a:off x="194387" y="1889726"/>
-            <a:ext cx="5787162" cy="923330"/>
-          </a:xfrm>
-          <a:prstGeom prst="rect">
-            <a:avLst/>
-          </a:prstGeom>
-          <a:noFill/>
-        </p:spPr>
-        <p:txBody>
-          <a:bodyPr wrap="none" rtlCol="0">
-            <a:spAutoFit/>
-          </a:bodyPr>
-          <a:lstStyle/>
-          <a:p>
-            <a:r>
-              <a:rPr lang="en-US" altLang="ja-JP" dirty="0" err="1"/>
-              <a:t>Dobrushin</a:t>
-            </a:r>
-            <a:r>
-              <a:rPr lang="en-US" altLang="ja-JP" dirty="0"/>
-              <a:t> termed the </a:t>
-            </a:r>
-            <a:r>
-              <a:rPr lang="en-US" altLang="ja-JP" b="1" dirty="0" err="1">
-                <a:solidFill>
-                  <a:schemeClr val="accent6"/>
-                </a:solidFill>
-              </a:rPr>
-              <a:t>Vasershtein</a:t>
-            </a:r>
-            <a:r>
-              <a:rPr lang="en-US" altLang="ja-JP" b="1" dirty="0">
-                <a:solidFill>
-                  <a:schemeClr val="accent6"/>
-                </a:solidFill>
-              </a:rPr>
-              <a:t> distance </a:t>
-            </a:r>
-            <a:r>
-              <a:rPr lang="en-US" altLang="ja-JP" dirty="0"/>
-              <a:t>in 1970</a:t>
-            </a:r>
-          </a:p>
-          <a:p>
-            <a:r>
-              <a:rPr lang="en-US" altLang="ja-JP" dirty="0"/>
-              <a:t>citing a paper of </a:t>
-            </a:r>
-            <a:r>
-              <a:rPr lang="en-US" altLang="ja-JP" dirty="0" err="1"/>
-              <a:t>Vasershtein</a:t>
-            </a:r>
-            <a:r>
-              <a:rPr lang="en-US" altLang="ja-JP" dirty="0"/>
-              <a:t> 1969:</a:t>
-            </a:r>
-          </a:p>
-          <a:p>
-            <a:endParaRPr kumimoji="1" lang="ja-JP" altLang="en-US" dirty="0"/>
-          </a:p>
-        </p:txBody>
-      </p:sp>
-      <p:sp>
-        <p:nvSpPr>
-          <p:cNvPr id="14" name="TextBox 13">
-            <a:extLst>
-              <a:ext uri="{FF2B5EF4-FFF2-40B4-BE49-F238E27FC236}">
-                <a16:creationId xmlns:a16="http://schemas.microsoft.com/office/drawing/2014/main" id="{F86AD0B0-8000-E650-55B6-AF0B32F20B31}"/>
-              </a:ext>
-            </a:extLst>
-          </p:cNvPr>
-          <p:cNvSpPr txBox="1"/>
-          <p:nvPr/>
-        </p:nvSpPr>
-        <p:spPr>
-          <a:xfrm>
-            <a:off x="6652880" y="1939089"/>
-            <a:ext cx="5344733" cy="369332"/>
-          </a:xfrm>
-          <a:prstGeom prst="rect">
-            <a:avLst/>
-          </a:prstGeom>
-          <a:noFill/>
-        </p:spPr>
-        <p:txBody>
-          <a:bodyPr wrap="none" rtlCol="0">
-            <a:spAutoFit/>
-          </a:bodyPr>
-          <a:lstStyle/>
-          <a:p>
-            <a:r>
-              <a:rPr lang="en-US" altLang="ja-JP" dirty="0"/>
-              <a:t>But first definition given by Kantorovich in 1939:</a:t>
-            </a:r>
-            <a:endParaRPr kumimoji="1" lang="ja-JP" altLang="en-US" dirty="0"/>
+    </p:spTree>
+    <p:extLst>
+      <p:ext uri="{BB962C8B-B14F-4D97-AF65-F5344CB8AC3E}">
+        <p14:creationId xmlns:p14="http://schemas.microsoft.com/office/powerpoint/2010/main" val="4149541985"/>
+      </p:ext>
+    </p:extLst>
+  </p:cSld>
+  <p:clrMapOvr>
+    <a:masterClrMapping/>
+  </p:clrMapOvr>
+</p:sld>
+</file>
+
+<file path=ppt/slides/slide6.xml><?xml version="1.0" encoding="utf-8"?>
+<p:sld xmlns:a="http://schemas.openxmlformats.org/drawingml/2006/main" xmlns:r="http://schemas.openxmlformats.org/officeDocument/2006/relationships" xmlns:p="http://schemas.openxmlformats.org/presentationml/2006/main">
+  <p:cSld>
+    <p:spTree>
+      <p:nvGrpSpPr>
+        <p:cNvPr id="1" name=""/>
+        <p:cNvGrpSpPr/>
+        <p:nvPr/>
+      </p:nvGrpSpPr>
+      <p:grpSpPr>
+        <a:xfrm>
+          <a:off x="0" y="0"/>
+          <a:ext cx="0" cy="0"/>
+          <a:chOff x="0" y="0"/>
+          <a:chExt cx="0" cy="0"/>
+        </a:xfrm>
+      </p:grpSpPr>
+      <p:sp>
+        <p:nvSpPr>
+          <p:cNvPr id="2" name="Title 1">
+            <a:extLst>
+              <a:ext uri="{FF2B5EF4-FFF2-40B4-BE49-F238E27FC236}">
+                <a16:creationId xmlns:a16="http://schemas.microsoft.com/office/drawing/2014/main" id="{AC3194EE-EFDA-D96A-DC8C-3D711F5512F9}"/>
+              </a:ext>
+            </a:extLst>
+          </p:cNvPr>
+          <p:cNvSpPr>
+            <a:spLocks noGrp="1"/>
+          </p:cNvSpPr>
+          <p:nvPr>
+            <p:ph type="title"/>
+          </p:nvPr>
+        </p:nvSpPr>
+        <p:spPr/>
+        <p:txBody>
+          <a:bodyPr/>
+          <a:lstStyle/>
+          <a:p>
+            <a:endParaRPr kumimoji="1" lang="ja-JP" altLang="en-US"/>
+          </a:p>
+        </p:txBody>
+      </p:sp>
+      <p:sp>
+        <p:nvSpPr>
+          <p:cNvPr id="3" name="Content Placeholder 2">
+            <a:extLst>
+              <a:ext uri="{FF2B5EF4-FFF2-40B4-BE49-F238E27FC236}">
+                <a16:creationId xmlns:a16="http://schemas.microsoft.com/office/drawing/2014/main" id="{D55606A2-DB01-103C-CDB3-ED1A0939D3A9}"/>
+              </a:ext>
+            </a:extLst>
+          </p:cNvPr>
+          <p:cNvSpPr>
+            <a:spLocks noGrp="1"/>
+          </p:cNvSpPr>
+          <p:nvPr>
+            <p:ph idx="1"/>
+          </p:nvPr>
+        </p:nvSpPr>
+        <p:spPr/>
+        <p:txBody>
+          <a:bodyPr/>
+          <a:lstStyle/>
+          <a:p>
+            <a:endParaRPr kumimoji="1" lang="ja-JP" altLang="en-US"/>
           </a:p>
         </p:txBody>
       </p:sp>
       <p:pic>
         <p:nvPicPr>
-          <p:cNvPr id="18" name="Picture 17">
-            <a:extLst>
-              <a:ext uri="{FF2B5EF4-FFF2-40B4-BE49-F238E27FC236}">
-                <a16:creationId xmlns:a16="http://schemas.microsoft.com/office/drawing/2014/main" id="{109665C2-1084-135A-6717-9A40050A9CAB}"/>
+          <p:cNvPr id="5" name="Picture 4">
+            <a:extLst>
+              <a:ext uri="{FF2B5EF4-FFF2-40B4-BE49-F238E27FC236}">
+                <a16:creationId xmlns:a16="http://schemas.microsoft.com/office/drawing/2014/main" id="{4DA4F27D-7FA3-6EB4-D3DA-4FB1AB25E00B}"/>
               </a:ext>
             </a:extLst>
           </p:cNvPr>
@@ -5201,65 +6309,1028 @@
           <p:nvPr/>
         </p:nvPicPr>
         <p:blipFill>
-          <a:blip r:embed="rId6"/>
+          <a:blip r:embed="rId2"/>
           <a:stretch>
             <a:fillRect/>
           </a:stretch>
         </p:blipFill>
         <p:spPr>
           <a:xfrm>
-            <a:off x="6251821" y="2458897"/>
-            <a:ext cx="5276183" cy="4399103"/>
+            <a:off x="431347" y="441551"/>
+            <a:ext cx="7867650" cy="4886325"/>
           </a:xfrm>
           <a:prstGeom prst="rect">
             <a:avLst/>
           </a:prstGeom>
         </p:spPr>
       </p:pic>
-      <p:sp>
-        <p:nvSpPr>
-          <p:cNvPr id="20" name="TextBox 19">
-            <a:extLst>
-              <a:ext uri="{FF2B5EF4-FFF2-40B4-BE49-F238E27FC236}">
-                <a16:creationId xmlns:a16="http://schemas.microsoft.com/office/drawing/2014/main" id="{3D4F3B7F-DA19-C75C-7677-9242A382D652}"/>
-              </a:ext>
-            </a:extLst>
-          </p:cNvPr>
-          <p:cNvSpPr txBox="1"/>
+    </p:spTree>
+    <p:extLst>
+      <p:ext uri="{BB962C8B-B14F-4D97-AF65-F5344CB8AC3E}">
+        <p14:creationId xmlns:p14="http://schemas.microsoft.com/office/powerpoint/2010/main" val="1102461717"/>
+      </p:ext>
+    </p:extLst>
+  </p:cSld>
+  <p:clrMapOvr>
+    <a:masterClrMapping/>
+  </p:clrMapOvr>
+</p:sld>
+</file>
+
+<file path=ppt/slides/slide7.xml><?xml version="1.0" encoding="utf-8"?>
+<p:sld xmlns:a="http://schemas.openxmlformats.org/drawingml/2006/main" xmlns:r="http://schemas.openxmlformats.org/officeDocument/2006/relationships" xmlns:p="http://schemas.openxmlformats.org/presentationml/2006/main">
+  <p:cSld>
+    <p:spTree>
+      <p:nvGrpSpPr>
+        <p:cNvPr id="1" name=""/>
+        <p:cNvGrpSpPr/>
+        <p:nvPr/>
+      </p:nvGrpSpPr>
+      <p:grpSpPr>
+        <a:xfrm>
+          <a:off x="0" y="0"/>
+          <a:ext cx="0" cy="0"/>
+          <a:chOff x="0" y="0"/>
+          <a:chExt cx="0" cy="0"/>
+        </a:xfrm>
+      </p:grpSpPr>
+      <p:sp>
+        <p:nvSpPr>
+          <p:cNvPr id="2" name="Title 1">
+            <a:extLst>
+              <a:ext uri="{FF2B5EF4-FFF2-40B4-BE49-F238E27FC236}">
+                <a16:creationId xmlns:a16="http://schemas.microsoft.com/office/drawing/2014/main" id="{F2026EB2-1C62-92A3-C3C5-FDF3DE2AFF67}"/>
+              </a:ext>
+            </a:extLst>
+          </p:cNvPr>
+          <p:cNvSpPr>
+            <a:spLocks noGrp="1"/>
+          </p:cNvSpPr>
+          <p:nvPr>
+            <p:ph type="title"/>
+          </p:nvPr>
+        </p:nvSpPr>
+        <p:spPr/>
+        <p:txBody>
+          <a:bodyPr/>
+          <a:lstStyle/>
+          <a:p>
+            <a:endParaRPr kumimoji="1" lang="ja-JP" altLang="en-US"/>
+          </a:p>
+        </p:txBody>
+      </p:sp>
+      <p:sp>
+        <p:nvSpPr>
+          <p:cNvPr id="3" name="Content Placeholder 2">
+            <a:extLst>
+              <a:ext uri="{FF2B5EF4-FFF2-40B4-BE49-F238E27FC236}">
+                <a16:creationId xmlns:a16="http://schemas.microsoft.com/office/drawing/2014/main" id="{D598E547-0B5E-134F-8C48-63F396AD6C69}"/>
+              </a:ext>
+            </a:extLst>
+          </p:cNvPr>
+          <p:cNvSpPr>
+            <a:spLocks noGrp="1"/>
+          </p:cNvSpPr>
+          <p:nvPr>
+            <p:ph idx="1"/>
+          </p:nvPr>
+        </p:nvSpPr>
+        <p:spPr/>
+        <p:txBody>
+          <a:bodyPr/>
+          <a:lstStyle/>
+          <a:p>
+            <a:endParaRPr kumimoji="1" lang="ja-JP" altLang="en-US"/>
+          </a:p>
+        </p:txBody>
+      </p:sp>
+      <p:pic>
+        <p:nvPicPr>
+          <p:cNvPr id="1026" name="Picture 2">
+            <a:extLst>
+              <a:ext uri="{FF2B5EF4-FFF2-40B4-BE49-F238E27FC236}">
+                <a16:creationId xmlns:a16="http://schemas.microsoft.com/office/drawing/2014/main" id="{FC2ACD2A-3D2D-BC93-8096-C1CBEDCF6DAC}"/>
+              </a:ext>
+            </a:extLst>
+          </p:cNvPr>
+          <p:cNvPicPr>
+            <a:picLocks noChangeAspect="1" noChangeArrowheads="1"/>
+          </p:cNvPicPr>
           <p:nvPr/>
-        </p:nvSpPr>
-        <p:spPr>
-          <a:xfrm>
-            <a:off x="187730" y="1144472"/>
-            <a:ext cx="12004270" cy="523220"/>
+        </p:nvPicPr>
+        <p:blipFill>
+          <a:blip r:embed="rId3">
+            <a:extLst>
+              <a:ext uri="{28A0092B-C50C-407E-A947-70E740481C1C}">
+                <a14:useLocalDpi xmlns:a14="http://schemas.microsoft.com/office/drawing/2010/main" val="0"/>
+              </a:ext>
+            </a:extLst>
+          </a:blip>
+          <a:srcRect/>
+          <a:stretch>
+            <a:fillRect/>
+          </a:stretch>
+        </p:blipFill>
+        <p:spPr bwMode="auto">
+          <a:xfrm>
+            <a:off x="990600" y="0"/>
+            <a:ext cx="4114800" cy="6920821"/>
           </a:xfrm>
           <a:prstGeom prst="rect">
             <a:avLst/>
           </a:prstGeom>
           <a:noFill/>
-        </p:spPr>
-        <p:txBody>
-          <a:bodyPr wrap="square">
-            <a:spAutoFit/>
-          </a:bodyPr>
-          <a:lstStyle/>
-          <a:p>
-            <a:r>
-              <a:rPr kumimoji="1" lang="en-US" altLang="ja-JP" sz="2800" b="1" dirty="0">
-                <a:latin typeface="Arial Narrow" panose="020B0606020202030204" pitchFamily="34" charset="0"/>
-              </a:rPr>
-              <a:t>Stigler law of eponymy:  No scientific discovery is named after its original discover!</a:t>
-            </a:r>
-            <a:endParaRPr kumimoji="1" lang="ja-JP" altLang="en-US" sz="2800" b="1" dirty="0">
-              <a:latin typeface="Arial Narrow" panose="020B0606020202030204" pitchFamily="34" charset="0"/>
-            </a:endParaRPr>
-          </a:p>
-        </p:txBody>
-      </p:sp>
+          <a:extLst>
+            <a:ext uri="{909E8E84-426E-40DD-AFC4-6F175D3DCCD1}">
+              <a14:hiddenFill xmlns:a14="http://schemas.microsoft.com/office/drawing/2010/main">
+                <a:solidFill>
+                  <a:srgbClr val="FFFFFF"/>
+                </a:solidFill>
+              </a14:hiddenFill>
+            </a:ext>
+          </a:extLst>
+        </p:spPr>
+      </p:pic>
+      <p:pic>
+        <p:nvPicPr>
+          <p:cNvPr id="1030" name="Picture 6">
+            <a:extLst>
+              <a:ext uri="{FF2B5EF4-FFF2-40B4-BE49-F238E27FC236}">
+                <a16:creationId xmlns:a16="http://schemas.microsoft.com/office/drawing/2014/main" id="{7CB84021-7C1C-0737-0A02-76560D17481D}"/>
+              </a:ext>
+            </a:extLst>
+          </p:cNvPr>
+          <p:cNvPicPr>
+            <a:picLocks noChangeAspect="1" noChangeArrowheads="1"/>
+          </p:cNvPicPr>
+          <p:nvPr/>
+        </p:nvPicPr>
+        <p:blipFill>
+          <a:blip r:embed="rId4">
+            <a:extLst>
+              <a:ext uri="{28A0092B-C50C-407E-A947-70E740481C1C}">
+                <a14:useLocalDpi xmlns:a14="http://schemas.microsoft.com/office/drawing/2010/main" val="0"/>
+              </a:ext>
+            </a:extLst>
+          </a:blip>
+          <a:srcRect/>
+          <a:stretch>
+            <a:fillRect/>
+          </a:stretch>
+        </p:blipFill>
+        <p:spPr bwMode="auto">
+          <a:xfrm>
+            <a:off x="6451600" y="0"/>
+            <a:ext cx="4902200" cy="6858000"/>
+          </a:xfrm>
+          <a:prstGeom prst="rect">
+            <a:avLst/>
+          </a:prstGeom>
+          <a:noFill/>
+          <a:extLst>
+            <a:ext uri="{909E8E84-426E-40DD-AFC4-6F175D3DCCD1}">
+              <a14:hiddenFill xmlns:a14="http://schemas.microsoft.com/office/drawing/2010/main">
+                <a:solidFill>
+                  <a:srgbClr val="FFFFFF"/>
+                </a:solidFill>
+              </a14:hiddenFill>
+            </a:ext>
+          </a:extLst>
+        </p:spPr>
+      </p:pic>
     </p:spTree>
     <p:extLst>
       <p:ext uri="{BB962C8B-B14F-4D97-AF65-F5344CB8AC3E}">
-        <p14:creationId xmlns:p14="http://schemas.microsoft.com/office/powerpoint/2010/main" val="3400802647"/>
+        <p14:creationId xmlns:p14="http://schemas.microsoft.com/office/powerpoint/2010/main" val="2957382440"/>
+      </p:ext>
+    </p:extLst>
+  </p:cSld>
+  <p:clrMapOvr>
+    <a:masterClrMapping/>
+  </p:clrMapOvr>
+</p:sld>
+</file>
+
+<file path=ppt/slides/slide8.xml><?xml version="1.0" encoding="utf-8"?>
+<p:sld xmlns:a="http://schemas.openxmlformats.org/drawingml/2006/main" xmlns:r="http://schemas.openxmlformats.org/officeDocument/2006/relationships" xmlns:p="http://schemas.openxmlformats.org/presentationml/2006/main">
+  <p:cSld>
+    <p:spTree>
+      <p:nvGrpSpPr>
+        <p:cNvPr id="1" name=""/>
+        <p:cNvGrpSpPr/>
+        <p:nvPr/>
+      </p:nvGrpSpPr>
+      <p:grpSpPr>
+        <a:xfrm>
+          <a:off x="0" y="0"/>
+          <a:ext cx="0" cy="0"/>
+          <a:chOff x="0" y="0"/>
+          <a:chExt cx="0" cy="0"/>
+        </a:xfrm>
+      </p:grpSpPr>
+      <p:sp>
+        <p:nvSpPr>
+          <p:cNvPr id="2" name="Title 1">
+            <a:extLst>
+              <a:ext uri="{FF2B5EF4-FFF2-40B4-BE49-F238E27FC236}">
+                <a16:creationId xmlns:a16="http://schemas.microsoft.com/office/drawing/2014/main" id="{1362BB74-1684-91A5-5FA6-5475F4AFC3E4}"/>
+              </a:ext>
+            </a:extLst>
+          </p:cNvPr>
+          <p:cNvSpPr>
+            <a:spLocks noGrp="1"/>
+          </p:cNvSpPr>
+          <p:nvPr>
+            <p:ph type="title"/>
+          </p:nvPr>
+        </p:nvSpPr>
+        <p:spPr>
+          <a:xfrm>
+            <a:off x="283029" y="114753"/>
+            <a:ext cx="11070771" cy="1325563"/>
+          </a:xfrm>
+        </p:spPr>
+        <p:txBody>
+          <a:bodyPr>
+            <a:normAutofit/>
+          </a:bodyPr>
+          <a:lstStyle/>
+          <a:p>
+            <a:r>
+              <a:rPr kumimoji="1" lang="en-US" altLang="ja-JP" b="1" dirty="0">
+                <a:solidFill>
+                  <a:schemeClr val="accent5"/>
+                </a:solidFill>
+              </a:rPr>
+              <a:t>Lower and upper bounds on the total variation between Gaussian mixture models</a:t>
+            </a:r>
+            <a:endParaRPr kumimoji="1" lang="ja-JP" altLang="en-US" b="1" dirty="0">
+              <a:solidFill>
+                <a:schemeClr val="accent5"/>
+              </a:solidFill>
+            </a:endParaRPr>
+          </a:p>
+        </p:txBody>
+      </p:sp>
+      <p:pic>
+        <p:nvPicPr>
+          <p:cNvPr id="5" name="Picture 4">
+            <a:extLst>
+              <a:ext uri="{FF2B5EF4-FFF2-40B4-BE49-F238E27FC236}">
+                <a16:creationId xmlns:a16="http://schemas.microsoft.com/office/drawing/2014/main" id="{0B79B6F3-9BDB-7814-6101-1122984D4759}"/>
+              </a:ext>
+            </a:extLst>
+          </p:cNvPr>
+          <p:cNvPicPr>
+            <a:picLocks noChangeAspect="1"/>
+          </p:cNvPicPr>
+          <p:nvPr/>
+        </p:nvPicPr>
+        <p:blipFill>
+          <a:blip r:embed="rId3"/>
+          <a:stretch>
+            <a:fillRect/>
+          </a:stretch>
+        </p:blipFill>
+        <p:spPr>
+          <a:xfrm>
+            <a:off x="2960915" y="1440316"/>
+            <a:ext cx="8741228" cy="836327"/>
+          </a:xfrm>
+          <a:prstGeom prst="rect">
+            <a:avLst/>
+          </a:prstGeom>
+        </p:spPr>
+      </p:pic>
+      <p:pic>
+        <p:nvPicPr>
+          <p:cNvPr id="7" name="Picture 6">
+            <a:extLst>
+              <a:ext uri="{FF2B5EF4-FFF2-40B4-BE49-F238E27FC236}">
+                <a16:creationId xmlns:a16="http://schemas.microsoft.com/office/drawing/2014/main" id="{BCF7F27E-6739-D312-33CC-F23B41A4D63C}"/>
+              </a:ext>
+            </a:extLst>
+          </p:cNvPr>
+          <p:cNvPicPr>
+            <a:picLocks noChangeAspect="1"/>
+          </p:cNvPicPr>
+          <p:nvPr/>
+        </p:nvPicPr>
+        <p:blipFill>
+          <a:blip r:embed="rId4"/>
+          <a:stretch>
+            <a:fillRect/>
+          </a:stretch>
+        </p:blipFill>
+        <p:spPr>
+          <a:xfrm>
+            <a:off x="3030897" y="2189553"/>
+            <a:ext cx="6270170" cy="3964774"/>
+          </a:xfrm>
+          <a:prstGeom prst="rect">
+            <a:avLst/>
+          </a:prstGeom>
+        </p:spPr>
+      </p:pic>
+      <p:sp>
+        <p:nvSpPr>
+          <p:cNvPr id="8" name="TextBox 7">
+            <a:extLst>
+              <a:ext uri="{FF2B5EF4-FFF2-40B4-BE49-F238E27FC236}">
+                <a16:creationId xmlns:a16="http://schemas.microsoft.com/office/drawing/2014/main" id="{18AD7C8A-A602-1E01-9A0D-368600F0F3D5}"/>
+              </a:ext>
+            </a:extLst>
+          </p:cNvPr>
+          <p:cNvSpPr txBox="1"/>
+          <p:nvPr/>
+        </p:nvSpPr>
+        <p:spPr>
+          <a:xfrm>
+            <a:off x="283029" y="1543222"/>
+            <a:ext cx="2747868" cy="646331"/>
+          </a:xfrm>
+          <a:prstGeom prst="rect">
+            <a:avLst/>
+          </a:prstGeom>
+          <a:noFill/>
+        </p:spPr>
+        <p:txBody>
+          <a:bodyPr wrap="none" rtlCol="0">
+            <a:spAutoFit/>
+          </a:bodyPr>
+          <a:lstStyle/>
+          <a:p>
+            <a:r>
+              <a:rPr kumimoji="1" lang="en-US" altLang="ja-JP" dirty="0"/>
+              <a:t>Closed-form for</a:t>
+            </a:r>
+          </a:p>
+          <a:p>
+            <a:r>
+              <a:rPr lang="en-US" altLang="ja-JP" dirty="0"/>
+              <a:t>When single component</a:t>
+            </a:r>
+            <a:endParaRPr kumimoji="1" lang="ja-JP" altLang="en-US" dirty="0"/>
+          </a:p>
+        </p:txBody>
+      </p:sp>
+      <p:sp>
+        <p:nvSpPr>
+          <p:cNvPr id="9" name="TextBox 8">
+            <a:extLst>
+              <a:ext uri="{FF2B5EF4-FFF2-40B4-BE49-F238E27FC236}">
+                <a16:creationId xmlns:a16="http://schemas.microsoft.com/office/drawing/2014/main" id="{07B407ED-3B92-D3EC-7999-6EE29DAE2B8B}"/>
+              </a:ext>
+            </a:extLst>
+          </p:cNvPr>
+          <p:cNvSpPr txBox="1"/>
+          <p:nvPr/>
+        </p:nvSpPr>
+        <p:spPr>
+          <a:xfrm>
+            <a:off x="283029" y="2490188"/>
+            <a:ext cx="2794355" cy="369332"/>
+          </a:xfrm>
+          <a:prstGeom prst="rect">
+            <a:avLst/>
+          </a:prstGeom>
+          <a:noFill/>
+        </p:spPr>
+        <p:txBody>
+          <a:bodyPr wrap="none" rtlCol="0">
+            <a:spAutoFit/>
+          </a:bodyPr>
+          <a:lstStyle/>
+          <a:p>
+            <a:r>
+              <a:rPr kumimoji="1" lang="en-US" altLang="ja-JP" dirty="0">
+                <a:solidFill>
+                  <a:srgbClr val="FF0000"/>
+                </a:solidFill>
+              </a:rPr>
+              <a:t>Upper</a:t>
+            </a:r>
+            <a:r>
+              <a:rPr kumimoji="1" lang="en-US" altLang="ja-JP" dirty="0"/>
+              <a:t> and </a:t>
+            </a:r>
+            <a:r>
+              <a:rPr kumimoji="1" lang="en-US" altLang="ja-JP" dirty="0">
+                <a:solidFill>
+                  <a:srgbClr val="0000CC"/>
+                </a:solidFill>
+              </a:rPr>
+              <a:t>lower</a:t>
+            </a:r>
+            <a:r>
+              <a:rPr kumimoji="1" lang="en-US" altLang="ja-JP" dirty="0"/>
+              <a:t> bounds</a:t>
+            </a:r>
+            <a:endParaRPr kumimoji="1" lang="ja-JP" altLang="en-US" dirty="0"/>
+          </a:p>
+        </p:txBody>
+      </p:sp>
+      <p:sp>
+        <p:nvSpPr>
+          <p:cNvPr id="10" name="TextBox 9">
+            <a:extLst>
+              <a:ext uri="{FF2B5EF4-FFF2-40B4-BE49-F238E27FC236}">
+                <a16:creationId xmlns:a16="http://schemas.microsoft.com/office/drawing/2014/main" id="{9FA40F53-C6EE-3683-EA41-723CACE1CC20}"/>
+              </a:ext>
+            </a:extLst>
+          </p:cNvPr>
+          <p:cNvSpPr txBox="1"/>
+          <p:nvPr/>
+        </p:nvSpPr>
+        <p:spPr>
+          <a:xfrm>
+            <a:off x="9960429" y="5889171"/>
+            <a:ext cx="1997663" cy="369332"/>
+          </a:xfrm>
+          <a:prstGeom prst="rect">
+            <a:avLst/>
+          </a:prstGeom>
+          <a:noFill/>
+        </p:spPr>
+        <p:txBody>
+          <a:bodyPr wrap="none" rtlCol="0">
+            <a:spAutoFit/>
+          </a:bodyPr>
+          <a:lstStyle/>
+          <a:p>
+            <a:r>
+              <a:rPr kumimoji="1" lang="en-US" altLang="ja-JP" dirty="0"/>
+              <a:t>arXiv:1806.11311</a:t>
+            </a:r>
+            <a:endParaRPr kumimoji="1" lang="ja-JP" altLang="en-US" dirty="0"/>
+          </a:p>
+        </p:txBody>
+      </p:sp>
+      <p:sp>
+        <p:nvSpPr>
+          <p:cNvPr id="11" name="TextBox 10">
+            <a:extLst>
+              <a:ext uri="{FF2B5EF4-FFF2-40B4-BE49-F238E27FC236}">
+                <a16:creationId xmlns:a16="http://schemas.microsoft.com/office/drawing/2014/main" id="{CBB4FE13-CBCB-77F2-CD04-BE03B04A2093}"/>
+              </a:ext>
+            </a:extLst>
+          </p:cNvPr>
+          <p:cNvSpPr txBox="1"/>
+          <p:nvPr/>
+        </p:nvSpPr>
+        <p:spPr>
+          <a:xfrm>
+            <a:off x="2187338" y="6197087"/>
+            <a:ext cx="10004662" cy="646331"/>
+          </a:xfrm>
+          <a:prstGeom prst="rect">
+            <a:avLst/>
+          </a:prstGeom>
+          <a:noFill/>
+        </p:spPr>
+        <p:txBody>
+          <a:bodyPr wrap="none" rtlCol="0">
+            <a:spAutoFit/>
+          </a:bodyPr>
+          <a:lstStyle/>
+          <a:p>
+            <a:r>
+              <a:rPr lang="en-US" altLang="ja-JP" b="0" i="0" dirty="0">
+                <a:solidFill>
+                  <a:schemeClr val="accent6"/>
+                </a:solidFill>
+                <a:effectLst/>
+                <a:latin typeface="Arial" panose="020B0604020202020204" pitchFamily="34" charset="0"/>
+              </a:rPr>
+              <a:t>"Guaranteed deterministic bounds on the total variation distance between univariate mixtures." </a:t>
+            </a:r>
+          </a:p>
+          <a:p>
+            <a:r>
+              <a:rPr lang="en-US" altLang="ja-JP" b="0" i="1" dirty="0">
+                <a:solidFill>
+                  <a:schemeClr val="accent6"/>
+                </a:solidFill>
+                <a:effectLst/>
+                <a:latin typeface="Arial" panose="020B0604020202020204" pitchFamily="34" charset="0"/>
+              </a:rPr>
+              <a:t>28th International Workshop on Machine Learning for Signal Processing (MLSP)</a:t>
+            </a:r>
+            <a:r>
+              <a:rPr lang="en-US" altLang="ja-JP" b="0" i="0" dirty="0">
+                <a:solidFill>
+                  <a:schemeClr val="accent6"/>
+                </a:solidFill>
+                <a:effectLst/>
+                <a:latin typeface="Arial" panose="020B0604020202020204" pitchFamily="34" charset="0"/>
+              </a:rPr>
+              <a:t>. IEEE, 2018.</a:t>
+            </a:r>
+            <a:endParaRPr kumimoji="1" lang="ja-JP" altLang="en-US" dirty="0">
+              <a:solidFill>
+                <a:schemeClr val="accent6"/>
+              </a:solidFill>
+            </a:endParaRPr>
+          </a:p>
+        </p:txBody>
+      </p:sp>
+    </p:spTree>
+    <p:extLst>
+      <p:ext uri="{BB962C8B-B14F-4D97-AF65-F5344CB8AC3E}">
+        <p14:creationId xmlns:p14="http://schemas.microsoft.com/office/powerpoint/2010/main" val="1915994485"/>
+      </p:ext>
+    </p:extLst>
+  </p:cSld>
+  <p:clrMapOvr>
+    <a:masterClrMapping/>
+  </p:clrMapOvr>
+</p:sld>
+</file>
+
+<file path=ppt/slides/slide9.xml><?xml version="1.0" encoding="utf-8"?>
+<p:sld xmlns:a="http://schemas.openxmlformats.org/drawingml/2006/main" xmlns:r="http://schemas.openxmlformats.org/officeDocument/2006/relationships" xmlns:p="http://schemas.openxmlformats.org/presentationml/2006/main">
+  <p:cSld>
+    <p:spTree>
+      <p:nvGrpSpPr>
+        <p:cNvPr id="1" name=""/>
+        <p:cNvGrpSpPr/>
+        <p:nvPr/>
+      </p:nvGrpSpPr>
+      <p:grpSpPr>
+        <a:xfrm>
+          <a:off x="0" y="0"/>
+          <a:ext cx="0" cy="0"/>
+          <a:chOff x="0" y="0"/>
+          <a:chExt cx="0" cy="0"/>
+        </a:xfrm>
+      </p:grpSpPr>
+      <p:sp>
+        <p:nvSpPr>
+          <p:cNvPr id="2" name="Title 1">
+            <a:extLst>
+              <a:ext uri="{FF2B5EF4-FFF2-40B4-BE49-F238E27FC236}">
+                <a16:creationId xmlns:a16="http://schemas.microsoft.com/office/drawing/2014/main" id="{27BCE41B-8FF4-AC37-F828-5491E7C4EA78}"/>
+              </a:ext>
+            </a:extLst>
+          </p:cNvPr>
+          <p:cNvSpPr>
+            <a:spLocks noGrp="1"/>
+          </p:cNvSpPr>
+          <p:nvPr>
+            <p:ph type="title"/>
+          </p:nvPr>
+        </p:nvSpPr>
+        <p:spPr>
+          <a:xfrm>
+            <a:off x="32004" y="-110363"/>
+            <a:ext cx="11777472" cy="1325563"/>
+          </a:xfrm>
+        </p:spPr>
+        <p:txBody>
+          <a:bodyPr/>
+          <a:lstStyle/>
+          <a:p>
+            <a:r>
+              <a:rPr kumimoji="1" lang="en-US" altLang="ja-JP" b="1" dirty="0">
+                <a:solidFill>
+                  <a:schemeClr val="accent5"/>
+                </a:solidFill>
+              </a:rPr>
+              <a:t>Geometry of domains vs geometry of manifolds</a:t>
+            </a:r>
+            <a:endParaRPr kumimoji="1" lang="ja-JP" altLang="en-US" b="1" dirty="0">
+              <a:solidFill>
+                <a:schemeClr val="accent5"/>
+              </a:solidFill>
+            </a:endParaRPr>
+          </a:p>
+        </p:txBody>
+      </p:sp>
+      <p:sp>
+        <p:nvSpPr>
+          <p:cNvPr id="3" name="Content Placeholder 2">
+            <a:extLst>
+              <a:ext uri="{FF2B5EF4-FFF2-40B4-BE49-F238E27FC236}">
+                <a16:creationId xmlns:a16="http://schemas.microsoft.com/office/drawing/2014/main" id="{E42B9663-0716-B0DD-10BC-31106676E461}"/>
+              </a:ext>
+            </a:extLst>
+          </p:cNvPr>
+          <p:cNvSpPr>
+            <a:spLocks noGrp="1"/>
+          </p:cNvSpPr>
+          <p:nvPr>
+            <p:ph idx="1"/>
+          </p:nvPr>
+        </p:nvSpPr>
+        <p:spPr>
+          <a:xfrm>
+            <a:off x="0" y="943801"/>
+            <a:ext cx="12159996" cy="4351338"/>
+          </a:xfrm>
+        </p:spPr>
+        <p:txBody>
+          <a:bodyPr>
+            <a:normAutofit/>
+          </a:bodyPr>
+          <a:lstStyle/>
+          <a:p>
+            <a:r>
+              <a:rPr kumimoji="1" lang="en-US" altLang="ja-JP" sz="2400" dirty="0"/>
+              <a:t>A manifold M is covered by </a:t>
+            </a:r>
+            <a:r>
+              <a:rPr kumimoji="1" lang="en-US" altLang="ja-JP" sz="2400" b="1" dirty="0">
+                <a:solidFill>
+                  <a:srgbClr val="FF0000"/>
+                </a:solidFill>
+              </a:rPr>
+              <a:t>several local coordinate charts </a:t>
+            </a:r>
+            <a:r>
+              <a:rPr kumimoji="1" lang="en-US" altLang="ja-JP" sz="2400" dirty="0"/>
+              <a:t>forming an atlas</a:t>
+            </a:r>
+          </a:p>
+          <a:p>
+            <a:r>
+              <a:rPr kumimoji="1" lang="en-US" altLang="ja-JP" sz="2400" dirty="0"/>
+              <a:t>View a domain </a:t>
+            </a:r>
+            <a:r>
+              <a:rPr lang="el-GR" altLang="ja-JP" sz="2400" i="0" dirty="0">
+                <a:effectLst/>
+              </a:rPr>
+              <a:t>ϴ</a:t>
+            </a:r>
+            <a:r>
+              <a:rPr lang="en-US" altLang="ja-JP" sz="2400" i="0" dirty="0">
+                <a:effectLst/>
+              </a:rPr>
+              <a:t> as a </a:t>
+            </a:r>
+            <a:r>
+              <a:rPr lang="en-US" altLang="ja-JP" sz="2400" b="1" i="0" dirty="0">
+                <a:solidFill>
+                  <a:srgbClr val="FF0000"/>
+                </a:solidFill>
+                <a:effectLst/>
+              </a:rPr>
+              <a:t>single global chart with </a:t>
+            </a:r>
+            <a:r>
+              <a:rPr lang="en-US" altLang="ja-JP" sz="2400" b="1" dirty="0">
+                <a:solidFill>
+                  <a:srgbClr val="FF0000"/>
+                </a:solidFill>
+              </a:rPr>
+              <a:t>coordinate </a:t>
+            </a:r>
+            <a:r>
+              <a:rPr lang="el-GR" altLang="ja-JP" sz="2400" b="0" i="0" dirty="0">
+                <a:effectLst/>
+              </a:rPr>
+              <a:t>θ</a:t>
+            </a:r>
+            <a:r>
+              <a:rPr lang="en-US" altLang="ja-JP" sz="2400" b="0" dirty="0"/>
+              <a:t> in </a:t>
+            </a:r>
+            <a:r>
+              <a:rPr lang="el-GR" altLang="ja-JP" sz="2400" i="0" dirty="0">
+                <a:effectLst/>
+              </a:rPr>
+              <a:t>ϴ</a:t>
+            </a:r>
+            <a:r>
+              <a:rPr lang="en-US" altLang="ja-JP" sz="2400" b="0" dirty="0"/>
+              <a:t> </a:t>
+            </a:r>
+            <a:r>
+              <a:rPr lang="en-US" altLang="ja-JP" sz="2400" i="0" dirty="0">
+                <a:effectLst/>
+              </a:rPr>
+              <a:t>of a manifold: M</a:t>
+            </a:r>
+            <a:r>
+              <a:rPr lang="el-GR" altLang="ja-JP" sz="2400" i="0" baseline="-25000" dirty="0">
+                <a:effectLst/>
+              </a:rPr>
+              <a:t>ϴ</a:t>
+            </a:r>
+            <a:endParaRPr lang="en-US" altLang="ja-JP" sz="2400" i="0" baseline="-25000" dirty="0">
+              <a:effectLst/>
+            </a:endParaRPr>
+          </a:p>
+          <a:p>
+            <a:r>
+              <a:rPr kumimoji="1" lang="en-US" altLang="ja-JP" sz="2400" dirty="0"/>
+              <a:t>Dually flat spaces are single chart manifolds induced by a </a:t>
+            </a:r>
+            <a:r>
+              <a:rPr lang="en-US" altLang="ja-JP" sz="2400" dirty="0"/>
+              <a:t>Legendre-type strictly convex and smooth function defined on a convex domain </a:t>
+            </a:r>
+            <a:r>
+              <a:rPr lang="el-GR" altLang="ja-JP" sz="2400" i="0" dirty="0">
+                <a:effectLst/>
+              </a:rPr>
+              <a:t>ϴ</a:t>
+            </a:r>
+            <a:r>
+              <a:rPr lang="en-US" altLang="ja-JP" sz="2400" i="0" dirty="0">
+                <a:effectLst/>
+              </a:rPr>
+              <a:t>, the </a:t>
+            </a:r>
+            <a:r>
+              <a:rPr lang="en-US" altLang="ja-JP" sz="2400" b="1" i="0" dirty="0">
+                <a:solidFill>
+                  <a:srgbClr val="FF0000"/>
+                </a:solidFill>
+                <a:effectLst/>
+              </a:rPr>
+              <a:t>parameter spaces of statistical models: </a:t>
+            </a:r>
+            <a:r>
+              <a:rPr lang="en-US" altLang="ja-JP" sz="2400" i="0" dirty="0">
+                <a:effectLst/>
+              </a:rPr>
+              <a:t>They are global single chart examples of </a:t>
+            </a:r>
+            <a:r>
+              <a:rPr lang="en-US" altLang="ja-JP" sz="2400" b="1" i="0" dirty="0">
+                <a:solidFill>
+                  <a:srgbClr val="FF0000"/>
+                </a:solidFill>
+                <a:effectLst/>
+              </a:rPr>
+              <a:t>Hessian manifolds</a:t>
+            </a:r>
+            <a:endParaRPr kumimoji="1" lang="ja-JP" altLang="en-US" sz="2400" b="1" dirty="0">
+              <a:solidFill>
+                <a:srgbClr val="FF0000"/>
+              </a:solidFill>
+            </a:endParaRPr>
+          </a:p>
+        </p:txBody>
+      </p:sp>
+      <p:pic>
+        <p:nvPicPr>
+          <p:cNvPr id="1026" name="Picture 2" descr="Information Geometry and Its Applications (Applied Mathematical Sciences,  194): Amari, Shun-ichi: 9784431559771: Amazon.com: Books">
+            <a:extLst>
+              <a:ext uri="{FF2B5EF4-FFF2-40B4-BE49-F238E27FC236}">
+                <a16:creationId xmlns:a16="http://schemas.microsoft.com/office/drawing/2014/main" id="{CB300B17-09F9-3C55-3300-A309EF7784FF}"/>
+              </a:ext>
+            </a:extLst>
+          </p:cNvPr>
+          <p:cNvPicPr>
+            <a:picLocks noChangeAspect="1" noChangeArrowheads="1"/>
+          </p:cNvPicPr>
+          <p:nvPr/>
+        </p:nvPicPr>
+        <p:blipFill>
+          <a:blip r:embed="rId3">
+            <a:extLst>
+              <a:ext uri="{28A0092B-C50C-407E-A947-70E740481C1C}">
+                <a14:useLocalDpi xmlns:a14="http://schemas.microsoft.com/office/drawing/2010/main" val="0"/>
+              </a:ext>
+            </a:extLst>
+          </a:blip>
+          <a:srcRect/>
+          <a:stretch>
+            <a:fillRect/>
+          </a:stretch>
+        </p:blipFill>
+        <p:spPr bwMode="auto">
+          <a:xfrm>
+            <a:off x="1484041" y="3005892"/>
+            <a:ext cx="1960415" cy="2952925"/>
+          </a:xfrm>
+          <a:prstGeom prst="rect">
+            <a:avLst/>
+          </a:prstGeom>
+          <a:noFill/>
+          <a:extLst>
+            <a:ext uri="{909E8E84-426E-40DD-AFC4-6F175D3DCCD1}">
+              <a14:hiddenFill xmlns:a14="http://schemas.microsoft.com/office/drawing/2010/main">
+                <a:solidFill>
+                  <a:srgbClr val="FFFFFF"/>
+                </a:solidFill>
+              </a14:hiddenFill>
+            </a:ext>
+          </a:extLst>
+        </p:spPr>
+      </p:pic>
+      <p:pic>
+        <p:nvPicPr>
+          <p:cNvPr id="1028" name="Picture 4" descr="The Geometry of Hessian Structures : Shima, Hirohiko: Foreign Language  Books - Amazon.co.jp">
+            <a:extLst>
+              <a:ext uri="{FF2B5EF4-FFF2-40B4-BE49-F238E27FC236}">
+                <a16:creationId xmlns:a16="http://schemas.microsoft.com/office/drawing/2014/main" id="{651D9BF4-C3AB-63CA-C68B-0F0EA389D7DD}"/>
+              </a:ext>
+            </a:extLst>
+          </p:cNvPr>
+          <p:cNvPicPr>
+            <a:picLocks noChangeAspect="1" noChangeArrowheads="1"/>
+          </p:cNvPicPr>
+          <p:nvPr/>
+        </p:nvPicPr>
+        <p:blipFill>
+          <a:blip r:embed="rId4">
+            <a:extLst>
+              <a:ext uri="{28A0092B-C50C-407E-A947-70E740481C1C}">
+                <a14:useLocalDpi xmlns:a14="http://schemas.microsoft.com/office/drawing/2010/main" val="0"/>
+              </a:ext>
+            </a:extLst>
+          </a:blip>
+          <a:srcRect/>
+          <a:stretch>
+            <a:fillRect/>
+          </a:stretch>
+        </p:blipFill>
+        <p:spPr bwMode="auto">
+          <a:xfrm>
+            <a:off x="6483561" y="3005892"/>
+            <a:ext cx="1960414" cy="2908307"/>
+          </a:xfrm>
+          <a:prstGeom prst="rect">
+            <a:avLst/>
+          </a:prstGeom>
+          <a:noFill/>
+          <a:extLst>
+            <a:ext uri="{909E8E84-426E-40DD-AFC4-6F175D3DCCD1}">
+              <a14:hiddenFill xmlns:a14="http://schemas.microsoft.com/office/drawing/2010/main">
+                <a:solidFill>
+                  <a:srgbClr val="FFFFFF"/>
+                </a:solidFill>
+              </a14:hiddenFill>
+            </a:ext>
+          </a:extLst>
+        </p:spPr>
+      </p:pic>
+      <p:sp>
+        <p:nvSpPr>
+          <p:cNvPr id="4" name="TextBox 3">
+            <a:extLst>
+              <a:ext uri="{FF2B5EF4-FFF2-40B4-BE49-F238E27FC236}">
+                <a16:creationId xmlns:a16="http://schemas.microsoft.com/office/drawing/2014/main" id="{F855ECBE-A85B-3CEE-EB6C-8290036BBAD9}"/>
+              </a:ext>
+            </a:extLst>
+          </p:cNvPr>
+          <p:cNvSpPr txBox="1"/>
+          <p:nvPr/>
+        </p:nvSpPr>
+        <p:spPr>
+          <a:xfrm>
+            <a:off x="780288" y="5968279"/>
+            <a:ext cx="3490058" cy="830997"/>
+          </a:xfrm>
+          <a:prstGeom prst="rect">
+            <a:avLst/>
+          </a:prstGeom>
+          <a:noFill/>
+        </p:spPr>
+        <p:txBody>
+          <a:bodyPr wrap="none" rtlCol="0">
+            <a:spAutoFit/>
+          </a:bodyPr>
+          <a:lstStyle/>
+          <a:p>
+            <a:pPr algn="ctr"/>
+            <a:r>
+              <a:rPr kumimoji="1" lang="en-US" altLang="ja-JP" sz="2400" b="1" dirty="0">
+                <a:solidFill>
+                  <a:schemeClr val="accent6"/>
+                </a:solidFill>
+              </a:rPr>
+              <a:t>Geometry of domains:</a:t>
+            </a:r>
+          </a:p>
+          <a:p>
+            <a:pPr algn="ctr"/>
+            <a:r>
+              <a:rPr lang="en-US" altLang="ja-JP" sz="2400" b="1" dirty="0">
+                <a:solidFill>
+                  <a:schemeClr val="accent6"/>
+                </a:solidFill>
+              </a:rPr>
+              <a:t>Dually flat spaces</a:t>
+            </a:r>
+            <a:endParaRPr kumimoji="1" lang="ja-JP" altLang="en-US" sz="2400" b="1" dirty="0">
+              <a:solidFill>
+                <a:schemeClr val="accent6"/>
+              </a:solidFill>
+            </a:endParaRPr>
+          </a:p>
+        </p:txBody>
+      </p:sp>
+      <p:sp>
+        <p:nvSpPr>
+          <p:cNvPr id="5" name="TextBox 4">
+            <a:extLst>
+              <a:ext uri="{FF2B5EF4-FFF2-40B4-BE49-F238E27FC236}">
+                <a16:creationId xmlns:a16="http://schemas.microsoft.com/office/drawing/2014/main" id="{12F57D48-A58A-CA04-257B-E312AB2EC094}"/>
+              </a:ext>
+            </a:extLst>
+          </p:cNvPr>
+          <p:cNvSpPr txBox="1"/>
+          <p:nvPr/>
+        </p:nvSpPr>
+        <p:spPr>
+          <a:xfrm>
+            <a:off x="5504688" y="5975640"/>
+            <a:ext cx="3693640" cy="830997"/>
+          </a:xfrm>
+          <a:prstGeom prst="rect">
+            <a:avLst/>
+          </a:prstGeom>
+          <a:noFill/>
+        </p:spPr>
+        <p:txBody>
+          <a:bodyPr wrap="none" rtlCol="0">
+            <a:spAutoFit/>
+          </a:bodyPr>
+          <a:lstStyle/>
+          <a:p>
+            <a:pPr algn="ctr"/>
+            <a:r>
+              <a:rPr kumimoji="1" lang="en-US" altLang="ja-JP" sz="2400" b="1" dirty="0">
+                <a:solidFill>
+                  <a:schemeClr val="accent6"/>
+                </a:solidFill>
+              </a:rPr>
+              <a:t>Geometry of manifolds:</a:t>
+            </a:r>
+          </a:p>
+          <a:p>
+            <a:pPr algn="ctr"/>
+            <a:r>
+              <a:rPr lang="en-US" altLang="ja-JP" sz="2400" b="1" dirty="0">
+                <a:solidFill>
+                  <a:schemeClr val="accent6"/>
+                </a:solidFill>
+              </a:rPr>
+              <a:t>Hessian manifolds</a:t>
+            </a:r>
+            <a:endParaRPr kumimoji="1" lang="ja-JP" altLang="en-US" sz="2400" b="1" dirty="0">
+              <a:solidFill>
+                <a:schemeClr val="accent6"/>
+              </a:solidFill>
+            </a:endParaRPr>
+          </a:p>
+        </p:txBody>
+      </p:sp>
+      <p:pic>
+        <p:nvPicPr>
+          <p:cNvPr id="1030" name="Picture 6" descr="Amazon.co.jp: Progress in Information Geometry: Theory and Applications  (Signals and Communication Technology) : Nielsen, Frank: Foreign Language  Books">
+            <a:extLst>
+              <a:ext uri="{FF2B5EF4-FFF2-40B4-BE49-F238E27FC236}">
+                <a16:creationId xmlns:a16="http://schemas.microsoft.com/office/drawing/2014/main" id="{0F28A831-3FA3-F519-EC30-F87465681CD6}"/>
+              </a:ext>
+            </a:extLst>
+          </p:cNvPr>
+          <p:cNvPicPr>
+            <a:picLocks noChangeAspect="1" noChangeArrowheads="1"/>
+          </p:cNvPicPr>
+          <p:nvPr/>
+        </p:nvPicPr>
+        <p:blipFill>
+          <a:blip r:embed="rId5">
+            <a:extLst>
+              <a:ext uri="{28A0092B-C50C-407E-A947-70E740481C1C}">
+                <a14:useLocalDpi xmlns:a14="http://schemas.microsoft.com/office/drawing/2010/main" val="0"/>
+              </a:ext>
+            </a:extLst>
+          </a:blip>
+          <a:srcRect/>
+          <a:stretch>
+            <a:fillRect/>
+          </a:stretch>
+        </p:blipFill>
+        <p:spPr bwMode="auto">
+          <a:xfrm>
+            <a:off x="10507403" y="4624028"/>
+            <a:ext cx="1302073" cy="1961282"/>
+          </a:xfrm>
+          <a:prstGeom prst="rect">
+            <a:avLst/>
+          </a:prstGeom>
+          <a:noFill/>
+          <a:extLst>
+            <a:ext uri="{909E8E84-426E-40DD-AFC4-6F175D3DCCD1}">
+              <a14:hiddenFill xmlns:a14="http://schemas.microsoft.com/office/drawing/2010/main">
+                <a:solidFill>
+                  <a:srgbClr val="FFFFFF"/>
+                </a:solidFill>
+              </a14:hiddenFill>
+            </a:ext>
+          </a:extLst>
+        </p:spPr>
+      </p:pic>
+    </p:spTree>
+    <p:extLst>
+      <p:ext uri="{BB962C8B-B14F-4D97-AF65-F5344CB8AC3E}">
+        <p14:creationId xmlns:p14="http://schemas.microsoft.com/office/powerpoint/2010/main" val="36081684"/>
       </p:ext>
     </p:extLst>
   </p:cSld>

--- a/PPTX/Card-Feb2024.pptx
+++ b/PPTX/Card-Feb2024.pptx
@@ -5,7 +5,7 @@
     <p:sldMasterId id="2147483648" r:id="rId1"/>
   </p:sldMasterIdLst>
   <p:notesMasterIdLst>
-    <p:notesMasterId r:id="rId13"/>
+    <p:notesMasterId r:id="rId14"/>
   </p:notesMasterIdLst>
   <p:sldIdLst>
     <p:sldId id="256" r:id="rId2"/>
@@ -19,6 +19,7 @@
     <p:sldId id="258" r:id="rId10"/>
     <p:sldId id="259" r:id="rId11"/>
     <p:sldId id="257" r:id="rId12"/>
+    <p:sldId id="267" r:id="rId13"/>
   </p:sldIdLst>
   <p:sldSz cx="12192000" cy="6858000"/>
   <p:notesSz cx="6858000" cy="9144000"/>
@@ -207,7 +208,7 @@
           <a:p>
             <a:fld id="{2C4A46CC-D59D-4339-8BB1-A9F9ED2A9232}" type="datetimeFigureOut">
               <a:rPr kumimoji="1" lang="ja-JP" altLang="en-US" smtClean="0"/>
-              <a:t>2024/4/15</a:t>
+              <a:t>2024/4/19</a:t>
             </a:fld>
             <a:endParaRPr kumimoji="1" lang="ja-JP" altLang="en-US"/>
           </a:p>
@@ -1397,7 +1398,7 @@
           <a:p>
             <a:fld id="{AA49592E-08D8-4034-BC65-AAA143CC77EA}" type="datetimeFigureOut">
               <a:rPr kumimoji="1" lang="ja-JP" altLang="en-US" smtClean="0"/>
-              <a:t>2024/4/15</a:t>
+              <a:t>2024/4/19</a:t>
             </a:fld>
             <a:endParaRPr kumimoji="1" lang="ja-JP" altLang="en-US"/>
           </a:p>
@@ -1597,7 +1598,7 @@
           <a:p>
             <a:fld id="{AA49592E-08D8-4034-BC65-AAA143CC77EA}" type="datetimeFigureOut">
               <a:rPr kumimoji="1" lang="ja-JP" altLang="en-US" smtClean="0"/>
-              <a:t>2024/4/15</a:t>
+              <a:t>2024/4/19</a:t>
             </a:fld>
             <a:endParaRPr kumimoji="1" lang="ja-JP" altLang="en-US"/>
           </a:p>
@@ -1807,7 +1808,7 @@
           <a:p>
             <a:fld id="{AA49592E-08D8-4034-BC65-AAA143CC77EA}" type="datetimeFigureOut">
               <a:rPr kumimoji="1" lang="ja-JP" altLang="en-US" smtClean="0"/>
-              <a:t>2024/4/15</a:t>
+              <a:t>2024/4/19</a:t>
             </a:fld>
             <a:endParaRPr kumimoji="1" lang="ja-JP" altLang="en-US"/>
           </a:p>
@@ -2007,7 +2008,7 @@
           <a:p>
             <a:fld id="{AA49592E-08D8-4034-BC65-AAA143CC77EA}" type="datetimeFigureOut">
               <a:rPr kumimoji="1" lang="ja-JP" altLang="en-US" smtClean="0"/>
-              <a:t>2024/4/15</a:t>
+              <a:t>2024/4/19</a:t>
             </a:fld>
             <a:endParaRPr kumimoji="1" lang="ja-JP" altLang="en-US"/>
           </a:p>
@@ -2283,7 +2284,7 @@
           <a:p>
             <a:fld id="{AA49592E-08D8-4034-BC65-AAA143CC77EA}" type="datetimeFigureOut">
               <a:rPr kumimoji="1" lang="ja-JP" altLang="en-US" smtClean="0"/>
-              <a:t>2024/4/15</a:t>
+              <a:t>2024/4/19</a:t>
             </a:fld>
             <a:endParaRPr kumimoji="1" lang="ja-JP" altLang="en-US"/>
           </a:p>
@@ -2551,7 +2552,7 @@
           <a:p>
             <a:fld id="{AA49592E-08D8-4034-BC65-AAA143CC77EA}" type="datetimeFigureOut">
               <a:rPr kumimoji="1" lang="ja-JP" altLang="en-US" smtClean="0"/>
-              <a:t>2024/4/15</a:t>
+              <a:t>2024/4/19</a:t>
             </a:fld>
             <a:endParaRPr kumimoji="1" lang="ja-JP" altLang="en-US"/>
           </a:p>
@@ -2966,7 +2967,7 @@
           <a:p>
             <a:fld id="{AA49592E-08D8-4034-BC65-AAA143CC77EA}" type="datetimeFigureOut">
               <a:rPr kumimoji="1" lang="ja-JP" altLang="en-US" smtClean="0"/>
-              <a:t>2024/4/15</a:t>
+              <a:t>2024/4/19</a:t>
             </a:fld>
             <a:endParaRPr kumimoji="1" lang="ja-JP" altLang="en-US"/>
           </a:p>
@@ -3108,7 +3109,7 @@
           <a:p>
             <a:fld id="{AA49592E-08D8-4034-BC65-AAA143CC77EA}" type="datetimeFigureOut">
               <a:rPr kumimoji="1" lang="ja-JP" altLang="en-US" smtClean="0"/>
-              <a:t>2024/4/15</a:t>
+              <a:t>2024/4/19</a:t>
             </a:fld>
             <a:endParaRPr kumimoji="1" lang="ja-JP" altLang="en-US"/>
           </a:p>
@@ -3221,7 +3222,7 @@
           <a:p>
             <a:fld id="{AA49592E-08D8-4034-BC65-AAA143CC77EA}" type="datetimeFigureOut">
               <a:rPr kumimoji="1" lang="ja-JP" altLang="en-US" smtClean="0"/>
-              <a:t>2024/4/15</a:t>
+              <a:t>2024/4/19</a:t>
             </a:fld>
             <a:endParaRPr kumimoji="1" lang="ja-JP" altLang="en-US"/>
           </a:p>
@@ -3534,7 +3535,7 @@
           <a:p>
             <a:fld id="{AA49592E-08D8-4034-BC65-AAA143CC77EA}" type="datetimeFigureOut">
               <a:rPr kumimoji="1" lang="ja-JP" altLang="en-US" smtClean="0"/>
-              <a:t>2024/4/15</a:t>
+              <a:t>2024/4/19</a:t>
             </a:fld>
             <a:endParaRPr kumimoji="1" lang="ja-JP" altLang="en-US"/>
           </a:p>
@@ -3823,7 +3824,7 @@
           <a:p>
             <a:fld id="{AA49592E-08D8-4034-BC65-AAA143CC77EA}" type="datetimeFigureOut">
               <a:rPr kumimoji="1" lang="ja-JP" altLang="en-US" smtClean="0"/>
-              <a:t>2024/4/15</a:t>
+              <a:t>2024/4/19</a:t>
             </a:fld>
             <a:endParaRPr kumimoji="1" lang="ja-JP" altLang="en-US"/>
           </a:p>
@@ -4066,7 +4067,7 @@
           <a:p>
             <a:fld id="{AA49592E-08D8-4034-BC65-AAA143CC77EA}" type="datetimeFigureOut">
               <a:rPr kumimoji="1" lang="ja-JP" altLang="en-US" smtClean="0"/>
-              <a:t>2024/4/15</a:t>
+              <a:t>2024/4/19</a:t>
             </a:fld>
             <a:endParaRPr kumimoji="1" lang="ja-JP" altLang="en-US"/>
           </a:p>
@@ -5364,6 +5365,132 @@
     <p:extLst>
       <p:ext uri="{BB962C8B-B14F-4D97-AF65-F5344CB8AC3E}">
         <p14:creationId xmlns:p14="http://schemas.microsoft.com/office/powerpoint/2010/main" val="3400802647"/>
+      </p:ext>
+    </p:extLst>
+  </p:cSld>
+  <p:clrMapOvr>
+    <a:masterClrMapping/>
+  </p:clrMapOvr>
+</p:sld>
+</file>
+
+<file path=ppt/slides/slide12.xml><?xml version="1.0" encoding="utf-8"?>
+<p:sld xmlns:a="http://schemas.openxmlformats.org/drawingml/2006/main" xmlns:r="http://schemas.openxmlformats.org/officeDocument/2006/relationships" xmlns:p="http://schemas.openxmlformats.org/presentationml/2006/main">
+  <p:cSld>
+    <p:spTree>
+      <p:nvGrpSpPr>
+        <p:cNvPr id="1" name=""/>
+        <p:cNvGrpSpPr/>
+        <p:nvPr/>
+      </p:nvGrpSpPr>
+      <p:grpSpPr>
+        <a:xfrm>
+          <a:off x="0" y="0"/>
+          <a:ext cx="0" cy="0"/>
+          <a:chOff x="0" y="0"/>
+          <a:chExt cx="0" cy="0"/>
+        </a:xfrm>
+      </p:grpSpPr>
+      <p:sp>
+        <p:nvSpPr>
+          <p:cNvPr id="2" name="Title 1">
+            <a:extLst>
+              <a:ext uri="{FF2B5EF4-FFF2-40B4-BE49-F238E27FC236}">
+                <a16:creationId xmlns:a16="http://schemas.microsoft.com/office/drawing/2014/main" id="{F81817B6-4EBD-94BB-7ACE-6B5683ED4C16}"/>
+              </a:ext>
+            </a:extLst>
+          </p:cNvPr>
+          <p:cNvSpPr>
+            <a:spLocks noGrp="1"/>
+          </p:cNvSpPr>
+          <p:nvPr>
+            <p:ph type="title"/>
+          </p:nvPr>
+        </p:nvSpPr>
+        <p:spPr/>
+        <p:txBody>
+          <a:bodyPr/>
+          <a:lstStyle/>
+          <a:p>
+            <a:endParaRPr kumimoji="1" lang="ja-JP" altLang="en-US"/>
+          </a:p>
+        </p:txBody>
+      </p:sp>
+      <p:pic>
+        <p:nvPicPr>
+          <p:cNvPr id="5" name="Content Placeholder 4" descr="A person holding a book&#10;&#10;Description automatically generated">
+            <a:extLst>
+              <a:ext uri="{FF2B5EF4-FFF2-40B4-BE49-F238E27FC236}">
+                <a16:creationId xmlns:a16="http://schemas.microsoft.com/office/drawing/2014/main" id="{8CC6FB78-A191-7D2B-1CAE-2B1B981ECED6}"/>
+              </a:ext>
+            </a:extLst>
+          </p:cNvPr>
+          <p:cNvPicPr>
+            <a:picLocks noGrp="1" noChangeAspect="1"/>
+          </p:cNvPicPr>
+          <p:nvPr>
+            <p:ph idx="1"/>
+          </p:nvPr>
+        </p:nvPicPr>
+        <p:blipFill>
+          <a:blip r:embed="rId2">
+            <a:extLst>
+              <a:ext uri="{28A0092B-C50C-407E-A947-70E740481C1C}">
+                <a14:useLocalDpi xmlns:a14="http://schemas.microsoft.com/office/drawing/2010/main" val="0"/>
+              </a:ext>
+            </a:extLst>
+          </a:blip>
+          <a:stretch>
+            <a:fillRect/>
+          </a:stretch>
+        </p:blipFill>
+        <p:spPr>
+          <a:xfrm>
+            <a:off x="1064477" y="-2"/>
+            <a:ext cx="5144662" cy="6858002"/>
+          </a:xfrm>
+        </p:spPr>
+      </p:pic>
+      <p:pic>
+        <p:nvPicPr>
+          <p:cNvPr id="7" name="Picture 6" descr="A hand holding a book&#10;&#10;Description automatically generated">
+            <a:extLst>
+              <a:ext uri="{FF2B5EF4-FFF2-40B4-BE49-F238E27FC236}">
+                <a16:creationId xmlns:a16="http://schemas.microsoft.com/office/drawing/2014/main" id="{FD0C6537-B6D2-DE03-A015-3F546D9762DC}"/>
+              </a:ext>
+            </a:extLst>
+          </p:cNvPr>
+          <p:cNvPicPr>
+            <a:picLocks noChangeAspect="1"/>
+          </p:cNvPicPr>
+          <p:nvPr/>
+        </p:nvPicPr>
+        <p:blipFill>
+          <a:blip r:embed="rId3">
+            <a:extLst>
+              <a:ext uri="{28A0092B-C50C-407E-A947-70E740481C1C}">
+                <a14:useLocalDpi xmlns:a14="http://schemas.microsoft.com/office/drawing/2010/main" val="0"/>
+              </a:ext>
+            </a:extLst>
+          </a:blip>
+          <a:stretch>
+            <a:fillRect/>
+          </a:stretch>
+        </p:blipFill>
+        <p:spPr>
+          <a:xfrm>
+            <a:off x="6677225" y="0"/>
+            <a:ext cx="5144661" cy="6858000"/>
+          </a:xfrm>
+          <a:prstGeom prst="rect">
+            <a:avLst/>
+          </a:prstGeom>
+        </p:spPr>
+      </p:pic>
+    </p:spTree>
+    <p:extLst>
+      <p:ext uri="{BB962C8B-B14F-4D97-AF65-F5344CB8AC3E}">
+        <p14:creationId xmlns:p14="http://schemas.microsoft.com/office/powerpoint/2010/main" val="2092693158"/>
       </p:ext>
     </p:extLst>
   </p:cSld>

--- a/PPTX/Card-Feb2024.pptx
+++ b/PPTX/Card-Feb2024.pptx
@@ -5,21 +5,24 @@
     <p:sldMasterId id="2147483648" r:id="rId1"/>
   </p:sldMasterIdLst>
   <p:notesMasterIdLst>
-    <p:notesMasterId r:id="rId14"/>
+    <p:notesMasterId r:id="rId17"/>
   </p:notesMasterIdLst>
   <p:sldIdLst>
     <p:sldId id="256" r:id="rId2"/>
-    <p:sldId id="265" r:id="rId3"/>
-    <p:sldId id="266" r:id="rId4"/>
-    <p:sldId id="262" r:id="rId5"/>
-    <p:sldId id="263" r:id="rId6"/>
-    <p:sldId id="264" r:id="rId7"/>
-    <p:sldId id="260" r:id="rId8"/>
-    <p:sldId id="261" r:id="rId9"/>
-    <p:sldId id="258" r:id="rId10"/>
-    <p:sldId id="259" r:id="rId11"/>
-    <p:sldId id="257" r:id="rId12"/>
-    <p:sldId id="267" r:id="rId13"/>
+    <p:sldId id="268" r:id="rId3"/>
+    <p:sldId id="265" r:id="rId4"/>
+    <p:sldId id="266" r:id="rId5"/>
+    <p:sldId id="262" r:id="rId6"/>
+    <p:sldId id="263" r:id="rId7"/>
+    <p:sldId id="264" r:id="rId8"/>
+    <p:sldId id="260" r:id="rId9"/>
+    <p:sldId id="261" r:id="rId10"/>
+    <p:sldId id="258" r:id="rId11"/>
+    <p:sldId id="259" r:id="rId12"/>
+    <p:sldId id="257" r:id="rId13"/>
+    <p:sldId id="267" r:id="rId14"/>
+    <p:sldId id="270" r:id="rId15"/>
+    <p:sldId id="269" r:id="rId16"/>
   </p:sldIdLst>
   <p:sldSz cx="12192000" cy="6858000"/>
   <p:notesSz cx="6858000" cy="9144000"/>
@@ -208,7 +211,7 @@
           <a:p>
             <a:fld id="{2C4A46CC-D59D-4339-8BB1-A9F9ED2A9232}" type="datetimeFigureOut">
               <a:rPr kumimoji="1" lang="ja-JP" altLang="en-US" smtClean="0"/>
-              <a:t>2024/4/19</a:t>
+              <a:t>2024/4/22</a:t>
             </a:fld>
             <a:endParaRPr kumimoji="1" lang="ja-JP" altLang="en-US"/>
           </a:p>
@@ -521,50 +524,170 @@
           <a:lstStyle/>
           <a:p>
             <a:r>
-              <a:rPr kumimoji="1" lang="en-US" altLang="ja-JP" dirty="0"/>
-              <a:t>Dual of Maximum Likelihood Estimator (MLE) is Maximum Entropy (</a:t>
-            </a:r>
-            <a:r>
-              <a:rPr kumimoji="1" lang="en-US" altLang="ja-JP" dirty="0" err="1"/>
+              <a:rPr lang="en-US" altLang="ja-JP" b="0" i="0" dirty="0">
+                <a:solidFill>
+                  <a:srgbClr val="222222"/>
+                </a:solidFill>
+                <a:effectLst/>
+                <a:latin typeface="Arial" panose="020B0604020202020204" pitchFamily="34" charset="0"/>
+              </a:rPr>
+              <a:t>We can upper bound the differential entropy of *any random variable X* by the differential entropy of *any exponential family* for the moment parameter </a:t>
+            </a:r>
+            <a:r>
+              <a:rPr lang="el-GR" altLang="ja-JP" b="0" i="0" dirty="0">
+                <a:solidFill>
+                  <a:srgbClr val="DF000F"/>
+                </a:solidFill>
+                <a:effectLst/>
+                <a:latin typeface="Source Sans Pro" panose="020B0503030403020204" pitchFamily="34" charset="0"/>
+              </a:rPr>
+              <a:t>η</a:t>
+            </a:r>
+            <a:r>
+              <a:rPr lang="en-US" altLang="ja-JP" b="0" i="0" dirty="0">
+                <a:solidFill>
+                  <a:srgbClr val="DF000F"/>
+                </a:solidFill>
+                <a:effectLst/>
+                <a:latin typeface="Source Sans Pro" panose="020B0503030403020204" pitchFamily="34" charset="0"/>
+              </a:rPr>
+              <a:t>=</a:t>
+            </a:r>
+            <a:r>
+              <a:rPr lang="en-US" altLang="ja-JP" b="0" i="0" dirty="0">
+                <a:solidFill>
+                  <a:srgbClr val="222222"/>
+                </a:solidFill>
+                <a:effectLst/>
+                <a:latin typeface="Arial" panose="020B0604020202020204" pitchFamily="34" charset="0"/>
+              </a:rPr>
+              <a:t>E_X[t(x)] where t(x) is the sufficient statistics of the exponential family. Differential entropy of an exponential family is –F^*(</a:t>
+            </a:r>
+            <a:r>
+              <a:rPr lang="el-GR" altLang="ja-JP" b="0" i="0" dirty="0">
+                <a:solidFill>
+                  <a:srgbClr val="DF000F"/>
+                </a:solidFill>
+                <a:effectLst/>
+                <a:latin typeface="Source Sans Pro" panose="020B0503030403020204" pitchFamily="34" charset="0"/>
+              </a:rPr>
+              <a:t>η</a:t>
+            </a:r>
+            <a:r>
+              <a:rPr lang="en-US" altLang="ja-JP" b="0" i="0" dirty="0">
+                <a:solidFill>
+                  <a:srgbClr val="222222"/>
+                </a:solidFill>
+                <a:effectLst/>
+                <a:latin typeface="Arial" panose="020B0604020202020204" pitchFamily="34" charset="0"/>
+              </a:rPr>
+              <a:t>) where F^* is the convex conjugate of the cumulant function (the Cramer transform in large deviation theory).</a:t>
+            </a:r>
+          </a:p>
+          <a:p>
+            <a:r>
+              <a:rPr lang="en-US" altLang="ja-JP" b="0" i="0" dirty="0">
+                <a:solidFill>
+                  <a:srgbClr val="222222"/>
+                </a:solidFill>
+                <a:effectLst/>
+                <a:latin typeface="Arial" panose="020B0604020202020204" pitchFamily="34" charset="0"/>
+              </a:rPr>
+              <a:t> </a:t>
+            </a:r>
+          </a:p>
+          <a:p>
+            <a:r>
+              <a:rPr lang="en-US" altLang="ja-JP" b="0" i="0" dirty="0">
+                <a:solidFill>
+                  <a:srgbClr val="222222"/>
+                </a:solidFill>
+                <a:effectLst/>
+                <a:latin typeface="Arial" panose="020B0604020202020204" pitchFamily="34" charset="0"/>
+              </a:rPr>
+              <a:t>https://arxiv.org/abs/1612.02954</a:t>
+            </a:r>
+          </a:p>
+          <a:p>
+            <a:endParaRPr lang="en-US" altLang="ja-JP" b="0" i="0" dirty="0">
+              <a:solidFill>
+                <a:srgbClr val="222222"/>
+              </a:solidFill>
+              <a:effectLst/>
+              <a:latin typeface="Arial" panose="020B0604020202020204" pitchFamily="34" charset="0"/>
+            </a:endParaRPr>
+          </a:p>
+          <a:p>
+            <a:endParaRPr lang="en-US" altLang="ja-JP" b="0" i="0" dirty="0">
+              <a:solidFill>
+                <a:srgbClr val="222222"/>
+              </a:solidFill>
+              <a:effectLst/>
+              <a:latin typeface="Arial" panose="020B0604020202020204" pitchFamily="34" charset="0"/>
+            </a:endParaRPr>
+          </a:p>
+          <a:p>
+            <a:r>
+              <a:rPr lang="en-US" altLang="ja-JP" b="0" i="0" dirty="0">
+                <a:solidFill>
+                  <a:srgbClr val="222222"/>
+                </a:solidFill>
+                <a:effectLst/>
+                <a:latin typeface="Arial" panose="020B0604020202020204" pitchFamily="34" charset="0"/>
+              </a:rPr>
+              <a:t>----</a:t>
+            </a:r>
+          </a:p>
+          <a:p>
+            <a:r>
+              <a:rPr lang="en-US" altLang="ja-JP" b="0" i="0" dirty="0">
+                <a:solidFill>
+                  <a:srgbClr val="222222"/>
+                </a:solidFill>
+                <a:effectLst/>
+                <a:latin typeface="Arial" panose="020B0604020202020204" pitchFamily="34" charset="0"/>
+              </a:rPr>
+              <a:t>Nielsen, Frank, and Richard Nock. "</a:t>
+            </a:r>
+            <a:r>
+              <a:rPr lang="en-US" altLang="ja-JP" b="0" i="0" dirty="0" err="1">
+                <a:solidFill>
+                  <a:srgbClr val="222222"/>
+                </a:solidFill>
+                <a:effectLst/>
+                <a:latin typeface="Arial" panose="020B0604020202020204" pitchFamily="34" charset="0"/>
+              </a:rPr>
               <a:t>MaxEnt</a:t>
             </a:r>
             <a:r>
-              <a:rPr kumimoji="1" lang="en-US" altLang="ja-JP" dirty="0"/>
-              <a:t>).</a:t>
-            </a:r>
-          </a:p>
-          <a:p>
-            <a:r>
-              <a:rPr kumimoji="1" lang="en-US" altLang="ja-JP" dirty="0"/>
-              <a:t>Both interpreted as information projections with respect to the </a:t>
-            </a:r>
-            <a:r>
-              <a:rPr kumimoji="1" lang="en-US" altLang="ja-JP" dirty="0" err="1"/>
-              <a:t>Kullback-Leibler</a:t>
-            </a:r>
-            <a:r>
-              <a:rPr kumimoji="1" lang="en-US" altLang="ja-JP" dirty="0"/>
-              <a:t> divergence and dual the </a:t>
-            </a:r>
-            <a:r>
-              <a:rPr kumimoji="1" lang="en-US" altLang="ja-JP" dirty="0" err="1"/>
-              <a:t>Kullback-Leibler</a:t>
-            </a:r>
-            <a:r>
-              <a:rPr kumimoji="1" lang="en-US" altLang="ja-JP" dirty="0"/>
-              <a:t> divergence (=reverse KLD)</a:t>
-            </a:r>
-          </a:p>
-          <a:p>
-            <a:r>
-              <a:rPr kumimoji="1" lang="en-US" altLang="ja-JP" dirty="0"/>
-              <a:t>https://www.ams.org//journals/notices/201803/rnoti-p321.pdf</a:t>
-            </a:r>
-          </a:p>
-          <a:p>
-            <a:r>
-              <a:rPr kumimoji="1" lang="en-US" altLang="ja-JP" dirty="0"/>
-              <a:t>https://www.mdpi.com/1099-4300/22/10/1100</a:t>
+              <a:rPr lang="en-US" altLang="ja-JP" b="0" i="0" dirty="0">
+                <a:solidFill>
+                  <a:srgbClr val="222222"/>
+                </a:solidFill>
+                <a:effectLst/>
+                <a:latin typeface="Arial" panose="020B0604020202020204" pitchFamily="34" charset="0"/>
+              </a:rPr>
+              <a:t> upper bounds for the differential entropy of univariate continuous distributions." </a:t>
+            </a:r>
+            <a:r>
+              <a:rPr lang="en-US" altLang="ja-JP" b="0" i="1" dirty="0">
+                <a:solidFill>
+                  <a:srgbClr val="222222"/>
+                </a:solidFill>
+                <a:effectLst/>
+                <a:latin typeface="Arial" panose="020B0604020202020204" pitchFamily="34" charset="0"/>
+              </a:rPr>
+              <a:t>IEEE Signal Processing Letters</a:t>
+            </a:r>
+            <a:r>
+              <a:rPr lang="en-US" altLang="ja-JP" b="0" i="0" dirty="0">
+                <a:solidFill>
+                  <a:srgbClr val="222222"/>
+                </a:solidFill>
+                <a:effectLst/>
+                <a:latin typeface="Arial" panose="020B0604020202020204" pitchFamily="34" charset="0"/>
+              </a:rPr>
+              <a:t> 24.4 (2017): 402-406.</a:t>
             </a:r>
             <a:endParaRPr kumimoji="1" lang="ja-JP" altLang="en-US" dirty="0"/>
           </a:p>
@@ -587,7 +710,7 @@
           <a:p>
             <a:fld id="{8D0AD1A2-6D34-4C18-B181-8DCE8D94BD54}" type="slidenum">
               <a:rPr kumimoji="1" lang="ja-JP" altLang="en-US" smtClean="0"/>
-              <a:t>3</a:t>
+              <a:t>2</a:t>
             </a:fld>
             <a:endParaRPr kumimoji="1" lang="ja-JP" altLang="en-US"/>
           </a:p>
@@ -596,7 +719,7 @@
     </p:spTree>
     <p:extLst>
       <p:ext uri="{BB962C8B-B14F-4D97-AF65-F5344CB8AC3E}">
-        <p14:creationId xmlns:p14="http://schemas.microsoft.com/office/powerpoint/2010/main" val="2216287432"/>
+        <p14:creationId xmlns:p14="http://schemas.microsoft.com/office/powerpoint/2010/main" val="2628138484"/>
       </p:ext>
     </p:extLst>
   </p:cSld>
@@ -650,79 +773,51 @@
           <a:bodyPr/>
           <a:lstStyle/>
           <a:p>
-            <a:br>
-              <a:rPr lang="en-US" altLang="ja-JP" dirty="0"/>
-            </a:br>
-            <a:r>
-              <a:rPr lang="en-US" altLang="ja-JP" b="1" dirty="0"/>
-              <a:t>Introduction to HPC with MPI for Data Science (ISBN 978-3-319-21902-8 in English)</a:t>
-            </a:r>
-            <a:br>
-              <a:rPr lang="en-US" altLang="ja-JP" dirty="0"/>
-            </a:br>
-            <a:r>
-              <a:rPr lang="ja-JP" altLang="en-US" dirty="0"/>
-              <a:t>基于</a:t>
-            </a:r>
-            <a:r>
-              <a:rPr lang="en-US" altLang="ja-JP" dirty="0"/>
-              <a:t>MPI</a:t>
-            </a:r>
-            <a:r>
-              <a:rPr lang="ja-JP" altLang="en-US" dirty="0"/>
-              <a:t>的大数据高性能计算导论</a:t>
-            </a:r>
-            <a:r>
-              <a:rPr lang="en-US" altLang="ja-JP" dirty="0"/>
-              <a:t> (ISBN 978-7111602149, in Chinese)</a:t>
-            </a:r>
-          </a:p>
-          <a:p>
-            <a:r>
-              <a:rPr lang="en-US" altLang="ja-JP" b="0" i="0" u="none" strike="noStrike" dirty="0">
-                <a:solidFill>
-                  <a:srgbClr val="0F1419"/>
-                </a:solidFill>
-                <a:effectLst/>
-                <a:latin typeface="TwitterChirp"/>
-              </a:rPr>
-              <a:t>- simulate on PC/laptop clusters of machines using Message Passing Interface (MPI) + job scheduler SLURM</a:t>
-            </a:r>
-          </a:p>
-          <a:p>
-            <a:r>
-              <a:rPr lang="en-US" altLang="ja-JP" b="0" i="0" u="none" strike="noStrike" dirty="0">
-                <a:solidFill>
-                  <a:srgbClr val="0F1419"/>
-                </a:solidFill>
-                <a:effectLst/>
-                <a:latin typeface="TwitterChirp"/>
-              </a:rPr>
-              <a:t>- implement // linear algebra and // machine learning tasks on clusters. </a:t>
-            </a:r>
-          </a:p>
-          <a:p>
-            <a:r>
-              <a:rPr lang="en-US" altLang="ja-JP" b="0" i="0" u="none" strike="noStrike" dirty="0">
-                <a:solidFill>
-                  <a:srgbClr val="1D9BF0"/>
-                </a:solidFill>
-                <a:effectLst/>
-                <a:latin typeface="inherit"/>
-                <a:hlinkClick r:id="rId3"/>
-              </a:rPr>
-              <a:t>https://</a:t>
-            </a:r>
-            <a:r>
-              <a:rPr lang="en-US" altLang="ja-JP" b="0" i="0" u="none" strike="noStrike" dirty="0">
-                <a:solidFill>
-                  <a:srgbClr val="1D9BF0"/>
-                </a:solidFill>
-                <a:effectLst/>
-                <a:latin typeface="TwitterChirp"/>
-                <a:hlinkClick r:id="rId3"/>
-              </a:rPr>
-              <a:t>franknielsen.github.io/HPC4DS/</a:t>
+            <a:r>
+              <a:rPr kumimoji="1" lang="en-US" altLang="ja-JP" dirty="0"/>
+              <a:t>Dual of Maximum Likelihood Estimator (MLE) is Maximum Entropy (</a:t>
+            </a:r>
+            <a:r>
+              <a:rPr kumimoji="1" lang="en-US" altLang="ja-JP" dirty="0" err="1"/>
+              <a:t>MaxEnt</a:t>
+            </a:r>
+            <a:r>
+              <a:rPr kumimoji="1" lang="en-US" altLang="ja-JP" dirty="0"/>
+              <a:t>).</a:t>
+            </a:r>
+          </a:p>
+          <a:p>
+            <a:r>
+              <a:rPr kumimoji="1" lang="en-US" altLang="ja-JP" dirty="0"/>
+              <a:t>Both interpreted as information projections with respect to the </a:t>
+            </a:r>
+            <a:r>
+              <a:rPr kumimoji="1" lang="en-US" altLang="ja-JP" dirty="0" err="1"/>
+              <a:t>Kullback-Leibler</a:t>
+            </a:r>
+            <a:r>
+              <a:rPr kumimoji="1" lang="en-US" altLang="ja-JP" dirty="0"/>
+              <a:t> divergence and dual the </a:t>
+            </a:r>
+            <a:r>
+              <a:rPr kumimoji="1" lang="en-US" altLang="ja-JP" dirty="0" err="1"/>
+              <a:t>Kullback-Leibler</a:t>
+            </a:r>
+            <a:r>
+              <a:rPr kumimoji="1" lang="en-US" altLang="ja-JP" dirty="0"/>
+              <a:t> divergence (=reverse KLD)</a:t>
+            </a:r>
+          </a:p>
+          <a:p>
+            <a:r>
+              <a:rPr kumimoji="1" lang="en-US" altLang="ja-JP" dirty="0"/>
+              <a:t>https://www.ams.org//journals/notices/201803/rnoti-p321.pdf</a:t>
+            </a:r>
+          </a:p>
+          <a:p>
+            <a:r>
+              <a:rPr kumimoji="1" lang="en-US" altLang="ja-JP" dirty="0"/>
+              <a:t>https://www.mdpi.com/1099-4300/22/10/1100</a:t>
             </a:r>
             <a:endParaRPr kumimoji="1" lang="ja-JP" altLang="en-US" dirty="0"/>
           </a:p>
@@ -745,7 +840,7 @@
           <a:p>
             <a:fld id="{8D0AD1A2-6D34-4C18-B181-8DCE8D94BD54}" type="slidenum">
               <a:rPr kumimoji="1" lang="ja-JP" altLang="en-US" smtClean="0"/>
-              <a:t>7</a:t>
+              <a:t>4</a:t>
             </a:fld>
             <a:endParaRPr kumimoji="1" lang="ja-JP" altLang="en-US"/>
           </a:p>
@@ -754,7 +849,7 @@
     </p:spTree>
     <p:extLst>
       <p:ext uri="{BB962C8B-B14F-4D97-AF65-F5344CB8AC3E}">
-        <p14:creationId xmlns:p14="http://schemas.microsoft.com/office/powerpoint/2010/main" val="1772722179"/>
+        <p14:creationId xmlns:p14="http://schemas.microsoft.com/office/powerpoint/2010/main" val="2216287432"/>
       </p:ext>
     </p:extLst>
   </p:cSld>
@@ -808,163 +903,79 @@
           <a:bodyPr/>
           <a:lstStyle/>
           <a:p>
-            <a:pPr algn="l" rtl="0"/>
-            <a:r>
-              <a:rPr lang="en-US" altLang="ja-JP" b="0" i="0" dirty="0">
+            <a:br>
+              <a:rPr lang="en-US" altLang="ja-JP" dirty="0"/>
+            </a:br>
+            <a:r>
+              <a:rPr lang="en-US" altLang="ja-JP" b="1" dirty="0"/>
+              <a:t>Introduction to HPC with MPI for Data Science (ISBN 978-3-319-21902-8 in English)</a:t>
+            </a:r>
+            <a:br>
+              <a:rPr lang="en-US" altLang="ja-JP" dirty="0"/>
+            </a:br>
+            <a:r>
+              <a:rPr lang="ja-JP" altLang="en-US" dirty="0"/>
+              <a:t>基于</a:t>
+            </a:r>
+            <a:r>
+              <a:rPr lang="en-US" altLang="ja-JP" dirty="0"/>
+              <a:t>MPI</a:t>
+            </a:r>
+            <a:r>
+              <a:rPr lang="ja-JP" altLang="en-US" dirty="0"/>
+              <a:t>的大数据高性能计算导论</a:t>
+            </a:r>
+            <a:r>
+              <a:rPr lang="en-US" altLang="ja-JP" dirty="0"/>
+              <a:t> (ISBN 978-7111602149, in Chinese)</a:t>
+            </a:r>
+          </a:p>
+          <a:p>
+            <a:r>
+              <a:rPr lang="en-US" altLang="ja-JP" b="0" i="0" u="none" strike="noStrike" dirty="0">
                 <a:solidFill>
                   <a:srgbClr val="0F1419"/>
                 </a:solidFill>
                 <a:effectLst/>
                 <a:latin typeface="TwitterChirp"/>
               </a:rPr>
-              <a:t>Getting non-trivial lower and upper bounds on the total variation between Gaussian mixtures (GMMs) is difficult because TV varies in the range [0,1].</a:t>
-            </a:r>
-          </a:p>
-          <a:p>
-            <a:pPr algn="l" rtl="0"/>
-            <a:r>
-              <a:rPr lang="en-US" altLang="ja-JP" b="0" i="0" dirty="0">
+              <a:t>- simulate on PC/laptop clusters of machines using Message Passing Interface (MPI) + job scheduler SLURM</a:t>
+            </a:r>
+          </a:p>
+          <a:p>
+            <a:r>
+              <a:rPr lang="en-US" altLang="ja-JP" b="0" i="0" u="none" strike="noStrike" dirty="0">
                 <a:solidFill>
                   <a:srgbClr val="0F1419"/>
                 </a:solidFill>
                 <a:effectLst/>
                 <a:latin typeface="TwitterChirp"/>
               </a:rPr>
-              <a:t>2 methods based on information monotonicity of TV and on geometric lower/upper envelopes of the PDFs</a:t>
-            </a:r>
-          </a:p>
-          <a:p>
-            <a:pPr algn="l" rtl="0"/>
-            <a:r>
-              <a:rPr lang="ja-JP" altLang="en-US" b="0" i="0" dirty="0">
+              <a:t>- implement // linear algebra and // machine learning tasks on clusters. </a:t>
+            </a:r>
+          </a:p>
+          <a:p>
+            <a:r>
+              <a:rPr lang="en-US" altLang="ja-JP" b="0" i="0" u="none" strike="noStrike" dirty="0">
                 <a:solidFill>
-                  <a:srgbClr val="0F1419"/>
+                  <a:srgbClr val="1D9BF0"/>
                 </a:solidFill>
                 <a:effectLst/>
-                <a:latin typeface="TwitterChirp"/>
+                <a:latin typeface="inherit"/>
+                <a:hlinkClick r:id="rId3"/>
               </a:rPr>
-              <a:t>👉 </a:t>
-            </a:r>
-            <a:r>
-              <a:rPr lang="en-US" altLang="ja-JP" b="0" i="0">
+              <a:t>https://</a:t>
+            </a:r>
+            <a:r>
+              <a:rPr lang="en-US" altLang="ja-JP" b="0" i="0" u="none" strike="noStrike" dirty="0">
                 <a:solidFill>
                   <a:srgbClr val="1D9BF0"/>
                 </a:solidFill>
                 <a:effectLst/>
                 <a:latin typeface="TwitterChirp"/>
+                <a:hlinkClick r:id="rId3"/>
               </a:rPr>
-              <a:t>https://arxiv.org/abs/1806.11311</a:t>
-            </a:r>
-            <a:endParaRPr lang="en-US" altLang="ja-JP" b="0" i="0">
-              <a:solidFill>
-                <a:srgbClr val="0F1419"/>
-              </a:solidFill>
-              <a:effectLst/>
-              <a:latin typeface="TwitterChirp"/>
-            </a:endParaRPr>
-          </a:p>
-          <a:p>
-            <a:endParaRPr kumimoji="1" lang="en-US" altLang="ja-JP" dirty="0"/>
-          </a:p>
-          <a:p>
-            <a:endParaRPr kumimoji="1" lang="en-US" altLang="ja-JP" dirty="0"/>
-          </a:p>
-          <a:p>
-            <a:endParaRPr kumimoji="1" lang="en-US" altLang="ja-JP" dirty="0"/>
-          </a:p>
-          <a:p>
-            <a:r>
-              <a:rPr kumimoji="1" lang="en-US" altLang="ja-JP" dirty="0"/>
-              <a:t>----</a:t>
-            </a:r>
-          </a:p>
-          <a:p>
-            <a:r>
-              <a:rPr kumimoji="1" lang="en-US" altLang="ja-JP" dirty="0"/>
-              <a:t>Getting non-trivial lower and upper bounds on the total variation between Gaussian mixture models (GMMs) is difficult because TV varies in the range [0,1].</a:t>
-            </a:r>
-          </a:p>
-          <a:p>
-            <a:r>
-              <a:rPr kumimoji="1" lang="en-US" altLang="ja-JP" dirty="0"/>
-              <a:t>Proposed 2 methods: (1) based on information monotonicity of TV, (2) based on geometric lower and upper envelopes of the PDFs </a:t>
-            </a:r>
-          </a:p>
-          <a:p>
-            <a:r>
-              <a:rPr kumimoji="1" lang="en-US" altLang="ja-JP" dirty="0"/>
-              <a:t>https://arxiv.org/abs/1806.11311</a:t>
-            </a:r>
-          </a:p>
-          <a:p>
-            <a:endParaRPr kumimoji="1" lang="en-US" altLang="ja-JP" dirty="0"/>
-          </a:p>
-          <a:p>
-            <a:endParaRPr kumimoji="1" lang="en-US" altLang="ja-JP" dirty="0"/>
-          </a:p>
-          <a:p>
-            <a:r>
-              <a:rPr kumimoji="1" lang="en-US" altLang="ja-JP" dirty="0"/>
-              <a:t>based on the </a:t>
-            </a:r>
-            <a:r>
-              <a:rPr kumimoji="1" lang="en-US" altLang="ja-JP" dirty="0" err="1"/>
-              <a:t>informationmonotonicity</a:t>
-            </a:r>
-            <a:r>
-              <a:rPr kumimoji="1" lang="en-US" altLang="ja-JP" dirty="0"/>
-              <a:t> property of the total variation to design guaranteed nested deterministic lower </a:t>
-            </a:r>
-            <a:r>
-              <a:rPr kumimoji="1" lang="en-US" altLang="ja-JP" dirty="0" err="1"/>
-              <a:t>bounds.The</a:t>
-            </a:r>
-            <a:r>
-              <a:rPr kumimoji="1" lang="en-US" altLang="ja-JP" dirty="0"/>
-              <a:t> second method relies on computing the geometric lower and upper envelopes of weighted </a:t>
-            </a:r>
-            <a:r>
-              <a:rPr kumimoji="1" lang="en-US" altLang="ja-JP" dirty="0" err="1"/>
-              <a:t>mixturecomponents</a:t>
-            </a:r>
-            <a:r>
-              <a:rPr kumimoji="1" lang="en-US" altLang="ja-JP" dirty="0"/>
-              <a:t> to derive deterministic bounds based on density ratio.</a:t>
-            </a:r>
-          </a:p>
-          <a:p>
-            <a:endParaRPr kumimoji="1" lang="en-US" altLang="ja-JP" dirty="0"/>
-          </a:p>
-          <a:p>
-            <a:r>
-              <a:rPr lang="en-US" altLang="ja-JP" b="0" i="0" dirty="0">
-                <a:solidFill>
-                  <a:srgbClr val="222222"/>
-                </a:solidFill>
-                <a:effectLst/>
-                <a:latin typeface="Arial" panose="020B0604020202020204" pitchFamily="34" charset="0"/>
-              </a:rPr>
-              <a:t>Nielsen, Frank, and Ke Sun. "Guaranteed deterministic bounds on the total variation distance between univariate mixtures." </a:t>
-            </a:r>
-            <a:r>
-              <a:rPr lang="en-US" altLang="ja-JP" b="0" i="1" dirty="0">
-                <a:solidFill>
-                  <a:srgbClr val="222222"/>
-                </a:solidFill>
-                <a:effectLst/>
-                <a:latin typeface="Arial" panose="020B0604020202020204" pitchFamily="34" charset="0"/>
-              </a:rPr>
-              <a:t>2018 IEEE 28th International Workshop on Machine Learning for Signal Processing (MLSP)</a:t>
-            </a:r>
-            <a:r>
-              <a:rPr lang="en-US" altLang="ja-JP" b="0" i="0" dirty="0">
-                <a:solidFill>
-                  <a:srgbClr val="222222"/>
-                </a:solidFill>
-                <a:effectLst/>
-                <a:latin typeface="Arial" panose="020B0604020202020204" pitchFamily="34" charset="0"/>
-              </a:rPr>
-              <a:t>. IEEE, 2018.</a:t>
+              <a:t>franknielsen.github.io/HPC4DS/</a:t>
             </a:r>
             <a:endParaRPr kumimoji="1" lang="ja-JP" altLang="en-US" dirty="0"/>
           </a:p>
@@ -996,7 +1007,7 @@
     </p:spTree>
     <p:extLst>
       <p:ext uri="{BB962C8B-B14F-4D97-AF65-F5344CB8AC3E}">
-        <p14:creationId xmlns:p14="http://schemas.microsoft.com/office/powerpoint/2010/main" val="2200822006"/>
+        <p14:creationId xmlns:p14="http://schemas.microsoft.com/office/powerpoint/2010/main" val="1772722179"/>
       </p:ext>
     </p:extLst>
   </p:cSld>
@@ -1050,60 +1061,163 @@
           <a:bodyPr/>
           <a:lstStyle/>
           <a:p>
-            <a:r>
-              <a:rPr kumimoji="1" lang="en-US" altLang="ja-JP" b="1" dirty="0">
+            <a:pPr algn="l" rtl="0"/>
+            <a:r>
+              <a:rPr lang="en-US" altLang="ja-JP" b="0" i="0" dirty="0">
                 <a:solidFill>
-                  <a:schemeClr val="accent5"/>
+                  <a:srgbClr val="0F1419"/>
                 </a:solidFill>
+                <a:effectLst/>
+                <a:latin typeface="TwitterChirp"/>
               </a:rPr>
-              <a:t>Geometry of domains versus geometry of manifolds:</a:t>
-            </a:r>
-          </a:p>
-          <a:p>
-            <a:endParaRPr kumimoji="1" lang="en-US" altLang="ja-JP" b="1" dirty="0">
+              <a:t>Getting non-trivial lower and upper bounds on the total variation between Gaussian mixtures (GMMs) is difficult because TV varies in the range [0,1].</a:t>
+            </a:r>
+          </a:p>
+          <a:p>
+            <a:pPr algn="l" rtl="0"/>
+            <a:r>
+              <a:rPr lang="en-US" altLang="ja-JP" b="0" i="0" dirty="0">
+                <a:solidFill>
+                  <a:srgbClr val="0F1419"/>
+                </a:solidFill>
+                <a:effectLst/>
+                <a:latin typeface="TwitterChirp"/>
+              </a:rPr>
+              <a:t>2 methods based on information monotonicity of TV and on geometric lower/upper envelopes of the PDFs</a:t>
+            </a:r>
+          </a:p>
+          <a:p>
+            <a:pPr algn="l" rtl="0"/>
+            <a:r>
+              <a:rPr lang="ja-JP" altLang="en-US" b="0" i="0" dirty="0">
+                <a:solidFill>
+                  <a:srgbClr val="0F1419"/>
+                </a:solidFill>
+                <a:effectLst/>
+                <a:latin typeface="TwitterChirp"/>
+              </a:rPr>
+              <a:t>👉 </a:t>
+            </a:r>
+            <a:r>
+              <a:rPr lang="en-US" altLang="ja-JP" b="0" i="0">
+                <a:solidFill>
+                  <a:srgbClr val="1D9BF0"/>
+                </a:solidFill>
+                <a:effectLst/>
+                <a:latin typeface="TwitterChirp"/>
+              </a:rPr>
+              <a:t>https://arxiv.org/abs/1806.11311</a:t>
+            </a:r>
+            <a:endParaRPr lang="en-US" altLang="ja-JP" b="0" i="0">
               <a:solidFill>
-                <a:schemeClr val="accent5"/>
+                <a:srgbClr val="0F1419"/>
               </a:solidFill>
+              <a:effectLst/>
+              <a:latin typeface="TwitterChirp"/>
             </a:endParaRPr>
           </a:p>
           <a:p>
-            <a:r>
-              <a:rPr kumimoji="1" lang="en-US" altLang="ja-JP" b="1" dirty="0">
+            <a:endParaRPr kumimoji="1" lang="en-US" altLang="ja-JP" dirty="0"/>
+          </a:p>
+          <a:p>
+            <a:endParaRPr kumimoji="1" lang="en-US" altLang="ja-JP" dirty="0"/>
+          </a:p>
+          <a:p>
+            <a:endParaRPr kumimoji="1" lang="en-US" altLang="ja-JP" dirty="0"/>
+          </a:p>
+          <a:p>
+            <a:r>
+              <a:rPr kumimoji="1" lang="en-US" altLang="ja-JP" dirty="0"/>
+              <a:t>----</a:t>
+            </a:r>
+          </a:p>
+          <a:p>
+            <a:r>
+              <a:rPr kumimoji="1" lang="en-US" altLang="ja-JP" dirty="0"/>
+              <a:t>Getting non-trivial lower and upper bounds on the total variation between Gaussian mixture models (GMMs) is difficult because TV varies in the range [0,1].</a:t>
+            </a:r>
+          </a:p>
+          <a:p>
+            <a:r>
+              <a:rPr kumimoji="1" lang="en-US" altLang="ja-JP" dirty="0"/>
+              <a:t>Proposed 2 methods: (1) based on information monotonicity of TV, (2) based on geometric lower and upper envelopes of the PDFs </a:t>
+            </a:r>
+          </a:p>
+          <a:p>
+            <a:r>
+              <a:rPr kumimoji="1" lang="en-US" altLang="ja-JP" dirty="0"/>
+              <a:t>https://arxiv.org/abs/1806.11311</a:t>
+            </a:r>
+          </a:p>
+          <a:p>
+            <a:endParaRPr kumimoji="1" lang="en-US" altLang="ja-JP" dirty="0"/>
+          </a:p>
+          <a:p>
+            <a:endParaRPr kumimoji="1" lang="en-US" altLang="ja-JP" dirty="0"/>
+          </a:p>
+          <a:p>
+            <a:r>
+              <a:rPr kumimoji="1" lang="en-US" altLang="ja-JP" dirty="0"/>
+              <a:t>based on the </a:t>
+            </a:r>
+            <a:r>
+              <a:rPr kumimoji="1" lang="en-US" altLang="ja-JP" dirty="0" err="1"/>
+              <a:t>informationmonotonicity</a:t>
+            </a:r>
+            <a:r>
+              <a:rPr kumimoji="1" lang="en-US" altLang="ja-JP" dirty="0"/>
+              <a:t> property of the total variation to design guaranteed nested deterministic lower </a:t>
+            </a:r>
+            <a:r>
+              <a:rPr kumimoji="1" lang="en-US" altLang="ja-JP" dirty="0" err="1"/>
+              <a:t>bounds.The</a:t>
+            </a:r>
+            <a:r>
+              <a:rPr kumimoji="1" lang="en-US" altLang="ja-JP" dirty="0"/>
+              <a:t> second method relies on computing the geometric lower and upper envelopes of weighted </a:t>
+            </a:r>
+            <a:r>
+              <a:rPr kumimoji="1" lang="en-US" altLang="ja-JP" dirty="0" err="1"/>
+              <a:t>mixturecomponents</a:t>
+            </a:r>
+            <a:r>
+              <a:rPr kumimoji="1" lang="en-US" altLang="ja-JP" dirty="0"/>
+              <a:t> to derive deterministic bounds based on density ratio.</a:t>
+            </a:r>
+          </a:p>
+          <a:p>
+            <a:endParaRPr kumimoji="1" lang="en-US" altLang="ja-JP" dirty="0"/>
+          </a:p>
+          <a:p>
+            <a:r>
+              <a:rPr lang="en-US" altLang="ja-JP" b="0" i="0" dirty="0">
                 <a:solidFill>
-                  <a:schemeClr val="accent5"/>
+                  <a:srgbClr val="222222"/>
                 </a:solidFill>
+                <a:effectLst/>
+                <a:latin typeface="Arial" panose="020B0604020202020204" pitchFamily="34" charset="0"/>
               </a:rPr>
-              <a:t>Consider a domain as a *global chart of an underlying manifold* vs consider a general manifold covered by several local charts forming an atlas.</a:t>
-            </a:r>
-          </a:p>
-          <a:p>
-            <a:endParaRPr kumimoji="1" lang="en-US" altLang="ja-JP" b="1" dirty="0">
-              <a:solidFill>
-                <a:schemeClr val="accent5"/>
-              </a:solidFill>
-            </a:endParaRPr>
-          </a:p>
-          <a:p>
-            <a:r>
-              <a:rPr kumimoji="1" lang="en-US" altLang="ja-JP" b="1" dirty="0">
+              <a:t>Nielsen, Frank, and Ke Sun. "Guaranteed deterministic bounds on the total variation distance between univariate mixtures." </a:t>
+            </a:r>
+            <a:r>
+              <a:rPr lang="en-US" altLang="ja-JP" b="0" i="1" dirty="0">
                 <a:solidFill>
-                  <a:schemeClr val="accent5"/>
+                  <a:srgbClr val="222222"/>
                 </a:solidFill>
+                <a:effectLst/>
+                <a:latin typeface="Arial" panose="020B0604020202020204" pitchFamily="34" charset="0"/>
               </a:rPr>
-              <a:t>Examples: Dually flat spaces (information geometry of domains) versus Hessian manifolds (several charts)</a:t>
-            </a:r>
-          </a:p>
-          <a:p>
-            <a:endParaRPr kumimoji="1" lang="en-US" altLang="ja-JP" b="1" dirty="0">
-              <a:solidFill>
-                <a:schemeClr val="accent5"/>
-              </a:solidFill>
-            </a:endParaRPr>
-          </a:p>
-          <a:p>
-            <a:r>
-              <a:rPr kumimoji="1" lang="en-US" altLang="ja-JP" dirty="0"/>
-              <a:t>https://arxiv.org/abs/1910.03935</a:t>
+              <a:t>2018 IEEE 28th International Workshop on Machine Learning for Signal Processing (MLSP)</a:t>
+            </a:r>
+            <a:r>
+              <a:rPr lang="en-US" altLang="ja-JP" b="0" i="0" dirty="0">
+                <a:solidFill>
+                  <a:srgbClr val="222222"/>
+                </a:solidFill>
+                <a:effectLst/>
+                <a:latin typeface="Arial" panose="020B0604020202020204" pitchFamily="34" charset="0"/>
+              </a:rPr>
+              <a:t>. IEEE, 2018.</a:t>
             </a:r>
             <a:endParaRPr kumimoji="1" lang="ja-JP" altLang="en-US" dirty="0"/>
           </a:p>
@@ -1135,7 +1249,7 @@
     </p:spTree>
     <p:extLst>
       <p:ext uri="{BB962C8B-B14F-4D97-AF65-F5344CB8AC3E}">
-        <p14:creationId xmlns:p14="http://schemas.microsoft.com/office/powerpoint/2010/main" val="1946551916"/>
+        <p14:creationId xmlns:p14="http://schemas.microsoft.com/office/powerpoint/2010/main" val="2200822006"/>
       </p:ext>
     </p:extLst>
   </p:cSld>
@@ -1190,6 +1304,145 @@
           <a:lstStyle/>
           <a:p>
             <a:r>
+              <a:rPr kumimoji="1" lang="en-US" altLang="ja-JP" b="1" dirty="0">
+                <a:solidFill>
+                  <a:schemeClr val="accent5"/>
+                </a:solidFill>
+              </a:rPr>
+              <a:t>Geometry of domains versus geometry of manifolds:</a:t>
+            </a:r>
+          </a:p>
+          <a:p>
+            <a:endParaRPr kumimoji="1" lang="en-US" altLang="ja-JP" b="1" dirty="0">
+              <a:solidFill>
+                <a:schemeClr val="accent5"/>
+              </a:solidFill>
+            </a:endParaRPr>
+          </a:p>
+          <a:p>
+            <a:r>
+              <a:rPr kumimoji="1" lang="en-US" altLang="ja-JP" b="1" dirty="0">
+                <a:solidFill>
+                  <a:schemeClr val="accent5"/>
+                </a:solidFill>
+              </a:rPr>
+              <a:t>Consider a domain as a *global chart of an underlying manifold* vs consider a general manifold covered by several local charts forming an atlas.</a:t>
+            </a:r>
+          </a:p>
+          <a:p>
+            <a:endParaRPr kumimoji="1" lang="en-US" altLang="ja-JP" b="1" dirty="0">
+              <a:solidFill>
+                <a:schemeClr val="accent5"/>
+              </a:solidFill>
+            </a:endParaRPr>
+          </a:p>
+          <a:p>
+            <a:r>
+              <a:rPr kumimoji="1" lang="en-US" altLang="ja-JP" b="1" dirty="0">
+                <a:solidFill>
+                  <a:schemeClr val="accent5"/>
+                </a:solidFill>
+              </a:rPr>
+              <a:t>Examples: Dually flat spaces (information geometry of domains) versus Hessian manifolds (several charts)</a:t>
+            </a:r>
+          </a:p>
+          <a:p>
+            <a:endParaRPr kumimoji="1" lang="en-US" altLang="ja-JP" b="1" dirty="0">
+              <a:solidFill>
+                <a:schemeClr val="accent5"/>
+              </a:solidFill>
+            </a:endParaRPr>
+          </a:p>
+          <a:p>
+            <a:r>
+              <a:rPr kumimoji="1" lang="en-US" altLang="ja-JP" dirty="0"/>
+              <a:t>https://arxiv.org/abs/1910.03935</a:t>
+            </a:r>
+            <a:endParaRPr kumimoji="1" lang="ja-JP" altLang="en-US" dirty="0"/>
+          </a:p>
+        </p:txBody>
+      </p:sp>
+      <p:sp>
+        <p:nvSpPr>
+          <p:cNvPr id="4" name="Slide Number Placeholder 3"/>
+          <p:cNvSpPr>
+            <a:spLocks noGrp="1"/>
+          </p:cNvSpPr>
+          <p:nvPr>
+            <p:ph type="sldNum" sz="quarter" idx="5"/>
+          </p:nvPr>
+        </p:nvSpPr>
+        <p:spPr/>
+        <p:txBody>
+          <a:bodyPr/>
+          <a:lstStyle/>
+          <a:p>
+            <a:fld id="{8D0AD1A2-6D34-4C18-B181-8DCE8D94BD54}" type="slidenum">
+              <a:rPr kumimoji="1" lang="ja-JP" altLang="en-US" smtClean="0"/>
+              <a:t>10</a:t>
+            </a:fld>
+            <a:endParaRPr kumimoji="1" lang="ja-JP" altLang="en-US"/>
+          </a:p>
+        </p:txBody>
+      </p:sp>
+    </p:spTree>
+    <p:extLst>
+      <p:ext uri="{BB962C8B-B14F-4D97-AF65-F5344CB8AC3E}">
+        <p14:creationId xmlns:p14="http://schemas.microsoft.com/office/powerpoint/2010/main" val="1946551916"/>
+      </p:ext>
+    </p:extLst>
+  </p:cSld>
+  <p:clrMapOvr>
+    <a:masterClrMapping/>
+  </p:clrMapOvr>
+</p:notes>
+</file>
+
+<file path=ppt/notesSlides/notesSlide6.xml><?xml version="1.0" encoding="utf-8"?>
+<p:notes xmlns:a="http://schemas.openxmlformats.org/drawingml/2006/main" xmlns:r="http://schemas.openxmlformats.org/officeDocument/2006/relationships" xmlns:p="http://schemas.openxmlformats.org/presentationml/2006/main">
+  <p:cSld>
+    <p:spTree>
+      <p:nvGrpSpPr>
+        <p:cNvPr id="1" name=""/>
+        <p:cNvGrpSpPr/>
+        <p:nvPr/>
+      </p:nvGrpSpPr>
+      <p:grpSpPr>
+        <a:xfrm>
+          <a:off x="0" y="0"/>
+          <a:ext cx="0" cy="0"/>
+          <a:chOff x="0" y="0"/>
+          <a:chExt cx="0" cy="0"/>
+        </a:xfrm>
+      </p:grpSpPr>
+      <p:sp>
+        <p:nvSpPr>
+          <p:cNvPr id="2" name="Slide Image Placeholder 1"/>
+          <p:cNvSpPr>
+            <a:spLocks noGrp="1" noRot="1" noChangeAspect="1"/>
+          </p:cNvSpPr>
+          <p:nvPr>
+            <p:ph type="sldImg"/>
+          </p:nvPr>
+        </p:nvSpPr>
+        <p:spPr/>
+      </p:sp>
+      <p:sp>
+        <p:nvSpPr>
+          <p:cNvPr id="3" name="Notes Placeholder 2"/>
+          <p:cNvSpPr>
+            <a:spLocks noGrp="1"/>
+          </p:cNvSpPr>
+          <p:nvPr>
+            <p:ph type="body" idx="1"/>
+          </p:nvPr>
+        </p:nvSpPr>
+        <p:spPr/>
+        <p:txBody>
+          <a:bodyPr/>
+          <a:lstStyle/>
+          <a:p>
+            <a:r>
               <a:rPr kumimoji="1" lang="en-US" altLang="ja-JP" dirty="0"/>
               <a:t>Stigler law of eponymy:  No scientific discovery is named after its original discover!</a:t>
             </a:r>
@@ -1230,7 +1483,7 @@
           <a:p>
             <a:fld id="{8D0AD1A2-6D34-4C18-B181-8DCE8D94BD54}" type="slidenum">
               <a:rPr kumimoji="1" lang="ja-JP" altLang="en-US" smtClean="0"/>
-              <a:t>11</a:t>
+              <a:t>12</a:t>
             </a:fld>
             <a:endParaRPr kumimoji="1" lang="ja-JP" altLang="en-US"/>
           </a:p>
@@ -1398,7 +1651,7 @@
           <a:p>
             <a:fld id="{AA49592E-08D8-4034-BC65-AAA143CC77EA}" type="datetimeFigureOut">
               <a:rPr kumimoji="1" lang="ja-JP" altLang="en-US" smtClean="0"/>
-              <a:t>2024/4/19</a:t>
+              <a:t>2024/4/22</a:t>
             </a:fld>
             <a:endParaRPr kumimoji="1" lang="ja-JP" altLang="en-US"/>
           </a:p>
@@ -1598,7 +1851,7 @@
           <a:p>
             <a:fld id="{AA49592E-08D8-4034-BC65-AAA143CC77EA}" type="datetimeFigureOut">
               <a:rPr kumimoji="1" lang="ja-JP" altLang="en-US" smtClean="0"/>
-              <a:t>2024/4/19</a:t>
+              <a:t>2024/4/22</a:t>
             </a:fld>
             <a:endParaRPr kumimoji="1" lang="ja-JP" altLang="en-US"/>
           </a:p>
@@ -1808,7 +2061,7 @@
           <a:p>
             <a:fld id="{AA49592E-08D8-4034-BC65-AAA143CC77EA}" type="datetimeFigureOut">
               <a:rPr kumimoji="1" lang="ja-JP" altLang="en-US" smtClean="0"/>
-              <a:t>2024/4/19</a:t>
+              <a:t>2024/4/22</a:t>
             </a:fld>
             <a:endParaRPr kumimoji="1" lang="ja-JP" altLang="en-US"/>
           </a:p>
@@ -2008,7 +2261,7 @@
           <a:p>
             <a:fld id="{AA49592E-08D8-4034-BC65-AAA143CC77EA}" type="datetimeFigureOut">
               <a:rPr kumimoji="1" lang="ja-JP" altLang="en-US" smtClean="0"/>
-              <a:t>2024/4/19</a:t>
+              <a:t>2024/4/22</a:t>
             </a:fld>
             <a:endParaRPr kumimoji="1" lang="ja-JP" altLang="en-US"/>
           </a:p>
@@ -2284,7 +2537,7 @@
           <a:p>
             <a:fld id="{AA49592E-08D8-4034-BC65-AAA143CC77EA}" type="datetimeFigureOut">
               <a:rPr kumimoji="1" lang="ja-JP" altLang="en-US" smtClean="0"/>
-              <a:t>2024/4/19</a:t>
+              <a:t>2024/4/22</a:t>
             </a:fld>
             <a:endParaRPr kumimoji="1" lang="ja-JP" altLang="en-US"/>
           </a:p>
@@ -2552,7 +2805,7 @@
           <a:p>
             <a:fld id="{AA49592E-08D8-4034-BC65-AAA143CC77EA}" type="datetimeFigureOut">
               <a:rPr kumimoji="1" lang="ja-JP" altLang="en-US" smtClean="0"/>
-              <a:t>2024/4/19</a:t>
+              <a:t>2024/4/22</a:t>
             </a:fld>
             <a:endParaRPr kumimoji="1" lang="ja-JP" altLang="en-US"/>
           </a:p>
@@ -2967,7 +3220,7 @@
           <a:p>
             <a:fld id="{AA49592E-08D8-4034-BC65-AAA143CC77EA}" type="datetimeFigureOut">
               <a:rPr kumimoji="1" lang="ja-JP" altLang="en-US" smtClean="0"/>
-              <a:t>2024/4/19</a:t>
+              <a:t>2024/4/22</a:t>
             </a:fld>
             <a:endParaRPr kumimoji="1" lang="ja-JP" altLang="en-US"/>
           </a:p>
@@ -3109,7 +3362,7 @@
           <a:p>
             <a:fld id="{AA49592E-08D8-4034-BC65-AAA143CC77EA}" type="datetimeFigureOut">
               <a:rPr kumimoji="1" lang="ja-JP" altLang="en-US" smtClean="0"/>
-              <a:t>2024/4/19</a:t>
+              <a:t>2024/4/22</a:t>
             </a:fld>
             <a:endParaRPr kumimoji="1" lang="ja-JP" altLang="en-US"/>
           </a:p>
@@ -3222,7 +3475,7 @@
           <a:p>
             <a:fld id="{AA49592E-08D8-4034-BC65-AAA143CC77EA}" type="datetimeFigureOut">
               <a:rPr kumimoji="1" lang="ja-JP" altLang="en-US" smtClean="0"/>
-              <a:t>2024/4/19</a:t>
+              <a:t>2024/4/22</a:t>
             </a:fld>
             <a:endParaRPr kumimoji="1" lang="ja-JP" altLang="en-US"/>
           </a:p>
@@ -3535,7 +3788,7 @@
           <a:p>
             <a:fld id="{AA49592E-08D8-4034-BC65-AAA143CC77EA}" type="datetimeFigureOut">
               <a:rPr kumimoji="1" lang="ja-JP" altLang="en-US" smtClean="0"/>
-              <a:t>2024/4/19</a:t>
+              <a:t>2024/4/22</a:t>
             </a:fld>
             <a:endParaRPr kumimoji="1" lang="ja-JP" altLang="en-US"/>
           </a:p>
@@ -3824,7 +4077,7 @@
           <a:p>
             <a:fld id="{AA49592E-08D8-4034-BC65-AAA143CC77EA}" type="datetimeFigureOut">
               <a:rPr kumimoji="1" lang="ja-JP" altLang="en-US" smtClean="0"/>
-              <a:t>2024/4/19</a:t>
+              <a:t>2024/4/22</a:t>
             </a:fld>
             <a:endParaRPr kumimoji="1" lang="ja-JP" altLang="en-US"/>
           </a:p>
@@ -4067,7 +4320,7 @@
           <a:p>
             <a:fld id="{AA49592E-08D8-4034-BC65-AAA143CC77EA}" type="datetimeFigureOut">
               <a:rPr kumimoji="1" lang="ja-JP" altLang="en-US" smtClean="0"/>
-              <a:t>2024/4/19</a:t>
+              <a:t>2024/4/22</a:t>
             </a:fld>
             <a:endParaRPr kumimoji="1" lang="ja-JP" altLang="en-US"/>
           </a:p>
@@ -4624,6 +4877,499 @@
           <a:chExt cx="0" cy="0"/>
         </a:xfrm>
       </p:grpSpPr>
+      <p:sp>
+        <p:nvSpPr>
+          <p:cNvPr id="2" name="Title 1">
+            <a:extLst>
+              <a:ext uri="{FF2B5EF4-FFF2-40B4-BE49-F238E27FC236}">
+                <a16:creationId xmlns:a16="http://schemas.microsoft.com/office/drawing/2014/main" id="{27BCE41B-8FF4-AC37-F828-5491E7C4EA78}"/>
+              </a:ext>
+            </a:extLst>
+          </p:cNvPr>
+          <p:cNvSpPr>
+            <a:spLocks noGrp="1"/>
+          </p:cNvSpPr>
+          <p:nvPr>
+            <p:ph type="title"/>
+          </p:nvPr>
+        </p:nvSpPr>
+        <p:spPr>
+          <a:xfrm>
+            <a:off x="32004" y="-110363"/>
+            <a:ext cx="11777472" cy="1325563"/>
+          </a:xfrm>
+        </p:spPr>
+        <p:txBody>
+          <a:bodyPr/>
+          <a:lstStyle/>
+          <a:p>
+            <a:r>
+              <a:rPr kumimoji="1" lang="en-US" altLang="ja-JP" b="1" dirty="0">
+                <a:solidFill>
+                  <a:schemeClr val="accent5"/>
+                </a:solidFill>
+              </a:rPr>
+              <a:t>Geometry of domains vs geometry of manifolds</a:t>
+            </a:r>
+            <a:endParaRPr kumimoji="1" lang="ja-JP" altLang="en-US" b="1" dirty="0">
+              <a:solidFill>
+                <a:schemeClr val="accent5"/>
+              </a:solidFill>
+            </a:endParaRPr>
+          </a:p>
+        </p:txBody>
+      </p:sp>
+      <p:sp>
+        <p:nvSpPr>
+          <p:cNvPr id="3" name="Content Placeholder 2">
+            <a:extLst>
+              <a:ext uri="{FF2B5EF4-FFF2-40B4-BE49-F238E27FC236}">
+                <a16:creationId xmlns:a16="http://schemas.microsoft.com/office/drawing/2014/main" id="{E42B9663-0716-B0DD-10BC-31106676E461}"/>
+              </a:ext>
+            </a:extLst>
+          </p:cNvPr>
+          <p:cNvSpPr>
+            <a:spLocks noGrp="1"/>
+          </p:cNvSpPr>
+          <p:nvPr>
+            <p:ph idx="1"/>
+          </p:nvPr>
+        </p:nvSpPr>
+        <p:spPr>
+          <a:xfrm>
+            <a:off x="0" y="943801"/>
+            <a:ext cx="12159996" cy="4351338"/>
+          </a:xfrm>
+        </p:spPr>
+        <p:txBody>
+          <a:bodyPr>
+            <a:normAutofit/>
+          </a:bodyPr>
+          <a:lstStyle/>
+          <a:p>
+            <a:r>
+              <a:rPr kumimoji="1" lang="en-US" altLang="ja-JP" sz="2400" dirty="0"/>
+              <a:t>A manifold M is covered by </a:t>
+            </a:r>
+            <a:r>
+              <a:rPr kumimoji="1" lang="en-US" altLang="ja-JP" sz="2400" b="1" dirty="0">
+                <a:solidFill>
+                  <a:srgbClr val="FF0000"/>
+                </a:solidFill>
+              </a:rPr>
+              <a:t>several local coordinate charts </a:t>
+            </a:r>
+            <a:r>
+              <a:rPr kumimoji="1" lang="en-US" altLang="ja-JP" sz="2400" dirty="0"/>
+              <a:t>forming an atlas</a:t>
+            </a:r>
+          </a:p>
+          <a:p>
+            <a:r>
+              <a:rPr kumimoji="1" lang="en-US" altLang="ja-JP" sz="2400" dirty="0"/>
+              <a:t>View a domain </a:t>
+            </a:r>
+            <a:r>
+              <a:rPr lang="el-GR" altLang="ja-JP" sz="2400" i="0" dirty="0">
+                <a:effectLst/>
+              </a:rPr>
+              <a:t>ϴ</a:t>
+            </a:r>
+            <a:r>
+              <a:rPr lang="en-US" altLang="ja-JP" sz="2400" i="0" dirty="0">
+                <a:effectLst/>
+              </a:rPr>
+              <a:t> as a </a:t>
+            </a:r>
+            <a:r>
+              <a:rPr lang="en-US" altLang="ja-JP" sz="2400" b="1" i="0" dirty="0">
+                <a:solidFill>
+                  <a:srgbClr val="FF0000"/>
+                </a:solidFill>
+                <a:effectLst/>
+              </a:rPr>
+              <a:t>single global chart with </a:t>
+            </a:r>
+            <a:r>
+              <a:rPr lang="en-US" altLang="ja-JP" sz="2400" b="1" dirty="0">
+                <a:solidFill>
+                  <a:srgbClr val="FF0000"/>
+                </a:solidFill>
+              </a:rPr>
+              <a:t>coordinate </a:t>
+            </a:r>
+            <a:r>
+              <a:rPr lang="el-GR" altLang="ja-JP" sz="2400" b="0" i="0" dirty="0">
+                <a:effectLst/>
+              </a:rPr>
+              <a:t>θ</a:t>
+            </a:r>
+            <a:r>
+              <a:rPr lang="en-US" altLang="ja-JP" sz="2400" b="0" dirty="0"/>
+              <a:t> in </a:t>
+            </a:r>
+            <a:r>
+              <a:rPr lang="el-GR" altLang="ja-JP" sz="2400" i="0" dirty="0">
+                <a:effectLst/>
+              </a:rPr>
+              <a:t>ϴ</a:t>
+            </a:r>
+            <a:r>
+              <a:rPr lang="en-US" altLang="ja-JP" sz="2400" b="0" dirty="0"/>
+              <a:t> </a:t>
+            </a:r>
+            <a:r>
+              <a:rPr lang="en-US" altLang="ja-JP" sz="2400" i="0" dirty="0">
+                <a:effectLst/>
+              </a:rPr>
+              <a:t>of a manifold: M</a:t>
+            </a:r>
+            <a:r>
+              <a:rPr lang="el-GR" altLang="ja-JP" sz="2400" i="0" baseline="-25000" dirty="0">
+                <a:effectLst/>
+              </a:rPr>
+              <a:t>ϴ</a:t>
+            </a:r>
+            <a:endParaRPr lang="en-US" altLang="ja-JP" sz="2400" i="0" baseline="-25000" dirty="0">
+              <a:effectLst/>
+            </a:endParaRPr>
+          </a:p>
+          <a:p>
+            <a:r>
+              <a:rPr kumimoji="1" lang="en-US" altLang="ja-JP" sz="2400" dirty="0"/>
+              <a:t>Dually flat spaces are single chart manifolds induced by a </a:t>
+            </a:r>
+            <a:r>
+              <a:rPr lang="en-US" altLang="ja-JP" sz="2400" dirty="0"/>
+              <a:t>Legendre-type strictly convex and smooth function defined on a convex domain </a:t>
+            </a:r>
+            <a:r>
+              <a:rPr lang="el-GR" altLang="ja-JP" sz="2400" i="0" dirty="0">
+                <a:effectLst/>
+              </a:rPr>
+              <a:t>ϴ</a:t>
+            </a:r>
+            <a:r>
+              <a:rPr lang="en-US" altLang="ja-JP" sz="2400" i="0" dirty="0">
+                <a:effectLst/>
+              </a:rPr>
+              <a:t>, the </a:t>
+            </a:r>
+            <a:r>
+              <a:rPr lang="en-US" altLang="ja-JP" sz="2400" b="1" i="0" dirty="0">
+                <a:solidFill>
+                  <a:srgbClr val="FF0000"/>
+                </a:solidFill>
+                <a:effectLst/>
+              </a:rPr>
+              <a:t>parameter spaces of statistical models: </a:t>
+            </a:r>
+            <a:r>
+              <a:rPr lang="en-US" altLang="ja-JP" sz="2400" i="0" dirty="0">
+                <a:effectLst/>
+              </a:rPr>
+              <a:t>They are global single chart examples of </a:t>
+            </a:r>
+            <a:r>
+              <a:rPr lang="en-US" altLang="ja-JP" sz="2400" b="1" i="0" dirty="0">
+                <a:solidFill>
+                  <a:srgbClr val="FF0000"/>
+                </a:solidFill>
+                <a:effectLst/>
+              </a:rPr>
+              <a:t>Hessian manifolds</a:t>
+            </a:r>
+            <a:endParaRPr kumimoji="1" lang="ja-JP" altLang="en-US" sz="2400" b="1" dirty="0">
+              <a:solidFill>
+                <a:srgbClr val="FF0000"/>
+              </a:solidFill>
+            </a:endParaRPr>
+          </a:p>
+        </p:txBody>
+      </p:sp>
+      <p:pic>
+        <p:nvPicPr>
+          <p:cNvPr id="1026" name="Picture 2" descr="Information Geometry and Its Applications (Applied Mathematical Sciences,  194): Amari, Shun-ichi: 9784431559771: Amazon.com: Books">
+            <a:extLst>
+              <a:ext uri="{FF2B5EF4-FFF2-40B4-BE49-F238E27FC236}">
+                <a16:creationId xmlns:a16="http://schemas.microsoft.com/office/drawing/2014/main" id="{CB300B17-09F9-3C55-3300-A309EF7784FF}"/>
+              </a:ext>
+            </a:extLst>
+          </p:cNvPr>
+          <p:cNvPicPr>
+            <a:picLocks noChangeAspect="1" noChangeArrowheads="1"/>
+          </p:cNvPicPr>
+          <p:nvPr/>
+        </p:nvPicPr>
+        <p:blipFill>
+          <a:blip r:embed="rId3">
+            <a:extLst>
+              <a:ext uri="{28A0092B-C50C-407E-A947-70E740481C1C}">
+                <a14:useLocalDpi xmlns:a14="http://schemas.microsoft.com/office/drawing/2010/main" val="0"/>
+              </a:ext>
+            </a:extLst>
+          </a:blip>
+          <a:srcRect/>
+          <a:stretch>
+            <a:fillRect/>
+          </a:stretch>
+        </p:blipFill>
+        <p:spPr bwMode="auto">
+          <a:xfrm>
+            <a:off x="1484041" y="3005892"/>
+            <a:ext cx="1960415" cy="2952925"/>
+          </a:xfrm>
+          <a:prstGeom prst="rect">
+            <a:avLst/>
+          </a:prstGeom>
+          <a:noFill/>
+          <a:extLst>
+            <a:ext uri="{909E8E84-426E-40DD-AFC4-6F175D3DCCD1}">
+              <a14:hiddenFill xmlns:a14="http://schemas.microsoft.com/office/drawing/2010/main">
+                <a:solidFill>
+                  <a:srgbClr val="FFFFFF"/>
+                </a:solidFill>
+              </a14:hiddenFill>
+            </a:ext>
+          </a:extLst>
+        </p:spPr>
+      </p:pic>
+      <p:pic>
+        <p:nvPicPr>
+          <p:cNvPr id="1028" name="Picture 4" descr="The Geometry of Hessian Structures : Shima, Hirohiko: Foreign Language  Books - Amazon.co.jp">
+            <a:extLst>
+              <a:ext uri="{FF2B5EF4-FFF2-40B4-BE49-F238E27FC236}">
+                <a16:creationId xmlns:a16="http://schemas.microsoft.com/office/drawing/2014/main" id="{651D9BF4-C3AB-63CA-C68B-0F0EA389D7DD}"/>
+              </a:ext>
+            </a:extLst>
+          </p:cNvPr>
+          <p:cNvPicPr>
+            <a:picLocks noChangeAspect="1" noChangeArrowheads="1"/>
+          </p:cNvPicPr>
+          <p:nvPr/>
+        </p:nvPicPr>
+        <p:blipFill>
+          <a:blip r:embed="rId4">
+            <a:extLst>
+              <a:ext uri="{28A0092B-C50C-407E-A947-70E740481C1C}">
+                <a14:useLocalDpi xmlns:a14="http://schemas.microsoft.com/office/drawing/2010/main" val="0"/>
+              </a:ext>
+            </a:extLst>
+          </a:blip>
+          <a:srcRect/>
+          <a:stretch>
+            <a:fillRect/>
+          </a:stretch>
+        </p:blipFill>
+        <p:spPr bwMode="auto">
+          <a:xfrm>
+            <a:off x="6483561" y="3005892"/>
+            <a:ext cx="1960414" cy="2908307"/>
+          </a:xfrm>
+          <a:prstGeom prst="rect">
+            <a:avLst/>
+          </a:prstGeom>
+          <a:noFill/>
+          <a:extLst>
+            <a:ext uri="{909E8E84-426E-40DD-AFC4-6F175D3DCCD1}">
+              <a14:hiddenFill xmlns:a14="http://schemas.microsoft.com/office/drawing/2010/main">
+                <a:solidFill>
+                  <a:srgbClr val="FFFFFF"/>
+                </a:solidFill>
+              </a14:hiddenFill>
+            </a:ext>
+          </a:extLst>
+        </p:spPr>
+      </p:pic>
+      <p:sp>
+        <p:nvSpPr>
+          <p:cNvPr id="4" name="TextBox 3">
+            <a:extLst>
+              <a:ext uri="{FF2B5EF4-FFF2-40B4-BE49-F238E27FC236}">
+                <a16:creationId xmlns:a16="http://schemas.microsoft.com/office/drawing/2014/main" id="{F855ECBE-A85B-3CEE-EB6C-8290036BBAD9}"/>
+              </a:ext>
+            </a:extLst>
+          </p:cNvPr>
+          <p:cNvSpPr txBox="1"/>
+          <p:nvPr/>
+        </p:nvSpPr>
+        <p:spPr>
+          <a:xfrm>
+            <a:off x="780288" y="5968279"/>
+            <a:ext cx="3490058" cy="830997"/>
+          </a:xfrm>
+          <a:prstGeom prst="rect">
+            <a:avLst/>
+          </a:prstGeom>
+          <a:noFill/>
+        </p:spPr>
+        <p:txBody>
+          <a:bodyPr wrap="none" rtlCol="0">
+            <a:spAutoFit/>
+          </a:bodyPr>
+          <a:lstStyle/>
+          <a:p>
+            <a:pPr algn="ctr"/>
+            <a:r>
+              <a:rPr kumimoji="1" lang="en-US" altLang="ja-JP" sz="2400" b="1" dirty="0">
+                <a:solidFill>
+                  <a:schemeClr val="accent6"/>
+                </a:solidFill>
+              </a:rPr>
+              <a:t>Geometry of domains:</a:t>
+            </a:r>
+          </a:p>
+          <a:p>
+            <a:pPr algn="ctr"/>
+            <a:r>
+              <a:rPr lang="en-US" altLang="ja-JP" sz="2400" b="1" dirty="0">
+                <a:solidFill>
+                  <a:schemeClr val="accent6"/>
+                </a:solidFill>
+              </a:rPr>
+              <a:t>Dually flat spaces</a:t>
+            </a:r>
+            <a:endParaRPr kumimoji="1" lang="ja-JP" altLang="en-US" sz="2400" b="1" dirty="0">
+              <a:solidFill>
+                <a:schemeClr val="accent6"/>
+              </a:solidFill>
+            </a:endParaRPr>
+          </a:p>
+        </p:txBody>
+      </p:sp>
+      <p:sp>
+        <p:nvSpPr>
+          <p:cNvPr id="5" name="TextBox 4">
+            <a:extLst>
+              <a:ext uri="{FF2B5EF4-FFF2-40B4-BE49-F238E27FC236}">
+                <a16:creationId xmlns:a16="http://schemas.microsoft.com/office/drawing/2014/main" id="{12F57D48-A58A-CA04-257B-E312AB2EC094}"/>
+              </a:ext>
+            </a:extLst>
+          </p:cNvPr>
+          <p:cNvSpPr txBox="1"/>
+          <p:nvPr/>
+        </p:nvSpPr>
+        <p:spPr>
+          <a:xfrm>
+            <a:off x="5504688" y="5975640"/>
+            <a:ext cx="3693640" cy="830997"/>
+          </a:xfrm>
+          <a:prstGeom prst="rect">
+            <a:avLst/>
+          </a:prstGeom>
+          <a:noFill/>
+        </p:spPr>
+        <p:txBody>
+          <a:bodyPr wrap="none" rtlCol="0">
+            <a:spAutoFit/>
+          </a:bodyPr>
+          <a:lstStyle/>
+          <a:p>
+            <a:pPr algn="ctr"/>
+            <a:r>
+              <a:rPr kumimoji="1" lang="en-US" altLang="ja-JP" sz="2400" b="1" dirty="0">
+                <a:solidFill>
+                  <a:schemeClr val="accent6"/>
+                </a:solidFill>
+              </a:rPr>
+              <a:t>Geometry of manifolds:</a:t>
+            </a:r>
+          </a:p>
+          <a:p>
+            <a:pPr algn="ctr"/>
+            <a:r>
+              <a:rPr lang="en-US" altLang="ja-JP" sz="2400" b="1" dirty="0">
+                <a:solidFill>
+                  <a:schemeClr val="accent6"/>
+                </a:solidFill>
+              </a:rPr>
+              <a:t>Hessian manifolds</a:t>
+            </a:r>
+            <a:endParaRPr kumimoji="1" lang="ja-JP" altLang="en-US" sz="2400" b="1" dirty="0">
+              <a:solidFill>
+                <a:schemeClr val="accent6"/>
+              </a:solidFill>
+            </a:endParaRPr>
+          </a:p>
+        </p:txBody>
+      </p:sp>
+      <p:pic>
+        <p:nvPicPr>
+          <p:cNvPr id="1030" name="Picture 6" descr="Amazon.co.jp: Progress in Information Geometry: Theory and Applications  (Signals and Communication Technology) : Nielsen, Frank: Foreign Language  Books">
+            <a:extLst>
+              <a:ext uri="{FF2B5EF4-FFF2-40B4-BE49-F238E27FC236}">
+                <a16:creationId xmlns:a16="http://schemas.microsoft.com/office/drawing/2014/main" id="{0F28A831-3FA3-F519-EC30-F87465681CD6}"/>
+              </a:ext>
+            </a:extLst>
+          </p:cNvPr>
+          <p:cNvPicPr>
+            <a:picLocks noChangeAspect="1" noChangeArrowheads="1"/>
+          </p:cNvPicPr>
+          <p:nvPr/>
+        </p:nvPicPr>
+        <p:blipFill>
+          <a:blip r:embed="rId5">
+            <a:extLst>
+              <a:ext uri="{28A0092B-C50C-407E-A947-70E740481C1C}">
+                <a14:useLocalDpi xmlns:a14="http://schemas.microsoft.com/office/drawing/2010/main" val="0"/>
+              </a:ext>
+            </a:extLst>
+          </a:blip>
+          <a:srcRect/>
+          <a:stretch>
+            <a:fillRect/>
+          </a:stretch>
+        </p:blipFill>
+        <p:spPr bwMode="auto">
+          <a:xfrm>
+            <a:off x="10507403" y="4624028"/>
+            <a:ext cx="1302073" cy="1961282"/>
+          </a:xfrm>
+          <a:prstGeom prst="rect">
+            <a:avLst/>
+          </a:prstGeom>
+          <a:noFill/>
+          <a:extLst>
+            <a:ext uri="{909E8E84-426E-40DD-AFC4-6F175D3DCCD1}">
+              <a14:hiddenFill xmlns:a14="http://schemas.microsoft.com/office/drawing/2010/main">
+                <a:solidFill>
+                  <a:srgbClr val="FFFFFF"/>
+                </a:solidFill>
+              </a14:hiddenFill>
+            </a:ext>
+          </a:extLst>
+        </p:spPr>
+      </p:pic>
+    </p:spTree>
+    <p:extLst>
+      <p:ext uri="{BB962C8B-B14F-4D97-AF65-F5344CB8AC3E}">
+        <p14:creationId xmlns:p14="http://schemas.microsoft.com/office/powerpoint/2010/main" val="36081684"/>
+      </p:ext>
+    </p:extLst>
+  </p:cSld>
+  <p:clrMapOvr>
+    <a:masterClrMapping/>
+  </p:clrMapOvr>
+</p:sld>
+</file>
+
+<file path=ppt/slides/slide11.xml><?xml version="1.0" encoding="utf-8"?>
+<p:sld xmlns:a="http://schemas.openxmlformats.org/drawingml/2006/main" xmlns:r="http://schemas.openxmlformats.org/officeDocument/2006/relationships" xmlns:p="http://schemas.openxmlformats.org/presentationml/2006/main">
+  <p:cSld>
+    <p:spTree>
+      <p:nvGrpSpPr>
+        <p:cNvPr id="1" name=""/>
+        <p:cNvGrpSpPr/>
+        <p:nvPr/>
+      </p:nvGrpSpPr>
+      <p:grpSpPr>
+        <a:xfrm>
+          <a:off x="0" y="0"/>
+          <a:ext cx="0" cy="0"/>
+          <a:chOff x="0" y="0"/>
+          <a:chExt cx="0" cy="0"/>
+        </a:xfrm>
+      </p:grpSpPr>
       <p:pic>
         <p:nvPicPr>
           <p:cNvPr id="5" name="Content Placeholder 4" descr="A close-up of a document&#10;&#10;Description automatically generated">
@@ -5030,350 +5776,6 @@
 </p:sld>
 </file>
 
-<file path=ppt/slides/slide11.xml><?xml version="1.0" encoding="utf-8"?>
-<p:sld xmlns:a="http://schemas.openxmlformats.org/drawingml/2006/main" xmlns:r="http://schemas.openxmlformats.org/officeDocument/2006/relationships" xmlns:p="http://schemas.openxmlformats.org/presentationml/2006/main">
-  <p:cSld>
-    <p:spTree>
-      <p:nvGrpSpPr>
-        <p:cNvPr id="1" name=""/>
-        <p:cNvGrpSpPr/>
-        <p:nvPr/>
-      </p:nvGrpSpPr>
-      <p:grpSpPr>
-        <a:xfrm>
-          <a:off x="0" y="0"/>
-          <a:ext cx="0" cy="0"/>
-          <a:chOff x="0" y="0"/>
-          <a:chExt cx="0" cy="0"/>
-        </a:xfrm>
-      </p:grpSpPr>
-      <p:sp>
-        <p:nvSpPr>
-          <p:cNvPr id="2" name="Title 1">
-            <a:extLst>
-              <a:ext uri="{FF2B5EF4-FFF2-40B4-BE49-F238E27FC236}">
-                <a16:creationId xmlns:a16="http://schemas.microsoft.com/office/drawing/2014/main" id="{33353E46-0F50-409A-D44A-A5BF4E9EF8D0}"/>
-              </a:ext>
-            </a:extLst>
-          </p:cNvPr>
-          <p:cNvSpPr>
-            <a:spLocks noGrp="1"/>
-          </p:cNvSpPr>
-          <p:nvPr>
-            <p:ph type="title"/>
-          </p:nvPr>
-        </p:nvSpPr>
-        <p:spPr>
-          <a:xfrm>
-            <a:off x="194387" y="-148058"/>
-            <a:ext cx="10515600" cy="1325563"/>
-          </a:xfrm>
-        </p:spPr>
-        <p:txBody>
-          <a:bodyPr/>
-          <a:lstStyle/>
-          <a:p>
-            <a:r>
-              <a:rPr lang="en-US" altLang="ja-JP" b="1" dirty="0">
-                <a:solidFill>
-                  <a:schemeClr val="accent5"/>
-                </a:solidFill>
-              </a:rPr>
-              <a:t>Origin of the Wasserstein distance</a:t>
-            </a:r>
-            <a:endParaRPr kumimoji="1" lang="ja-JP" altLang="en-US" b="1" dirty="0">
-              <a:solidFill>
-                <a:schemeClr val="accent5"/>
-              </a:solidFill>
-            </a:endParaRPr>
-          </a:p>
-        </p:txBody>
-      </p:sp>
-      <p:pic>
-        <p:nvPicPr>
-          <p:cNvPr id="5" name="Picture 4">
-            <a:extLst>
-              <a:ext uri="{FF2B5EF4-FFF2-40B4-BE49-F238E27FC236}">
-                <a16:creationId xmlns:a16="http://schemas.microsoft.com/office/drawing/2014/main" id="{F7F857D8-F7EF-1233-BEFC-FEB68C4485C1}"/>
-              </a:ext>
-            </a:extLst>
-          </p:cNvPr>
-          <p:cNvPicPr>
-            <a:picLocks noChangeAspect="1"/>
-          </p:cNvPicPr>
-          <p:nvPr/>
-        </p:nvPicPr>
-        <p:blipFill>
-          <a:blip r:embed="rId3"/>
-          <a:stretch>
-            <a:fillRect/>
-          </a:stretch>
-        </p:blipFill>
-        <p:spPr>
-          <a:xfrm>
-            <a:off x="410547" y="3875698"/>
-            <a:ext cx="5061545" cy="1546418"/>
-          </a:xfrm>
-          <a:prstGeom prst="rect">
-            <a:avLst/>
-          </a:prstGeom>
-        </p:spPr>
-      </p:pic>
-      <p:pic>
-        <p:nvPicPr>
-          <p:cNvPr id="7" name="Picture 6">
-            <a:extLst>
-              <a:ext uri="{FF2B5EF4-FFF2-40B4-BE49-F238E27FC236}">
-                <a16:creationId xmlns:a16="http://schemas.microsoft.com/office/drawing/2014/main" id="{59FD0573-43AA-F431-890F-CEB5A4BE847F}"/>
-              </a:ext>
-            </a:extLst>
-          </p:cNvPr>
-          <p:cNvPicPr>
-            <a:picLocks noChangeAspect="1"/>
-          </p:cNvPicPr>
-          <p:nvPr/>
-        </p:nvPicPr>
-        <p:blipFill>
-          <a:blip r:embed="rId4"/>
-          <a:stretch>
-            <a:fillRect/>
-          </a:stretch>
-        </p:blipFill>
-        <p:spPr>
-          <a:xfrm>
-            <a:off x="391027" y="6094715"/>
-            <a:ext cx="5002067" cy="701836"/>
-          </a:xfrm>
-          <a:prstGeom prst="rect">
-            <a:avLst/>
-          </a:prstGeom>
-        </p:spPr>
-      </p:pic>
-      <p:pic>
-        <p:nvPicPr>
-          <p:cNvPr id="9" name="Picture 8">
-            <a:extLst>
-              <a:ext uri="{FF2B5EF4-FFF2-40B4-BE49-F238E27FC236}">
-                <a16:creationId xmlns:a16="http://schemas.microsoft.com/office/drawing/2014/main" id="{1A06CA0B-A010-9527-5928-B9E20BC89DD9}"/>
-              </a:ext>
-            </a:extLst>
-          </p:cNvPr>
-          <p:cNvPicPr>
-            <a:picLocks noChangeAspect="1"/>
-          </p:cNvPicPr>
-          <p:nvPr/>
-        </p:nvPicPr>
-        <p:blipFill>
-          <a:blip r:embed="rId5"/>
-          <a:stretch>
-            <a:fillRect/>
-          </a:stretch>
-        </p:blipFill>
-        <p:spPr>
-          <a:xfrm>
-            <a:off x="720453" y="2732047"/>
-            <a:ext cx="4484612" cy="1165762"/>
-          </a:xfrm>
-          <a:prstGeom prst="rect">
-            <a:avLst/>
-          </a:prstGeom>
-        </p:spPr>
-      </p:pic>
-      <p:sp>
-        <p:nvSpPr>
-          <p:cNvPr id="13" name="TextBox 12">
-            <a:extLst>
-              <a:ext uri="{FF2B5EF4-FFF2-40B4-BE49-F238E27FC236}">
-                <a16:creationId xmlns:a16="http://schemas.microsoft.com/office/drawing/2014/main" id="{4940428B-E06F-FCEE-74EC-DDDDE728578A}"/>
-              </a:ext>
-            </a:extLst>
-          </p:cNvPr>
-          <p:cNvSpPr txBox="1"/>
-          <p:nvPr/>
-        </p:nvSpPr>
-        <p:spPr>
-          <a:xfrm>
-            <a:off x="194387" y="1889726"/>
-            <a:ext cx="5787162" cy="923330"/>
-          </a:xfrm>
-          <a:prstGeom prst="rect">
-            <a:avLst/>
-          </a:prstGeom>
-          <a:noFill/>
-        </p:spPr>
-        <p:txBody>
-          <a:bodyPr wrap="none" rtlCol="0">
-            <a:spAutoFit/>
-          </a:bodyPr>
-          <a:lstStyle/>
-          <a:p>
-            <a:r>
-              <a:rPr lang="en-US" altLang="ja-JP" dirty="0" err="1"/>
-              <a:t>Dobrushin</a:t>
-            </a:r>
-            <a:r>
-              <a:rPr lang="en-US" altLang="ja-JP" dirty="0"/>
-              <a:t> termed the </a:t>
-            </a:r>
-            <a:r>
-              <a:rPr lang="en-US" altLang="ja-JP" b="1" dirty="0" err="1">
-                <a:solidFill>
-                  <a:schemeClr val="accent6"/>
-                </a:solidFill>
-              </a:rPr>
-              <a:t>Vasershtein</a:t>
-            </a:r>
-            <a:r>
-              <a:rPr lang="en-US" altLang="ja-JP" b="1" dirty="0">
-                <a:solidFill>
-                  <a:schemeClr val="accent6"/>
-                </a:solidFill>
-              </a:rPr>
-              <a:t> distance </a:t>
-            </a:r>
-            <a:r>
-              <a:rPr lang="en-US" altLang="ja-JP" dirty="0"/>
-              <a:t>in 1970</a:t>
-            </a:r>
-          </a:p>
-          <a:p>
-            <a:r>
-              <a:rPr lang="en-US" altLang="ja-JP" dirty="0"/>
-              <a:t>citing a paper of </a:t>
-            </a:r>
-            <a:r>
-              <a:rPr lang="en-US" altLang="ja-JP" dirty="0" err="1"/>
-              <a:t>Vasershtein</a:t>
-            </a:r>
-            <a:r>
-              <a:rPr lang="en-US" altLang="ja-JP" dirty="0"/>
-              <a:t> 1969:</a:t>
-            </a:r>
-          </a:p>
-          <a:p>
-            <a:endParaRPr kumimoji="1" lang="ja-JP" altLang="en-US" dirty="0"/>
-          </a:p>
-        </p:txBody>
-      </p:sp>
-      <p:sp>
-        <p:nvSpPr>
-          <p:cNvPr id="14" name="TextBox 13">
-            <a:extLst>
-              <a:ext uri="{FF2B5EF4-FFF2-40B4-BE49-F238E27FC236}">
-                <a16:creationId xmlns:a16="http://schemas.microsoft.com/office/drawing/2014/main" id="{F86AD0B0-8000-E650-55B6-AF0B32F20B31}"/>
-              </a:ext>
-            </a:extLst>
-          </p:cNvPr>
-          <p:cNvSpPr txBox="1"/>
-          <p:nvPr/>
-        </p:nvSpPr>
-        <p:spPr>
-          <a:xfrm>
-            <a:off x="6652880" y="1939089"/>
-            <a:ext cx="5344733" cy="369332"/>
-          </a:xfrm>
-          <a:prstGeom prst="rect">
-            <a:avLst/>
-          </a:prstGeom>
-          <a:noFill/>
-        </p:spPr>
-        <p:txBody>
-          <a:bodyPr wrap="none" rtlCol="0">
-            <a:spAutoFit/>
-          </a:bodyPr>
-          <a:lstStyle/>
-          <a:p>
-            <a:r>
-              <a:rPr lang="en-US" altLang="ja-JP" dirty="0"/>
-              <a:t>But first definition given by Kantorovich in 1939:</a:t>
-            </a:r>
-            <a:endParaRPr kumimoji="1" lang="ja-JP" altLang="en-US" dirty="0"/>
-          </a:p>
-        </p:txBody>
-      </p:sp>
-      <p:pic>
-        <p:nvPicPr>
-          <p:cNvPr id="18" name="Picture 17">
-            <a:extLst>
-              <a:ext uri="{FF2B5EF4-FFF2-40B4-BE49-F238E27FC236}">
-                <a16:creationId xmlns:a16="http://schemas.microsoft.com/office/drawing/2014/main" id="{109665C2-1084-135A-6717-9A40050A9CAB}"/>
-              </a:ext>
-            </a:extLst>
-          </p:cNvPr>
-          <p:cNvPicPr>
-            <a:picLocks noChangeAspect="1"/>
-          </p:cNvPicPr>
-          <p:nvPr/>
-        </p:nvPicPr>
-        <p:blipFill>
-          <a:blip r:embed="rId6"/>
-          <a:stretch>
-            <a:fillRect/>
-          </a:stretch>
-        </p:blipFill>
-        <p:spPr>
-          <a:xfrm>
-            <a:off x="6251821" y="2458897"/>
-            <a:ext cx="5276183" cy="4399103"/>
-          </a:xfrm>
-          <a:prstGeom prst="rect">
-            <a:avLst/>
-          </a:prstGeom>
-        </p:spPr>
-      </p:pic>
-      <p:sp>
-        <p:nvSpPr>
-          <p:cNvPr id="20" name="TextBox 19">
-            <a:extLst>
-              <a:ext uri="{FF2B5EF4-FFF2-40B4-BE49-F238E27FC236}">
-                <a16:creationId xmlns:a16="http://schemas.microsoft.com/office/drawing/2014/main" id="{3D4F3B7F-DA19-C75C-7677-9242A382D652}"/>
-              </a:ext>
-            </a:extLst>
-          </p:cNvPr>
-          <p:cNvSpPr txBox="1"/>
-          <p:nvPr/>
-        </p:nvSpPr>
-        <p:spPr>
-          <a:xfrm>
-            <a:off x="187730" y="1144472"/>
-            <a:ext cx="12004270" cy="523220"/>
-          </a:xfrm>
-          <a:prstGeom prst="rect">
-            <a:avLst/>
-          </a:prstGeom>
-          <a:noFill/>
-        </p:spPr>
-        <p:txBody>
-          <a:bodyPr wrap="square">
-            <a:spAutoFit/>
-          </a:bodyPr>
-          <a:lstStyle/>
-          <a:p>
-            <a:r>
-              <a:rPr kumimoji="1" lang="en-US" altLang="ja-JP" sz="2800" b="1" dirty="0">
-                <a:latin typeface="Arial Narrow" panose="020B0606020202030204" pitchFamily="34" charset="0"/>
-              </a:rPr>
-              <a:t>Stigler law of eponymy:  No scientific discovery is named after its original discover!</a:t>
-            </a:r>
-            <a:endParaRPr kumimoji="1" lang="ja-JP" altLang="en-US" sz="2800" b="1" dirty="0">
-              <a:latin typeface="Arial Narrow" panose="020B0606020202030204" pitchFamily="34" charset="0"/>
-            </a:endParaRPr>
-          </a:p>
-        </p:txBody>
-      </p:sp>
-    </p:spTree>
-    <p:extLst>
-      <p:ext uri="{BB962C8B-B14F-4D97-AF65-F5344CB8AC3E}">
-        <p14:creationId xmlns:p14="http://schemas.microsoft.com/office/powerpoint/2010/main" val="3400802647"/>
-      </p:ext>
-    </p:extLst>
-  </p:cSld>
-  <p:clrMapOvr>
-    <a:masterClrMapping/>
-  </p:clrMapOvr>
-</p:sld>
-</file>
-
 <file path=ppt/slides/slide12.xml><?xml version="1.0" encoding="utf-8"?>
 <p:sld xmlns:a="http://schemas.openxmlformats.org/drawingml/2006/main" xmlns:r="http://schemas.openxmlformats.org/officeDocument/2006/relationships" xmlns:p="http://schemas.openxmlformats.org/presentationml/2006/main">
   <p:cSld>
@@ -5396,6 +5798,350 @@
           <p:cNvPr id="2" name="Title 1">
             <a:extLst>
               <a:ext uri="{FF2B5EF4-FFF2-40B4-BE49-F238E27FC236}">
+                <a16:creationId xmlns:a16="http://schemas.microsoft.com/office/drawing/2014/main" id="{33353E46-0F50-409A-D44A-A5BF4E9EF8D0}"/>
+              </a:ext>
+            </a:extLst>
+          </p:cNvPr>
+          <p:cNvSpPr>
+            <a:spLocks noGrp="1"/>
+          </p:cNvSpPr>
+          <p:nvPr>
+            <p:ph type="title"/>
+          </p:nvPr>
+        </p:nvSpPr>
+        <p:spPr>
+          <a:xfrm>
+            <a:off x="194387" y="-148058"/>
+            <a:ext cx="10515600" cy="1325563"/>
+          </a:xfrm>
+        </p:spPr>
+        <p:txBody>
+          <a:bodyPr/>
+          <a:lstStyle/>
+          <a:p>
+            <a:r>
+              <a:rPr lang="en-US" altLang="ja-JP" b="1" dirty="0">
+                <a:solidFill>
+                  <a:schemeClr val="accent5"/>
+                </a:solidFill>
+              </a:rPr>
+              <a:t>Origin of the Wasserstein distance</a:t>
+            </a:r>
+            <a:endParaRPr kumimoji="1" lang="ja-JP" altLang="en-US" b="1" dirty="0">
+              <a:solidFill>
+                <a:schemeClr val="accent5"/>
+              </a:solidFill>
+            </a:endParaRPr>
+          </a:p>
+        </p:txBody>
+      </p:sp>
+      <p:pic>
+        <p:nvPicPr>
+          <p:cNvPr id="5" name="Picture 4">
+            <a:extLst>
+              <a:ext uri="{FF2B5EF4-FFF2-40B4-BE49-F238E27FC236}">
+                <a16:creationId xmlns:a16="http://schemas.microsoft.com/office/drawing/2014/main" id="{F7F857D8-F7EF-1233-BEFC-FEB68C4485C1}"/>
+              </a:ext>
+            </a:extLst>
+          </p:cNvPr>
+          <p:cNvPicPr>
+            <a:picLocks noChangeAspect="1"/>
+          </p:cNvPicPr>
+          <p:nvPr/>
+        </p:nvPicPr>
+        <p:blipFill>
+          <a:blip r:embed="rId3"/>
+          <a:stretch>
+            <a:fillRect/>
+          </a:stretch>
+        </p:blipFill>
+        <p:spPr>
+          <a:xfrm>
+            <a:off x="410547" y="3875698"/>
+            <a:ext cx="5061545" cy="1546418"/>
+          </a:xfrm>
+          <a:prstGeom prst="rect">
+            <a:avLst/>
+          </a:prstGeom>
+        </p:spPr>
+      </p:pic>
+      <p:pic>
+        <p:nvPicPr>
+          <p:cNvPr id="7" name="Picture 6">
+            <a:extLst>
+              <a:ext uri="{FF2B5EF4-FFF2-40B4-BE49-F238E27FC236}">
+                <a16:creationId xmlns:a16="http://schemas.microsoft.com/office/drawing/2014/main" id="{59FD0573-43AA-F431-890F-CEB5A4BE847F}"/>
+              </a:ext>
+            </a:extLst>
+          </p:cNvPr>
+          <p:cNvPicPr>
+            <a:picLocks noChangeAspect="1"/>
+          </p:cNvPicPr>
+          <p:nvPr/>
+        </p:nvPicPr>
+        <p:blipFill>
+          <a:blip r:embed="rId4"/>
+          <a:stretch>
+            <a:fillRect/>
+          </a:stretch>
+        </p:blipFill>
+        <p:spPr>
+          <a:xfrm>
+            <a:off x="391027" y="6094715"/>
+            <a:ext cx="5002067" cy="701836"/>
+          </a:xfrm>
+          <a:prstGeom prst="rect">
+            <a:avLst/>
+          </a:prstGeom>
+        </p:spPr>
+      </p:pic>
+      <p:pic>
+        <p:nvPicPr>
+          <p:cNvPr id="9" name="Picture 8">
+            <a:extLst>
+              <a:ext uri="{FF2B5EF4-FFF2-40B4-BE49-F238E27FC236}">
+                <a16:creationId xmlns:a16="http://schemas.microsoft.com/office/drawing/2014/main" id="{1A06CA0B-A010-9527-5928-B9E20BC89DD9}"/>
+              </a:ext>
+            </a:extLst>
+          </p:cNvPr>
+          <p:cNvPicPr>
+            <a:picLocks noChangeAspect="1"/>
+          </p:cNvPicPr>
+          <p:nvPr/>
+        </p:nvPicPr>
+        <p:blipFill>
+          <a:blip r:embed="rId5"/>
+          <a:stretch>
+            <a:fillRect/>
+          </a:stretch>
+        </p:blipFill>
+        <p:spPr>
+          <a:xfrm>
+            <a:off x="720453" y="2732047"/>
+            <a:ext cx="4484612" cy="1165762"/>
+          </a:xfrm>
+          <a:prstGeom prst="rect">
+            <a:avLst/>
+          </a:prstGeom>
+        </p:spPr>
+      </p:pic>
+      <p:sp>
+        <p:nvSpPr>
+          <p:cNvPr id="13" name="TextBox 12">
+            <a:extLst>
+              <a:ext uri="{FF2B5EF4-FFF2-40B4-BE49-F238E27FC236}">
+                <a16:creationId xmlns:a16="http://schemas.microsoft.com/office/drawing/2014/main" id="{4940428B-E06F-FCEE-74EC-DDDDE728578A}"/>
+              </a:ext>
+            </a:extLst>
+          </p:cNvPr>
+          <p:cNvSpPr txBox="1"/>
+          <p:nvPr/>
+        </p:nvSpPr>
+        <p:spPr>
+          <a:xfrm>
+            <a:off x="194387" y="1889726"/>
+            <a:ext cx="5787162" cy="923330"/>
+          </a:xfrm>
+          <a:prstGeom prst="rect">
+            <a:avLst/>
+          </a:prstGeom>
+          <a:noFill/>
+        </p:spPr>
+        <p:txBody>
+          <a:bodyPr wrap="none" rtlCol="0">
+            <a:spAutoFit/>
+          </a:bodyPr>
+          <a:lstStyle/>
+          <a:p>
+            <a:r>
+              <a:rPr lang="en-US" altLang="ja-JP" dirty="0" err="1"/>
+              <a:t>Dobrushin</a:t>
+            </a:r>
+            <a:r>
+              <a:rPr lang="en-US" altLang="ja-JP" dirty="0"/>
+              <a:t> termed the </a:t>
+            </a:r>
+            <a:r>
+              <a:rPr lang="en-US" altLang="ja-JP" b="1" dirty="0" err="1">
+                <a:solidFill>
+                  <a:schemeClr val="accent6"/>
+                </a:solidFill>
+              </a:rPr>
+              <a:t>Vasershtein</a:t>
+            </a:r>
+            <a:r>
+              <a:rPr lang="en-US" altLang="ja-JP" b="1" dirty="0">
+                <a:solidFill>
+                  <a:schemeClr val="accent6"/>
+                </a:solidFill>
+              </a:rPr>
+              <a:t> distance </a:t>
+            </a:r>
+            <a:r>
+              <a:rPr lang="en-US" altLang="ja-JP" dirty="0"/>
+              <a:t>in 1970</a:t>
+            </a:r>
+          </a:p>
+          <a:p>
+            <a:r>
+              <a:rPr lang="en-US" altLang="ja-JP" dirty="0"/>
+              <a:t>citing a paper of </a:t>
+            </a:r>
+            <a:r>
+              <a:rPr lang="en-US" altLang="ja-JP" dirty="0" err="1"/>
+              <a:t>Vasershtein</a:t>
+            </a:r>
+            <a:r>
+              <a:rPr lang="en-US" altLang="ja-JP" dirty="0"/>
+              <a:t> 1969:</a:t>
+            </a:r>
+          </a:p>
+          <a:p>
+            <a:endParaRPr kumimoji="1" lang="ja-JP" altLang="en-US" dirty="0"/>
+          </a:p>
+        </p:txBody>
+      </p:sp>
+      <p:sp>
+        <p:nvSpPr>
+          <p:cNvPr id="14" name="TextBox 13">
+            <a:extLst>
+              <a:ext uri="{FF2B5EF4-FFF2-40B4-BE49-F238E27FC236}">
+                <a16:creationId xmlns:a16="http://schemas.microsoft.com/office/drawing/2014/main" id="{F86AD0B0-8000-E650-55B6-AF0B32F20B31}"/>
+              </a:ext>
+            </a:extLst>
+          </p:cNvPr>
+          <p:cNvSpPr txBox="1"/>
+          <p:nvPr/>
+        </p:nvSpPr>
+        <p:spPr>
+          <a:xfrm>
+            <a:off x="6652880" y="1939089"/>
+            <a:ext cx="5344733" cy="369332"/>
+          </a:xfrm>
+          <a:prstGeom prst="rect">
+            <a:avLst/>
+          </a:prstGeom>
+          <a:noFill/>
+        </p:spPr>
+        <p:txBody>
+          <a:bodyPr wrap="none" rtlCol="0">
+            <a:spAutoFit/>
+          </a:bodyPr>
+          <a:lstStyle/>
+          <a:p>
+            <a:r>
+              <a:rPr lang="en-US" altLang="ja-JP" dirty="0"/>
+              <a:t>But first definition given by Kantorovich in 1939:</a:t>
+            </a:r>
+            <a:endParaRPr kumimoji="1" lang="ja-JP" altLang="en-US" dirty="0"/>
+          </a:p>
+        </p:txBody>
+      </p:sp>
+      <p:pic>
+        <p:nvPicPr>
+          <p:cNvPr id="18" name="Picture 17">
+            <a:extLst>
+              <a:ext uri="{FF2B5EF4-FFF2-40B4-BE49-F238E27FC236}">
+                <a16:creationId xmlns:a16="http://schemas.microsoft.com/office/drawing/2014/main" id="{109665C2-1084-135A-6717-9A40050A9CAB}"/>
+              </a:ext>
+            </a:extLst>
+          </p:cNvPr>
+          <p:cNvPicPr>
+            <a:picLocks noChangeAspect="1"/>
+          </p:cNvPicPr>
+          <p:nvPr/>
+        </p:nvPicPr>
+        <p:blipFill>
+          <a:blip r:embed="rId6"/>
+          <a:stretch>
+            <a:fillRect/>
+          </a:stretch>
+        </p:blipFill>
+        <p:spPr>
+          <a:xfrm>
+            <a:off x="6251821" y="2458897"/>
+            <a:ext cx="5276183" cy="4399103"/>
+          </a:xfrm>
+          <a:prstGeom prst="rect">
+            <a:avLst/>
+          </a:prstGeom>
+        </p:spPr>
+      </p:pic>
+      <p:sp>
+        <p:nvSpPr>
+          <p:cNvPr id="20" name="TextBox 19">
+            <a:extLst>
+              <a:ext uri="{FF2B5EF4-FFF2-40B4-BE49-F238E27FC236}">
+                <a16:creationId xmlns:a16="http://schemas.microsoft.com/office/drawing/2014/main" id="{3D4F3B7F-DA19-C75C-7677-9242A382D652}"/>
+              </a:ext>
+            </a:extLst>
+          </p:cNvPr>
+          <p:cNvSpPr txBox="1"/>
+          <p:nvPr/>
+        </p:nvSpPr>
+        <p:spPr>
+          <a:xfrm>
+            <a:off x="187730" y="1144472"/>
+            <a:ext cx="12004270" cy="523220"/>
+          </a:xfrm>
+          <a:prstGeom prst="rect">
+            <a:avLst/>
+          </a:prstGeom>
+          <a:noFill/>
+        </p:spPr>
+        <p:txBody>
+          <a:bodyPr wrap="square">
+            <a:spAutoFit/>
+          </a:bodyPr>
+          <a:lstStyle/>
+          <a:p>
+            <a:r>
+              <a:rPr kumimoji="1" lang="en-US" altLang="ja-JP" sz="2800" b="1" dirty="0">
+                <a:latin typeface="Arial Narrow" panose="020B0606020202030204" pitchFamily="34" charset="0"/>
+              </a:rPr>
+              <a:t>Stigler law of eponymy:  No scientific discovery is named after its original discover!</a:t>
+            </a:r>
+            <a:endParaRPr kumimoji="1" lang="ja-JP" altLang="en-US" sz="2800" b="1" dirty="0">
+              <a:latin typeface="Arial Narrow" panose="020B0606020202030204" pitchFamily="34" charset="0"/>
+            </a:endParaRPr>
+          </a:p>
+        </p:txBody>
+      </p:sp>
+    </p:spTree>
+    <p:extLst>
+      <p:ext uri="{BB962C8B-B14F-4D97-AF65-F5344CB8AC3E}">
+        <p14:creationId xmlns:p14="http://schemas.microsoft.com/office/powerpoint/2010/main" val="3400802647"/>
+      </p:ext>
+    </p:extLst>
+  </p:cSld>
+  <p:clrMapOvr>
+    <a:masterClrMapping/>
+  </p:clrMapOvr>
+</p:sld>
+</file>
+
+<file path=ppt/slides/slide13.xml><?xml version="1.0" encoding="utf-8"?>
+<p:sld xmlns:a="http://schemas.openxmlformats.org/drawingml/2006/main" xmlns:r="http://schemas.openxmlformats.org/officeDocument/2006/relationships" xmlns:p="http://schemas.openxmlformats.org/presentationml/2006/main">
+  <p:cSld>
+    <p:spTree>
+      <p:nvGrpSpPr>
+        <p:cNvPr id="1" name=""/>
+        <p:cNvGrpSpPr/>
+        <p:nvPr/>
+      </p:nvGrpSpPr>
+      <p:grpSpPr>
+        <a:xfrm>
+          <a:off x="0" y="0"/>
+          <a:ext cx="0" cy="0"/>
+          <a:chOff x="0" y="0"/>
+          <a:chExt cx="0" cy="0"/>
+        </a:xfrm>
+      </p:grpSpPr>
+      <p:sp>
+        <p:nvSpPr>
+          <p:cNvPr id="2" name="Title 1">
+            <a:extLst>
+              <a:ext uri="{FF2B5EF4-FFF2-40B4-BE49-F238E27FC236}">
                 <a16:creationId xmlns:a16="http://schemas.microsoft.com/office/drawing/2014/main" id="{F81817B6-4EBD-94BB-7ACE-6B5683ED4C16}"/>
               </a:ext>
             </a:extLst>
@@ -5491,6 +6237,375 @@
     <p:extLst>
       <p:ext uri="{BB962C8B-B14F-4D97-AF65-F5344CB8AC3E}">
         <p14:creationId xmlns:p14="http://schemas.microsoft.com/office/powerpoint/2010/main" val="2092693158"/>
+      </p:ext>
+    </p:extLst>
+  </p:cSld>
+  <p:clrMapOvr>
+    <a:masterClrMapping/>
+  </p:clrMapOvr>
+</p:sld>
+</file>
+
+<file path=ppt/slides/slide14.xml><?xml version="1.0" encoding="utf-8"?>
+<p:sld xmlns:a="http://schemas.openxmlformats.org/drawingml/2006/main" xmlns:r="http://schemas.openxmlformats.org/officeDocument/2006/relationships" xmlns:p="http://schemas.openxmlformats.org/presentationml/2006/main">
+  <p:cSld>
+    <p:spTree>
+      <p:nvGrpSpPr>
+        <p:cNvPr id="1" name=""/>
+        <p:cNvGrpSpPr/>
+        <p:nvPr/>
+      </p:nvGrpSpPr>
+      <p:grpSpPr>
+        <a:xfrm>
+          <a:off x="0" y="0"/>
+          <a:ext cx="0" cy="0"/>
+          <a:chOff x="0" y="0"/>
+          <a:chExt cx="0" cy="0"/>
+        </a:xfrm>
+      </p:grpSpPr>
+      <p:sp>
+        <p:nvSpPr>
+          <p:cNvPr id="2" name="Title 1">
+            <a:extLst>
+              <a:ext uri="{FF2B5EF4-FFF2-40B4-BE49-F238E27FC236}">
+                <a16:creationId xmlns:a16="http://schemas.microsoft.com/office/drawing/2014/main" id="{CC9CDD81-21D7-78A8-4979-995100E07A76}"/>
+              </a:ext>
+            </a:extLst>
+          </p:cNvPr>
+          <p:cNvSpPr>
+            <a:spLocks noGrp="1"/>
+          </p:cNvSpPr>
+          <p:nvPr>
+            <p:ph type="title"/>
+          </p:nvPr>
+        </p:nvSpPr>
+        <p:spPr/>
+        <p:txBody>
+          <a:bodyPr/>
+          <a:lstStyle/>
+          <a:p>
+            <a:endParaRPr kumimoji="1" lang="ja-JP" altLang="en-US"/>
+          </a:p>
+        </p:txBody>
+      </p:sp>
+      <p:sp>
+        <p:nvSpPr>
+          <p:cNvPr id="3" name="Content Placeholder 2">
+            <a:extLst>
+              <a:ext uri="{FF2B5EF4-FFF2-40B4-BE49-F238E27FC236}">
+                <a16:creationId xmlns:a16="http://schemas.microsoft.com/office/drawing/2014/main" id="{FB7206E6-25F3-89D5-59B2-9EBCC89DE6D1}"/>
+              </a:ext>
+            </a:extLst>
+          </p:cNvPr>
+          <p:cNvSpPr>
+            <a:spLocks noGrp="1"/>
+          </p:cNvSpPr>
+          <p:nvPr>
+            <p:ph idx="1"/>
+          </p:nvPr>
+        </p:nvSpPr>
+        <p:spPr/>
+        <p:txBody>
+          <a:bodyPr/>
+          <a:lstStyle/>
+          <a:p>
+            <a:endParaRPr kumimoji="1" lang="ja-JP" altLang="en-US"/>
+          </a:p>
+        </p:txBody>
+      </p:sp>
+      <p:pic>
+        <p:nvPicPr>
+          <p:cNvPr id="1026" name="Picture 2">
+            <a:extLst>
+              <a:ext uri="{FF2B5EF4-FFF2-40B4-BE49-F238E27FC236}">
+                <a16:creationId xmlns:a16="http://schemas.microsoft.com/office/drawing/2014/main" id="{89D41F4C-029A-AE31-F3D9-D014BD63F4D4}"/>
+              </a:ext>
+            </a:extLst>
+          </p:cNvPr>
+          <p:cNvPicPr>
+            <a:picLocks noChangeAspect="1" noChangeArrowheads="1"/>
+          </p:cNvPicPr>
+          <p:nvPr/>
+        </p:nvPicPr>
+        <p:blipFill>
+          <a:blip r:embed="rId2">
+            <a:extLst>
+              <a:ext uri="{28A0092B-C50C-407E-A947-70E740481C1C}">
+                <a14:useLocalDpi xmlns:a14="http://schemas.microsoft.com/office/drawing/2010/main" val="0"/>
+              </a:ext>
+            </a:extLst>
+          </a:blip>
+          <a:srcRect/>
+          <a:stretch>
+            <a:fillRect/>
+          </a:stretch>
+        </p:blipFill>
+        <p:spPr bwMode="auto">
+          <a:xfrm>
+            <a:off x="698727" y="0"/>
+            <a:ext cx="4522787" cy="6858000"/>
+          </a:xfrm>
+          <a:prstGeom prst="rect">
+            <a:avLst/>
+          </a:prstGeom>
+          <a:noFill/>
+          <a:extLst>
+            <a:ext uri="{909E8E84-426E-40DD-AFC4-6F175D3DCCD1}">
+              <a14:hiddenFill xmlns:a14="http://schemas.microsoft.com/office/drawing/2010/main">
+                <a:solidFill>
+                  <a:srgbClr val="FFFFFF"/>
+                </a:solidFill>
+              </a14:hiddenFill>
+            </a:ext>
+          </a:extLst>
+        </p:spPr>
+      </p:pic>
+    </p:spTree>
+    <p:extLst>
+      <p:ext uri="{BB962C8B-B14F-4D97-AF65-F5344CB8AC3E}">
+        <p14:creationId xmlns:p14="http://schemas.microsoft.com/office/powerpoint/2010/main" val="3602650496"/>
+      </p:ext>
+    </p:extLst>
+  </p:cSld>
+  <p:clrMapOvr>
+    <a:masterClrMapping/>
+  </p:clrMapOvr>
+</p:sld>
+</file>
+
+<file path=ppt/slides/slide15.xml><?xml version="1.0" encoding="utf-8"?>
+<p:sld xmlns:a="http://schemas.openxmlformats.org/drawingml/2006/main" xmlns:r="http://schemas.openxmlformats.org/officeDocument/2006/relationships" xmlns:p="http://schemas.openxmlformats.org/presentationml/2006/main">
+  <p:cSld>
+    <p:spTree>
+      <p:nvGrpSpPr>
+        <p:cNvPr id="1" name=""/>
+        <p:cNvGrpSpPr/>
+        <p:nvPr/>
+      </p:nvGrpSpPr>
+      <p:grpSpPr>
+        <a:xfrm>
+          <a:off x="0" y="0"/>
+          <a:ext cx="0" cy="0"/>
+          <a:chOff x="0" y="0"/>
+          <a:chExt cx="0" cy="0"/>
+        </a:xfrm>
+      </p:grpSpPr>
+      <p:sp>
+        <p:nvSpPr>
+          <p:cNvPr id="2" name="Title 1">
+            <a:extLst>
+              <a:ext uri="{FF2B5EF4-FFF2-40B4-BE49-F238E27FC236}">
+                <a16:creationId xmlns:a16="http://schemas.microsoft.com/office/drawing/2014/main" id="{A14D2A16-4F3A-F244-A090-FD9F68A15A7A}"/>
+              </a:ext>
+            </a:extLst>
+          </p:cNvPr>
+          <p:cNvSpPr>
+            <a:spLocks noGrp="1"/>
+          </p:cNvSpPr>
+          <p:nvPr>
+            <p:ph type="title"/>
+          </p:nvPr>
+        </p:nvSpPr>
+        <p:spPr/>
+        <p:txBody>
+          <a:bodyPr/>
+          <a:lstStyle/>
+          <a:p>
+            <a:endParaRPr kumimoji="1" lang="ja-JP" altLang="en-US"/>
+          </a:p>
+        </p:txBody>
+      </p:sp>
+      <p:sp>
+        <p:nvSpPr>
+          <p:cNvPr id="3" name="Content Placeholder 2">
+            <a:extLst>
+              <a:ext uri="{FF2B5EF4-FFF2-40B4-BE49-F238E27FC236}">
+                <a16:creationId xmlns:a16="http://schemas.microsoft.com/office/drawing/2014/main" id="{F01CA75A-ECCA-28F6-D3FF-1B92FB5ACA97}"/>
+              </a:ext>
+            </a:extLst>
+          </p:cNvPr>
+          <p:cNvSpPr>
+            <a:spLocks noGrp="1"/>
+          </p:cNvSpPr>
+          <p:nvPr>
+            <p:ph idx="1"/>
+          </p:nvPr>
+        </p:nvSpPr>
+        <p:spPr/>
+        <p:txBody>
+          <a:bodyPr/>
+          <a:lstStyle/>
+          <a:p>
+            <a:endParaRPr kumimoji="1" lang="ja-JP" altLang="en-US"/>
+          </a:p>
+        </p:txBody>
+      </p:sp>
+      <p:pic>
+        <p:nvPicPr>
+          <p:cNvPr id="5" name="Picture 4">
+            <a:extLst>
+              <a:ext uri="{FF2B5EF4-FFF2-40B4-BE49-F238E27FC236}">
+                <a16:creationId xmlns:a16="http://schemas.microsoft.com/office/drawing/2014/main" id="{52190C54-5FD3-F949-F4AA-C582A38F860D}"/>
+              </a:ext>
+            </a:extLst>
+          </p:cNvPr>
+          <p:cNvPicPr>
+            <a:picLocks noChangeAspect="1"/>
+          </p:cNvPicPr>
+          <p:nvPr/>
+        </p:nvPicPr>
+        <p:blipFill>
+          <a:blip r:embed="rId2"/>
+          <a:stretch>
+            <a:fillRect/>
+          </a:stretch>
+        </p:blipFill>
+        <p:spPr>
+          <a:xfrm>
+            <a:off x="0" y="0"/>
+            <a:ext cx="7709589" cy="2308679"/>
+          </a:xfrm>
+          <a:prstGeom prst="rect">
+            <a:avLst/>
+          </a:prstGeom>
+        </p:spPr>
+      </p:pic>
+      <p:pic>
+        <p:nvPicPr>
+          <p:cNvPr id="7" name="Picture 6">
+            <a:extLst>
+              <a:ext uri="{FF2B5EF4-FFF2-40B4-BE49-F238E27FC236}">
+                <a16:creationId xmlns:a16="http://schemas.microsoft.com/office/drawing/2014/main" id="{38F30E80-33FE-390E-33F0-BFC4C85F0BD1}"/>
+              </a:ext>
+            </a:extLst>
+          </p:cNvPr>
+          <p:cNvPicPr>
+            <a:picLocks noChangeAspect="1"/>
+          </p:cNvPicPr>
+          <p:nvPr/>
+        </p:nvPicPr>
+        <p:blipFill>
+          <a:blip r:embed="rId3"/>
+          <a:stretch>
+            <a:fillRect/>
+          </a:stretch>
+        </p:blipFill>
+        <p:spPr>
+          <a:xfrm>
+            <a:off x="6891569" y="0"/>
+            <a:ext cx="5280251" cy="3361910"/>
+          </a:xfrm>
+          <a:prstGeom prst="rect">
+            <a:avLst/>
+          </a:prstGeom>
+        </p:spPr>
+      </p:pic>
+      <p:pic>
+        <p:nvPicPr>
+          <p:cNvPr id="9" name="Picture 8">
+            <a:extLst>
+              <a:ext uri="{FF2B5EF4-FFF2-40B4-BE49-F238E27FC236}">
+                <a16:creationId xmlns:a16="http://schemas.microsoft.com/office/drawing/2014/main" id="{427171A0-5330-564D-8CA2-F1BC078CE2BC}"/>
+              </a:ext>
+            </a:extLst>
+          </p:cNvPr>
+          <p:cNvPicPr>
+            <a:picLocks noChangeAspect="1"/>
+          </p:cNvPicPr>
+          <p:nvPr/>
+        </p:nvPicPr>
+        <p:blipFill>
+          <a:blip r:embed="rId4"/>
+          <a:stretch>
+            <a:fillRect/>
+          </a:stretch>
+        </p:blipFill>
+        <p:spPr>
+          <a:xfrm>
+            <a:off x="6744381" y="3429000"/>
+            <a:ext cx="5447619" cy="3282959"/>
+          </a:xfrm>
+          <a:prstGeom prst="rect">
+            <a:avLst/>
+          </a:prstGeom>
+        </p:spPr>
+      </p:pic>
+      <p:pic>
+        <p:nvPicPr>
+          <p:cNvPr id="11" name="Picture 10">
+            <a:extLst>
+              <a:ext uri="{FF2B5EF4-FFF2-40B4-BE49-F238E27FC236}">
+                <a16:creationId xmlns:a16="http://schemas.microsoft.com/office/drawing/2014/main" id="{9D501267-8E07-09C3-7889-67A93C5BDA70}"/>
+              </a:ext>
+            </a:extLst>
+          </p:cNvPr>
+          <p:cNvPicPr>
+            <a:picLocks noChangeAspect="1"/>
+          </p:cNvPicPr>
+          <p:nvPr/>
+        </p:nvPicPr>
+        <p:blipFill>
+          <a:blip r:embed="rId5"/>
+          <a:stretch>
+            <a:fillRect/>
+          </a:stretch>
+        </p:blipFill>
+        <p:spPr>
+          <a:xfrm>
+            <a:off x="-76424" y="2673804"/>
+            <a:ext cx="7044418" cy="1682343"/>
+          </a:xfrm>
+          <a:prstGeom prst="rect">
+            <a:avLst/>
+          </a:prstGeom>
+        </p:spPr>
+      </p:pic>
+      <p:sp>
+        <p:nvSpPr>
+          <p:cNvPr id="12" name="TextBox 11">
+            <a:extLst>
+              <a:ext uri="{FF2B5EF4-FFF2-40B4-BE49-F238E27FC236}">
+                <a16:creationId xmlns:a16="http://schemas.microsoft.com/office/drawing/2014/main" id="{BA21DFDB-8919-2632-C076-8D43A78D78BA}"/>
+              </a:ext>
+            </a:extLst>
+          </p:cNvPr>
+          <p:cNvSpPr txBox="1"/>
+          <p:nvPr/>
+        </p:nvSpPr>
+        <p:spPr>
+          <a:xfrm>
+            <a:off x="8469086" y="4114800"/>
+            <a:ext cx="3193503" cy="646331"/>
+          </a:xfrm>
+          <a:prstGeom prst="rect">
+            <a:avLst/>
+          </a:prstGeom>
+          <a:noFill/>
+        </p:spPr>
+        <p:txBody>
+          <a:bodyPr wrap="none" rtlCol="0">
+            <a:spAutoFit/>
+          </a:bodyPr>
+          <a:lstStyle/>
+          <a:p>
+            <a:r>
+              <a:rPr kumimoji="1" lang="en-US" altLang="ja-JP" dirty="0"/>
+              <a:t>Functional Random Variable</a:t>
+            </a:r>
+          </a:p>
+          <a:p>
+            <a:r>
+              <a:rPr kumimoji="1" lang="en-US" altLang="ja-JP" dirty="0"/>
+              <a:t>Realizations</a:t>
+            </a:r>
+            <a:endParaRPr kumimoji="1" lang="ja-JP" altLang="en-US" dirty="0"/>
+          </a:p>
+        </p:txBody>
+      </p:sp>
+    </p:spTree>
+    <p:extLst>
+      <p:ext uri="{BB962C8B-B14F-4D97-AF65-F5344CB8AC3E}">
+        <p14:creationId xmlns:p14="http://schemas.microsoft.com/office/powerpoint/2010/main" val="3543145272"/>
       </p:ext>
     </p:extLst>
   </p:cSld>
@@ -5522,7 +6637,7 @@
           <p:cNvPr id="2" name="Title 1">
             <a:extLst>
               <a:ext uri="{FF2B5EF4-FFF2-40B4-BE49-F238E27FC236}">
-                <a16:creationId xmlns:a16="http://schemas.microsoft.com/office/drawing/2014/main" id="{2C35857C-4F3F-0123-197F-E73F86D13DF3}"/>
+                <a16:creationId xmlns:a16="http://schemas.microsoft.com/office/drawing/2014/main" id="{2BC144AE-1CC8-2ECF-0585-ADFECA8F27CF}"/>
               </a:ext>
             </a:extLst>
           </p:cNvPr>
@@ -5533,51 +6648,40 @@
             <p:ph type="title"/>
           </p:nvPr>
         </p:nvSpPr>
-        <p:spPr/>
-        <p:txBody>
-          <a:bodyPr/>
-          <a:lstStyle/>
-          <a:p>
-            <a:endParaRPr kumimoji="1" lang="ja-JP" altLang="en-US"/>
+        <p:spPr>
+          <a:xfrm>
+            <a:off x="130629" y="0"/>
+            <a:ext cx="12061371" cy="1325563"/>
+          </a:xfrm>
+        </p:spPr>
+        <p:txBody>
+          <a:bodyPr>
+            <a:normAutofit/>
+          </a:bodyPr>
+          <a:lstStyle/>
+          <a:p>
+            <a:r>
+              <a:rPr kumimoji="1" lang="en-US" altLang="ja-JP" sz="4000" b="1" dirty="0">
+                <a:solidFill>
+                  <a:schemeClr val="accent5"/>
+                </a:solidFill>
+              </a:rPr>
+              <a:t>Bounding differential entropies of random variables X</a:t>
+            </a:r>
+            <a:endParaRPr kumimoji="1" lang="ja-JP" altLang="en-US" sz="4000" b="1" dirty="0">
+              <a:solidFill>
+                <a:schemeClr val="accent5"/>
+              </a:solidFill>
+            </a:endParaRPr>
           </a:p>
         </p:txBody>
       </p:sp>
       <p:pic>
         <p:nvPicPr>
-          <p:cNvPr id="5" name="Picture 4">
-            <a:extLst>
-              <a:ext uri="{FF2B5EF4-FFF2-40B4-BE49-F238E27FC236}">
-                <a16:creationId xmlns:a16="http://schemas.microsoft.com/office/drawing/2014/main" id="{59AF1A07-E819-1EEE-C605-03092FA2B443}"/>
-              </a:ext>
-            </a:extLst>
-          </p:cNvPr>
-          <p:cNvPicPr>
-            <a:picLocks noChangeAspect="1"/>
-          </p:cNvPicPr>
-          <p:nvPr/>
-        </p:nvPicPr>
-        <p:blipFill>
-          <a:blip r:embed="rId2"/>
-          <a:stretch>
-            <a:fillRect/>
-          </a:stretch>
-        </p:blipFill>
-        <p:spPr>
-          <a:xfrm>
-            <a:off x="442912" y="3668486"/>
-            <a:ext cx="3838575" cy="904875"/>
-          </a:xfrm>
-          <a:prstGeom prst="rect">
-            <a:avLst/>
-          </a:prstGeom>
-        </p:spPr>
-      </p:pic>
-      <p:pic>
-        <p:nvPicPr>
-          <p:cNvPr id="7" name="Picture 6">
-            <a:extLst>
-              <a:ext uri="{FF2B5EF4-FFF2-40B4-BE49-F238E27FC236}">
-                <a16:creationId xmlns:a16="http://schemas.microsoft.com/office/drawing/2014/main" id="{60598F51-6D2D-0B62-C2AF-3425C3CCF6F3}"/>
+          <p:cNvPr id="9" name="Picture 8">
+            <a:extLst>
+              <a:ext uri="{FF2B5EF4-FFF2-40B4-BE49-F238E27FC236}">
+                <a16:creationId xmlns:a16="http://schemas.microsoft.com/office/drawing/2014/main" id="{F45DCA23-4E9B-CC05-AF26-CC0EA2E4D5C5}"/>
               </a:ext>
             </a:extLst>
           </p:cNvPr>
@@ -5594,8 +6698,8 @@
         </p:blipFill>
         <p:spPr>
           <a:xfrm>
-            <a:off x="4511448" y="3679372"/>
-            <a:ext cx="4714875" cy="933450"/>
+            <a:off x="312964" y="984391"/>
+            <a:ext cx="11410494" cy="2593294"/>
           </a:xfrm>
           <a:prstGeom prst="rect">
             <a:avLst/>
@@ -5604,10 +6708,10 @@
       </p:pic>
       <p:pic>
         <p:nvPicPr>
-          <p:cNvPr id="9" name="Picture 8">
-            <a:extLst>
-              <a:ext uri="{FF2B5EF4-FFF2-40B4-BE49-F238E27FC236}">
-                <a16:creationId xmlns:a16="http://schemas.microsoft.com/office/drawing/2014/main" id="{72185F6E-FA61-9569-87AF-379C4C90755C}"/>
+          <p:cNvPr id="11" name="Picture 10">
+            <a:extLst>
+              <a:ext uri="{FF2B5EF4-FFF2-40B4-BE49-F238E27FC236}">
+                <a16:creationId xmlns:a16="http://schemas.microsoft.com/office/drawing/2014/main" id="{B5AE0A17-E466-566A-4C1C-10D50664F341}"/>
               </a:ext>
             </a:extLst>
           </p:cNvPr>
@@ -5624,138 +6728,106 @@
         </p:blipFill>
         <p:spPr>
           <a:xfrm>
-            <a:off x="326572" y="4881562"/>
-            <a:ext cx="6400800" cy="733425"/>
+            <a:off x="312964" y="4017821"/>
+            <a:ext cx="11146624" cy="1855788"/>
           </a:xfrm>
           <a:prstGeom prst="rect">
             <a:avLst/>
           </a:prstGeom>
         </p:spPr>
       </p:pic>
-      <p:pic>
-        <p:nvPicPr>
-          <p:cNvPr id="11" name="Picture 10">
-            <a:extLst>
-              <a:ext uri="{FF2B5EF4-FFF2-40B4-BE49-F238E27FC236}">
-                <a16:creationId xmlns:a16="http://schemas.microsoft.com/office/drawing/2014/main" id="{D0EA9AE3-B8A6-DB7A-96CC-6A8CF2CB076C}"/>
-              </a:ext>
-            </a:extLst>
-          </p:cNvPr>
-          <p:cNvPicPr>
-            <a:picLocks noChangeAspect="1"/>
-          </p:cNvPicPr>
+      <p:sp>
+        <p:nvSpPr>
+          <p:cNvPr id="12" name="TextBox 11">
+            <a:extLst>
+              <a:ext uri="{FF2B5EF4-FFF2-40B4-BE49-F238E27FC236}">
+                <a16:creationId xmlns:a16="http://schemas.microsoft.com/office/drawing/2014/main" id="{8B479D9F-2957-D38C-6235-8806F955D846}"/>
+              </a:ext>
+            </a:extLst>
+          </p:cNvPr>
+          <p:cNvSpPr txBox="1"/>
           <p:nvPr/>
-        </p:nvPicPr>
-        <p:blipFill>
-          <a:blip r:embed="rId5"/>
-          <a:stretch>
-            <a:fillRect/>
-          </a:stretch>
-        </p:blipFill>
+        </p:nvSpPr>
         <p:spPr>
           <a:xfrm>
-            <a:off x="7149193" y="4946876"/>
-            <a:ext cx="4533900" cy="790575"/>
+            <a:off x="48486" y="6027003"/>
+            <a:ext cx="12225655" cy="830997"/>
           </a:xfrm>
           <a:prstGeom prst="rect">
             <a:avLst/>
           </a:prstGeom>
-        </p:spPr>
-      </p:pic>
-      <p:pic>
-        <p:nvPicPr>
-          <p:cNvPr id="13" name="Picture 12">
-            <a:extLst>
-              <a:ext uri="{FF2B5EF4-FFF2-40B4-BE49-F238E27FC236}">
-                <a16:creationId xmlns:a16="http://schemas.microsoft.com/office/drawing/2014/main" id="{A25A1B9F-66EE-0CA2-94DB-A34D63CA2629}"/>
-              </a:ext>
-            </a:extLst>
-          </p:cNvPr>
-          <p:cNvPicPr>
-            <a:picLocks noChangeAspect="1"/>
-          </p:cNvPicPr>
-          <p:nvPr/>
-        </p:nvPicPr>
-        <p:blipFill>
-          <a:blip r:embed="rId6"/>
-          <a:stretch>
-            <a:fillRect/>
-          </a:stretch>
-        </p:blipFill>
-        <p:spPr>
-          <a:xfrm>
-            <a:off x="326572" y="5874200"/>
-            <a:ext cx="2962275" cy="800100"/>
-          </a:xfrm>
-          <a:prstGeom prst="rect">
-            <a:avLst/>
-          </a:prstGeom>
-        </p:spPr>
-      </p:pic>
-      <p:pic>
-        <p:nvPicPr>
-          <p:cNvPr id="15" name="Picture 14">
-            <a:extLst>
-              <a:ext uri="{FF2B5EF4-FFF2-40B4-BE49-F238E27FC236}">
-                <a16:creationId xmlns:a16="http://schemas.microsoft.com/office/drawing/2014/main" id="{C8011F8C-C7E5-E133-F83D-D723CD061A77}"/>
-              </a:ext>
-            </a:extLst>
-          </p:cNvPr>
-          <p:cNvPicPr>
-            <a:picLocks noChangeAspect="1"/>
-          </p:cNvPicPr>
-          <p:nvPr/>
-        </p:nvPicPr>
-        <p:blipFill>
-          <a:blip r:embed="rId7"/>
-          <a:stretch>
-            <a:fillRect/>
-          </a:stretch>
-        </p:blipFill>
-        <p:spPr>
-          <a:xfrm>
-            <a:off x="4049485" y="5944054"/>
-            <a:ext cx="2819400" cy="771525"/>
-          </a:xfrm>
-          <a:prstGeom prst="rect">
-            <a:avLst/>
-          </a:prstGeom>
-        </p:spPr>
-      </p:pic>
-      <p:pic>
-        <p:nvPicPr>
-          <p:cNvPr id="17" name="Picture 16">
-            <a:extLst>
-              <a:ext uri="{FF2B5EF4-FFF2-40B4-BE49-F238E27FC236}">
-                <a16:creationId xmlns:a16="http://schemas.microsoft.com/office/drawing/2014/main" id="{8AB3A663-B6A7-34DD-E76B-320FAB098814}"/>
-              </a:ext>
-            </a:extLst>
-          </p:cNvPr>
-          <p:cNvPicPr>
-            <a:picLocks noChangeAspect="1"/>
-          </p:cNvPicPr>
-          <p:nvPr/>
-        </p:nvPicPr>
-        <p:blipFill>
-          <a:blip r:embed="rId8"/>
-          <a:stretch>
-            <a:fillRect/>
-          </a:stretch>
-        </p:blipFill>
-        <p:spPr>
-          <a:xfrm>
-            <a:off x="1023258" y="-174867"/>
-            <a:ext cx="9742714" cy="3731109"/>
-          </a:xfrm>
-          <a:prstGeom prst="rect">
-            <a:avLst/>
-          </a:prstGeom>
-        </p:spPr>
-      </p:pic>
+          <a:noFill/>
+        </p:spPr>
+        <p:txBody>
+          <a:bodyPr wrap="none" rtlCol="0">
+            <a:spAutoFit/>
+          </a:bodyPr>
+          <a:lstStyle/>
+          <a:p>
+            <a:r>
+              <a:rPr lang="en-US" altLang="ja-JP" sz="2400" b="0" i="0" dirty="0">
+                <a:solidFill>
+                  <a:schemeClr val="accent6"/>
+                </a:solidFill>
+                <a:effectLst/>
+                <a:latin typeface="Arial" panose="020B0604020202020204" pitchFamily="34" charset="0"/>
+              </a:rPr>
+              <a:t>"</a:t>
+            </a:r>
+            <a:r>
+              <a:rPr lang="en-US" altLang="ja-JP" sz="2400" b="0" i="0" dirty="0" err="1">
+                <a:solidFill>
+                  <a:schemeClr val="accent6"/>
+                </a:solidFill>
+                <a:effectLst/>
+                <a:latin typeface="Arial" panose="020B0604020202020204" pitchFamily="34" charset="0"/>
+              </a:rPr>
+              <a:t>MaxEnt</a:t>
+            </a:r>
+            <a:r>
+              <a:rPr lang="en-US" altLang="ja-JP" sz="2400" b="0" i="0" dirty="0">
+                <a:solidFill>
+                  <a:schemeClr val="accent6"/>
+                </a:solidFill>
+                <a:effectLst/>
+                <a:latin typeface="Arial" panose="020B0604020202020204" pitchFamily="34" charset="0"/>
+              </a:rPr>
+              <a:t> upper bounds for the differential entropy of univariate continuous distributions." </a:t>
+            </a:r>
+          </a:p>
+          <a:p>
+            <a:r>
+              <a:rPr lang="en-US" altLang="ja-JP" sz="2400" b="0" i="1" dirty="0">
+                <a:solidFill>
+                  <a:schemeClr val="accent6"/>
+                </a:solidFill>
+                <a:effectLst/>
+                <a:latin typeface="Arial" panose="020B0604020202020204" pitchFamily="34" charset="0"/>
+              </a:rPr>
+              <a:t>IEEE Signal Processing Letters</a:t>
+            </a:r>
+            <a:r>
+              <a:rPr lang="en-US" altLang="ja-JP" sz="2400" b="0" i="0" dirty="0">
+                <a:solidFill>
+                  <a:schemeClr val="accent6"/>
+                </a:solidFill>
+                <a:effectLst/>
+                <a:latin typeface="Arial" panose="020B0604020202020204" pitchFamily="34" charset="0"/>
+              </a:rPr>
+              <a:t> 24.4 (2017)</a:t>
+            </a:r>
+            <a:endParaRPr kumimoji="1" lang="ja-JP" altLang="en-US" sz="2400" dirty="0">
+              <a:solidFill>
+                <a:schemeClr val="accent6"/>
+              </a:solidFill>
+            </a:endParaRPr>
+          </a:p>
+        </p:txBody>
+      </p:sp>
     </p:spTree>
     <p:extLst>
       <p:ext uri="{BB962C8B-B14F-4D97-AF65-F5344CB8AC3E}">
-        <p14:creationId xmlns:p14="http://schemas.microsoft.com/office/powerpoint/2010/main" val="4225878679"/>
+        <p14:creationId xmlns:p14="http://schemas.microsoft.com/office/powerpoint/2010/main" val="3822742219"/>
       </p:ext>
     </p:extLst>
   </p:cSld>
@@ -5787,7 +6859,7 @@
           <p:cNvPr id="2" name="Title 1">
             <a:extLst>
               <a:ext uri="{FF2B5EF4-FFF2-40B4-BE49-F238E27FC236}">
-                <a16:creationId xmlns:a16="http://schemas.microsoft.com/office/drawing/2014/main" id="{45108B1E-B675-CC06-87EF-8EA32EA7FF26}"/>
+                <a16:creationId xmlns:a16="http://schemas.microsoft.com/office/drawing/2014/main" id="{2C35857C-4F3F-0123-197F-E73F86D13DF3}"/>
               </a:ext>
             </a:extLst>
           </p:cNvPr>
@@ -5798,47 +6870,12 @@
             <p:ph type="title"/>
           </p:nvPr>
         </p:nvSpPr>
-        <p:spPr>
-          <a:xfrm>
-            <a:off x="-1" y="-180975"/>
-            <a:ext cx="12932229" cy="1325563"/>
-          </a:xfrm>
-        </p:spPr>
-        <p:txBody>
-          <a:bodyPr>
-            <a:normAutofit/>
-          </a:bodyPr>
-          <a:lstStyle/>
-          <a:p>
-            <a:r>
-              <a:rPr kumimoji="1" lang="en-US" altLang="ja-JP" sz="4000" b="1" dirty="0">
-                <a:solidFill>
-                  <a:schemeClr val="accent5"/>
-                </a:solidFill>
-              </a:rPr>
-              <a:t>Dual MLE = MEP (</a:t>
-            </a:r>
-            <a:r>
-              <a:rPr kumimoji="1" lang="en-US" altLang="ja-JP" sz="4000" b="1" dirty="0" err="1">
-                <a:solidFill>
-                  <a:schemeClr val="accent5"/>
-                </a:solidFill>
-              </a:rPr>
-              <a:t>MaxEnt</a:t>
-            </a:r>
-            <a:r>
-              <a:rPr kumimoji="1" lang="en-US" altLang="ja-JP" sz="4000" b="1" dirty="0">
-                <a:solidFill>
-                  <a:schemeClr val="accent5"/>
-                </a:solidFill>
-              </a:rPr>
-              <a:t>  Maximum entropy principle)  </a:t>
-            </a:r>
-            <a:endParaRPr kumimoji="1" lang="ja-JP" altLang="en-US" sz="4000" b="1" dirty="0">
-              <a:solidFill>
-                <a:schemeClr val="accent5"/>
-              </a:solidFill>
-            </a:endParaRPr>
+        <p:spPr/>
+        <p:txBody>
+          <a:bodyPr/>
+          <a:lstStyle/>
+          <a:p>
+            <a:endParaRPr kumimoji="1" lang="ja-JP" altLang="en-US"/>
           </a:p>
         </p:txBody>
       </p:sp>
@@ -5847,7 +6884,37 @@
           <p:cNvPr id="5" name="Picture 4">
             <a:extLst>
               <a:ext uri="{FF2B5EF4-FFF2-40B4-BE49-F238E27FC236}">
-                <a16:creationId xmlns:a16="http://schemas.microsoft.com/office/drawing/2014/main" id="{721A33DD-0DC4-FB46-F4A8-6298D45FC5B2}"/>
+                <a16:creationId xmlns:a16="http://schemas.microsoft.com/office/drawing/2014/main" id="{59AF1A07-E819-1EEE-C605-03092FA2B443}"/>
+              </a:ext>
+            </a:extLst>
+          </p:cNvPr>
+          <p:cNvPicPr>
+            <a:picLocks noChangeAspect="1"/>
+          </p:cNvPicPr>
+          <p:nvPr/>
+        </p:nvPicPr>
+        <p:blipFill>
+          <a:blip r:embed="rId2"/>
+          <a:stretch>
+            <a:fillRect/>
+          </a:stretch>
+        </p:blipFill>
+        <p:spPr>
+          <a:xfrm>
+            <a:off x="442912" y="3668486"/>
+            <a:ext cx="3838575" cy="904875"/>
+          </a:xfrm>
+          <a:prstGeom prst="rect">
+            <a:avLst/>
+          </a:prstGeom>
+        </p:spPr>
+      </p:pic>
+      <p:pic>
+        <p:nvPicPr>
+          <p:cNvPr id="7" name="Picture 6">
+            <a:extLst>
+              <a:ext uri="{FF2B5EF4-FFF2-40B4-BE49-F238E27FC236}">
+                <a16:creationId xmlns:a16="http://schemas.microsoft.com/office/drawing/2014/main" id="{60598F51-6D2D-0B62-C2AF-3425C3CCF6F3}"/>
               </a:ext>
             </a:extLst>
           </p:cNvPr>
@@ -5864,204 +6931,20 @@
         </p:blipFill>
         <p:spPr>
           <a:xfrm>
-            <a:off x="0" y="2808515"/>
-            <a:ext cx="6727870" cy="4479584"/>
+            <a:off x="4511448" y="3679372"/>
+            <a:ext cx="4714875" cy="933450"/>
           </a:xfrm>
           <a:prstGeom prst="rect">
             <a:avLst/>
           </a:prstGeom>
         </p:spPr>
       </p:pic>
-      <p:sp>
-        <p:nvSpPr>
-          <p:cNvPr id="8" name="TextBox 7">
-            <a:extLst>
-              <a:ext uri="{FF2B5EF4-FFF2-40B4-BE49-F238E27FC236}">
-                <a16:creationId xmlns:a16="http://schemas.microsoft.com/office/drawing/2014/main" id="{496DDD51-6324-210D-0D62-2F07E0C16BF5}"/>
-              </a:ext>
-            </a:extLst>
-          </p:cNvPr>
-          <p:cNvSpPr txBox="1"/>
-          <p:nvPr/>
-        </p:nvSpPr>
-        <p:spPr>
-          <a:xfrm>
-            <a:off x="163285" y="784011"/>
-            <a:ext cx="8877751" cy="461665"/>
-          </a:xfrm>
-          <a:prstGeom prst="rect">
-            <a:avLst/>
-          </a:prstGeom>
-          <a:noFill/>
-        </p:spPr>
-        <p:txBody>
-          <a:bodyPr wrap="none" rtlCol="0">
-            <a:spAutoFit/>
-          </a:bodyPr>
-          <a:lstStyle/>
-          <a:p>
-            <a:r>
-              <a:rPr kumimoji="1" lang="en-US" altLang="ja-JP" sz="2400" b="1" dirty="0"/>
-              <a:t>MLE: Minimize right-side of </a:t>
-            </a:r>
-            <a:r>
-              <a:rPr kumimoji="1" lang="en-US" altLang="ja-JP" sz="2400" b="1" dirty="0" err="1"/>
-              <a:t>Kullback-Leibler</a:t>
-            </a:r>
-            <a:r>
-              <a:rPr kumimoji="1" lang="en-US" altLang="ja-JP" sz="2400" b="1" dirty="0"/>
-              <a:t> divergence</a:t>
-            </a:r>
-            <a:endParaRPr kumimoji="1" lang="ja-JP" altLang="en-US" sz="2400" b="1" dirty="0"/>
-          </a:p>
-        </p:txBody>
-      </p:sp>
-      <p:sp>
-        <p:nvSpPr>
-          <p:cNvPr id="9" name="TextBox 8">
-            <a:extLst>
-              <a:ext uri="{FF2B5EF4-FFF2-40B4-BE49-F238E27FC236}">
-                <a16:creationId xmlns:a16="http://schemas.microsoft.com/office/drawing/2014/main" id="{B1830CB3-C614-87F3-C646-A59FB3B6A23D}"/>
-              </a:ext>
-            </a:extLst>
-          </p:cNvPr>
-          <p:cNvSpPr txBox="1"/>
-          <p:nvPr/>
-        </p:nvSpPr>
-        <p:spPr>
-          <a:xfrm>
-            <a:off x="123432" y="1911675"/>
-            <a:ext cx="12171922" cy="461665"/>
-          </a:xfrm>
-          <a:prstGeom prst="rect">
-            <a:avLst/>
-          </a:prstGeom>
-          <a:noFill/>
-        </p:spPr>
-        <p:txBody>
-          <a:bodyPr wrap="none" rtlCol="0">
-            <a:spAutoFit/>
-          </a:bodyPr>
-          <a:lstStyle/>
-          <a:p>
-            <a:r>
-              <a:rPr kumimoji="1" lang="en-US" altLang="ja-JP" sz="2400" b="1" dirty="0"/>
-              <a:t>Maxent: Minimize left-side of </a:t>
-            </a:r>
-            <a:r>
-              <a:rPr kumimoji="1" lang="en-US" altLang="ja-JP" sz="2400" b="1" dirty="0" err="1"/>
-              <a:t>Kullback-Leibler</a:t>
-            </a:r>
-            <a:r>
-              <a:rPr kumimoji="1" lang="en-US" altLang="ja-JP" sz="2400" b="1" dirty="0"/>
-              <a:t> divergence (=right-side of KLD*)</a:t>
-            </a:r>
-            <a:endParaRPr kumimoji="1" lang="ja-JP" altLang="en-US" sz="2400" b="1" dirty="0"/>
-          </a:p>
-        </p:txBody>
-      </p:sp>
-      <p:sp>
-        <p:nvSpPr>
-          <p:cNvPr id="13" name="Arrow: Up-Down 12">
-            <a:extLst>
-              <a:ext uri="{FF2B5EF4-FFF2-40B4-BE49-F238E27FC236}">
-                <a16:creationId xmlns:a16="http://schemas.microsoft.com/office/drawing/2014/main" id="{97166BAA-E370-96E9-18F4-847C6D19CE00}"/>
-              </a:ext>
-            </a:extLst>
-          </p:cNvPr>
-          <p:cNvSpPr/>
-          <p:nvPr/>
-        </p:nvSpPr>
-        <p:spPr>
-          <a:xfrm>
-            <a:off x="4027715" y="1148570"/>
-            <a:ext cx="574446" cy="763105"/>
-          </a:xfrm>
-          <a:prstGeom prst="upDownArrow">
-            <a:avLst/>
-          </a:prstGeom>
-        </p:spPr>
-        <p:style>
-          <a:lnRef idx="2">
-            <a:schemeClr val="accent1">
-              <a:shade val="15000"/>
-            </a:schemeClr>
-          </a:lnRef>
-          <a:fillRef idx="1">
-            <a:schemeClr val="accent1"/>
-          </a:fillRef>
-          <a:effectRef idx="0">
-            <a:schemeClr val="accent1"/>
-          </a:effectRef>
-          <a:fontRef idx="minor">
-            <a:schemeClr val="lt1"/>
-          </a:fontRef>
-        </p:style>
-        <p:txBody>
-          <a:bodyPr rtlCol="0" anchor="ctr"/>
-          <a:lstStyle/>
-          <a:p>
-            <a:pPr algn="ctr"/>
-            <a:endParaRPr kumimoji="1" lang="ja-JP" altLang="en-US"/>
-          </a:p>
-        </p:txBody>
-      </p:sp>
-      <p:sp>
-        <p:nvSpPr>
-          <p:cNvPr id="14" name="TextBox 13">
-            <a:extLst>
-              <a:ext uri="{FF2B5EF4-FFF2-40B4-BE49-F238E27FC236}">
-                <a16:creationId xmlns:a16="http://schemas.microsoft.com/office/drawing/2014/main" id="{66F61641-B73C-2CAE-2353-D5ADAF45FE7A}"/>
-              </a:ext>
-            </a:extLst>
-          </p:cNvPr>
-          <p:cNvSpPr txBox="1"/>
-          <p:nvPr/>
-        </p:nvSpPr>
-        <p:spPr>
-          <a:xfrm>
-            <a:off x="4672061" y="1365756"/>
-            <a:ext cx="3847528" cy="369332"/>
-          </a:xfrm>
-          <a:prstGeom prst="rect">
-            <a:avLst/>
-          </a:prstGeom>
-          <a:noFill/>
-        </p:spPr>
-        <p:txBody>
-          <a:bodyPr wrap="none" rtlCol="0">
-            <a:spAutoFit/>
-          </a:bodyPr>
-          <a:lstStyle/>
-          <a:p>
-            <a:r>
-              <a:rPr kumimoji="1" lang="en-US" altLang="ja-JP" b="1" dirty="0"/>
-              <a:t>Divergence duality KLD </a:t>
-            </a:r>
-            <a:r>
-              <a:rPr lang="ja-JP" altLang="en-US" b="0" i="0" dirty="0">
-                <a:solidFill>
-                  <a:srgbClr val="DF000F"/>
-                </a:solidFill>
-                <a:effectLst/>
-                <a:latin typeface="Source Sans Pro" panose="020B0503030403020204" pitchFamily="34" charset="0"/>
-              </a:rPr>
-              <a:t>↔ </a:t>
-            </a:r>
-            <a:r>
-              <a:rPr kumimoji="1" lang="en-US" altLang="ja-JP" b="1" dirty="0"/>
-              <a:t>KLD* </a:t>
-            </a:r>
-            <a:endParaRPr kumimoji="1" lang="ja-JP" altLang="en-US" b="1" dirty="0"/>
-          </a:p>
-        </p:txBody>
-      </p:sp>
       <p:pic>
         <p:nvPicPr>
-          <p:cNvPr id="16" name="Picture 15">
-            <a:extLst>
-              <a:ext uri="{FF2B5EF4-FFF2-40B4-BE49-F238E27FC236}">
-                <a16:creationId xmlns:a16="http://schemas.microsoft.com/office/drawing/2014/main" id="{85B573BE-C4D2-BD72-5FF6-D5AC35D965C8}"/>
+          <p:cNvPr id="9" name="Picture 8">
+            <a:extLst>
+              <a:ext uri="{FF2B5EF4-FFF2-40B4-BE49-F238E27FC236}">
+                <a16:creationId xmlns:a16="http://schemas.microsoft.com/office/drawing/2014/main" id="{72185F6E-FA61-9569-87AF-379C4C90755C}"/>
               </a:ext>
             </a:extLst>
           </p:cNvPr>
@@ -6078,8 +6961,128 @@
         </p:blipFill>
         <p:spPr>
           <a:xfrm>
-            <a:off x="6398009" y="2634343"/>
-            <a:ext cx="5793991" cy="4223657"/>
+            <a:off x="326572" y="4881562"/>
+            <a:ext cx="6400800" cy="733425"/>
+          </a:xfrm>
+          <a:prstGeom prst="rect">
+            <a:avLst/>
+          </a:prstGeom>
+        </p:spPr>
+      </p:pic>
+      <p:pic>
+        <p:nvPicPr>
+          <p:cNvPr id="11" name="Picture 10">
+            <a:extLst>
+              <a:ext uri="{FF2B5EF4-FFF2-40B4-BE49-F238E27FC236}">
+                <a16:creationId xmlns:a16="http://schemas.microsoft.com/office/drawing/2014/main" id="{D0EA9AE3-B8A6-DB7A-96CC-6A8CF2CB076C}"/>
+              </a:ext>
+            </a:extLst>
+          </p:cNvPr>
+          <p:cNvPicPr>
+            <a:picLocks noChangeAspect="1"/>
+          </p:cNvPicPr>
+          <p:nvPr/>
+        </p:nvPicPr>
+        <p:blipFill>
+          <a:blip r:embed="rId5"/>
+          <a:stretch>
+            <a:fillRect/>
+          </a:stretch>
+        </p:blipFill>
+        <p:spPr>
+          <a:xfrm>
+            <a:off x="7149193" y="4946876"/>
+            <a:ext cx="4533900" cy="790575"/>
+          </a:xfrm>
+          <a:prstGeom prst="rect">
+            <a:avLst/>
+          </a:prstGeom>
+        </p:spPr>
+      </p:pic>
+      <p:pic>
+        <p:nvPicPr>
+          <p:cNvPr id="13" name="Picture 12">
+            <a:extLst>
+              <a:ext uri="{FF2B5EF4-FFF2-40B4-BE49-F238E27FC236}">
+                <a16:creationId xmlns:a16="http://schemas.microsoft.com/office/drawing/2014/main" id="{A25A1B9F-66EE-0CA2-94DB-A34D63CA2629}"/>
+              </a:ext>
+            </a:extLst>
+          </p:cNvPr>
+          <p:cNvPicPr>
+            <a:picLocks noChangeAspect="1"/>
+          </p:cNvPicPr>
+          <p:nvPr/>
+        </p:nvPicPr>
+        <p:blipFill>
+          <a:blip r:embed="rId6"/>
+          <a:stretch>
+            <a:fillRect/>
+          </a:stretch>
+        </p:blipFill>
+        <p:spPr>
+          <a:xfrm>
+            <a:off x="326572" y="5874200"/>
+            <a:ext cx="2962275" cy="800100"/>
+          </a:xfrm>
+          <a:prstGeom prst="rect">
+            <a:avLst/>
+          </a:prstGeom>
+        </p:spPr>
+      </p:pic>
+      <p:pic>
+        <p:nvPicPr>
+          <p:cNvPr id="15" name="Picture 14">
+            <a:extLst>
+              <a:ext uri="{FF2B5EF4-FFF2-40B4-BE49-F238E27FC236}">
+                <a16:creationId xmlns:a16="http://schemas.microsoft.com/office/drawing/2014/main" id="{C8011F8C-C7E5-E133-F83D-D723CD061A77}"/>
+              </a:ext>
+            </a:extLst>
+          </p:cNvPr>
+          <p:cNvPicPr>
+            <a:picLocks noChangeAspect="1"/>
+          </p:cNvPicPr>
+          <p:nvPr/>
+        </p:nvPicPr>
+        <p:blipFill>
+          <a:blip r:embed="rId7"/>
+          <a:stretch>
+            <a:fillRect/>
+          </a:stretch>
+        </p:blipFill>
+        <p:spPr>
+          <a:xfrm>
+            <a:off x="4049485" y="5944054"/>
+            <a:ext cx="2819400" cy="771525"/>
+          </a:xfrm>
+          <a:prstGeom prst="rect">
+            <a:avLst/>
+          </a:prstGeom>
+        </p:spPr>
+      </p:pic>
+      <p:pic>
+        <p:nvPicPr>
+          <p:cNvPr id="17" name="Picture 16">
+            <a:extLst>
+              <a:ext uri="{FF2B5EF4-FFF2-40B4-BE49-F238E27FC236}">
+                <a16:creationId xmlns:a16="http://schemas.microsoft.com/office/drawing/2014/main" id="{8AB3A663-B6A7-34DD-E76B-320FAB098814}"/>
+              </a:ext>
+            </a:extLst>
+          </p:cNvPr>
+          <p:cNvPicPr>
+            <a:picLocks noChangeAspect="1"/>
+          </p:cNvPicPr>
+          <p:nvPr/>
+        </p:nvPicPr>
+        <p:blipFill>
+          <a:blip r:embed="rId8"/>
+          <a:stretch>
+            <a:fillRect/>
+          </a:stretch>
+        </p:blipFill>
+        <p:spPr>
+          <a:xfrm>
+            <a:off x="1023258" y="-174867"/>
+            <a:ext cx="9742714" cy="3731109"/>
           </a:xfrm>
           <a:prstGeom prst="rect">
             <a:avLst/>
@@ -6089,7 +7092,7 @@
     </p:spTree>
     <p:extLst>
       <p:ext uri="{BB962C8B-B14F-4D97-AF65-F5344CB8AC3E}">
-        <p14:creationId xmlns:p14="http://schemas.microsoft.com/office/powerpoint/2010/main" val="2483399893"/>
+        <p14:creationId xmlns:p14="http://schemas.microsoft.com/office/powerpoint/2010/main" val="4225878679"/>
       </p:ext>
     </p:extLst>
   </p:cSld>
@@ -6121,7 +7124,7 @@
           <p:cNvPr id="2" name="Title 1">
             <a:extLst>
               <a:ext uri="{FF2B5EF4-FFF2-40B4-BE49-F238E27FC236}">
-                <a16:creationId xmlns:a16="http://schemas.microsoft.com/office/drawing/2014/main" id="{07D31788-4188-7C38-8A01-8707F5CF22BA}"/>
+                <a16:creationId xmlns:a16="http://schemas.microsoft.com/office/drawing/2014/main" id="{45108B1E-B675-CC06-87EF-8EA32EA7FF26}"/>
               </a:ext>
             </a:extLst>
           </p:cNvPr>
@@ -6132,12 +7135,47 @@
             <p:ph type="title"/>
           </p:nvPr>
         </p:nvSpPr>
-        <p:spPr/>
-        <p:txBody>
-          <a:bodyPr/>
-          <a:lstStyle/>
-          <a:p>
-            <a:endParaRPr kumimoji="1" lang="ja-JP" altLang="en-US"/>
+        <p:spPr>
+          <a:xfrm>
+            <a:off x="-1" y="-180975"/>
+            <a:ext cx="12932229" cy="1325563"/>
+          </a:xfrm>
+        </p:spPr>
+        <p:txBody>
+          <a:bodyPr>
+            <a:normAutofit/>
+          </a:bodyPr>
+          <a:lstStyle/>
+          <a:p>
+            <a:r>
+              <a:rPr kumimoji="1" lang="en-US" altLang="ja-JP" sz="4000" b="1" dirty="0">
+                <a:solidFill>
+                  <a:schemeClr val="accent5"/>
+                </a:solidFill>
+              </a:rPr>
+              <a:t>Dual MLE = MEP (</a:t>
+            </a:r>
+            <a:r>
+              <a:rPr kumimoji="1" lang="en-US" altLang="ja-JP" sz="4000" b="1" dirty="0" err="1">
+                <a:solidFill>
+                  <a:schemeClr val="accent5"/>
+                </a:solidFill>
+              </a:rPr>
+              <a:t>MaxEnt</a:t>
+            </a:r>
+            <a:r>
+              <a:rPr kumimoji="1" lang="en-US" altLang="ja-JP" sz="4000" b="1" dirty="0">
+                <a:solidFill>
+                  <a:schemeClr val="accent5"/>
+                </a:solidFill>
+              </a:rPr>
+              <a:t>  Maximum entropy principle)  </a:t>
+            </a:r>
+            <a:endParaRPr kumimoji="1" lang="ja-JP" altLang="en-US" sz="4000" b="1" dirty="0">
+              <a:solidFill>
+                <a:schemeClr val="accent5"/>
+              </a:solidFill>
+            </a:endParaRPr>
           </a:p>
         </p:txBody>
       </p:sp>
@@ -6146,37 +7184,7 @@
           <p:cNvPr id="5" name="Picture 4">
             <a:extLst>
               <a:ext uri="{FF2B5EF4-FFF2-40B4-BE49-F238E27FC236}">
-                <a16:creationId xmlns:a16="http://schemas.microsoft.com/office/drawing/2014/main" id="{43C1CE33-B82D-DEA0-FB65-DFB8FAAA54A7}"/>
-              </a:ext>
-            </a:extLst>
-          </p:cNvPr>
-          <p:cNvPicPr>
-            <a:picLocks noChangeAspect="1"/>
-          </p:cNvPicPr>
-          <p:nvPr/>
-        </p:nvPicPr>
-        <p:blipFill>
-          <a:blip r:embed="rId2"/>
-          <a:stretch>
-            <a:fillRect/>
-          </a:stretch>
-        </p:blipFill>
-        <p:spPr>
-          <a:xfrm>
-            <a:off x="0" y="0"/>
-            <a:ext cx="7978256" cy="3035902"/>
-          </a:xfrm>
-          <a:prstGeom prst="rect">
-            <a:avLst/>
-          </a:prstGeom>
-        </p:spPr>
-      </p:pic>
-      <p:pic>
-        <p:nvPicPr>
-          <p:cNvPr id="9" name="Picture 8">
-            <a:extLst>
-              <a:ext uri="{FF2B5EF4-FFF2-40B4-BE49-F238E27FC236}">
-                <a16:creationId xmlns:a16="http://schemas.microsoft.com/office/drawing/2014/main" id="{2FE8D837-0E49-02B4-7F6F-C16FB58E3E24}"/>
+                <a16:creationId xmlns:a16="http://schemas.microsoft.com/office/drawing/2014/main" id="{721A33DD-0DC4-FB46-F4A8-6298D45FC5B2}"/>
               </a:ext>
             </a:extLst>
           </p:cNvPr>
@@ -6193,20 +7201,204 @@
         </p:blipFill>
         <p:spPr>
           <a:xfrm>
-            <a:off x="-1" y="2651629"/>
-            <a:ext cx="7073091" cy="2739521"/>
+            <a:off x="0" y="2808515"/>
+            <a:ext cx="6727870" cy="4479584"/>
           </a:xfrm>
           <a:prstGeom prst="rect">
             <a:avLst/>
           </a:prstGeom>
         </p:spPr>
       </p:pic>
+      <p:sp>
+        <p:nvSpPr>
+          <p:cNvPr id="8" name="TextBox 7">
+            <a:extLst>
+              <a:ext uri="{FF2B5EF4-FFF2-40B4-BE49-F238E27FC236}">
+                <a16:creationId xmlns:a16="http://schemas.microsoft.com/office/drawing/2014/main" id="{496DDD51-6324-210D-0D62-2F07E0C16BF5}"/>
+              </a:ext>
+            </a:extLst>
+          </p:cNvPr>
+          <p:cNvSpPr txBox="1"/>
+          <p:nvPr/>
+        </p:nvSpPr>
+        <p:spPr>
+          <a:xfrm>
+            <a:off x="163285" y="784011"/>
+            <a:ext cx="8877751" cy="461665"/>
+          </a:xfrm>
+          <a:prstGeom prst="rect">
+            <a:avLst/>
+          </a:prstGeom>
+          <a:noFill/>
+        </p:spPr>
+        <p:txBody>
+          <a:bodyPr wrap="none" rtlCol="0">
+            <a:spAutoFit/>
+          </a:bodyPr>
+          <a:lstStyle/>
+          <a:p>
+            <a:r>
+              <a:rPr kumimoji="1" lang="en-US" altLang="ja-JP" sz="2400" b="1" dirty="0"/>
+              <a:t>MLE: Minimize right-side of </a:t>
+            </a:r>
+            <a:r>
+              <a:rPr kumimoji="1" lang="en-US" altLang="ja-JP" sz="2400" b="1" dirty="0" err="1"/>
+              <a:t>Kullback-Leibler</a:t>
+            </a:r>
+            <a:r>
+              <a:rPr kumimoji="1" lang="en-US" altLang="ja-JP" sz="2400" b="1" dirty="0"/>
+              <a:t> divergence</a:t>
+            </a:r>
+            <a:endParaRPr kumimoji="1" lang="ja-JP" altLang="en-US" sz="2400" b="1" dirty="0"/>
+          </a:p>
+        </p:txBody>
+      </p:sp>
+      <p:sp>
+        <p:nvSpPr>
+          <p:cNvPr id="9" name="TextBox 8">
+            <a:extLst>
+              <a:ext uri="{FF2B5EF4-FFF2-40B4-BE49-F238E27FC236}">
+                <a16:creationId xmlns:a16="http://schemas.microsoft.com/office/drawing/2014/main" id="{B1830CB3-C614-87F3-C646-A59FB3B6A23D}"/>
+              </a:ext>
+            </a:extLst>
+          </p:cNvPr>
+          <p:cNvSpPr txBox="1"/>
+          <p:nvPr/>
+        </p:nvSpPr>
+        <p:spPr>
+          <a:xfrm>
+            <a:off x="123432" y="1911675"/>
+            <a:ext cx="12171922" cy="461665"/>
+          </a:xfrm>
+          <a:prstGeom prst="rect">
+            <a:avLst/>
+          </a:prstGeom>
+          <a:noFill/>
+        </p:spPr>
+        <p:txBody>
+          <a:bodyPr wrap="none" rtlCol="0">
+            <a:spAutoFit/>
+          </a:bodyPr>
+          <a:lstStyle/>
+          <a:p>
+            <a:r>
+              <a:rPr kumimoji="1" lang="en-US" altLang="ja-JP" sz="2400" b="1" dirty="0"/>
+              <a:t>Maxent: Minimize left-side of </a:t>
+            </a:r>
+            <a:r>
+              <a:rPr kumimoji="1" lang="en-US" altLang="ja-JP" sz="2400" b="1" dirty="0" err="1"/>
+              <a:t>Kullback-Leibler</a:t>
+            </a:r>
+            <a:r>
+              <a:rPr kumimoji="1" lang="en-US" altLang="ja-JP" sz="2400" b="1" dirty="0"/>
+              <a:t> divergence (=right-side of KLD*)</a:t>
+            </a:r>
+            <a:endParaRPr kumimoji="1" lang="ja-JP" altLang="en-US" sz="2400" b="1" dirty="0"/>
+          </a:p>
+        </p:txBody>
+      </p:sp>
+      <p:sp>
+        <p:nvSpPr>
+          <p:cNvPr id="13" name="Arrow: Up-Down 12">
+            <a:extLst>
+              <a:ext uri="{FF2B5EF4-FFF2-40B4-BE49-F238E27FC236}">
+                <a16:creationId xmlns:a16="http://schemas.microsoft.com/office/drawing/2014/main" id="{97166BAA-E370-96E9-18F4-847C6D19CE00}"/>
+              </a:ext>
+            </a:extLst>
+          </p:cNvPr>
+          <p:cNvSpPr/>
+          <p:nvPr/>
+        </p:nvSpPr>
+        <p:spPr>
+          <a:xfrm>
+            <a:off x="4027715" y="1148570"/>
+            <a:ext cx="574446" cy="763105"/>
+          </a:xfrm>
+          <a:prstGeom prst="upDownArrow">
+            <a:avLst/>
+          </a:prstGeom>
+        </p:spPr>
+        <p:style>
+          <a:lnRef idx="2">
+            <a:schemeClr val="accent1">
+              <a:shade val="15000"/>
+            </a:schemeClr>
+          </a:lnRef>
+          <a:fillRef idx="1">
+            <a:schemeClr val="accent1"/>
+          </a:fillRef>
+          <a:effectRef idx="0">
+            <a:schemeClr val="accent1"/>
+          </a:effectRef>
+          <a:fontRef idx="minor">
+            <a:schemeClr val="lt1"/>
+          </a:fontRef>
+        </p:style>
+        <p:txBody>
+          <a:bodyPr rtlCol="0" anchor="ctr"/>
+          <a:lstStyle/>
+          <a:p>
+            <a:pPr algn="ctr"/>
+            <a:endParaRPr kumimoji="1" lang="ja-JP" altLang="en-US"/>
+          </a:p>
+        </p:txBody>
+      </p:sp>
+      <p:sp>
+        <p:nvSpPr>
+          <p:cNvPr id="14" name="TextBox 13">
+            <a:extLst>
+              <a:ext uri="{FF2B5EF4-FFF2-40B4-BE49-F238E27FC236}">
+                <a16:creationId xmlns:a16="http://schemas.microsoft.com/office/drawing/2014/main" id="{66F61641-B73C-2CAE-2353-D5ADAF45FE7A}"/>
+              </a:ext>
+            </a:extLst>
+          </p:cNvPr>
+          <p:cNvSpPr txBox="1"/>
+          <p:nvPr/>
+        </p:nvSpPr>
+        <p:spPr>
+          <a:xfrm>
+            <a:off x="4672061" y="1365756"/>
+            <a:ext cx="3847528" cy="369332"/>
+          </a:xfrm>
+          <a:prstGeom prst="rect">
+            <a:avLst/>
+          </a:prstGeom>
+          <a:noFill/>
+        </p:spPr>
+        <p:txBody>
+          <a:bodyPr wrap="none" rtlCol="0">
+            <a:spAutoFit/>
+          </a:bodyPr>
+          <a:lstStyle/>
+          <a:p>
+            <a:r>
+              <a:rPr kumimoji="1" lang="en-US" altLang="ja-JP" b="1" dirty="0"/>
+              <a:t>Divergence duality KLD </a:t>
+            </a:r>
+            <a:r>
+              <a:rPr lang="ja-JP" altLang="en-US" b="0" i="0" dirty="0">
+                <a:solidFill>
+                  <a:srgbClr val="DF000F"/>
+                </a:solidFill>
+                <a:effectLst/>
+                <a:latin typeface="Source Sans Pro" panose="020B0503030403020204" pitchFamily="34" charset="0"/>
+              </a:rPr>
+              <a:t>↔ </a:t>
+            </a:r>
+            <a:r>
+              <a:rPr kumimoji="1" lang="en-US" altLang="ja-JP" b="1" dirty="0"/>
+              <a:t>KLD* </a:t>
+            </a:r>
+            <a:endParaRPr kumimoji="1" lang="ja-JP" altLang="en-US" b="1" dirty="0"/>
+          </a:p>
+        </p:txBody>
+      </p:sp>
       <p:pic>
         <p:nvPicPr>
-          <p:cNvPr id="11" name="Picture 10">
-            <a:extLst>
-              <a:ext uri="{FF2B5EF4-FFF2-40B4-BE49-F238E27FC236}">
-                <a16:creationId xmlns:a16="http://schemas.microsoft.com/office/drawing/2014/main" id="{04C8C255-0A67-A0A9-1BBA-CBF0C9351A4F}"/>
+          <p:cNvPr id="16" name="Picture 15">
+            <a:extLst>
+              <a:ext uri="{FF2B5EF4-FFF2-40B4-BE49-F238E27FC236}">
+                <a16:creationId xmlns:a16="http://schemas.microsoft.com/office/drawing/2014/main" id="{85B573BE-C4D2-BD72-5FF6-D5AC35D965C8}"/>
               </a:ext>
             </a:extLst>
           </p:cNvPr>
@@ -6223,8 +7415,8 @@
         </p:blipFill>
         <p:spPr>
           <a:xfrm>
-            <a:off x="92528" y="5391150"/>
-            <a:ext cx="7086600" cy="1466850"/>
+            <a:off x="6398009" y="2634343"/>
+            <a:ext cx="5793991" cy="4223657"/>
           </a:xfrm>
           <a:prstGeom prst="rect">
             <a:avLst/>
@@ -6234,7 +7426,7 @@
     </p:spTree>
     <p:extLst>
       <p:ext uri="{BB962C8B-B14F-4D97-AF65-F5344CB8AC3E}">
-        <p14:creationId xmlns:p14="http://schemas.microsoft.com/office/powerpoint/2010/main" val="3330682798"/>
+        <p14:creationId xmlns:p14="http://schemas.microsoft.com/office/powerpoint/2010/main" val="2483399893"/>
       </p:ext>
     </p:extLst>
   </p:cSld>
@@ -6266,7 +7458,7 @@
           <p:cNvPr id="2" name="Title 1">
             <a:extLst>
               <a:ext uri="{FF2B5EF4-FFF2-40B4-BE49-F238E27FC236}">
-                <a16:creationId xmlns:a16="http://schemas.microsoft.com/office/drawing/2014/main" id="{E85CC465-ACE6-5C07-620C-C302D5A9E7D9}"/>
+                <a16:creationId xmlns:a16="http://schemas.microsoft.com/office/drawing/2014/main" id="{07D31788-4188-7C38-8A01-8707F5CF22BA}"/>
               </a:ext>
             </a:extLst>
           </p:cNvPr>
@@ -6275,31 +7467,6 @@
           </p:cNvSpPr>
           <p:nvPr>
             <p:ph type="title"/>
-          </p:nvPr>
-        </p:nvSpPr>
-        <p:spPr/>
-        <p:txBody>
-          <a:bodyPr/>
-          <a:lstStyle/>
-          <a:p>
-            <a:endParaRPr kumimoji="1" lang="ja-JP" altLang="en-US"/>
-          </a:p>
-        </p:txBody>
-      </p:sp>
-      <p:sp>
-        <p:nvSpPr>
-          <p:cNvPr id="3" name="Content Placeholder 2">
-            <a:extLst>
-              <a:ext uri="{FF2B5EF4-FFF2-40B4-BE49-F238E27FC236}">
-                <a16:creationId xmlns:a16="http://schemas.microsoft.com/office/drawing/2014/main" id="{21421416-AAF1-275D-ADF4-1AAD6BFDA703}"/>
-              </a:ext>
-            </a:extLst>
-          </p:cNvPr>
-          <p:cNvSpPr>
-            <a:spLocks noGrp="1"/>
-          </p:cNvSpPr>
-          <p:nvPr>
-            <p:ph idx="1"/>
           </p:nvPr>
         </p:nvSpPr>
         <p:spPr/>
@@ -6316,7 +7483,7 @@
           <p:cNvPr id="5" name="Picture 4">
             <a:extLst>
               <a:ext uri="{FF2B5EF4-FFF2-40B4-BE49-F238E27FC236}">
-                <a16:creationId xmlns:a16="http://schemas.microsoft.com/office/drawing/2014/main" id="{A96EB397-4A28-9113-97DD-9B25072F6C98}"/>
+                <a16:creationId xmlns:a16="http://schemas.microsoft.com/office/drawing/2014/main" id="{43C1CE33-B82D-DEA0-FB65-DFB8FAAA54A7}"/>
               </a:ext>
             </a:extLst>
           </p:cNvPr>
@@ -6333,8 +7500,68 @@
         </p:blipFill>
         <p:spPr>
           <a:xfrm>
-            <a:off x="227239" y="127907"/>
-            <a:ext cx="9429750" cy="5143500"/>
+            <a:off x="0" y="0"/>
+            <a:ext cx="7978256" cy="3035902"/>
+          </a:xfrm>
+          <a:prstGeom prst="rect">
+            <a:avLst/>
+          </a:prstGeom>
+        </p:spPr>
+      </p:pic>
+      <p:pic>
+        <p:nvPicPr>
+          <p:cNvPr id="9" name="Picture 8">
+            <a:extLst>
+              <a:ext uri="{FF2B5EF4-FFF2-40B4-BE49-F238E27FC236}">
+                <a16:creationId xmlns:a16="http://schemas.microsoft.com/office/drawing/2014/main" id="{2FE8D837-0E49-02B4-7F6F-C16FB58E3E24}"/>
+              </a:ext>
+            </a:extLst>
+          </p:cNvPr>
+          <p:cNvPicPr>
+            <a:picLocks noChangeAspect="1"/>
+          </p:cNvPicPr>
+          <p:nvPr/>
+        </p:nvPicPr>
+        <p:blipFill>
+          <a:blip r:embed="rId3"/>
+          <a:stretch>
+            <a:fillRect/>
+          </a:stretch>
+        </p:blipFill>
+        <p:spPr>
+          <a:xfrm>
+            <a:off x="-1" y="2651629"/>
+            <a:ext cx="7073091" cy="2739521"/>
+          </a:xfrm>
+          <a:prstGeom prst="rect">
+            <a:avLst/>
+          </a:prstGeom>
+        </p:spPr>
+      </p:pic>
+      <p:pic>
+        <p:nvPicPr>
+          <p:cNvPr id="11" name="Picture 10">
+            <a:extLst>
+              <a:ext uri="{FF2B5EF4-FFF2-40B4-BE49-F238E27FC236}">
+                <a16:creationId xmlns:a16="http://schemas.microsoft.com/office/drawing/2014/main" id="{04C8C255-0A67-A0A9-1BBA-CBF0C9351A4F}"/>
+              </a:ext>
+            </a:extLst>
+          </p:cNvPr>
+          <p:cNvPicPr>
+            <a:picLocks noChangeAspect="1"/>
+          </p:cNvPicPr>
+          <p:nvPr/>
+        </p:nvPicPr>
+        <p:blipFill>
+          <a:blip r:embed="rId4"/>
+          <a:stretch>
+            <a:fillRect/>
+          </a:stretch>
+        </p:blipFill>
+        <p:spPr>
+          <a:xfrm>
+            <a:off x="92528" y="5391150"/>
+            <a:ext cx="7086600" cy="1466850"/>
           </a:xfrm>
           <a:prstGeom prst="rect">
             <a:avLst/>
@@ -6344,7 +7571,7 @@
     </p:spTree>
     <p:extLst>
       <p:ext uri="{BB962C8B-B14F-4D97-AF65-F5344CB8AC3E}">
-        <p14:creationId xmlns:p14="http://schemas.microsoft.com/office/powerpoint/2010/main" val="4149541985"/>
+        <p14:creationId xmlns:p14="http://schemas.microsoft.com/office/powerpoint/2010/main" val="3330682798"/>
       </p:ext>
     </p:extLst>
   </p:cSld>
@@ -6376,7 +7603,7 @@
           <p:cNvPr id="2" name="Title 1">
             <a:extLst>
               <a:ext uri="{FF2B5EF4-FFF2-40B4-BE49-F238E27FC236}">
-                <a16:creationId xmlns:a16="http://schemas.microsoft.com/office/drawing/2014/main" id="{AC3194EE-EFDA-D96A-DC8C-3D711F5512F9}"/>
+                <a16:creationId xmlns:a16="http://schemas.microsoft.com/office/drawing/2014/main" id="{E85CC465-ACE6-5C07-620C-C302D5A9E7D9}"/>
               </a:ext>
             </a:extLst>
           </p:cNvPr>
@@ -6401,7 +7628,7 @@
           <p:cNvPr id="3" name="Content Placeholder 2">
             <a:extLst>
               <a:ext uri="{FF2B5EF4-FFF2-40B4-BE49-F238E27FC236}">
-                <a16:creationId xmlns:a16="http://schemas.microsoft.com/office/drawing/2014/main" id="{D55606A2-DB01-103C-CDB3-ED1A0939D3A9}"/>
+                <a16:creationId xmlns:a16="http://schemas.microsoft.com/office/drawing/2014/main" id="{21421416-AAF1-275D-ADF4-1AAD6BFDA703}"/>
               </a:ext>
             </a:extLst>
           </p:cNvPr>
@@ -6426,7 +7653,7 @@
           <p:cNvPr id="5" name="Picture 4">
             <a:extLst>
               <a:ext uri="{FF2B5EF4-FFF2-40B4-BE49-F238E27FC236}">
-                <a16:creationId xmlns:a16="http://schemas.microsoft.com/office/drawing/2014/main" id="{4DA4F27D-7FA3-6EB4-D3DA-4FB1AB25E00B}"/>
+                <a16:creationId xmlns:a16="http://schemas.microsoft.com/office/drawing/2014/main" id="{A96EB397-4A28-9113-97DD-9B25072F6C98}"/>
               </a:ext>
             </a:extLst>
           </p:cNvPr>
@@ -6443,8 +7670,8 @@
         </p:blipFill>
         <p:spPr>
           <a:xfrm>
-            <a:off x="431347" y="441551"/>
-            <a:ext cx="7867650" cy="4886325"/>
+            <a:off x="227239" y="127907"/>
+            <a:ext cx="9429750" cy="5143500"/>
           </a:xfrm>
           <a:prstGeom prst="rect">
             <a:avLst/>
@@ -6454,7 +7681,7 @@
     </p:spTree>
     <p:extLst>
       <p:ext uri="{BB962C8B-B14F-4D97-AF65-F5344CB8AC3E}">
-        <p14:creationId xmlns:p14="http://schemas.microsoft.com/office/powerpoint/2010/main" val="1102461717"/>
+        <p14:creationId xmlns:p14="http://schemas.microsoft.com/office/powerpoint/2010/main" val="4149541985"/>
       </p:ext>
     </p:extLst>
   </p:cSld>
@@ -6486,7 +7713,7 @@
           <p:cNvPr id="2" name="Title 1">
             <a:extLst>
               <a:ext uri="{FF2B5EF4-FFF2-40B4-BE49-F238E27FC236}">
-                <a16:creationId xmlns:a16="http://schemas.microsoft.com/office/drawing/2014/main" id="{F2026EB2-1C62-92A3-C3C5-FDF3DE2AFF67}"/>
+                <a16:creationId xmlns:a16="http://schemas.microsoft.com/office/drawing/2014/main" id="{AC3194EE-EFDA-D96A-DC8C-3D711F5512F9}"/>
               </a:ext>
             </a:extLst>
           </p:cNvPr>
@@ -6511,7 +7738,7 @@
           <p:cNvPr id="3" name="Content Placeholder 2">
             <a:extLst>
               <a:ext uri="{FF2B5EF4-FFF2-40B4-BE49-F238E27FC236}">
-                <a16:creationId xmlns:a16="http://schemas.microsoft.com/office/drawing/2014/main" id="{D598E547-0B5E-134F-8C48-63F396AD6C69}"/>
+                <a16:creationId xmlns:a16="http://schemas.microsoft.com/office/drawing/2014/main" id="{D55606A2-DB01-103C-CDB3-ED1A0939D3A9}"/>
               </a:ext>
             </a:extLst>
           </p:cNvPr>
@@ -6533,102 +7760,38 @@
       </p:sp>
       <p:pic>
         <p:nvPicPr>
-          <p:cNvPr id="1026" name="Picture 2">
-            <a:extLst>
-              <a:ext uri="{FF2B5EF4-FFF2-40B4-BE49-F238E27FC236}">
-                <a16:creationId xmlns:a16="http://schemas.microsoft.com/office/drawing/2014/main" id="{FC2ACD2A-3D2D-BC93-8096-C1CBEDCF6DAC}"/>
+          <p:cNvPr id="5" name="Picture 4">
+            <a:extLst>
+              <a:ext uri="{FF2B5EF4-FFF2-40B4-BE49-F238E27FC236}">
+                <a16:creationId xmlns:a16="http://schemas.microsoft.com/office/drawing/2014/main" id="{4DA4F27D-7FA3-6EB4-D3DA-4FB1AB25E00B}"/>
               </a:ext>
             </a:extLst>
           </p:cNvPr>
           <p:cNvPicPr>
-            <a:picLocks noChangeAspect="1" noChangeArrowheads="1"/>
+            <a:picLocks noChangeAspect="1"/>
           </p:cNvPicPr>
           <p:nvPr/>
         </p:nvPicPr>
         <p:blipFill>
-          <a:blip r:embed="rId3">
-            <a:extLst>
-              <a:ext uri="{28A0092B-C50C-407E-A947-70E740481C1C}">
-                <a14:useLocalDpi xmlns:a14="http://schemas.microsoft.com/office/drawing/2010/main" val="0"/>
-              </a:ext>
-            </a:extLst>
-          </a:blip>
-          <a:srcRect/>
+          <a:blip r:embed="rId2"/>
           <a:stretch>
             <a:fillRect/>
           </a:stretch>
         </p:blipFill>
-        <p:spPr bwMode="auto">
-          <a:xfrm>
-            <a:off x="990600" y="0"/>
-            <a:ext cx="4114800" cy="6920821"/>
+        <p:spPr>
+          <a:xfrm>
+            <a:off x="431347" y="441551"/>
+            <a:ext cx="7867650" cy="4886325"/>
           </a:xfrm>
           <a:prstGeom prst="rect">
             <a:avLst/>
           </a:prstGeom>
-          <a:noFill/>
-          <a:extLst>
-            <a:ext uri="{909E8E84-426E-40DD-AFC4-6F175D3DCCD1}">
-              <a14:hiddenFill xmlns:a14="http://schemas.microsoft.com/office/drawing/2010/main">
-                <a:solidFill>
-                  <a:srgbClr val="FFFFFF"/>
-                </a:solidFill>
-              </a14:hiddenFill>
-            </a:ext>
-          </a:extLst>
-        </p:spPr>
-      </p:pic>
-      <p:pic>
-        <p:nvPicPr>
-          <p:cNvPr id="1030" name="Picture 6">
-            <a:extLst>
-              <a:ext uri="{FF2B5EF4-FFF2-40B4-BE49-F238E27FC236}">
-                <a16:creationId xmlns:a16="http://schemas.microsoft.com/office/drawing/2014/main" id="{7CB84021-7C1C-0737-0A02-76560D17481D}"/>
-              </a:ext>
-            </a:extLst>
-          </p:cNvPr>
-          <p:cNvPicPr>
-            <a:picLocks noChangeAspect="1" noChangeArrowheads="1"/>
-          </p:cNvPicPr>
-          <p:nvPr/>
-        </p:nvPicPr>
-        <p:blipFill>
-          <a:blip r:embed="rId4">
-            <a:extLst>
-              <a:ext uri="{28A0092B-C50C-407E-A947-70E740481C1C}">
-                <a14:useLocalDpi xmlns:a14="http://schemas.microsoft.com/office/drawing/2010/main" val="0"/>
-              </a:ext>
-            </a:extLst>
-          </a:blip>
-          <a:srcRect/>
-          <a:stretch>
-            <a:fillRect/>
-          </a:stretch>
-        </p:blipFill>
-        <p:spPr bwMode="auto">
-          <a:xfrm>
-            <a:off x="6451600" y="0"/>
-            <a:ext cx="4902200" cy="6858000"/>
-          </a:xfrm>
-          <a:prstGeom prst="rect">
-            <a:avLst/>
-          </a:prstGeom>
-          <a:noFill/>
-          <a:extLst>
-            <a:ext uri="{909E8E84-426E-40DD-AFC4-6F175D3DCCD1}">
-              <a14:hiddenFill xmlns:a14="http://schemas.microsoft.com/office/drawing/2010/main">
-                <a:solidFill>
-                  <a:srgbClr val="FFFFFF"/>
-                </a:solidFill>
-              </a14:hiddenFill>
-            </a:ext>
-          </a:extLst>
         </p:spPr>
       </p:pic>
     </p:spTree>
     <p:extLst>
       <p:ext uri="{BB962C8B-B14F-4D97-AF65-F5344CB8AC3E}">
-        <p14:creationId xmlns:p14="http://schemas.microsoft.com/office/powerpoint/2010/main" val="2957382440"/>
+        <p14:creationId xmlns:p14="http://schemas.microsoft.com/office/powerpoint/2010/main" val="1102461717"/>
       </p:ext>
     </p:extLst>
   </p:cSld>
@@ -6660,7 +7823,7 @@
           <p:cNvPr id="2" name="Title 1">
             <a:extLst>
               <a:ext uri="{FF2B5EF4-FFF2-40B4-BE49-F238E27FC236}">
-                <a16:creationId xmlns:a16="http://schemas.microsoft.com/office/drawing/2014/main" id="{1362BB74-1684-91A5-5FA6-5475F4AFC3E4}"/>
+                <a16:creationId xmlns:a16="http://schemas.microsoft.com/office/drawing/2014/main" id="{F2026EB2-1C62-92A3-C3C5-FDF3DE2AFF67}"/>
               </a:ext>
             </a:extLst>
           </p:cNvPr>
@@ -6671,300 +7834,138 @@
             <p:ph type="title"/>
           </p:nvPr>
         </p:nvSpPr>
-        <p:spPr>
-          <a:xfrm>
-            <a:off x="283029" y="114753"/>
-            <a:ext cx="11070771" cy="1325563"/>
-          </a:xfrm>
-        </p:spPr>
-        <p:txBody>
-          <a:bodyPr>
-            <a:normAutofit/>
-          </a:bodyPr>
-          <a:lstStyle/>
-          <a:p>
-            <a:r>
-              <a:rPr kumimoji="1" lang="en-US" altLang="ja-JP" b="1" dirty="0">
-                <a:solidFill>
-                  <a:schemeClr val="accent5"/>
-                </a:solidFill>
-              </a:rPr>
-              <a:t>Lower and upper bounds on the total variation between Gaussian mixture models</a:t>
-            </a:r>
-            <a:endParaRPr kumimoji="1" lang="ja-JP" altLang="en-US" b="1" dirty="0">
-              <a:solidFill>
-                <a:schemeClr val="accent5"/>
-              </a:solidFill>
-            </a:endParaRPr>
+        <p:spPr/>
+        <p:txBody>
+          <a:bodyPr/>
+          <a:lstStyle/>
+          <a:p>
+            <a:endParaRPr kumimoji="1" lang="ja-JP" altLang="en-US"/>
+          </a:p>
+        </p:txBody>
+      </p:sp>
+      <p:sp>
+        <p:nvSpPr>
+          <p:cNvPr id="3" name="Content Placeholder 2">
+            <a:extLst>
+              <a:ext uri="{FF2B5EF4-FFF2-40B4-BE49-F238E27FC236}">
+                <a16:creationId xmlns:a16="http://schemas.microsoft.com/office/drawing/2014/main" id="{D598E547-0B5E-134F-8C48-63F396AD6C69}"/>
+              </a:ext>
+            </a:extLst>
+          </p:cNvPr>
+          <p:cNvSpPr>
+            <a:spLocks noGrp="1"/>
+          </p:cNvSpPr>
+          <p:nvPr>
+            <p:ph idx="1"/>
+          </p:nvPr>
+        </p:nvSpPr>
+        <p:spPr/>
+        <p:txBody>
+          <a:bodyPr/>
+          <a:lstStyle/>
+          <a:p>
+            <a:endParaRPr kumimoji="1" lang="ja-JP" altLang="en-US"/>
           </a:p>
         </p:txBody>
       </p:sp>
       <p:pic>
         <p:nvPicPr>
-          <p:cNvPr id="5" name="Picture 4">
-            <a:extLst>
-              <a:ext uri="{FF2B5EF4-FFF2-40B4-BE49-F238E27FC236}">
-                <a16:creationId xmlns:a16="http://schemas.microsoft.com/office/drawing/2014/main" id="{0B79B6F3-9BDB-7814-6101-1122984D4759}"/>
+          <p:cNvPr id="1026" name="Picture 2">
+            <a:extLst>
+              <a:ext uri="{FF2B5EF4-FFF2-40B4-BE49-F238E27FC236}">
+                <a16:creationId xmlns:a16="http://schemas.microsoft.com/office/drawing/2014/main" id="{FC2ACD2A-3D2D-BC93-8096-C1CBEDCF6DAC}"/>
               </a:ext>
             </a:extLst>
           </p:cNvPr>
           <p:cNvPicPr>
-            <a:picLocks noChangeAspect="1"/>
+            <a:picLocks noChangeAspect="1" noChangeArrowheads="1"/>
           </p:cNvPicPr>
           <p:nvPr/>
         </p:nvPicPr>
         <p:blipFill>
-          <a:blip r:embed="rId3"/>
+          <a:blip r:embed="rId3">
+            <a:extLst>
+              <a:ext uri="{28A0092B-C50C-407E-A947-70E740481C1C}">
+                <a14:useLocalDpi xmlns:a14="http://schemas.microsoft.com/office/drawing/2010/main" val="0"/>
+              </a:ext>
+            </a:extLst>
+          </a:blip>
+          <a:srcRect/>
           <a:stretch>
             <a:fillRect/>
           </a:stretch>
         </p:blipFill>
-        <p:spPr>
-          <a:xfrm>
-            <a:off x="2960915" y="1440316"/>
-            <a:ext cx="8741228" cy="836327"/>
+        <p:spPr bwMode="auto">
+          <a:xfrm>
+            <a:off x="990600" y="0"/>
+            <a:ext cx="4114800" cy="6920821"/>
           </a:xfrm>
           <a:prstGeom prst="rect">
             <a:avLst/>
           </a:prstGeom>
+          <a:noFill/>
+          <a:extLst>
+            <a:ext uri="{909E8E84-426E-40DD-AFC4-6F175D3DCCD1}">
+              <a14:hiddenFill xmlns:a14="http://schemas.microsoft.com/office/drawing/2010/main">
+                <a:solidFill>
+                  <a:srgbClr val="FFFFFF"/>
+                </a:solidFill>
+              </a14:hiddenFill>
+            </a:ext>
+          </a:extLst>
         </p:spPr>
       </p:pic>
       <p:pic>
         <p:nvPicPr>
-          <p:cNvPr id="7" name="Picture 6">
-            <a:extLst>
-              <a:ext uri="{FF2B5EF4-FFF2-40B4-BE49-F238E27FC236}">
-                <a16:creationId xmlns:a16="http://schemas.microsoft.com/office/drawing/2014/main" id="{BCF7F27E-6739-D312-33CC-F23B41A4D63C}"/>
+          <p:cNvPr id="1030" name="Picture 6">
+            <a:extLst>
+              <a:ext uri="{FF2B5EF4-FFF2-40B4-BE49-F238E27FC236}">
+                <a16:creationId xmlns:a16="http://schemas.microsoft.com/office/drawing/2014/main" id="{7CB84021-7C1C-0737-0A02-76560D17481D}"/>
               </a:ext>
             </a:extLst>
           </p:cNvPr>
           <p:cNvPicPr>
-            <a:picLocks noChangeAspect="1"/>
+            <a:picLocks noChangeAspect="1" noChangeArrowheads="1"/>
           </p:cNvPicPr>
           <p:nvPr/>
         </p:nvPicPr>
         <p:blipFill>
-          <a:blip r:embed="rId4"/>
+          <a:blip r:embed="rId4">
+            <a:extLst>
+              <a:ext uri="{28A0092B-C50C-407E-A947-70E740481C1C}">
+                <a14:useLocalDpi xmlns:a14="http://schemas.microsoft.com/office/drawing/2010/main" val="0"/>
+              </a:ext>
+            </a:extLst>
+          </a:blip>
+          <a:srcRect/>
           <a:stretch>
             <a:fillRect/>
           </a:stretch>
         </p:blipFill>
-        <p:spPr>
-          <a:xfrm>
-            <a:off x="3030897" y="2189553"/>
-            <a:ext cx="6270170" cy="3964774"/>
-          </a:xfrm>
-          <a:prstGeom prst="rect">
-            <a:avLst/>
-          </a:prstGeom>
-        </p:spPr>
-      </p:pic>
-      <p:sp>
-        <p:nvSpPr>
-          <p:cNvPr id="8" name="TextBox 7">
-            <a:extLst>
-              <a:ext uri="{FF2B5EF4-FFF2-40B4-BE49-F238E27FC236}">
-                <a16:creationId xmlns:a16="http://schemas.microsoft.com/office/drawing/2014/main" id="{18AD7C8A-A602-1E01-9A0D-368600F0F3D5}"/>
-              </a:ext>
-            </a:extLst>
-          </p:cNvPr>
-          <p:cNvSpPr txBox="1"/>
-          <p:nvPr/>
-        </p:nvSpPr>
-        <p:spPr>
-          <a:xfrm>
-            <a:off x="283029" y="1543222"/>
-            <a:ext cx="2747868" cy="646331"/>
+        <p:spPr bwMode="auto">
+          <a:xfrm>
+            <a:off x="6451600" y="0"/>
+            <a:ext cx="4902200" cy="6858000"/>
           </a:xfrm>
           <a:prstGeom prst="rect">
             <a:avLst/>
           </a:prstGeom>
           <a:noFill/>
-        </p:spPr>
-        <p:txBody>
-          <a:bodyPr wrap="none" rtlCol="0">
-            <a:spAutoFit/>
-          </a:bodyPr>
-          <a:lstStyle/>
-          <a:p>
-            <a:r>
-              <a:rPr kumimoji="1" lang="en-US" altLang="ja-JP" dirty="0"/>
-              <a:t>Closed-form for</a:t>
-            </a:r>
-          </a:p>
-          <a:p>
-            <a:r>
-              <a:rPr lang="en-US" altLang="ja-JP" dirty="0"/>
-              <a:t>When single component</a:t>
-            </a:r>
-            <a:endParaRPr kumimoji="1" lang="ja-JP" altLang="en-US" dirty="0"/>
-          </a:p>
-        </p:txBody>
-      </p:sp>
-      <p:sp>
-        <p:nvSpPr>
-          <p:cNvPr id="9" name="TextBox 8">
-            <a:extLst>
-              <a:ext uri="{FF2B5EF4-FFF2-40B4-BE49-F238E27FC236}">
-                <a16:creationId xmlns:a16="http://schemas.microsoft.com/office/drawing/2014/main" id="{07B407ED-3B92-D3EC-7999-6EE29DAE2B8B}"/>
-              </a:ext>
-            </a:extLst>
-          </p:cNvPr>
-          <p:cNvSpPr txBox="1"/>
-          <p:nvPr/>
-        </p:nvSpPr>
-        <p:spPr>
-          <a:xfrm>
-            <a:off x="283029" y="2490188"/>
-            <a:ext cx="2794355" cy="369332"/>
-          </a:xfrm>
-          <a:prstGeom prst="rect">
-            <a:avLst/>
-          </a:prstGeom>
-          <a:noFill/>
-        </p:spPr>
-        <p:txBody>
-          <a:bodyPr wrap="none" rtlCol="0">
-            <a:spAutoFit/>
-          </a:bodyPr>
-          <a:lstStyle/>
-          <a:p>
-            <a:r>
-              <a:rPr kumimoji="1" lang="en-US" altLang="ja-JP" dirty="0">
+          <a:extLst>
+            <a:ext uri="{909E8E84-426E-40DD-AFC4-6F175D3DCCD1}">
+              <a14:hiddenFill xmlns:a14="http://schemas.microsoft.com/office/drawing/2010/main">
                 <a:solidFill>
-                  <a:srgbClr val="FF0000"/>
+                  <a:srgbClr val="FFFFFF"/>
                 </a:solidFill>
-              </a:rPr>
-              <a:t>Upper</a:t>
-            </a:r>
-            <a:r>
-              <a:rPr kumimoji="1" lang="en-US" altLang="ja-JP" dirty="0"/>
-              <a:t> and </a:t>
-            </a:r>
-            <a:r>
-              <a:rPr kumimoji="1" lang="en-US" altLang="ja-JP" dirty="0">
-                <a:solidFill>
-                  <a:srgbClr val="0000CC"/>
-                </a:solidFill>
-              </a:rPr>
-              <a:t>lower</a:t>
-            </a:r>
-            <a:r>
-              <a:rPr kumimoji="1" lang="en-US" altLang="ja-JP" dirty="0"/>
-              <a:t> bounds</a:t>
-            </a:r>
-            <a:endParaRPr kumimoji="1" lang="ja-JP" altLang="en-US" dirty="0"/>
-          </a:p>
-        </p:txBody>
-      </p:sp>
-      <p:sp>
-        <p:nvSpPr>
-          <p:cNvPr id="10" name="TextBox 9">
-            <a:extLst>
-              <a:ext uri="{FF2B5EF4-FFF2-40B4-BE49-F238E27FC236}">
-                <a16:creationId xmlns:a16="http://schemas.microsoft.com/office/drawing/2014/main" id="{9FA40F53-C6EE-3683-EA41-723CACE1CC20}"/>
-              </a:ext>
-            </a:extLst>
-          </p:cNvPr>
-          <p:cNvSpPr txBox="1"/>
-          <p:nvPr/>
-        </p:nvSpPr>
-        <p:spPr>
-          <a:xfrm>
-            <a:off x="9960429" y="5889171"/>
-            <a:ext cx="1997663" cy="369332"/>
-          </a:xfrm>
-          <a:prstGeom prst="rect">
-            <a:avLst/>
-          </a:prstGeom>
-          <a:noFill/>
-        </p:spPr>
-        <p:txBody>
-          <a:bodyPr wrap="none" rtlCol="0">
-            <a:spAutoFit/>
-          </a:bodyPr>
-          <a:lstStyle/>
-          <a:p>
-            <a:r>
-              <a:rPr kumimoji="1" lang="en-US" altLang="ja-JP" dirty="0"/>
-              <a:t>arXiv:1806.11311</a:t>
-            </a:r>
-            <a:endParaRPr kumimoji="1" lang="ja-JP" altLang="en-US" dirty="0"/>
-          </a:p>
-        </p:txBody>
-      </p:sp>
-      <p:sp>
-        <p:nvSpPr>
-          <p:cNvPr id="11" name="TextBox 10">
-            <a:extLst>
-              <a:ext uri="{FF2B5EF4-FFF2-40B4-BE49-F238E27FC236}">
-                <a16:creationId xmlns:a16="http://schemas.microsoft.com/office/drawing/2014/main" id="{CBB4FE13-CBCB-77F2-CD04-BE03B04A2093}"/>
-              </a:ext>
-            </a:extLst>
-          </p:cNvPr>
-          <p:cNvSpPr txBox="1"/>
-          <p:nvPr/>
-        </p:nvSpPr>
-        <p:spPr>
-          <a:xfrm>
-            <a:off x="2187338" y="6197087"/>
-            <a:ext cx="10004662" cy="646331"/>
-          </a:xfrm>
-          <a:prstGeom prst="rect">
-            <a:avLst/>
-          </a:prstGeom>
-          <a:noFill/>
-        </p:spPr>
-        <p:txBody>
-          <a:bodyPr wrap="none" rtlCol="0">
-            <a:spAutoFit/>
-          </a:bodyPr>
-          <a:lstStyle/>
-          <a:p>
-            <a:r>
-              <a:rPr lang="en-US" altLang="ja-JP" b="0" i="0" dirty="0">
-                <a:solidFill>
-                  <a:schemeClr val="accent6"/>
-                </a:solidFill>
-                <a:effectLst/>
-                <a:latin typeface="Arial" panose="020B0604020202020204" pitchFamily="34" charset="0"/>
-              </a:rPr>
-              <a:t>"Guaranteed deterministic bounds on the total variation distance between univariate mixtures." </a:t>
-            </a:r>
-          </a:p>
-          <a:p>
-            <a:r>
-              <a:rPr lang="en-US" altLang="ja-JP" b="0" i="1" dirty="0">
-                <a:solidFill>
-                  <a:schemeClr val="accent6"/>
-                </a:solidFill>
-                <a:effectLst/>
-                <a:latin typeface="Arial" panose="020B0604020202020204" pitchFamily="34" charset="0"/>
-              </a:rPr>
-              <a:t>28th International Workshop on Machine Learning for Signal Processing (MLSP)</a:t>
-            </a:r>
-            <a:r>
-              <a:rPr lang="en-US" altLang="ja-JP" b="0" i="0" dirty="0">
-                <a:solidFill>
-                  <a:schemeClr val="accent6"/>
-                </a:solidFill>
-                <a:effectLst/>
-                <a:latin typeface="Arial" panose="020B0604020202020204" pitchFamily="34" charset="0"/>
-              </a:rPr>
-              <a:t>. IEEE, 2018.</a:t>
-            </a:r>
-            <a:endParaRPr kumimoji="1" lang="ja-JP" altLang="en-US" dirty="0">
-              <a:solidFill>
-                <a:schemeClr val="accent6"/>
-              </a:solidFill>
-            </a:endParaRPr>
-          </a:p>
-        </p:txBody>
-      </p:sp>
+              </a14:hiddenFill>
+            </a:ext>
+          </a:extLst>
+        </p:spPr>
+      </p:pic>
     </p:spTree>
     <p:extLst>
       <p:ext uri="{BB962C8B-B14F-4D97-AF65-F5344CB8AC3E}">
-        <p14:creationId xmlns:p14="http://schemas.microsoft.com/office/powerpoint/2010/main" val="1915994485"/>
+        <p14:creationId xmlns:p14="http://schemas.microsoft.com/office/powerpoint/2010/main" val="2957382440"/>
       </p:ext>
     </p:extLst>
   </p:cSld>
@@ -6996,7 +7997,7 @@
           <p:cNvPr id="2" name="Title 1">
             <a:extLst>
               <a:ext uri="{FF2B5EF4-FFF2-40B4-BE49-F238E27FC236}">
-                <a16:creationId xmlns:a16="http://schemas.microsoft.com/office/drawing/2014/main" id="{27BCE41B-8FF4-AC37-F828-5491E7C4EA78}"/>
+                <a16:creationId xmlns:a16="http://schemas.microsoft.com/office/drawing/2014/main" id="{1362BB74-1684-91A5-5FA6-5475F4AFC3E4}"/>
               </a:ext>
             </a:extLst>
           </p:cNvPr>
@@ -7009,12 +8010,14 @@
         </p:nvSpPr>
         <p:spPr>
           <a:xfrm>
-            <a:off x="32004" y="-110363"/>
-            <a:ext cx="11777472" cy="1325563"/>
-          </a:xfrm>
-        </p:spPr>
-        <p:txBody>
-          <a:bodyPr/>
+            <a:off x="283029" y="114753"/>
+            <a:ext cx="11070771" cy="1325563"/>
+          </a:xfrm>
+        </p:spPr>
+        <p:txBody>
+          <a:bodyPr>
+            <a:normAutofit/>
+          </a:bodyPr>
           <a:lstStyle/>
           <a:p>
             <a:r>
@@ -7023,7 +8026,7 @@
                   <a:schemeClr val="accent5"/>
                 </a:solidFill>
               </a:rPr>
-              <a:t>Geometry of domains vs geometry of manifolds</a:t>
+              <a:t>Lower and upper bounds on the total variation between Gaussian mixture models</a:t>
             </a:r>
             <a:endParaRPr kumimoji="1" lang="ja-JP" altLang="en-US" b="1" dirty="0">
               <a:solidFill>
@@ -7033,289 +8036,221 @@
           </a:p>
         </p:txBody>
       </p:sp>
-      <p:sp>
-        <p:nvSpPr>
-          <p:cNvPr id="3" name="Content Placeholder 2">
-            <a:extLst>
-              <a:ext uri="{FF2B5EF4-FFF2-40B4-BE49-F238E27FC236}">
-                <a16:creationId xmlns:a16="http://schemas.microsoft.com/office/drawing/2014/main" id="{E42B9663-0716-B0DD-10BC-31106676E461}"/>
-              </a:ext>
-            </a:extLst>
-          </p:cNvPr>
-          <p:cNvSpPr>
-            <a:spLocks noGrp="1"/>
-          </p:cNvSpPr>
-          <p:nvPr>
-            <p:ph idx="1"/>
-          </p:nvPr>
-        </p:nvSpPr>
+      <p:pic>
+        <p:nvPicPr>
+          <p:cNvPr id="5" name="Picture 4">
+            <a:extLst>
+              <a:ext uri="{FF2B5EF4-FFF2-40B4-BE49-F238E27FC236}">
+                <a16:creationId xmlns:a16="http://schemas.microsoft.com/office/drawing/2014/main" id="{0B79B6F3-9BDB-7814-6101-1122984D4759}"/>
+              </a:ext>
+            </a:extLst>
+          </p:cNvPr>
+          <p:cNvPicPr>
+            <a:picLocks noChangeAspect="1"/>
+          </p:cNvPicPr>
+          <p:nvPr/>
+        </p:nvPicPr>
+        <p:blipFill>
+          <a:blip r:embed="rId3"/>
+          <a:stretch>
+            <a:fillRect/>
+          </a:stretch>
+        </p:blipFill>
         <p:spPr>
           <a:xfrm>
-            <a:off x="0" y="943801"/>
-            <a:ext cx="12159996" cy="4351338"/>
-          </a:xfrm>
-        </p:spPr>
-        <p:txBody>
-          <a:bodyPr>
-            <a:normAutofit/>
+            <a:off x="2960915" y="1440316"/>
+            <a:ext cx="8741228" cy="836327"/>
+          </a:xfrm>
+          <a:prstGeom prst="rect">
+            <a:avLst/>
+          </a:prstGeom>
+        </p:spPr>
+      </p:pic>
+      <p:pic>
+        <p:nvPicPr>
+          <p:cNvPr id="7" name="Picture 6">
+            <a:extLst>
+              <a:ext uri="{FF2B5EF4-FFF2-40B4-BE49-F238E27FC236}">
+                <a16:creationId xmlns:a16="http://schemas.microsoft.com/office/drawing/2014/main" id="{BCF7F27E-6739-D312-33CC-F23B41A4D63C}"/>
+              </a:ext>
+            </a:extLst>
+          </p:cNvPr>
+          <p:cNvPicPr>
+            <a:picLocks noChangeAspect="1"/>
+          </p:cNvPicPr>
+          <p:nvPr/>
+        </p:nvPicPr>
+        <p:blipFill>
+          <a:blip r:embed="rId4"/>
+          <a:stretch>
+            <a:fillRect/>
+          </a:stretch>
+        </p:blipFill>
+        <p:spPr>
+          <a:xfrm>
+            <a:off x="3030897" y="2189553"/>
+            <a:ext cx="6270170" cy="3964774"/>
+          </a:xfrm>
+          <a:prstGeom prst="rect">
+            <a:avLst/>
+          </a:prstGeom>
+        </p:spPr>
+      </p:pic>
+      <p:sp>
+        <p:nvSpPr>
+          <p:cNvPr id="8" name="TextBox 7">
+            <a:extLst>
+              <a:ext uri="{FF2B5EF4-FFF2-40B4-BE49-F238E27FC236}">
+                <a16:creationId xmlns:a16="http://schemas.microsoft.com/office/drawing/2014/main" id="{18AD7C8A-A602-1E01-9A0D-368600F0F3D5}"/>
+              </a:ext>
+            </a:extLst>
+          </p:cNvPr>
+          <p:cNvSpPr txBox="1"/>
+          <p:nvPr/>
+        </p:nvSpPr>
+        <p:spPr>
+          <a:xfrm>
+            <a:off x="283029" y="1543222"/>
+            <a:ext cx="2747868" cy="646331"/>
+          </a:xfrm>
+          <a:prstGeom prst="rect">
+            <a:avLst/>
+          </a:prstGeom>
+          <a:noFill/>
+        </p:spPr>
+        <p:txBody>
+          <a:bodyPr wrap="none" rtlCol="0">
+            <a:spAutoFit/>
           </a:bodyPr>
           <a:lstStyle/>
           <a:p>
             <a:r>
-              <a:rPr kumimoji="1" lang="en-US" altLang="ja-JP" sz="2400" dirty="0"/>
-              <a:t>A manifold M is covered by </a:t>
-            </a:r>
-            <a:r>
-              <a:rPr kumimoji="1" lang="en-US" altLang="ja-JP" sz="2400" b="1" dirty="0">
+              <a:rPr kumimoji="1" lang="en-US" altLang="ja-JP" dirty="0"/>
+              <a:t>Closed-form for</a:t>
+            </a:r>
+          </a:p>
+          <a:p>
+            <a:r>
+              <a:rPr lang="en-US" altLang="ja-JP" dirty="0"/>
+              <a:t>When single component</a:t>
+            </a:r>
+            <a:endParaRPr kumimoji="1" lang="ja-JP" altLang="en-US" dirty="0"/>
+          </a:p>
+        </p:txBody>
+      </p:sp>
+      <p:sp>
+        <p:nvSpPr>
+          <p:cNvPr id="9" name="TextBox 8">
+            <a:extLst>
+              <a:ext uri="{FF2B5EF4-FFF2-40B4-BE49-F238E27FC236}">
+                <a16:creationId xmlns:a16="http://schemas.microsoft.com/office/drawing/2014/main" id="{07B407ED-3B92-D3EC-7999-6EE29DAE2B8B}"/>
+              </a:ext>
+            </a:extLst>
+          </p:cNvPr>
+          <p:cNvSpPr txBox="1"/>
+          <p:nvPr/>
+        </p:nvSpPr>
+        <p:spPr>
+          <a:xfrm>
+            <a:off x="283029" y="2490188"/>
+            <a:ext cx="2794355" cy="369332"/>
+          </a:xfrm>
+          <a:prstGeom prst="rect">
+            <a:avLst/>
+          </a:prstGeom>
+          <a:noFill/>
+        </p:spPr>
+        <p:txBody>
+          <a:bodyPr wrap="none" rtlCol="0">
+            <a:spAutoFit/>
+          </a:bodyPr>
+          <a:lstStyle/>
+          <a:p>
+            <a:r>
+              <a:rPr kumimoji="1" lang="en-US" altLang="ja-JP" dirty="0">
                 <a:solidFill>
                   <a:srgbClr val="FF0000"/>
                 </a:solidFill>
               </a:rPr>
-              <a:t>several local coordinate charts </a:t>
-            </a:r>
-            <a:r>
-              <a:rPr kumimoji="1" lang="en-US" altLang="ja-JP" sz="2400" dirty="0"/>
-              <a:t>forming an atlas</a:t>
-            </a:r>
-          </a:p>
-          <a:p>
-            <a:r>
-              <a:rPr kumimoji="1" lang="en-US" altLang="ja-JP" sz="2400" dirty="0"/>
-              <a:t>View a domain </a:t>
-            </a:r>
-            <a:r>
-              <a:rPr lang="el-GR" altLang="ja-JP" sz="2400" i="0" dirty="0">
-                <a:effectLst/>
-              </a:rPr>
-              <a:t>ϴ</a:t>
-            </a:r>
-            <a:r>
-              <a:rPr lang="en-US" altLang="ja-JP" sz="2400" i="0" dirty="0">
-                <a:effectLst/>
-              </a:rPr>
-              <a:t> as a </a:t>
-            </a:r>
-            <a:r>
-              <a:rPr lang="en-US" altLang="ja-JP" sz="2400" b="1" i="0" dirty="0">
+              <a:t>Upper</a:t>
+            </a:r>
+            <a:r>
+              <a:rPr kumimoji="1" lang="en-US" altLang="ja-JP" dirty="0"/>
+              <a:t> and </a:t>
+            </a:r>
+            <a:r>
+              <a:rPr kumimoji="1" lang="en-US" altLang="ja-JP" dirty="0">
                 <a:solidFill>
-                  <a:srgbClr val="FF0000"/>
-                </a:solidFill>
-                <a:effectLst/>
-              </a:rPr>
-              <a:t>single global chart with </a:t>
-            </a:r>
-            <a:r>
-              <a:rPr lang="en-US" altLang="ja-JP" sz="2400" b="1" dirty="0">
-                <a:solidFill>
-                  <a:srgbClr val="FF0000"/>
+                  <a:srgbClr val="0000CC"/>
                 </a:solidFill>
               </a:rPr>
-              <a:t>coordinate </a:t>
-            </a:r>
-            <a:r>
-              <a:rPr lang="el-GR" altLang="ja-JP" sz="2400" b="0" i="0" dirty="0">
-                <a:effectLst/>
-              </a:rPr>
-              <a:t>θ</a:t>
-            </a:r>
-            <a:r>
-              <a:rPr lang="en-US" altLang="ja-JP" sz="2400" b="0" dirty="0"/>
-              <a:t> in </a:t>
-            </a:r>
-            <a:r>
-              <a:rPr lang="el-GR" altLang="ja-JP" sz="2400" i="0" dirty="0">
-                <a:effectLst/>
-              </a:rPr>
-              <a:t>ϴ</a:t>
-            </a:r>
-            <a:r>
-              <a:rPr lang="en-US" altLang="ja-JP" sz="2400" b="0" dirty="0"/>
-              <a:t> </a:t>
-            </a:r>
-            <a:r>
-              <a:rPr lang="en-US" altLang="ja-JP" sz="2400" i="0" dirty="0">
-                <a:effectLst/>
-              </a:rPr>
-              <a:t>of a manifold: M</a:t>
-            </a:r>
-            <a:r>
-              <a:rPr lang="el-GR" altLang="ja-JP" sz="2400" i="0" baseline="-25000" dirty="0">
-                <a:effectLst/>
-              </a:rPr>
-              <a:t>ϴ</a:t>
-            </a:r>
-            <a:endParaRPr lang="en-US" altLang="ja-JP" sz="2400" i="0" baseline="-25000" dirty="0">
-              <a:effectLst/>
-            </a:endParaRPr>
-          </a:p>
-          <a:p>
-            <a:r>
-              <a:rPr kumimoji="1" lang="en-US" altLang="ja-JP" sz="2400" dirty="0"/>
-              <a:t>Dually flat spaces are single chart manifolds induced by a </a:t>
-            </a:r>
-            <a:r>
-              <a:rPr lang="en-US" altLang="ja-JP" sz="2400" dirty="0"/>
-              <a:t>Legendre-type strictly convex and smooth function defined on a convex domain </a:t>
-            </a:r>
-            <a:r>
-              <a:rPr lang="el-GR" altLang="ja-JP" sz="2400" i="0" dirty="0">
-                <a:effectLst/>
-              </a:rPr>
-              <a:t>ϴ</a:t>
-            </a:r>
-            <a:r>
-              <a:rPr lang="en-US" altLang="ja-JP" sz="2400" i="0" dirty="0">
-                <a:effectLst/>
-              </a:rPr>
-              <a:t>, the </a:t>
-            </a:r>
-            <a:r>
-              <a:rPr lang="en-US" altLang="ja-JP" sz="2400" b="1" i="0" dirty="0">
-                <a:solidFill>
-                  <a:srgbClr val="FF0000"/>
-                </a:solidFill>
-                <a:effectLst/>
-              </a:rPr>
-              <a:t>parameter spaces of statistical models: </a:t>
-            </a:r>
-            <a:r>
-              <a:rPr lang="en-US" altLang="ja-JP" sz="2400" i="0" dirty="0">
-                <a:effectLst/>
-              </a:rPr>
-              <a:t>They are global single chart examples of </a:t>
-            </a:r>
-            <a:r>
-              <a:rPr lang="en-US" altLang="ja-JP" sz="2400" b="1" i="0" dirty="0">
-                <a:solidFill>
-                  <a:srgbClr val="FF0000"/>
-                </a:solidFill>
-                <a:effectLst/>
-              </a:rPr>
-              <a:t>Hessian manifolds</a:t>
-            </a:r>
-            <a:endParaRPr kumimoji="1" lang="ja-JP" altLang="en-US" sz="2400" b="1" dirty="0">
-              <a:solidFill>
-                <a:srgbClr val="FF0000"/>
-              </a:solidFill>
-            </a:endParaRPr>
-          </a:p>
-        </p:txBody>
-      </p:sp>
-      <p:pic>
-        <p:nvPicPr>
-          <p:cNvPr id="1026" name="Picture 2" descr="Information Geometry and Its Applications (Applied Mathematical Sciences,  194): Amari, Shun-ichi: 9784431559771: Amazon.com: Books">
-            <a:extLst>
-              <a:ext uri="{FF2B5EF4-FFF2-40B4-BE49-F238E27FC236}">
-                <a16:creationId xmlns:a16="http://schemas.microsoft.com/office/drawing/2014/main" id="{CB300B17-09F9-3C55-3300-A309EF7784FF}"/>
-              </a:ext>
-            </a:extLst>
-          </p:cNvPr>
-          <p:cNvPicPr>
-            <a:picLocks noChangeAspect="1" noChangeArrowheads="1"/>
-          </p:cNvPicPr>
+              <a:t>lower</a:t>
+            </a:r>
+            <a:r>
+              <a:rPr kumimoji="1" lang="en-US" altLang="ja-JP" dirty="0"/>
+              <a:t> bounds</a:t>
+            </a:r>
+            <a:endParaRPr kumimoji="1" lang="ja-JP" altLang="en-US" dirty="0"/>
+          </a:p>
+        </p:txBody>
+      </p:sp>
+      <p:sp>
+        <p:nvSpPr>
+          <p:cNvPr id="10" name="TextBox 9">
+            <a:extLst>
+              <a:ext uri="{FF2B5EF4-FFF2-40B4-BE49-F238E27FC236}">
+                <a16:creationId xmlns:a16="http://schemas.microsoft.com/office/drawing/2014/main" id="{9FA40F53-C6EE-3683-EA41-723CACE1CC20}"/>
+              </a:ext>
+            </a:extLst>
+          </p:cNvPr>
+          <p:cNvSpPr txBox="1"/>
           <p:nvPr/>
-        </p:nvPicPr>
-        <p:blipFill>
-          <a:blip r:embed="rId3">
-            <a:extLst>
-              <a:ext uri="{28A0092B-C50C-407E-A947-70E740481C1C}">
-                <a14:useLocalDpi xmlns:a14="http://schemas.microsoft.com/office/drawing/2010/main" val="0"/>
-              </a:ext>
-            </a:extLst>
-          </a:blip>
-          <a:srcRect/>
-          <a:stretch>
-            <a:fillRect/>
-          </a:stretch>
-        </p:blipFill>
-        <p:spPr bwMode="auto">
-          <a:xfrm>
-            <a:off x="1484041" y="3005892"/>
-            <a:ext cx="1960415" cy="2952925"/>
+        </p:nvSpPr>
+        <p:spPr>
+          <a:xfrm>
+            <a:off x="9960429" y="5889171"/>
+            <a:ext cx="1997663" cy="369332"/>
           </a:xfrm>
           <a:prstGeom prst="rect">
             <a:avLst/>
           </a:prstGeom>
           <a:noFill/>
-          <a:extLst>
-            <a:ext uri="{909E8E84-426E-40DD-AFC4-6F175D3DCCD1}">
-              <a14:hiddenFill xmlns:a14="http://schemas.microsoft.com/office/drawing/2010/main">
-                <a:solidFill>
-                  <a:srgbClr val="FFFFFF"/>
-                </a:solidFill>
-              </a14:hiddenFill>
-            </a:ext>
-          </a:extLst>
-        </p:spPr>
-      </p:pic>
-      <p:pic>
-        <p:nvPicPr>
-          <p:cNvPr id="1028" name="Picture 4" descr="The Geometry of Hessian Structures : Shima, Hirohiko: Foreign Language  Books - Amazon.co.jp">
-            <a:extLst>
-              <a:ext uri="{FF2B5EF4-FFF2-40B4-BE49-F238E27FC236}">
-                <a16:creationId xmlns:a16="http://schemas.microsoft.com/office/drawing/2014/main" id="{651D9BF4-C3AB-63CA-C68B-0F0EA389D7DD}"/>
-              </a:ext>
-            </a:extLst>
-          </p:cNvPr>
-          <p:cNvPicPr>
-            <a:picLocks noChangeAspect="1" noChangeArrowheads="1"/>
-          </p:cNvPicPr>
+        </p:spPr>
+        <p:txBody>
+          <a:bodyPr wrap="none" rtlCol="0">
+            <a:spAutoFit/>
+          </a:bodyPr>
+          <a:lstStyle/>
+          <a:p>
+            <a:r>
+              <a:rPr kumimoji="1" lang="en-US" altLang="ja-JP" dirty="0"/>
+              <a:t>arXiv:1806.11311</a:t>
+            </a:r>
+            <a:endParaRPr kumimoji="1" lang="ja-JP" altLang="en-US" dirty="0"/>
+          </a:p>
+        </p:txBody>
+      </p:sp>
+      <p:sp>
+        <p:nvSpPr>
+          <p:cNvPr id="11" name="TextBox 10">
+            <a:extLst>
+              <a:ext uri="{FF2B5EF4-FFF2-40B4-BE49-F238E27FC236}">
+                <a16:creationId xmlns:a16="http://schemas.microsoft.com/office/drawing/2014/main" id="{CBB4FE13-CBCB-77F2-CD04-BE03B04A2093}"/>
+              </a:ext>
+            </a:extLst>
+          </p:cNvPr>
+          <p:cNvSpPr txBox="1"/>
           <p:nvPr/>
-        </p:nvPicPr>
-        <p:blipFill>
-          <a:blip r:embed="rId4">
-            <a:extLst>
-              <a:ext uri="{28A0092B-C50C-407E-A947-70E740481C1C}">
-                <a14:useLocalDpi xmlns:a14="http://schemas.microsoft.com/office/drawing/2010/main" val="0"/>
-              </a:ext>
-            </a:extLst>
-          </a:blip>
-          <a:srcRect/>
-          <a:stretch>
-            <a:fillRect/>
-          </a:stretch>
-        </p:blipFill>
-        <p:spPr bwMode="auto">
-          <a:xfrm>
-            <a:off x="6483561" y="3005892"/>
-            <a:ext cx="1960414" cy="2908307"/>
+        </p:nvSpPr>
+        <p:spPr>
+          <a:xfrm>
+            <a:off x="2187338" y="6197087"/>
+            <a:ext cx="10004662" cy="646331"/>
           </a:xfrm>
           <a:prstGeom prst="rect">
             <a:avLst/>
           </a:prstGeom>
           <a:noFill/>
-          <a:extLst>
-            <a:ext uri="{909E8E84-426E-40DD-AFC4-6F175D3DCCD1}">
-              <a14:hiddenFill xmlns:a14="http://schemas.microsoft.com/office/drawing/2010/main">
-                <a:solidFill>
-                  <a:srgbClr val="FFFFFF"/>
-                </a:solidFill>
-              </a14:hiddenFill>
-            </a:ext>
-          </a:extLst>
-        </p:spPr>
-      </p:pic>
-      <p:sp>
-        <p:nvSpPr>
-          <p:cNvPr id="4" name="TextBox 3">
-            <a:extLst>
-              <a:ext uri="{FF2B5EF4-FFF2-40B4-BE49-F238E27FC236}">
-                <a16:creationId xmlns:a16="http://schemas.microsoft.com/office/drawing/2014/main" id="{F855ECBE-A85B-3CEE-EB6C-8290036BBAD9}"/>
-              </a:ext>
-            </a:extLst>
-          </p:cNvPr>
-          <p:cNvSpPr txBox="1"/>
-          <p:nvPr/>
-        </p:nvSpPr>
-        <p:spPr>
-          <a:xfrm>
-            <a:off x="780288" y="5968279"/>
-            <a:ext cx="3490058" cy="830997"/>
-          </a:xfrm>
-          <a:prstGeom prst="rect">
-            <a:avLst/>
-          </a:prstGeom>
-          <a:noFill/>
         </p:spPr>
         <p:txBody>
           <a:bodyPr wrap="none" rtlCol="0">
@@ -7323,27 +8258,39 @@
           </a:bodyPr>
           <a:lstStyle/>
           <a:p>
-            <a:pPr algn="ctr"/>
-            <a:r>
-              <a:rPr kumimoji="1" lang="en-US" altLang="ja-JP" sz="2400" b="1" dirty="0">
+            <a:r>
+              <a:rPr lang="en-US" altLang="ja-JP" b="0" i="0" dirty="0">
                 <a:solidFill>
                   <a:schemeClr val="accent6"/>
                 </a:solidFill>
+                <a:effectLst/>
+                <a:latin typeface="Arial" panose="020B0604020202020204" pitchFamily="34" charset="0"/>
               </a:rPr>
-              <a:t>Geometry of domains:</a:t>
-            </a:r>
-          </a:p>
-          <a:p>
-            <a:pPr algn="ctr"/>
-            <a:r>
-              <a:rPr lang="en-US" altLang="ja-JP" sz="2400" b="1" dirty="0">
+              <a:t>"Guaranteed deterministic bounds on the total variation distance between univariate mixtures." </a:t>
+            </a:r>
+          </a:p>
+          <a:p>
+            <a:r>
+              <a:rPr lang="en-US" altLang="ja-JP" b="0" i="1" dirty="0">
                 <a:solidFill>
                   <a:schemeClr val="accent6"/>
                 </a:solidFill>
+                <a:effectLst/>
+                <a:latin typeface="Arial" panose="020B0604020202020204" pitchFamily="34" charset="0"/>
               </a:rPr>
-              <a:t>Dually flat spaces</a:t>
-            </a:r>
-            <a:endParaRPr kumimoji="1" lang="ja-JP" altLang="en-US" sz="2400" b="1" dirty="0">
+              <a:t>28th International Workshop on Machine Learning for Signal Processing (MLSP)</a:t>
+            </a:r>
+            <a:r>
+              <a:rPr lang="en-US" altLang="ja-JP" b="0" i="0" dirty="0">
+                <a:solidFill>
+                  <a:schemeClr val="accent6"/>
+                </a:solidFill>
+                <a:effectLst/>
+                <a:latin typeface="Arial" panose="020B0604020202020204" pitchFamily="34" charset="0"/>
+              </a:rPr>
+              <a:t>. IEEE, 2018.</a:t>
+            </a:r>
+            <a:endParaRPr kumimoji="1" lang="ja-JP" altLang="en-US" dirty="0">
               <a:solidFill>
                 <a:schemeClr val="accent6"/>
               </a:solidFill>
@@ -7351,113 +8298,10 @@
           </a:p>
         </p:txBody>
       </p:sp>
-      <p:sp>
-        <p:nvSpPr>
-          <p:cNvPr id="5" name="TextBox 4">
-            <a:extLst>
-              <a:ext uri="{FF2B5EF4-FFF2-40B4-BE49-F238E27FC236}">
-                <a16:creationId xmlns:a16="http://schemas.microsoft.com/office/drawing/2014/main" id="{12F57D48-A58A-CA04-257B-E312AB2EC094}"/>
-              </a:ext>
-            </a:extLst>
-          </p:cNvPr>
-          <p:cNvSpPr txBox="1"/>
-          <p:nvPr/>
-        </p:nvSpPr>
-        <p:spPr>
-          <a:xfrm>
-            <a:off x="5504688" y="5975640"/>
-            <a:ext cx="3693640" cy="830997"/>
-          </a:xfrm>
-          <a:prstGeom prst="rect">
-            <a:avLst/>
-          </a:prstGeom>
-          <a:noFill/>
-        </p:spPr>
-        <p:txBody>
-          <a:bodyPr wrap="none" rtlCol="0">
-            <a:spAutoFit/>
-          </a:bodyPr>
-          <a:lstStyle/>
-          <a:p>
-            <a:pPr algn="ctr"/>
-            <a:r>
-              <a:rPr kumimoji="1" lang="en-US" altLang="ja-JP" sz="2400" b="1" dirty="0">
-                <a:solidFill>
-                  <a:schemeClr val="accent6"/>
-                </a:solidFill>
-              </a:rPr>
-              <a:t>Geometry of manifolds:</a:t>
-            </a:r>
-          </a:p>
-          <a:p>
-            <a:pPr algn="ctr"/>
-            <a:r>
-              <a:rPr lang="en-US" altLang="ja-JP" sz="2400" b="1" dirty="0">
-                <a:solidFill>
-                  <a:schemeClr val="accent6"/>
-                </a:solidFill>
-              </a:rPr>
-              <a:t>Hessian manifolds</a:t>
-            </a:r>
-            <a:endParaRPr kumimoji="1" lang="ja-JP" altLang="en-US" sz="2400" b="1" dirty="0">
-              <a:solidFill>
-                <a:schemeClr val="accent6"/>
-              </a:solidFill>
-            </a:endParaRPr>
-          </a:p>
-        </p:txBody>
-      </p:sp>
-      <p:pic>
-        <p:nvPicPr>
-          <p:cNvPr id="1030" name="Picture 6" descr="Amazon.co.jp: Progress in Information Geometry: Theory and Applications  (Signals and Communication Technology) : Nielsen, Frank: Foreign Language  Books">
-            <a:extLst>
-              <a:ext uri="{FF2B5EF4-FFF2-40B4-BE49-F238E27FC236}">
-                <a16:creationId xmlns:a16="http://schemas.microsoft.com/office/drawing/2014/main" id="{0F28A831-3FA3-F519-EC30-F87465681CD6}"/>
-              </a:ext>
-            </a:extLst>
-          </p:cNvPr>
-          <p:cNvPicPr>
-            <a:picLocks noChangeAspect="1" noChangeArrowheads="1"/>
-          </p:cNvPicPr>
-          <p:nvPr/>
-        </p:nvPicPr>
-        <p:blipFill>
-          <a:blip r:embed="rId5">
-            <a:extLst>
-              <a:ext uri="{28A0092B-C50C-407E-A947-70E740481C1C}">
-                <a14:useLocalDpi xmlns:a14="http://schemas.microsoft.com/office/drawing/2010/main" val="0"/>
-              </a:ext>
-            </a:extLst>
-          </a:blip>
-          <a:srcRect/>
-          <a:stretch>
-            <a:fillRect/>
-          </a:stretch>
-        </p:blipFill>
-        <p:spPr bwMode="auto">
-          <a:xfrm>
-            <a:off x="10507403" y="4624028"/>
-            <a:ext cx="1302073" cy="1961282"/>
-          </a:xfrm>
-          <a:prstGeom prst="rect">
-            <a:avLst/>
-          </a:prstGeom>
-          <a:noFill/>
-          <a:extLst>
-            <a:ext uri="{909E8E84-426E-40DD-AFC4-6F175D3DCCD1}">
-              <a14:hiddenFill xmlns:a14="http://schemas.microsoft.com/office/drawing/2010/main">
-                <a:solidFill>
-                  <a:srgbClr val="FFFFFF"/>
-                </a:solidFill>
-              </a14:hiddenFill>
-            </a:ext>
-          </a:extLst>
-        </p:spPr>
-      </p:pic>
     </p:spTree>
     <p:extLst>
       <p:ext uri="{BB962C8B-B14F-4D97-AF65-F5344CB8AC3E}">
-        <p14:creationId xmlns:p14="http://schemas.microsoft.com/office/powerpoint/2010/main" val="36081684"/>
+        <p14:creationId xmlns:p14="http://schemas.microsoft.com/office/powerpoint/2010/main" val="1915994485"/>
       </p:ext>
     </p:extLst>
   </p:cSld>
